--- a/grande.pptx
+++ b/grande.pptx
@@ -16,9 +16,9 @@
     <p:sldId id="263" r:id="rId9"/>
     <p:sldId id="264" r:id="rId10"/>
     <p:sldId id="267" r:id="rId11"/>
-    <p:sldId id="273" r:id="rId12"/>
-    <p:sldId id="274" r:id="rId13"/>
-    <p:sldId id="276" r:id="rId14"/>
+    <p:sldId id="278" r:id="rId12"/>
+    <p:sldId id="279" r:id="rId13"/>
+    <p:sldId id="280" r:id="rId14"/>
     <p:sldId id="277" r:id="rId15"/>
   </p:sldIdLst>
   <p:sldSz cx="12192000" cy="6858000"/>
@@ -4746,24 +4746,31 @@
       <p:grpSpPr/>
       <p:sp>
         <p:nvSpPr>
-          <p:cNvPr id="2" name="椭圆 1"/>
+          <p:cNvPr id="24" name="矩形 23"/>
           <p:cNvSpPr/>
           <p:nvPr/>
         </p:nvSpPr>
         <p:spPr>
           <a:xfrm>
-            <a:off x="4391660" y="3750945"/>
-            <a:ext cx="707390" cy="707390"/>
-          </a:xfrm>
-          <a:prstGeom prst="ellipse">
-            <a:avLst/>
-          </a:prstGeom>
-          <a:solidFill>
-            <a:schemeClr val="bg1"/>
-          </a:solidFill>
+            <a:off x="1032510" y="1047750"/>
+            <a:ext cx="2860675" cy="1663065"/>
+          </a:xfrm>
+          <a:prstGeom prst="rect">
+            <a:avLst/>
+          </a:prstGeom>
+          <a:noFill/>
           <a:ln>
             <a:noFill/>
           </a:ln>
+          <a:extLst>
+            <a:ext uri="{909E8E84-426E-40DD-AFC4-6F175D3DCCD1}">
+              <a14:hiddenFill xmlns:a14="http://schemas.microsoft.com/office/drawing/2010/main">
+                <a:solidFill>
+                  <a:schemeClr val="accent1"/>
+                </a:solidFill>
+              </a14:hiddenFill>
+            </a:ext>
+          </a:extLst>
         </p:spPr>
         <p:style>
           <a:lnRef idx="2">
@@ -4784,33 +4791,68 @@
         <p:txBody>
           <a:bodyPr rtlCol="0" anchor="ctr"/>
           <a:p>
-            <a:pPr algn="ctr"/>
-            <a:endParaRPr lang="zh-CN" altLang="en-US"/>
-          </a:p>
-        </p:txBody>
-      </p:sp>
-      <p:sp>
-        <p:nvSpPr>
-          <p:cNvPr id="3" name="椭圆 2"/>
+            <a:pPr algn="l"/>
+            <a:r>
+              <a:rPr lang="en-US" altLang="zh-CN" sz="4800">
+                <a:solidFill>
+                  <a:srgbClr val="2ECC71"/>
+                </a:solidFill>
+                <a:latin typeface="Kunstler Script" panose="030304020206070D0D06" charset="0"/>
+                <a:ea typeface="微软雅黑" panose="020B0503020204020204" charset="-122"/>
+              </a:rPr>
+              <a:t>//</a:t>
+            </a:r>
+            <a:r>
+              <a:rPr lang="en-US" altLang="zh-CN" sz="11500" b="1">
+                <a:solidFill>
+                  <a:schemeClr val="tx1">
+                    <a:lumMod val="50000"/>
+                    <a:lumOff val="50000"/>
+                  </a:schemeClr>
+                </a:solidFill>
+                <a:latin typeface="Letter Gothic Std" panose="020B0409020202030304" charset="0"/>
+              </a:rPr>
+              <a:t>E</a:t>
+            </a:r>
+            <a:endParaRPr lang="en-US" altLang="zh-CN" sz="11500" b="1">
+              <a:solidFill>
+                <a:schemeClr val="tx1">
+                  <a:lumMod val="50000"/>
+                  <a:lumOff val="50000"/>
+                </a:schemeClr>
+              </a:solidFill>
+              <a:latin typeface="Letter Gothic Std" panose="020B0409020202030304" charset="0"/>
+            </a:endParaRPr>
+          </a:p>
+        </p:txBody>
+      </p:sp>
+      <p:sp>
+        <p:nvSpPr>
+          <p:cNvPr id="32" name="矩形 31"/>
           <p:cNvSpPr/>
           <p:nvPr/>
         </p:nvSpPr>
         <p:spPr>
-          <a:xfrm>
-            <a:off x="3314065" y="1372235"/>
-            <a:ext cx="707390" cy="707390"/>
-          </a:xfrm>
-          <a:prstGeom prst="ellipse">
-            <a:avLst/>
-          </a:prstGeom>
-          <a:solidFill>
-            <a:schemeClr val="bg2">
-              <a:lumMod val="25000"/>
-            </a:schemeClr>
-          </a:solidFill>
+          <a:xfrm rot="10800000">
+            <a:off x="2538730" y="862965"/>
+            <a:ext cx="1110615" cy="1348740"/>
+          </a:xfrm>
+          <a:prstGeom prst="rect">
+            <a:avLst/>
+          </a:prstGeom>
+          <a:noFill/>
           <a:ln>
             <a:noFill/>
           </a:ln>
+          <a:extLst>
+            <a:ext uri="{909E8E84-426E-40DD-AFC4-6F175D3DCCD1}">
+              <a14:hiddenFill xmlns:a14="http://schemas.microsoft.com/office/drawing/2010/main">
+                <a:solidFill>
+                  <a:schemeClr val="accent1"/>
+                </a:solidFill>
+              </a14:hiddenFill>
+            </a:ext>
+          </a:extLst>
         </p:spPr>
         <p:style>
           <a:lnRef idx="2">
@@ -4831,33 +4873,60 @@
         <p:txBody>
           <a:bodyPr rtlCol="0" anchor="ctr"/>
           <a:p>
-            <a:pPr algn="ctr"/>
-            <a:endParaRPr lang="zh-CN" altLang="en-US"/>
-          </a:p>
-        </p:txBody>
-      </p:sp>
-      <p:sp>
-        <p:nvSpPr>
-          <p:cNvPr id="4" name="椭圆 3"/>
+            <a:pPr algn="l"/>
+            <a:r>
+              <a:rPr lang="en-US" altLang="zh-CN" sz="11500" b="1">
+                <a:solidFill>
+                  <a:schemeClr val="tx1">
+                    <a:lumMod val="50000"/>
+                    <a:lumOff val="50000"/>
+                  </a:schemeClr>
+                </a:solidFill>
+                <a:latin typeface="Letter Gothic Std" panose="020B0409020202030304" charset="0"/>
+                <a:sym typeface="+mn-ea"/>
+              </a:rPr>
+              <a:t>F</a:t>
+            </a:r>
+            <a:endParaRPr lang="en-US" altLang="zh-CN" sz="11500" b="1">
+              <a:solidFill>
+                <a:schemeClr val="tx1">
+                  <a:lumMod val="50000"/>
+                  <a:lumOff val="50000"/>
+                </a:schemeClr>
+              </a:solidFill>
+              <a:latin typeface="Letter Gothic Std" panose="020B0409020202030304" charset="0"/>
+              <a:sym typeface="+mn-ea"/>
+            </a:endParaRPr>
+          </a:p>
+        </p:txBody>
+      </p:sp>
+      <p:sp>
+        <p:nvSpPr>
+          <p:cNvPr id="3" name="矩形 2"/>
           <p:cNvSpPr/>
           <p:nvPr/>
         </p:nvSpPr>
         <p:spPr>
           <a:xfrm>
-            <a:off x="2823210" y="3891915"/>
-            <a:ext cx="566420" cy="566420"/>
-          </a:xfrm>
-          <a:prstGeom prst="ellipse">
-            <a:avLst/>
-          </a:prstGeom>
-          <a:solidFill>
-            <a:schemeClr val="bg2">
-              <a:lumMod val="25000"/>
-            </a:schemeClr>
-          </a:solidFill>
+            <a:off x="2195195" y="1275080"/>
+            <a:ext cx="708025" cy="795020"/>
+          </a:xfrm>
+          <a:prstGeom prst="rect">
+            <a:avLst/>
+          </a:prstGeom>
+          <a:noFill/>
           <a:ln>
             <a:noFill/>
           </a:ln>
+          <a:extLst>
+            <a:ext uri="{909E8E84-426E-40DD-AFC4-6F175D3DCCD1}">
+              <a14:hiddenFill xmlns:a14="http://schemas.microsoft.com/office/drawing/2010/main">
+                <a:solidFill>
+                  <a:schemeClr val="accent1"/>
+                </a:solidFill>
+              </a14:hiddenFill>
+            </a:ext>
+          </a:extLst>
         </p:spPr>
         <p:style>
           <a:lnRef idx="2">
@@ -4878,33 +4947,56 @@
         <p:txBody>
           <a:bodyPr rtlCol="0" anchor="ctr"/>
           <a:p>
-            <a:pPr algn="ctr"/>
-            <a:endParaRPr lang="zh-CN" altLang="en-US"/>
-          </a:p>
-        </p:txBody>
-      </p:sp>
-      <p:sp>
-        <p:nvSpPr>
-          <p:cNvPr id="6" name="椭圆 5"/>
+            <a:pPr algn="l"/>
+            <a:r>
+              <a:rPr lang="en-US" altLang="zh-CN" sz="4800">
+                <a:solidFill>
+                  <a:srgbClr val="2ECC71"/>
+                </a:solidFill>
+                <a:latin typeface="Letter Gothic Std" panose="020B0409020202030304" charset="0"/>
+                <a:sym typeface="+mn-ea"/>
+              </a:rPr>
+              <a:t>❀</a:t>
+            </a:r>
+            <a:endParaRPr lang="en-US" altLang="zh-CN" sz="4800" b="1">
+              <a:solidFill>
+                <a:schemeClr val="tx1">
+                  <a:lumMod val="50000"/>
+                  <a:lumOff val="50000"/>
+                </a:schemeClr>
+              </a:solidFill>
+              <a:latin typeface="Letter Gothic Std" panose="020B0409020202030304" charset="0"/>
+            </a:endParaRPr>
+          </a:p>
+        </p:txBody>
+      </p:sp>
+      <p:sp>
+        <p:nvSpPr>
+          <p:cNvPr id="5" name="矩形 4"/>
           <p:cNvSpPr/>
           <p:nvPr/>
         </p:nvSpPr>
         <p:spPr>
           <a:xfrm>
-            <a:off x="3389630" y="2590165"/>
-            <a:ext cx="555625" cy="555625"/>
-          </a:xfrm>
-          <a:prstGeom prst="ellipse">
-            <a:avLst/>
-          </a:prstGeom>
-          <a:solidFill>
-            <a:schemeClr val="bg2">
-              <a:lumMod val="25000"/>
-            </a:schemeClr>
-          </a:solidFill>
+            <a:off x="2256155" y="1073150"/>
+            <a:ext cx="1110615" cy="330835"/>
+          </a:xfrm>
+          <a:prstGeom prst="rect">
+            <a:avLst/>
+          </a:prstGeom>
+          <a:noFill/>
           <a:ln>
             <a:noFill/>
           </a:ln>
+          <a:extLst>
+            <a:ext uri="{909E8E84-426E-40DD-AFC4-6F175D3DCCD1}">
+              <a14:hiddenFill xmlns:a14="http://schemas.microsoft.com/office/drawing/2010/main">
+                <a:solidFill>
+                  <a:schemeClr val="accent1"/>
+                </a:solidFill>
+              </a14:hiddenFill>
+            </a:ext>
+          </a:extLst>
         </p:spPr>
         <p:style>
           <a:lnRef idx="2">
@@ -4925,2254 +5017,24 @@
         <p:txBody>
           <a:bodyPr rtlCol="0" anchor="ctr"/>
           <a:p>
-            <a:pPr algn="ctr"/>
-            <a:endParaRPr lang="zh-CN" altLang="en-US"/>
-          </a:p>
-        </p:txBody>
-      </p:sp>
-      <p:sp>
-        <p:nvSpPr>
-          <p:cNvPr id="7" name="椭圆 6"/>
-          <p:cNvSpPr/>
-          <p:nvPr/>
-        </p:nvSpPr>
-        <p:spPr>
-          <a:xfrm>
-            <a:off x="5826125" y="1284605"/>
-            <a:ext cx="425450" cy="425450"/>
-          </a:xfrm>
-          <a:prstGeom prst="ellipse">
-            <a:avLst/>
-          </a:prstGeom>
-          <a:solidFill>
-            <a:schemeClr val="bg2">
-              <a:lumMod val="25000"/>
-            </a:schemeClr>
-          </a:solidFill>
-          <a:ln>
-            <a:noFill/>
-          </a:ln>
-        </p:spPr>
-        <p:style>
-          <a:lnRef idx="2">
-            <a:schemeClr val="accent1">
-              <a:shade val="50000"/>
-            </a:schemeClr>
-          </a:lnRef>
-          <a:fillRef idx="1">
-            <a:schemeClr val="accent1"/>
-          </a:fillRef>
-          <a:effectRef idx="0">
-            <a:schemeClr val="accent1"/>
-          </a:effectRef>
-          <a:fontRef idx="minor">
-            <a:schemeClr val="lt1"/>
-          </a:fontRef>
-        </p:style>
-        <p:txBody>
-          <a:bodyPr rtlCol="0" anchor="ctr"/>
-          <a:p>
-            <a:pPr algn="ctr"/>
-            <a:endParaRPr lang="zh-CN" altLang="en-US"/>
-          </a:p>
-        </p:txBody>
-      </p:sp>
-      <p:sp>
-        <p:nvSpPr>
-          <p:cNvPr id="8" name="椭圆 7"/>
-          <p:cNvSpPr/>
-          <p:nvPr/>
-        </p:nvSpPr>
-        <p:spPr>
-          <a:xfrm>
-            <a:off x="4912995" y="2155190"/>
-            <a:ext cx="707390" cy="707390"/>
-          </a:xfrm>
-          <a:prstGeom prst="ellipse">
-            <a:avLst/>
-          </a:prstGeom>
-          <a:solidFill>
-            <a:schemeClr val="bg2">
-              <a:lumMod val="25000"/>
-            </a:schemeClr>
-          </a:solidFill>
-          <a:ln>
-            <a:noFill/>
-          </a:ln>
-        </p:spPr>
-        <p:style>
-          <a:lnRef idx="2">
-            <a:schemeClr val="accent1">
-              <a:shade val="50000"/>
-            </a:schemeClr>
-          </a:lnRef>
-          <a:fillRef idx="1">
-            <a:schemeClr val="accent1"/>
-          </a:fillRef>
-          <a:effectRef idx="0">
-            <a:schemeClr val="accent1"/>
-          </a:effectRef>
-          <a:fontRef idx="minor">
-            <a:schemeClr val="lt1"/>
-          </a:fontRef>
-        </p:style>
-        <p:txBody>
-          <a:bodyPr rtlCol="0" anchor="ctr"/>
-          <a:p>
-            <a:pPr algn="ctr"/>
-            <a:endParaRPr lang="zh-CN" altLang="en-US"/>
-          </a:p>
-        </p:txBody>
-      </p:sp>
-      <p:sp>
-        <p:nvSpPr>
-          <p:cNvPr id="9" name="椭圆 8"/>
-          <p:cNvSpPr/>
-          <p:nvPr/>
-        </p:nvSpPr>
-        <p:spPr>
-          <a:xfrm>
-            <a:off x="802005" y="1468755"/>
-            <a:ext cx="523240" cy="523240"/>
-          </a:xfrm>
-          <a:prstGeom prst="ellipse">
-            <a:avLst/>
-          </a:prstGeom>
-          <a:solidFill>
-            <a:schemeClr val="bg2">
-              <a:lumMod val="25000"/>
-            </a:schemeClr>
-          </a:solidFill>
-          <a:ln>
-            <a:noFill/>
-          </a:ln>
-        </p:spPr>
-        <p:style>
-          <a:lnRef idx="2">
-            <a:schemeClr val="accent1">
-              <a:shade val="50000"/>
-            </a:schemeClr>
-          </a:lnRef>
-          <a:fillRef idx="1">
-            <a:schemeClr val="accent1"/>
-          </a:fillRef>
-          <a:effectRef idx="0">
-            <a:schemeClr val="accent1"/>
-          </a:effectRef>
-          <a:fontRef idx="minor">
-            <a:schemeClr val="lt1"/>
-          </a:fontRef>
-        </p:style>
-        <p:txBody>
-          <a:bodyPr rtlCol="0" anchor="ctr"/>
-          <a:p>
-            <a:pPr algn="ctr"/>
-            <a:endParaRPr lang="zh-CN" altLang="en-US"/>
-          </a:p>
-        </p:txBody>
-      </p:sp>
-      <p:sp>
-        <p:nvSpPr>
-          <p:cNvPr id="10" name="椭圆 9"/>
-          <p:cNvSpPr/>
-          <p:nvPr/>
-        </p:nvSpPr>
-        <p:spPr>
-          <a:xfrm>
-            <a:off x="1530350" y="761365"/>
-            <a:ext cx="523240" cy="523240"/>
-          </a:xfrm>
-          <a:prstGeom prst="ellipse">
-            <a:avLst/>
-          </a:prstGeom>
-          <a:solidFill>
-            <a:schemeClr val="bg2">
-              <a:lumMod val="25000"/>
-            </a:schemeClr>
-          </a:solidFill>
-          <a:ln>
-            <a:noFill/>
-          </a:ln>
-        </p:spPr>
-        <p:style>
-          <a:lnRef idx="2">
-            <a:schemeClr val="accent1">
-              <a:shade val="50000"/>
-            </a:schemeClr>
-          </a:lnRef>
-          <a:fillRef idx="1">
-            <a:schemeClr val="accent1"/>
-          </a:fillRef>
-          <a:effectRef idx="0">
-            <a:schemeClr val="accent1"/>
-          </a:effectRef>
-          <a:fontRef idx="minor">
-            <a:schemeClr val="lt1"/>
-          </a:fontRef>
-        </p:style>
-        <p:txBody>
-          <a:bodyPr rtlCol="0" anchor="ctr"/>
-          <a:p>
-            <a:pPr algn="ctr"/>
-            <a:endParaRPr lang="zh-CN" altLang="en-US"/>
-          </a:p>
-        </p:txBody>
-      </p:sp>
-      <p:sp>
-        <p:nvSpPr>
-          <p:cNvPr id="11" name="椭圆 10"/>
-          <p:cNvSpPr/>
-          <p:nvPr/>
-        </p:nvSpPr>
-        <p:spPr>
-          <a:xfrm>
-            <a:off x="1464945" y="2480310"/>
-            <a:ext cx="523240" cy="523240"/>
-          </a:xfrm>
-          <a:prstGeom prst="ellipse">
-            <a:avLst/>
-          </a:prstGeom>
-          <a:solidFill>
-            <a:schemeClr val="bg2">
-              <a:lumMod val="25000"/>
-            </a:schemeClr>
-          </a:solidFill>
-          <a:ln>
-            <a:noFill/>
-          </a:ln>
-        </p:spPr>
-        <p:style>
-          <a:lnRef idx="2">
-            <a:schemeClr val="accent1">
-              <a:shade val="50000"/>
-            </a:schemeClr>
-          </a:lnRef>
-          <a:fillRef idx="1">
-            <a:schemeClr val="accent1"/>
-          </a:fillRef>
-          <a:effectRef idx="0">
-            <a:schemeClr val="accent1"/>
-          </a:effectRef>
-          <a:fontRef idx="minor">
-            <a:schemeClr val="lt1"/>
-          </a:fontRef>
-        </p:style>
-        <p:txBody>
-          <a:bodyPr rtlCol="0" anchor="ctr"/>
-          <a:p>
-            <a:pPr algn="ctr"/>
-            <a:endParaRPr lang="zh-CN" altLang="en-US"/>
-          </a:p>
-        </p:txBody>
-      </p:sp>
-      <p:sp>
-        <p:nvSpPr>
-          <p:cNvPr id="12" name="椭圆 11"/>
-          <p:cNvSpPr/>
-          <p:nvPr/>
-        </p:nvSpPr>
-        <p:spPr>
-          <a:xfrm>
-            <a:off x="659765" y="3556635"/>
-            <a:ext cx="523240" cy="523240"/>
-          </a:xfrm>
-          <a:prstGeom prst="ellipse">
-            <a:avLst/>
-          </a:prstGeom>
-          <a:solidFill>
-            <a:schemeClr val="bg2">
-              <a:lumMod val="25000"/>
-            </a:schemeClr>
-          </a:solidFill>
-          <a:ln>
-            <a:noFill/>
-          </a:ln>
-        </p:spPr>
-        <p:style>
-          <a:lnRef idx="2">
-            <a:schemeClr val="accent1">
-              <a:shade val="50000"/>
-            </a:schemeClr>
-          </a:lnRef>
-          <a:fillRef idx="1">
-            <a:schemeClr val="accent1"/>
-          </a:fillRef>
-          <a:effectRef idx="0">
-            <a:schemeClr val="accent1"/>
-          </a:effectRef>
-          <a:fontRef idx="minor">
-            <a:schemeClr val="lt1"/>
-          </a:fontRef>
-        </p:style>
-        <p:txBody>
-          <a:bodyPr rtlCol="0" anchor="ctr"/>
-          <a:p>
-            <a:pPr algn="ctr"/>
-            <a:endParaRPr lang="zh-CN" altLang="en-US"/>
-          </a:p>
-        </p:txBody>
-      </p:sp>
-      <p:sp>
-        <p:nvSpPr>
-          <p:cNvPr id="13" name="椭圆 12"/>
-          <p:cNvSpPr/>
-          <p:nvPr/>
-        </p:nvSpPr>
-        <p:spPr>
-          <a:xfrm>
-            <a:off x="1464945" y="5057140"/>
-            <a:ext cx="523240" cy="523240"/>
-          </a:xfrm>
-          <a:prstGeom prst="ellipse">
-            <a:avLst/>
-          </a:prstGeom>
-          <a:solidFill>
-            <a:schemeClr val="bg2">
-              <a:lumMod val="25000"/>
-            </a:schemeClr>
-          </a:solidFill>
-          <a:ln>
-            <a:noFill/>
-          </a:ln>
-        </p:spPr>
-        <p:style>
-          <a:lnRef idx="2">
-            <a:schemeClr val="accent1">
-              <a:shade val="50000"/>
-            </a:schemeClr>
-          </a:lnRef>
-          <a:fillRef idx="1">
-            <a:schemeClr val="accent1"/>
-          </a:fillRef>
-          <a:effectRef idx="0">
-            <a:schemeClr val="accent1"/>
-          </a:effectRef>
-          <a:fontRef idx="minor">
-            <a:schemeClr val="lt1"/>
-          </a:fontRef>
-        </p:style>
-        <p:txBody>
-          <a:bodyPr rtlCol="0" anchor="ctr"/>
-          <a:p>
-            <a:pPr algn="ctr"/>
-            <a:endParaRPr lang="zh-CN" altLang="en-US"/>
-          </a:p>
-        </p:txBody>
-      </p:sp>
-      <p:sp>
-        <p:nvSpPr>
-          <p:cNvPr id="14" name="椭圆 13"/>
-          <p:cNvSpPr/>
-          <p:nvPr/>
-        </p:nvSpPr>
-        <p:spPr>
-          <a:xfrm>
-            <a:off x="3007995" y="5251450"/>
-            <a:ext cx="566420" cy="566420"/>
-          </a:xfrm>
-          <a:prstGeom prst="ellipse">
-            <a:avLst/>
-          </a:prstGeom>
-          <a:solidFill>
-            <a:schemeClr val="bg2">
-              <a:lumMod val="25000"/>
-            </a:schemeClr>
-          </a:solidFill>
-          <a:ln>
-            <a:noFill/>
-          </a:ln>
-        </p:spPr>
-        <p:style>
-          <a:lnRef idx="2">
-            <a:schemeClr val="accent1">
-              <a:shade val="50000"/>
-            </a:schemeClr>
-          </a:lnRef>
-          <a:fillRef idx="1">
-            <a:schemeClr val="accent1"/>
-          </a:fillRef>
-          <a:effectRef idx="0">
-            <a:schemeClr val="accent1"/>
-          </a:effectRef>
-          <a:fontRef idx="minor">
-            <a:schemeClr val="lt1"/>
-          </a:fontRef>
-        </p:style>
-        <p:txBody>
-          <a:bodyPr rtlCol="0" anchor="ctr"/>
-          <a:p>
-            <a:pPr algn="ctr"/>
-            <a:endParaRPr lang="zh-CN" altLang="en-US"/>
-          </a:p>
-        </p:txBody>
-      </p:sp>
-      <p:sp>
-        <p:nvSpPr>
-          <p:cNvPr id="15" name="椭圆 14"/>
-          <p:cNvSpPr/>
-          <p:nvPr/>
-        </p:nvSpPr>
-        <p:spPr>
-          <a:xfrm>
-            <a:off x="4502150" y="5222240"/>
-            <a:ext cx="707390" cy="707390"/>
-          </a:xfrm>
-          <a:prstGeom prst="ellipse">
-            <a:avLst/>
-          </a:prstGeom>
-          <a:solidFill>
-            <a:schemeClr val="bg2">
-              <a:lumMod val="25000"/>
-            </a:schemeClr>
-          </a:solidFill>
-          <a:ln>
-            <a:noFill/>
-          </a:ln>
-        </p:spPr>
-        <p:style>
-          <a:lnRef idx="2">
-            <a:schemeClr val="accent1">
-              <a:shade val="50000"/>
-            </a:schemeClr>
-          </a:lnRef>
-          <a:fillRef idx="1">
-            <a:schemeClr val="accent1"/>
-          </a:fillRef>
-          <a:effectRef idx="0">
-            <a:schemeClr val="accent1"/>
-          </a:effectRef>
-          <a:fontRef idx="minor">
-            <a:schemeClr val="lt1"/>
-          </a:fontRef>
-        </p:style>
-        <p:txBody>
-          <a:bodyPr rtlCol="0" anchor="ctr"/>
-          <a:p>
-            <a:pPr algn="ctr"/>
-            <a:endParaRPr lang="zh-CN" altLang="en-US"/>
-          </a:p>
-        </p:txBody>
-      </p:sp>
-      <p:sp>
-        <p:nvSpPr>
-          <p:cNvPr id="16" name="椭圆 15"/>
-          <p:cNvSpPr/>
-          <p:nvPr/>
-        </p:nvSpPr>
-        <p:spPr>
-          <a:xfrm>
-            <a:off x="8046085" y="4305300"/>
-            <a:ext cx="566420" cy="566420"/>
-          </a:xfrm>
-          <a:prstGeom prst="ellipse">
-            <a:avLst/>
-          </a:prstGeom>
-          <a:solidFill>
-            <a:schemeClr val="bg2">
-              <a:lumMod val="25000"/>
-            </a:schemeClr>
-          </a:solidFill>
-          <a:ln>
-            <a:noFill/>
-          </a:ln>
-        </p:spPr>
-        <p:style>
-          <a:lnRef idx="2">
-            <a:schemeClr val="accent1">
-              <a:shade val="50000"/>
-            </a:schemeClr>
-          </a:lnRef>
-          <a:fillRef idx="1">
-            <a:schemeClr val="accent1"/>
-          </a:fillRef>
-          <a:effectRef idx="0">
-            <a:schemeClr val="accent1"/>
-          </a:effectRef>
-          <a:fontRef idx="minor">
-            <a:schemeClr val="lt1"/>
-          </a:fontRef>
-        </p:style>
-        <p:txBody>
-          <a:bodyPr rtlCol="0" anchor="ctr"/>
-          <a:p>
-            <a:pPr algn="ctr"/>
-            <a:endParaRPr lang="zh-CN" altLang="en-US"/>
-          </a:p>
-        </p:txBody>
-      </p:sp>
-      <p:sp>
-        <p:nvSpPr>
-          <p:cNvPr id="17" name="椭圆 16"/>
-          <p:cNvSpPr/>
-          <p:nvPr/>
-        </p:nvSpPr>
-        <p:spPr>
-          <a:xfrm>
-            <a:off x="6870700" y="2079625"/>
-            <a:ext cx="707390" cy="707390"/>
-          </a:xfrm>
-          <a:prstGeom prst="ellipse">
-            <a:avLst/>
-          </a:prstGeom>
-          <a:solidFill>
-            <a:schemeClr val="bg2">
-              <a:lumMod val="25000"/>
-            </a:schemeClr>
-          </a:solidFill>
-          <a:ln>
-            <a:noFill/>
-          </a:ln>
-        </p:spPr>
-        <p:style>
-          <a:lnRef idx="2">
-            <a:schemeClr val="accent1">
-              <a:shade val="50000"/>
-            </a:schemeClr>
-          </a:lnRef>
-          <a:fillRef idx="1">
-            <a:schemeClr val="accent1"/>
-          </a:fillRef>
-          <a:effectRef idx="0">
-            <a:schemeClr val="accent1"/>
-          </a:effectRef>
-          <a:fontRef idx="minor">
-            <a:schemeClr val="lt1"/>
-          </a:fontRef>
-        </p:style>
-        <p:txBody>
-          <a:bodyPr rtlCol="0" anchor="ctr"/>
-          <a:p>
-            <a:pPr algn="ctr"/>
-            <a:endParaRPr lang="zh-CN" altLang="en-US"/>
-          </a:p>
-        </p:txBody>
-      </p:sp>
-      <p:sp>
-        <p:nvSpPr>
-          <p:cNvPr id="18" name="椭圆 17"/>
-          <p:cNvSpPr/>
-          <p:nvPr/>
-        </p:nvSpPr>
-        <p:spPr>
-          <a:xfrm>
-            <a:off x="6459855" y="5146675"/>
-            <a:ext cx="707390" cy="707390"/>
-          </a:xfrm>
-          <a:prstGeom prst="ellipse">
-            <a:avLst/>
-          </a:prstGeom>
-          <a:solidFill>
-            <a:schemeClr val="bg2">
-              <a:lumMod val="25000"/>
-            </a:schemeClr>
-          </a:solidFill>
-          <a:ln>
-            <a:noFill/>
-          </a:ln>
-        </p:spPr>
-        <p:style>
-          <a:lnRef idx="2">
-            <a:schemeClr val="accent1">
-              <a:shade val="50000"/>
-            </a:schemeClr>
-          </a:lnRef>
-          <a:fillRef idx="1">
-            <a:schemeClr val="accent1"/>
-          </a:fillRef>
-          <a:effectRef idx="0">
-            <a:schemeClr val="accent1"/>
-          </a:effectRef>
-          <a:fontRef idx="minor">
-            <a:schemeClr val="lt1"/>
-          </a:fontRef>
-        </p:style>
-        <p:txBody>
-          <a:bodyPr rtlCol="0" anchor="ctr"/>
-          <a:p>
-            <a:pPr algn="ctr"/>
-            <a:endParaRPr lang="zh-CN" altLang="en-US"/>
-          </a:p>
-        </p:txBody>
-      </p:sp>
-      <p:sp>
-        <p:nvSpPr>
-          <p:cNvPr id="19" name="椭圆 18"/>
-          <p:cNvSpPr/>
-          <p:nvPr/>
-        </p:nvSpPr>
-        <p:spPr>
-          <a:xfrm>
-            <a:off x="8785860" y="2663190"/>
-            <a:ext cx="566420" cy="566420"/>
-          </a:xfrm>
-          <a:prstGeom prst="ellipse">
-            <a:avLst/>
-          </a:prstGeom>
-          <a:solidFill>
-            <a:schemeClr val="bg2">
-              <a:lumMod val="25000"/>
-            </a:schemeClr>
-          </a:solidFill>
-          <a:ln>
-            <a:noFill/>
-          </a:ln>
-        </p:spPr>
-        <p:style>
-          <a:lnRef idx="2">
-            <a:schemeClr val="accent1">
-              <a:shade val="50000"/>
-            </a:schemeClr>
-          </a:lnRef>
-          <a:fillRef idx="1">
-            <a:schemeClr val="accent1"/>
-          </a:fillRef>
-          <a:effectRef idx="0">
-            <a:schemeClr val="accent1"/>
-          </a:effectRef>
-          <a:fontRef idx="minor">
-            <a:schemeClr val="lt1"/>
-          </a:fontRef>
-        </p:style>
-        <p:txBody>
-          <a:bodyPr rtlCol="0" anchor="ctr"/>
-          <a:p>
-            <a:pPr algn="ctr"/>
-            <a:endParaRPr lang="zh-CN" altLang="en-US"/>
-          </a:p>
-        </p:txBody>
-      </p:sp>
-      <p:sp>
-        <p:nvSpPr>
-          <p:cNvPr id="20" name="椭圆 19"/>
-          <p:cNvSpPr/>
-          <p:nvPr/>
-        </p:nvSpPr>
-        <p:spPr>
-          <a:xfrm>
-            <a:off x="6459855" y="3131185"/>
-            <a:ext cx="425450" cy="425450"/>
-          </a:xfrm>
-          <a:prstGeom prst="ellipse">
-            <a:avLst/>
-          </a:prstGeom>
-          <a:solidFill>
-            <a:schemeClr val="bg2">
-              <a:lumMod val="25000"/>
-            </a:schemeClr>
-          </a:solidFill>
-          <a:ln>
-            <a:noFill/>
-          </a:ln>
-        </p:spPr>
-        <p:style>
-          <a:lnRef idx="2">
-            <a:schemeClr val="accent1">
-              <a:shade val="50000"/>
-            </a:schemeClr>
-          </a:lnRef>
-          <a:fillRef idx="1">
-            <a:schemeClr val="accent1"/>
-          </a:fillRef>
-          <a:effectRef idx="0">
-            <a:schemeClr val="accent1"/>
-          </a:effectRef>
-          <a:fontRef idx="minor">
-            <a:schemeClr val="lt1"/>
-          </a:fontRef>
-        </p:style>
-        <p:txBody>
-          <a:bodyPr rtlCol="0" anchor="ctr"/>
-          <a:p>
-            <a:pPr algn="ctr"/>
-            <a:endParaRPr lang="zh-CN" altLang="en-US"/>
-          </a:p>
-        </p:txBody>
-      </p:sp>
-      <p:sp>
-        <p:nvSpPr>
-          <p:cNvPr id="21" name="椭圆 20"/>
-          <p:cNvSpPr/>
-          <p:nvPr/>
-        </p:nvSpPr>
-        <p:spPr>
-          <a:xfrm>
-            <a:off x="9352280" y="894080"/>
-            <a:ext cx="815975" cy="815975"/>
-          </a:xfrm>
-          <a:prstGeom prst="ellipse">
-            <a:avLst/>
-          </a:prstGeom>
-          <a:solidFill>
-            <a:schemeClr val="bg2">
-              <a:lumMod val="25000"/>
-            </a:schemeClr>
-          </a:solidFill>
-          <a:ln>
-            <a:noFill/>
-          </a:ln>
-        </p:spPr>
-        <p:style>
-          <a:lnRef idx="2">
-            <a:schemeClr val="accent1">
-              <a:shade val="50000"/>
-            </a:schemeClr>
-          </a:lnRef>
-          <a:fillRef idx="1">
-            <a:schemeClr val="accent1"/>
-          </a:fillRef>
-          <a:effectRef idx="0">
-            <a:schemeClr val="accent1"/>
-          </a:effectRef>
-          <a:fontRef idx="minor">
-            <a:schemeClr val="lt1"/>
-          </a:fontRef>
-        </p:style>
-        <p:txBody>
-          <a:bodyPr rtlCol="0" anchor="ctr"/>
-          <a:p>
-            <a:pPr algn="ctr"/>
-            <a:endParaRPr lang="zh-CN" altLang="en-US"/>
-          </a:p>
-        </p:txBody>
-      </p:sp>
-      <p:sp>
-        <p:nvSpPr>
-          <p:cNvPr id="22" name="椭圆 21"/>
-          <p:cNvSpPr/>
-          <p:nvPr/>
-        </p:nvSpPr>
-        <p:spPr>
-          <a:xfrm>
-            <a:off x="7394575" y="894080"/>
-            <a:ext cx="523240" cy="523240"/>
-          </a:xfrm>
-          <a:prstGeom prst="ellipse">
-            <a:avLst/>
-          </a:prstGeom>
-          <a:solidFill>
-            <a:schemeClr val="bg2">
-              <a:lumMod val="25000"/>
-            </a:schemeClr>
-          </a:solidFill>
-          <a:ln>
-            <a:noFill/>
-          </a:ln>
-        </p:spPr>
-        <p:style>
-          <a:lnRef idx="2">
-            <a:schemeClr val="accent1">
-              <a:shade val="50000"/>
-            </a:schemeClr>
-          </a:lnRef>
-          <a:fillRef idx="1">
-            <a:schemeClr val="accent1"/>
-          </a:fillRef>
-          <a:effectRef idx="0">
-            <a:schemeClr val="accent1"/>
-          </a:effectRef>
-          <a:fontRef idx="minor">
-            <a:schemeClr val="lt1"/>
-          </a:fontRef>
-        </p:style>
-        <p:txBody>
-          <a:bodyPr rtlCol="0" anchor="ctr"/>
-          <a:p>
-            <a:pPr algn="ctr"/>
-            <a:endParaRPr lang="zh-CN" altLang="en-US"/>
-          </a:p>
-        </p:txBody>
-      </p:sp>
-      <p:sp>
-        <p:nvSpPr>
-          <p:cNvPr id="23" name="椭圆 22"/>
-          <p:cNvSpPr/>
-          <p:nvPr/>
-        </p:nvSpPr>
-        <p:spPr>
-          <a:xfrm>
-            <a:off x="5936615" y="4079875"/>
-            <a:ext cx="523240" cy="523240"/>
-          </a:xfrm>
-          <a:prstGeom prst="ellipse">
-            <a:avLst/>
-          </a:prstGeom>
-          <a:solidFill>
-            <a:schemeClr val="bg2">
-              <a:lumMod val="25000"/>
-            </a:schemeClr>
-          </a:solidFill>
-          <a:ln>
-            <a:noFill/>
-          </a:ln>
-        </p:spPr>
-        <p:style>
-          <a:lnRef idx="2">
-            <a:schemeClr val="accent1">
-              <a:shade val="50000"/>
-            </a:schemeClr>
-          </a:lnRef>
-          <a:fillRef idx="1">
-            <a:schemeClr val="accent1"/>
-          </a:fillRef>
-          <a:effectRef idx="0">
-            <a:schemeClr val="accent1"/>
-          </a:effectRef>
-          <a:fontRef idx="minor">
-            <a:schemeClr val="lt1"/>
-          </a:fontRef>
-        </p:style>
-        <p:txBody>
-          <a:bodyPr rtlCol="0" anchor="ctr"/>
-          <a:p>
-            <a:pPr algn="ctr"/>
-            <a:endParaRPr lang="zh-CN" altLang="en-US"/>
-          </a:p>
-        </p:txBody>
-      </p:sp>
-      <p:sp>
-        <p:nvSpPr>
-          <p:cNvPr id="25" name="矩形 24"/>
-          <p:cNvSpPr/>
-          <p:nvPr/>
-        </p:nvSpPr>
-        <p:spPr>
-          <a:xfrm>
-            <a:off x="10189845" y="4058920"/>
-            <a:ext cx="1544955" cy="914400"/>
-          </a:xfrm>
-          <a:prstGeom prst="rect">
-            <a:avLst/>
-          </a:prstGeom>
-          <a:noFill/>
-          <a:ln>
-            <a:noFill/>
-          </a:ln>
-          <a:extLst>
-            <a:ext uri="{909E8E84-426E-40DD-AFC4-6F175D3DCCD1}">
-              <a14:hiddenFill xmlns:a14="http://schemas.microsoft.com/office/drawing/2010/main">
-                <a:solidFill>
-                  <a:schemeClr val="accent1"/>
-                </a:solidFill>
-              </a14:hiddenFill>
-            </a:ext>
-          </a:extLst>
-        </p:spPr>
-        <p:style>
-          <a:lnRef idx="2">
-            <a:schemeClr val="accent1">
-              <a:shade val="50000"/>
-            </a:schemeClr>
-          </a:lnRef>
-          <a:fillRef idx="1">
-            <a:schemeClr val="accent1"/>
-          </a:fillRef>
-          <a:effectRef idx="0">
-            <a:schemeClr val="accent1"/>
-          </a:effectRef>
-          <a:fontRef idx="minor">
-            <a:schemeClr val="lt1"/>
-          </a:fontRef>
-        </p:style>
-        <p:txBody>
-          <a:bodyPr rtlCol="0" anchor="ctr"/>
-          <a:p>
-            <a:pPr algn="ctr"/>
-            <a:r>
-              <a:rPr lang="en-US" altLang="zh-CN" sz="2400" b="1">
-                <a:solidFill>
-                  <a:schemeClr val="tx1">
-                    <a:lumMod val="85000"/>
-                    <a:lumOff val="15000"/>
-                  </a:schemeClr>
+            <a:pPr algn="l"/>
+            <a:r>
+              <a:rPr lang="en-US" altLang="zh-CN" sz="1000" b="1">
+                <a:solidFill>
+                  <a:srgbClr val="2ECC71"/>
                 </a:solidFill>
                 <a:latin typeface="Letter Gothic Std" panose="020B0409020202030304" charset="0"/>
+                <a:sym typeface="+mn-ea"/>
               </a:rPr>
-              <a:t>CUTLINE</a:t>
-            </a:r>
-            <a:endParaRPr lang="en-US" altLang="zh-CN" sz="2400" b="1">
+              <a:t>{ nothing }</a:t>
+            </a:r>
+            <a:endParaRPr lang="en-US" altLang="zh-CN" sz="1000" b="1">
               <a:solidFill>
-                <a:schemeClr val="tx1">
-                  <a:lumMod val="85000"/>
-                  <a:lumOff val="15000"/>
-                </a:schemeClr>
+                <a:srgbClr val="2ECC71"/>
               </a:solidFill>
               <a:latin typeface="Letter Gothic Std" panose="020B0409020202030304" charset="0"/>
+              <a:sym typeface="+mn-ea"/>
             </a:endParaRPr>
-          </a:p>
-        </p:txBody>
-      </p:sp>
-      <p:sp>
-        <p:nvSpPr>
-          <p:cNvPr id="26" name="矩形 25"/>
-          <p:cNvSpPr/>
-          <p:nvPr/>
-        </p:nvSpPr>
-        <p:spPr>
-          <a:xfrm>
-            <a:off x="10276840" y="5068570"/>
-            <a:ext cx="1349375" cy="420370"/>
-          </a:xfrm>
-          <a:prstGeom prst="rect">
-            <a:avLst/>
-          </a:prstGeom>
-          <a:solidFill>
-            <a:schemeClr val="bg1"/>
-          </a:solidFill>
-          <a:ln>
-            <a:noFill/>
-          </a:ln>
-        </p:spPr>
-        <p:style>
-          <a:lnRef idx="2">
-            <a:schemeClr val="accent1">
-              <a:shade val="50000"/>
-            </a:schemeClr>
-          </a:lnRef>
-          <a:fillRef idx="1">
-            <a:schemeClr val="accent1"/>
-          </a:fillRef>
-          <a:effectRef idx="0">
-            <a:schemeClr val="accent1"/>
-          </a:effectRef>
-          <a:fontRef idx="minor">
-            <a:schemeClr val="lt1"/>
-          </a:fontRef>
-        </p:style>
-        <p:txBody>
-          <a:bodyPr rtlCol="0" anchor="ctr"/>
-          <a:p>
-            <a:pPr algn="ctr"/>
-            <a:r>
-              <a:rPr lang="en-US" altLang="zh-CN">
-                <a:solidFill>
-                  <a:schemeClr val="tx1">
-                    <a:lumMod val="85000"/>
-                    <a:lumOff val="15000"/>
-                  </a:schemeClr>
-                </a:solidFill>
-              </a:rPr>
-              <a:t>#000000</a:t>
-            </a:r>
-            <a:endParaRPr lang="en-US" altLang="zh-CN">
-              <a:solidFill>
-                <a:schemeClr val="tx1">
-                  <a:lumMod val="85000"/>
-                  <a:lumOff val="15000"/>
-                </a:schemeClr>
-              </a:solidFill>
-            </a:endParaRPr>
-          </a:p>
-        </p:txBody>
-      </p:sp>
-      <p:sp>
-        <p:nvSpPr>
-          <p:cNvPr id="27" name="矩形 26"/>
-          <p:cNvSpPr/>
-          <p:nvPr/>
-        </p:nvSpPr>
-        <p:spPr>
-          <a:xfrm>
-            <a:off x="10287635" y="5817870"/>
-            <a:ext cx="1349375" cy="420370"/>
-          </a:xfrm>
-          <a:prstGeom prst="rect">
-            <a:avLst/>
-          </a:prstGeom>
-          <a:solidFill>
-            <a:schemeClr val="tx1">
-              <a:lumMod val="75000"/>
-              <a:lumOff val="25000"/>
-            </a:schemeClr>
-          </a:solidFill>
-          <a:ln>
-            <a:noFill/>
-          </a:ln>
-        </p:spPr>
-        <p:style>
-          <a:lnRef idx="2">
-            <a:schemeClr val="accent1">
-              <a:shade val="50000"/>
-            </a:schemeClr>
-          </a:lnRef>
-          <a:fillRef idx="1">
-            <a:schemeClr val="accent1"/>
-          </a:fillRef>
-          <a:effectRef idx="0">
-            <a:schemeClr val="accent1"/>
-          </a:effectRef>
-          <a:fontRef idx="minor">
-            <a:schemeClr val="lt1"/>
-          </a:fontRef>
-        </p:style>
-        <p:txBody>
-          <a:bodyPr rtlCol="0" anchor="ctr"/>
-          <a:p>
-            <a:pPr algn="ctr"/>
-            <a:r>
-              <a:rPr lang="en-US" altLang="zh-CN">
-                <a:solidFill>
-                  <a:schemeClr val="bg1"/>
-                </a:solidFill>
-              </a:rPr>
-              <a:t>#FFFFFF</a:t>
-            </a:r>
-            <a:endParaRPr lang="en-US" altLang="zh-CN">
-              <a:solidFill>
-                <a:schemeClr val="bg1"/>
-              </a:solidFill>
-            </a:endParaRPr>
-          </a:p>
-        </p:txBody>
-      </p:sp>
-      <p:cxnSp>
-        <p:nvCxnSpPr>
-          <p:cNvPr id="28" name="直接连接符 27"/>
-          <p:cNvCxnSpPr/>
-          <p:nvPr/>
-        </p:nvCxnSpPr>
-        <p:spPr>
-          <a:xfrm>
-            <a:off x="9839960" y="4691380"/>
-            <a:ext cx="2338705" cy="0"/>
-          </a:xfrm>
-          <a:prstGeom prst="line">
-            <a:avLst/>
-          </a:prstGeom>
-          <a:ln>
-            <a:solidFill>
-              <a:schemeClr val="tx1">
-                <a:lumMod val="75000"/>
-                <a:lumOff val="25000"/>
-              </a:schemeClr>
-            </a:solidFill>
-          </a:ln>
-        </p:spPr>
-        <p:style>
-          <a:lnRef idx="1">
-            <a:schemeClr val="accent1"/>
-          </a:lnRef>
-          <a:fillRef idx="0">
-            <a:schemeClr val="accent1"/>
-          </a:fillRef>
-          <a:effectRef idx="0">
-            <a:schemeClr val="accent1"/>
-          </a:effectRef>
-          <a:fontRef idx="minor">
-            <a:schemeClr val="tx1"/>
-          </a:fontRef>
-        </p:style>
-      </p:cxnSp>
-      <p:cxnSp>
-        <p:nvCxnSpPr>
-          <p:cNvPr id="29" name="直接连接符 28"/>
-          <p:cNvCxnSpPr/>
-          <p:nvPr/>
-        </p:nvCxnSpPr>
-        <p:spPr>
-          <a:xfrm>
-            <a:off x="9836150" y="4767580"/>
-            <a:ext cx="2338705" cy="0"/>
-          </a:xfrm>
-          <a:prstGeom prst="line">
-            <a:avLst/>
-          </a:prstGeom>
-          <a:ln>
-            <a:solidFill>
-              <a:schemeClr val="tx1">
-                <a:lumMod val="75000"/>
-                <a:lumOff val="25000"/>
-              </a:schemeClr>
-            </a:solidFill>
-          </a:ln>
-        </p:spPr>
-        <p:style>
-          <a:lnRef idx="1">
-            <a:schemeClr val="accent1"/>
-          </a:lnRef>
-          <a:fillRef idx="0">
-            <a:schemeClr val="accent1"/>
-          </a:fillRef>
-          <a:effectRef idx="0">
-            <a:schemeClr val="accent1"/>
-          </a:effectRef>
-          <a:fontRef idx="minor">
-            <a:schemeClr val="tx1"/>
-          </a:fontRef>
-        </p:style>
-      </p:cxnSp>
-      <p:sp>
-        <p:nvSpPr>
-          <p:cNvPr id="30" name="矩形 29"/>
-          <p:cNvSpPr/>
-          <p:nvPr/>
-        </p:nvSpPr>
-        <p:spPr>
-          <a:xfrm>
-            <a:off x="83820" y="130175"/>
-            <a:ext cx="914400" cy="556260"/>
-          </a:xfrm>
-          <a:prstGeom prst="rect">
-            <a:avLst/>
-          </a:prstGeom>
-          <a:noFill/>
-          <a:ln>
-            <a:noFill/>
-          </a:ln>
-          <a:extLst>
-            <a:ext uri="{909E8E84-426E-40DD-AFC4-6F175D3DCCD1}">
-              <a14:hiddenFill xmlns:a14="http://schemas.microsoft.com/office/drawing/2010/main">
-                <a:solidFill>
-                  <a:schemeClr val="accent1"/>
-                </a:solidFill>
-              </a14:hiddenFill>
-            </a:ext>
-          </a:extLst>
-        </p:spPr>
-        <p:style>
-          <a:lnRef idx="2">
-            <a:schemeClr val="accent1">
-              <a:shade val="50000"/>
-            </a:schemeClr>
-          </a:lnRef>
-          <a:fillRef idx="1">
-            <a:schemeClr val="accent1"/>
-          </a:fillRef>
-          <a:effectRef idx="0">
-            <a:schemeClr val="accent1"/>
-          </a:effectRef>
-          <a:fontRef idx="minor">
-            <a:schemeClr val="lt1"/>
-          </a:fontRef>
-        </p:style>
-        <p:txBody>
-          <a:bodyPr rtlCol="0" anchor="ctr"/>
-          <a:p>
-            <a:pPr algn="ctr"/>
-            <a:r>
-              <a:rPr lang="en-US" altLang="zh-CN" b="1">
-                <a:solidFill>
-                  <a:schemeClr val="tx1">
-                    <a:lumMod val="75000"/>
-                    <a:lumOff val="25000"/>
-                  </a:schemeClr>
-                </a:solidFill>
-                <a:latin typeface="Letter Gothic Std" panose="020B0409020202030304" charset="0"/>
-              </a:rPr>
-              <a:t>P 3</a:t>
-            </a:r>
-            <a:endParaRPr lang="en-US" altLang="zh-CN" b="1">
-              <a:solidFill>
-                <a:schemeClr val="tx1">
-                  <a:lumMod val="75000"/>
-                  <a:lumOff val="25000"/>
-                </a:schemeClr>
-              </a:solidFill>
-              <a:latin typeface="Letter Gothic Std" panose="020B0409020202030304" charset="0"/>
-            </a:endParaRPr>
-          </a:p>
-        </p:txBody>
-      </p:sp>
-      <p:cxnSp>
-        <p:nvCxnSpPr>
-          <p:cNvPr id="31" name="直接连接符 30"/>
-          <p:cNvCxnSpPr/>
-          <p:nvPr/>
-        </p:nvCxnSpPr>
-        <p:spPr>
-          <a:xfrm>
-            <a:off x="83820" y="502920"/>
-            <a:ext cx="9714230" cy="6275070"/>
-          </a:xfrm>
-          <a:prstGeom prst="line">
-            <a:avLst/>
-          </a:prstGeom>
-          <a:ln>
-            <a:solidFill>
-              <a:srgbClr val="E74C3C"/>
-            </a:solidFill>
-          </a:ln>
-        </p:spPr>
-        <p:style>
-          <a:lnRef idx="1">
-            <a:schemeClr val="accent1"/>
-          </a:lnRef>
-          <a:fillRef idx="0">
-            <a:schemeClr val="accent1"/>
-          </a:fillRef>
-          <a:effectRef idx="0">
-            <a:schemeClr val="accent1"/>
-          </a:effectRef>
-          <a:fontRef idx="minor">
-            <a:schemeClr val="tx1"/>
-          </a:fontRef>
-        </p:style>
-      </p:cxnSp>
-      <p:cxnSp>
-        <p:nvCxnSpPr>
-          <p:cNvPr id="32" name="直接连接符 31"/>
-          <p:cNvCxnSpPr/>
-          <p:nvPr/>
-        </p:nvCxnSpPr>
-        <p:spPr>
-          <a:xfrm flipH="1">
-            <a:off x="161925" y="339725"/>
-            <a:ext cx="11191875" cy="6221095"/>
-          </a:xfrm>
-          <a:prstGeom prst="line">
-            <a:avLst/>
-          </a:prstGeom>
-          <a:ln>
-            <a:solidFill>
-              <a:srgbClr val="E74C3C"/>
-            </a:solidFill>
-          </a:ln>
-        </p:spPr>
-        <p:style>
-          <a:lnRef idx="1">
-            <a:schemeClr val="dk1"/>
-          </a:lnRef>
-          <a:fillRef idx="0">
-            <a:schemeClr val="dk1"/>
-          </a:fillRef>
-          <a:effectRef idx="0">
-            <a:schemeClr val="dk1"/>
-          </a:effectRef>
-          <a:fontRef idx="minor">
-            <a:schemeClr val="tx1"/>
-          </a:fontRef>
-        </p:style>
-      </p:cxnSp>
-      <p:cxnSp>
-        <p:nvCxnSpPr>
-          <p:cNvPr id="33" name="直接连接符 32"/>
-          <p:cNvCxnSpPr/>
-          <p:nvPr/>
-        </p:nvCxnSpPr>
-        <p:spPr>
-          <a:xfrm flipH="1">
-            <a:off x="629920" y="154940"/>
-            <a:ext cx="728345" cy="6231890"/>
-          </a:xfrm>
-          <a:prstGeom prst="line">
-            <a:avLst/>
-          </a:prstGeom>
-          <a:ln>
-            <a:solidFill>
-              <a:srgbClr val="E74C3C"/>
-            </a:solidFill>
-          </a:ln>
-        </p:spPr>
-        <p:style>
-          <a:lnRef idx="1">
-            <a:schemeClr val="accent1"/>
-          </a:lnRef>
-          <a:fillRef idx="0">
-            <a:schemeClr val="accent1"/>
-          </a:fillRef>
-          <a:effectRef idx="0">
-            <a:schemeClr val="accent1"/>
-          </a:effectRef>
-          <a:fontRef idx="minor">
-            <a:schemeClr val="tx1"/>
-          </a:fontRef>
-        </p:style>
-      </p:cxnSp>
-      <p:cxnSp>
-        <p:nvCxnSpPr>
-          <p:cNvPr id="34" name="直接连接符 33"/>
-          <p:cNvCxnSpPr/>
-          <p:nvPr/>
-        </p:nvCxnSpPr>
-        <p:spPr>
-          <a:xfrm>
-            <a:off x="695325" y="2145030"/>
-            <a:ext cx="8867140" cy="2179955"/>
-          </a:xfrm>
-          <a:prstGeom prst="line">
-            <a:avLst/>
-          </a:prstGeom>
-          <a:ln>
-            <a:solidFill>
-              <a:srgbClr val="FF0000"/>
-            </a:solidFill>
-          </a:ln>
-        </p:spPr>
-        <p:style>
-          <a:lnRef idx="1">
-            <a:schemeClr val="accent1"/>
-          </a:lnRef>
-          <a:fillRef idx="0">
-            <a:schemeClr val="accent1"/>
-          </a:fillRef>
-          <a:effectRef idx="0">
-            <a:schemeClr val="accent1"/>
-          </a:effectRef>
-          <a:fontRef idx="minor">
-            <a:schemeClr val="tx1"/>
-          </a:fontRef>
-        </p:style>
-      </p:cxnSp>
-      <p:cxnSp>
-        <p:nvCxnSpPr>
-          <p:cNvPr id="36" name="直接连接符 35"/>
-          <p:cNvCxnSpPr/>
-          <p:nvPr/>
-        </p:nvCxnSpPr>
-        <p:spPr>
-          <a:xfrm flipH="1">
-            <a:off x="129540" y="1220470"/>
-            <a:ext cx="11561445" cy="3067050"/>
-          </a:xfrm>
-          <a:prstGeom prst="line">
-            <a:avLst/>
-          </a:prstGeom>
-          <a:ln>
-            <a:solidFill>
-              <a:srgbClr val="FF0000"/>
-            </a:solidFill>
-          </a:ln>
-        </p:spPr>
-        <p:style>
-          <a:lnRef idx="1">
-            <a:schemeClr val="accent1"/>
-          </a:lnRef>
-          <a:fillRef idx="0">
-            <a:schemeClr val="accent1"/>
-          </a:fillRef>
-          <a:effectRef idx="0">
-            <a:schemeClr val="accent1"/>
-          </a:effectRef>
-          <a:fontRef idx="minor">
-            <a:schemeClr val="tx1"/>
-          </a:fontRef>
-        </p:style>
-      </p:cxnSp>
-      <p:cxnSp>
-        <p:nvCxnSpPr>
-          <p:cNvPr id="37" name="直接连接符 36"/>
-          <p:cNvCxnSpPr/>
-          <p:nvPr/>
-        </p:nvCxnSpPr>
-        <p:spPr>
-          <a:xfrm>
-            <a:off x="532130" y="1024890"/>
-            <a:ext cx="3784600" cy="5764530"/>
-          </a:xfrm>
-          <a:prstGeom prst="line">
-            <a:avLst/>
-          </a:prstGeom>
-          <a:ln>
-            <a:solidFill>
-              <a:srgbClr val="FF0000"/>
-            </a:solidFill>
-          </a:ln>
-        </p:spPr>
-        <p:style>
-          <a:lnRef idx="1">
-            <a:schemeClr val="accent1"/>
-          </a:lnRef>
-          <a:fillRef idx="0">
-            <a:schemeClr val="accent1"/>
-          </a:fillRef>
-          <a:effectRef idx="0">
-            <a:schemeClr val="accent1"/>
-          </a:effectRef>
-          <a:fontRef idx="minor">
-            <a:schemeClr val="tx1"/>
-          </a:fontRef>
-        </p:style>
-      </p:cxnSp>
-      <p:cxnSp>
-        <p:nvCxnSpPr>
-          <p:cNvPr id="38" name="直接连接符 37"/>
-          <p:cNvCxnSpPr/>
-          <p:nvPr/>
-        </p:nvCxnSpPr>
-        <p:spPr>
-          <a:xfrm>
-            <a:off x="2794000" y="666115"/>
-            <a:ext cx="7450455" cy="5916295"/>
-          </a:xfrm>
-          <a:prstGeom prst="line">
-            <a:avLst/>
-          </a:prstGeom>
-          <a:ln>
-            <a:solidFill>
-              <a:srgbClr val="FF0000"/>
-            </a:solidFill>
-          </a:ln>
-        </p:spPr>
-        <p:style>
-          <a:lnRef idx="1">
-            <a:schemeClr val="accent1"/>
-          </a:lnRef>
-          <a:fillRef idx="0">
-            <a:schemeClr val="accent1"/>
-          </a:fillRef>
-          <a:effectRef idx="0">
-            <a:schemeClr val="accent1"/>
-          </a:effectRef>
-          <a:fontRef idx="minor">
-            <a:schemeClr val="tx1"/>
-          </a:fontRef>
-        </p:style>
-      </p:cxnSp>
-      <p:cxnSp>
-        <p:nvCxnSpPr>
-          <p:cNvPr id="39" name="直接连接符 38"/>
-          <p:cNvCxnSpPr/>
-          <p:nvPr/>
-        </p:nvCxnSpPr>
-        <p:spPr>
-          <a:xfrm flipH="1">
-            <a:off x="6938010" y="655320"/>
-            <a:ext cx="2447290" cy="5948680"/>
-          </a:xfrm>
-          <a:prstGeom prst="line">
-            <a:avLst/>
-          </a:prstGeom>
-          <a:ln>
-            <a:solidFill>
-              <a:srgbClr val="FF0000"/>
-            </a:solidFill>
-          </a:ln>
-        </p:spPr>
-        <p:style>
-          <a:lnRef idx="1">
-            <a:schemeClr val="accent1"/>
-          </a:lnRef>
-          <a:fillRef idx="0">
-            <a:schemeClr val="accent1"/>
-          </a:fillRef>
-          <a:effectRef idx="0">
-            <a:schemeClr val="accent1"/>
-          </a:effectRef>
-          <a:fontRef idx="minor">
-            <a:schemeClr val="tx1"/>
-          </a:fontRef>
-        </p:style>
-      </p:cxnSp>
-      <p:cxnSp>
-        <p:nvCxnSpPr>
-          <p:cNvPr id="40" name="直接连接符 39"/>
-          <p:cNvCxnSpPr/>
-          <p:nvPr/>
-        </p:nvCxnSpPr>
-        <p:spPr>
-          <a:xfrm>
-            <a:off x="3555365" y="318135"/>
-            <a:ext cx="5448935" cy="6656070"/>
-          </a:xfrm>
-          <a:prstGeom prst="line">
-            <a:avLst/>
-          </a:prstGeom>
-          <a:ln>
-            <a:solidFill>
-              <a:srgbClr val="FF0000"/>
-            </a:solidFill>
-          </a:ln>
-        </p:spPr>
-        <p:style>
-          <a:lnRef idx="1">
-            <a:schemeClr val="accent1"/>
-          </a:lnRef>
-          <a:fillRef idx="0">
-            <a:schemeClr val="accent1"/>
-          </a:fillRef>
-          <a:effectRef idx="0">
-            <a:schemeClr val="accent1"/>
-          </a:effectRef>
-          <a:fontRef idx="minor">
-            <a:schemeClr val="tx1"/>
-          </a:fontRef>
-        </p:style>
-      </p:cxnSp>
-      <p:cxnSp>
-        <p:nvCxnSpPr>
-          <p:cNvPr id="41" name="直接连接符 40"/>
-          <p:cNvCxnSpPr/>
-          <p:nvPr/>
-        </p:nvCxnSpPr>
-        <p:spPr>
-          <a:xfrm flipH="1" flipV="1">
-            <a:off x="956310" y="85725"/>
-            <a:ext cx="10429875" cy="3554730"/>
-          </a:xfrm>
-          <a:prstGeom prst="line">
-            <a:avLst/>
-          </a:prstGeom>
-          <a:ln>
-            <a:solidFill>
-              <a:srgbClr val="E74C3C"/>
-            </a:solidFill>
-          </a:ln>
-        </p:spPr>
-        <p:style>
-          <a:lnRef idx="1">
-            <a:schemeClr val="accent1"/>
-          </a:lnRef>
-          <a:fillRef idx="0">
-            <a:schemeClr val="accent1"/>
-          </a:fillRef>
-          <a:effectRef idx="0">
-            <a:schemeClr val="accent1"/>
-          </a:effectRef>
-          <a:fontRef idx="minor">
-            <a:schemeClr val="tx1"/>
-          </a:fontRef>
-        </p:style>
-      </p:cxnSp>
-      <p:cxnSp>
-        <p:nvCxnSpPr>
-          <p:cNvPr id="42" name="直接连接符 41"/>
-          <p:cNvCxnSpPr/>
-          <p:nvPr/>
-        </p:nvCxnSpPr>
-        <p:spPr>
-          <a:xfrm>
-            <a:off x="5372100" y="431800"/>
-            <a:ext cx="456565" cy="5906135"/>
-          </a:xfrm>
-          <a:prstGeom prst="line">
-            <a:avLst/>
-          </a:prstGeom>
-          <a:ln>
-            <a:solidFill>
-              <a:srgbClr val="FF0000"/>
-            </a:solidFill>
-          </a:ln>
-        </p:spPr>
-        <p:style>
-          <a:lnRef idx="1">
-            <a:schemeClr val="accent1"/>
-          </a:lnRef>
-          <a:fillRef idx="0">
-            <a:schemeClr val="accent1"/>
-          </a:fillRef>
-          <a:effectRef idx="0">
-            <a:schemeClr val="accent1"/>
-          </a:effectRef>
-          <a:fontRef idx="minor">
-            <a:schemeClr val="tx1"/>
-          </a:fontRef>
-        </p:style>
-      </p:cxnSp>
-      <p:cxnSp>
-        <p:nvCxnSpPr>
-          <p:cNvPr id="43" name="直接连接符 42"/>
-          <p:cNvCxnSpPr/>
-          <p:nvPr/>
-        </p:nvCxnSpPr>
-        <p:spPr>
-          <a:xfrm flipV="1">
-            <a:off x="2837815" y="638810"/>
-            <a:ext cx="4143375" cy="4241165"/>
-          </a:xfrm>
-          <a:prstGeom prst="line">
-            <a:avLst/>
-          </a:prstGeom>
-          <a:ln>
-            <a:solidFill>
-              <a:srgbClr val="FF0000"/>
-            </a:solidFill>
-          </a:ln>
-        </p:spPr>
-        <p:style>
-          <a:lnRef idx="1">
-            <a:schemeClr val="accent1"/>
-          </a:lnRef>
-          <a:fillRef idx="0">
-            <a:schemeClr val="accent1"/>
-          </a:fillRef>
-          <a:effectRef idx="0">
-            <a:schemeClr val="accent1"/>
-          </a:effectRef>
-          <a:fontRef idx="minor">
-            <a:schemeClr val="tx1"/>
-          </a:fontRef>
-        </p:style>
-      </p:cxnSp>
-      <p:cxnSp>
-        <p:nvCxnSpPr>
-          <p:cNvPr id="44" name="直接连接符 43"/>
-          <p:cNvCxnSpPr/>
-          <p:nvPr/>
-        </p:nvCxnSpPr>
-        <p:spPr>
-          <a:xfrm flipV="1">
-            <a:off x="1706880" y="2976880"/>
-            <a:ext cx="9723120" cy="3284855"/>
-          </a:xfrm>
-          <a:prstGeom prst="line">
-            <a:avLst/>
-          </a:prstGeom>
-          <a:ln>
-            <a:solidFill>
-              <a:srgbClr val="FF0000"/>
-            </a:solidFill>
-          </a:ln>
-        </p:spPr>
-        <p:style>
-          <a:lnRef idx="1">
-            <a:schemeClr val="accent1"/>
-          </a:lnRef>
-          <a:fillRef idx="0">
-            <a:schemeClr val="accent1"/>
-          </a:fillRef>
-          <a:effectRef idx="0">
-            <a:schemeClr val="accent1"/>
-          </a:effectRef>
-          <a:fontRef idx="minor">
-            <a:schemeClr val="tx1"/>
-          </a:fontRef>
-        </p:style>
-      </p:cxnSp>
-      <p:cxnSp>
-        <p:nvCxnSpPr>
-          <p:cNvPr id="45" name="直接连接符 44"/>
-          <p:cNvCxnSpPr/>
-          <p:nvPr/>
-        </p:nvCxnSpPr>
-        <p:spPr>
-          <a:xfrm>
-            <a:off x="2152650" y="1301750"/>
-            <a:ext cx="9309735" cy="1283335"/>
-          </a:xfrm>
-          <a:prstGeom prst="line">
-            <a:avLst/>
-          </a:prstGeom>
-          <a:ln>
-            <a:solidFill>
-              <a:srgbClr val="FF0000"/>
-            </a:solidFill>
-          </a:ln>
-        </p:spPr>
-        <p:style>
-          <a:lnRef idx="1">
-            <a:schemeClr val="accent1"/>
-          </a:lnRef>
-          <a:fillRef idx="0">
-            <a:schemeClr val="accent1"/>
-          </a:fillRef>
-          <a:effectRef idx="0">
-            <a:schemeClr val="accent1"/>
-          </a:effectRef>
-          <a:fontRef idx="minor">
-            <a:schemeClr val="tx1"/>
-          </a:fontRef>
-        </p:style>
-      </p:cxnSp>
-      <p:cxnSp>
-        <p:nvCxnSpPr>
-          <p:cNvPr id="46" name="直接连接符 45"/>
-          <p:cNvCxnSpPr/>
-          <p:nvPr/>
-        </p:nvCxnSpPr>
-        <p:spPr>
-          <a:xfrm>
-            <a:off x="4469130" y="236220"/>
-            <a:ext cx="1240155" cy="6340475"/>
-          </a:xfrm>
-          <a:prstGeom prst="line">
-            <a:avLst/>
-          </a:prstGeom>
-          <a:ln>
-            <a:solidFill>
-              <a:srgbClr val="FF0000"/>
-            </a:solidFill>
-          </a:ln>
-        </p:spPr>
-        <p:style>
-          <a:lnRef idx="1">
-            <a:schemeClr val="accent1"/>
-          </a:lnRef>
-          <a:fillRef idx="0">
-            <a:schemeClr val="accent1"/>
-          </a:fillRef>
-          <a:effectRef idx="0">
-            <a:schemeClr val="accent1"/>
-          </a:effectRef>
-          <a:fontRef idx="minor">
-            <a:schemeClr val="tx1"/>
-          </a:fontRef>
-        </p:style>
-      </p:cxnSp>
-      <p:cxnSp>
-        <p:nvCxnSpPr>
-          <p:cNvPr id="47" name="直接连接符 46"/>
-          <p:cNvCxnSpPr/>
-          <p:nvPr/>
-        </p:nvCxnSpPr>
-        <p:spPr>
-          <a:xfrm flipH="1">
-            <a:off x="3054985" y="638810"/>
-            <a:ext cx="8451215" cy="5774690"/>
-          </a:xfrm>
-          <a:prstGeom prst="line">
-            <a:avLst/>
-          </a:prstGeom>
-          <a:ln>
-            <a:solidFill>
-              <a:srgbClr val="FF0000"/>
-            </a:solidFill>
-          </a:ln>
-        </p:spPr>
-        <p:style>
-          <a:lnRef idx="1">
-            <a:schemeClr val="accent1"/>
-          </a:lnRef>
-          <a:fillRef idx="0">
-            <a:schemeClr val="accent1"/>
-          </a:fillRef>
-          <a:effectRef idx="0">
-            <a:schemeClr val="accent1"/>
-          </a:effectRef>
-          <a:fontRef idx="minor">
-            <a:schemeClr val="tx1"/>
-          </a:fontRef>
-        </p:style>
-      </p:cxnSp>
-      <p:cxnSp>
-        <p:nvCxnSpPr>
-          <p:cNvPr id="49" name="直接连接符 48"/>
-          <p:cNvCxnSpPr/>
-          <p:nvPr/>
-        </p:nvCxnSpPr>
-        <p:spPr>
-          <a:xfrm flipH="1">
-            <a:off x="6045835" y="1661160"/>
-            <a:ext cx="4970780" cy="4415155"/>
-          </a:xfrm>
-          <a:prstGeom prst="line">
-            <a:avLst/>
-          </a:prstGeom>
-          <a:ln>
-            <a:solidFill>
-              <a:srgbClr val="E74C3C"/>
-            </a:solidFill>
-          </a:ln>
-        </p:spPr>
-        <p:style>
-          <a:lnRef idx="1">
-            <a:schemeClr val="accent1"/>
-          </a:lnRef>
-          <a:fillRef idx="0">
-            <a:schemeClr val="accent1"/>
-          </a:fillRef>
-          <a:effectRef idx="0">
-            <a:schemeClr val="accent1"/>
-          </a:effectRef>
-          <a:fontRef idx="minor">
-            <a:schemeClr val="tx1"/>
-          </a:fontRef>
-        </p:style>
-      </p:cxnSp>
-      <p:cxnSp>
-        <p:nvCxnSpPr>
-          <p:cNvPr id="50" name="直接连接符 49"/>
-          <p:cNvCxnSpPr/>
-          <p:nvPr/>
-        </p:nvCxnSpPr>
-        <p:spPr>
-          <a:xfrm>
-            <a:off x="6002655" y="475615"/>
-            <a:ext cx="2773045" cy="6318885"/>
-          </a:xfrm>
-          <a:prstGeom prst="line">
-            <a:avLst/>
-          </a:prstGeom>
-          <a:ln>
-            <a:solidFill>
-              <a:srgbClr val="E74C3C"/>
-            </a:solidFill>
-          </a:ln>
-        </p:spPr>
-        <p:style>
-          <a:lnRef idx="1">
-            <a:schemeClr val="accent1"/>
-          </a:lnRef>
-          <a:fillRef idx="0">
-            <a:schemeClr val="accent1"/>
-          </a:fillRef>
-          <a:effectRef idx="0">
-            <a:schemeClr val="accent1"/>
-          </a:effectRef>
-          <a:fontRef idx="minor">
-            <a:schemeClr val="tx1"/>
-          </a:fontRef>
-        </p:style>
-      </p:cxnSp>
-      <p:cxnSp>
-        <p:nvCxnSpPr>
-          <p:cNvPr id="51" name="直接连接符 50"/>
-          <p:cNvCxnSpPr/>
-          <p:nvPr/>
-        </p:nvCxnSpPr>
-        <p:spPr>
-          <a:xfrm flipH="1">
-            <a:off x="7405370" y="1541145"/>
-            <a:ext cx="4024630" cy="5100955"/>
-          </a:xfrm>
-          <a:prstGeom prst="line">
-            <a:avLst/>
-          </a:prstGeom>
-          <a:ln>
-            <a:solidFill>
-              <a:srgbClr val="E74C3C"/>
-            </a:solidFill>
-          </a:ln>
-        </p:spPr>
-        <p:style>
-          <a:lnRef idx="1">
-            <a:schemeClr val="accent1"/>
-          </a:lnRef>
-          <a:fillRef idx="0">
-            <a:schemeClr val="accent1"/>
-          </a:fillRef>
-          <a:effectRef idx="0">
-            <a:schemeClr val="accent1"/>
-          </a:effectRef>
-          <a:fontRef idx="minor">
-            <a:schemeClr val="tx1"/>
-          </a:fontRef>
-        </p:style>
-      </p:cxnSp>
-      <p:cxnSp>
-        <p:nvCxnSpPr>
-          <p:cNvPr id="52" name="直接连接符 51"/>
-          <p:cNvCxnSpPr/>
-          <p:nvPr/>
-        </p:nvCxnSpPr>
-        <p:spPr>
-          <a:xfrm flipV="1">
-            <a:off x="6329045" y="5043170"/>
-            <a:ext cx="5600700" cy="1163955"/>
-          </a:xfrm>
-          <a:prstGeom prst="line">
-            <a:avLst/>
-          </a:prstGeom>
-          <a:ln>
-            <a:solidFill>
-              <a:srgbClr val="E74C3C"/>
-            </a:solidFill>
-          </a:ln>
-        </p:spPr>
-        <p:style>
-          <a:lnRef idx="1">
-            <a:schemeClr val="accent1"/>
-          </a:lnRef>
-          <a:fillRef idx="0">
-            <a:schemeClr val="accent1"/>
-          </a:fillRef>
-          <a:effectRef idx="0">
-            <a:schemeClr val="accent1"/>
-          </a:effectRef>
-          <a:fontRef idx="minor">
-            <a:schemeClr val="tx1"/>
-          </a:fontRef>
-        </p:style>
-      </p:cxnSp>
-      <p:cxnSp>
-        <p:nvCxnSpPr>
-          <p:cNvPr id="53" name="直接连接符 52"/>
-          <p:cNvCxnSpPr/>
-          <p:nvPr/>
-        </p:nvCxnSpPr>
-        <p:spPr>
-          <a:xfrm>
-            <a:off x="8569325" y="638810"/>
-            <a:ext cx="3023870" cy="6134100"/>
-          </a:xfrm>
-          <a:prstGeom prst="line">
-            <a:avLst/>
-          </a:prstGeom>
-          <a:ln>
-            <a:solidFill>
-              <a:srgbClr val="E74C3C"/>
-            </a:solidFill>
-          </a:ln>
-        </p:spPr>
-        <p:style>
-          <a:lnRef idx="1">
-            <a:schemeClr val="accent1"/>
-          </a:lnRef>
-          <a:fillRef idx="0">
-            <a:schemeClr val="accent1"/>
-          </a:fillRef>
-          <a:effectRef idx="0">
-            <a:schemeClr val="accent1"/>
-          </a:effectRef>
-          <a:fontRef idx="minor">
-            <a:schemeClr val="tx1"/>
-          </a:fontRef>
-        </p:style>
-      </p:cxnSp>
-      <p:cxnSp>
-        <p:nvCxnSpPr>
-          <p:cNvPr id="54" name="直接连接符 53"/>
-          <p:cNvCxnSpPr/>
-          <p:nvPr/>
-        </p:nvCxnSpPr>
-        <p:spPr>
-          <a:xfrm flipH="1" flipV="1">
-            <a:off x="858520" y="518795"/>
-            <a:ext cx="521970" cy="5938520"/>
-          </a:xfrm>
-          <a:prstGeom prst="line">
-            <a:avLst/>
-          </a:prstGeom>
-          <a:ln>
-            <a:solidFill>
-              <a:srgbClr val="E74C3C"/>
-            </a:solidFill>
-          </a:ln>
-        </p:spPr>
-        <p:style>
-          <a:lnRef idx="1">
-            <a:schemeClr val="accent1"/>
-          </a:lnRef>
-          <a:fillRef idx="0">
-            <a:schemeClr val="accent1"/>
-          </a:fillRef>
-          <a:effectRef idx="0">
-            <a:schemeClr val="accent1"/>
-          </a:effectRef>
-          <a:fontRef idx="minor">
-            <a:schemeClr val="tx1"/>
-          </a:fontRef>
-        </p:style>
-      </p:cxnSp>
-      <p:cxnSp>
-        <p:nvCxnSpPr>
-          <p:cNvPr id="55" name="直接连接符 54"/>
-          <p:cNvCxnSpPr/>
-          <p:nvPr/>
-        </p:nvCxnSpPr>
-        <p:spPr>
-          <a:xfrm>
-            <a:off x="260350" y="2400300"/>
-            <a:ext cx="4676140" cy="4122420"/>
-          </a:xfrm>
-          <a:prstGeom prst="line">
-            <a:avLst/>
-          </a:prstGeom>
-          <a:ln>
-            <a:solidFill>
-              <a:srgbClr val="E74C3C"/>
-            </a:solidFill>
-          </a:ln>
-        </p:spPr>
-        <p:style>
-          <a:lnRef idx="1">
-            <a:schemeClr val="accent1"/>
-          </a:lnRef>
-          <a:fillRef idx="0">
-            <a:schemeClr val="accent1"/>
-          </a:fillRef>
-          <a:effectRef idx="0">
-            <a:schemeClr val="accent1"/>
-          </a:effectRef>
-          <a:fontRef idx="minor">
-            <a:schemeClr val="tx1"/>
-          </a:fontRef>
-        </p:style>
-      </p:cxnSp>
-      <p:cxnSp>
-        <p:nvCxnSpPr>
-          <p:cNvPr id="56" name="直接连接符 55"/>
-          <p:cNvCxnSpPr/>
-          <p:nvPr/>
-        </p:nvCxnSpPr>
-        <p:spPr>
-          <a:xfrm flipV="1">
-            <a:off x="205740" y="3803650"/>
-            <a:ext cx="10680065" cy="1294130"/>
-          </a:xfrm>
-          <a:prstGeom prst="line">
-            <a:avLst/>
-          </a:prstGeom>
-          <a:ln>
-            <a:solidFill>
-              <a:srgbClr val="E74C3C"/>
-            </a:solidFill>
-          </a:ln>
-        </p:spPr>
-        <p:style>
-          <a:lnRef idx="1">
-            <a:schemeClr val="accent1"/>
-          </a:lnRef>
-          <a:fillRef idx="0">
-            <a:schemeClr val="accent1"/>
-          </a:fillRef>
-          <a:effectRef idx="0">
-            <a:schemeClr val="accent1"/>
-          </a:effectRef>
-          <a:fontRef idx="minor">
-            <a:schemeClr val="tx1"/>
-          </a:fontRef>
-        </p:style>
-      </p:cxnSp>
-      <p:cxnSp>
-        <p:nvCxnSpPr>
-          <p:cNvPr id="57" name="直接连接符 56"/>
-          <p:cNvCxnSpPr/>
-          <p:nvPr/>
-        </p:nvCxnSpPr>
-        <p:spPr>
-          <a:xfrm>
-            <a:off x="2479040" y="105410"/>
-            <a:ext cx="206375" cy="6330315"/>
-          </a:xfrm>
-          <a:prstGeom prst="line">
-            <a:avLst/>
-          </a:prstGeom>
-          <a:ln>
-            <a:solidFill>
-              <a:srgbClr val="E74C3C"/>
-            </a:solidFill>
-          </a:ln>
-        </p:spPr>
-        <p:style>
-          <a:lnRef idx="1">
-            <a:schemeClr val="accent1"/>
-          </a:lnRef>
-          <a:fillRef idx="0">
-            <a:schemeClr val="accent1"/>
-          </a:fillRef>
-          <a:effectRef idx="0">
-            <a:schemeClr val="accent1"/>
-          </a:effectRef>
-          <a:fontRef idx="minor">
-            <a:schemeClr val="tx1"/>
-          </a:fontRef>
-        </p:style>
-      </p:cxnSp>
-      <p:sp>
-        <p:nvSpPr>
-          <p:cNvPr id="60" name=" 212"/>
-          <p:cNvSpPr/>
-          <p:nvPr/>
-        </p:nvSpPr>
-        <p:spPr>
-          <a:xfrm rot="17400000">
-            <a:off x="4161790" y="4226560"/>
-            <a:ext cx="229870" cy="229870"/>
-          </a:xfrm>
-          <a:prstGeom prst="heart">
-            <a:avLst/>
-          </a:prstGeom>
-          <a:solidFill>
-            <a:srgbClr val="E74C3C"/>
-          </a:solidFill>
-          <a:ln>
-            <a:noFill/>
-          </a:ln>
-        </p:spPr>
-        <p:style>
-          <a:lnRef idx="2">
-            <a:schemeClr val="accent1">
-              <a:shade val="50000"/>
-            </a:schemeClr>
-          </a:lnRef>
-          <a:fillRef idx="1">
-            <a:schemeClr val="accent1"/>
-          </a:fillRef>
-          <a:effectRef idx="0">
-            <a:schemeClr val="accent1"/>
-          </a:effectRef>
-          <a:fontRef idx="minor">
-            <a:schemeClr val="lt1"/>
-          </a:fontRef>
-        </p:style>
-        <p:txBody>
-          <a:bodyPr anchor="ctr"/>
-          <a:lstStyle>
-            <a:defPPr>
-              <a:defRPr lang="zh-CN"/>
-            </a:defPPr>
-            <a:lvl1pPr algn="l" rtl="0" eaLnBrk="0" fontAlgn="base" hangingPunct="0">
-              <a:spcBef>
-                <a:spcPct val="0"/>
-              </a:spcBef>
-              <a:spcAft>
-                <a:spcPct val="0"/>
-              </a:spcAft>
-              <a:defRPr kern="1200">
-                <a:solidFill>
-                  <a:schemeClr val="lt1"/>
-                </a:solidFill>
-                <a:latin typeface="+mn-lt"/>
-                <a:ea typeface="+mn-ea"/>
-                <a:cs typeface="+mn-cs"/>
-              </a:defRPr>
-            </a:lvl1pPr>
-            <a:lvl2pPr marL="457200" algn="l" rtl="0" eaLnBrk="0" fontAlgn="base" hangingPunct="0">
-              <a:spcBef>
-                <a:spcPct val="0"/>
-              </a:spcBef>
-              <a:spcAft>
-                <a:spcPct val="0"/>
-              </a:spcAft>
-              <a:defRPr kern="1200">
-                <a:solidFill>
-                  <a:schemeClr val="lt1"/>
-                </a:solidFill>
-                <a:latin typeface="+mn-lt"/>
-                <a:ea typeface="+mn-ea"/>
-                <a:cs typeface="+mn-cs"/>
-              </a:defRPr>
-            </a:lvl2pPr>
-            <a:lvl3pPr marL="914400" algn="l" rtl="0" eaLnBrk="0" fontAlgn="base" hangingPunct="0">
-              <a:spcBef>
-                <a:spcPct val="0"/>
-              </a:spcBef>
-              <a:spcAft>
-                <a:spcPct val="0"/>
-              </a:spcAft>
-              <a:defRPr kern="1200">
-                <a:solidFill>
-                  <a:schemeClr val="lt1"/>
-                </a:solidFill>
-                <a:latin typeface="+mn-lt"/>
-                <a:ea typeface="+mn-ea"/>
-                <a:cs typeface="+mn-cs"/>
-              </a:defRPr>
-            </a:lvl3pPr>
-            <a:lvl4pPr marL="1371600" algn="l" rtl="0" eaLnBrk="0" fontAlgn="base" hangingPunct="0">
-              <a:spcBef>
-                <a:spcPct val="0"/>
-              </a:spcBef>
-              <a:spcAft>
-                <a:spcPct val="0"/>
-              </a:spcAft>
-              <a:defRPr kern="1200">
-                <a:solidFill>
-                  <a:schemeClr val="lt1"/>
-                </a:solidFill>
-                <a:latin typeface="+mn-lt"/>
-                <a:ea typeface="+mn-ea"/>
-                <a:cs typeface="+mn-cs"/>
-              </a:defRPr>
-            </a:lvl4pPr>
-            <a:lvl5pPr marL="1828800" algn="l" rtl="0" eaLnBrk="0" fontAlgn="base" hangingPunct="0">
-              <a:spcBef>
-                <a:spcPct val="0"/>
-              </a:spcBef>
-              <a:spcAft>
-                <a:spcPct val="0"/>
-              </a:spcAft>
-              <a:defRPr kern="1200">
-                <a:solidFill>
-                  <a:schemeClr val="lt1"/>
-                </a:solidFill>
-                <a:latin typeface="+mn-lt"/>
-                <a:ea typeface="+mn-ea"/>
-                <a:cs typeface="+mn-cs"/>
-              </a:defRPr>
-            </a:lvl5pPr>
-            <a:lvl6pPr marL="2286000" algn="l" defTabSz="914400" rtl="0" eaLnBrk="1" latinLnBrk="0" hangingPunct="1">
-              <a:defRPr kern="1200">
-                <a:solidFill>
-                  <a:schemeClr val="lt1"/>
-                </a:solidFill>
-                <a:latin typeface="+mn-lt"/>
-                <a:ea typeface="+mn-ea"/>
-                <a:cs typeface="+mn-cs"/>
-              </a:defRPr>
-            </a:lvl6pPr>
-            <a:lvl7pPr marL="2743200" algn="l" defTabSz="914400" rtl="0" eaLnBrk="1" latinLnBrk="0" hangingPunct="1">
-              <a:defRPr kern="1200">
-                <a:solidFill>
-                  <a:schemeClr val="lt1"/>
-                </a:solidFill>
-                <a:latin typeface="+mn-lt"/>
-                <a:ea typeface="+mn-ea"/>
-                <a:cs typeface="+mn-cs"/>
-              </a:defRPr>
-            </a:lvl7pPr>
-            <a:lvl8pPr marL="3200400" algn="l" defTabSz="914400" rtl="0" eaLnBrk="1" latinLnBrk="0" hangingPunct="1">
-              <a:defRPr kern="1200">
-                <a:solidFill>
-                  <a:schemeClr val="lt1"/>
-                </a:solidFill>
-                <a:latin typeface="+mn-lt"/>
-                <a:ea typeface="+mn-ea"/>
-                <a:cs typeface="+mn-cs"/>
-              </a:defRPr>
-            </a:lvl8pPr>
-            <a:lvl9pPr marL="3657600" algn="l" defTabSz="914400" rtl="0" eaLnBrk="1" latinLnBrk="0" hangingPunct="1">
-              <a:defRPr kern="1200">
-                <a:solidFill>
-                  <a:schemeClr val="lt1"/>
-                </a:solidFill>
-                <a:latin typeface="+mn-lt"/>
-                <a:ea typeface="+mn-ea"/>
-                <a:cs typeface="+mn-cs"/>
-              </a:defRPr>
-            </a:lvl9pPr>
-          </a:lstStyle>
-          <a:p>
-            <a:pPr algn="ctr" eaLnBrk="1" fontAlgn="auto" hangingPunct="1">
-              <a:spcBef>
-                <a:spcPts val="0"/>
-              </a:spcBef>
-              <a:spcAft>
-                <a:spcPts val="0"/>
-              </a:spcAft>
-              <a:defRPr/>
-            </a:pPr>
-            <a:endParaRPr lang="zh-CN" altLang="en-US">
-              <a:solidFill>
-                <a:srgbClr val="FFFFFF"/>
-              </a:solidFill>
-            </a:endParaRPr>
-          </a:p>
-        </p:txBody>
-      </p:sp>
-      <p:sp>
-        <p:nvSpPr>
-          <p:cNvPr id="61" name="爆炸形 1 60"/>
-          <p:cNvSpPr/>
-          <p:nvPr/>
-        </p:nvSpPr>
-        <p:spPr>
-          <a:xfrm rot="4200000">
-            <a:off x="4208780" y="4277360"/>
-            <a:ext cx="136525" cy="128270"/>
-          </a:xfrm>
-          <a:prstGeom prst="irregularSeal1">
-            <a:avLst/>
-          </a:prstGeom>
-          <a:solidFill>
-            <a:schemeClr val="bg1">
-              <a:lumMod val="95000"/>
-            </a:schemeClr>
-          </a:solidFill>
-          <a:ln>
-            <a:noFill/>
-          </a:ln>
-        </p:spPr>
-        <p:style>
-          <a:lnRef idx="2">
-            <a:schemeClr val="accent1">
-              <a:shade val="50000"/>
-            </a:schemeClr>
-          </a:lnRef>
-          <a:fillRef idx="1">
-            <a:schemeClr val="accent1"/>
-          </a:fillRef>
-          <a:effectRef idx="0">
-            <a:schemeClr val="accent1"/>
-          </a:effectRef>
-          <a:fontRef idx="minor">
-            <a:schemeClr val="lt1"/>
-          </a:fontRef>
-        </p:style>
-        <p:txBody>
-          <a:bodyPr rtlCol="0" anchor="ctr"/>
-          <a:p>
-            <a:pPr algn="ctr"/>
-            <a:endParaRPr lang="zh-CN" altLang="en-US"/>
           </a:p>
         </p:txBody>
       </p:sp>
@@ -7190,9 +5052,8 @@
     <p:bg>
       <p:bgPr>
         <a:solidFill>
-          <a:schemeClr val="tx1">
-            <a:lumMod val="85000"/>
-            <a:lumOff val="15000"/>
+          <a:schemeClr val="bg1">
+            <a:lumMod val="95000"/>
           </a:schemeClr>
         </a:solidFill>
         <a:effectLst/>
@@ -7207,14 +5068,14 @@
       <p:grpSpPr/>
       <p:sp>
         <p:nvSpPr>
-          <p:cNvPr id="25" name="矩形 24"/>
+          <p:cNvPr id="24" name="矩形 23"/>
           <p:cNvSpPr/>
           <p:nvPr/>
         </p:nvSpPr>
         <p:spPr>
           <a:xfrm>
-            <a:off x="10189845" y="4058920"/>
-            <a:ext cx="1544955" cy="914400"/>
+            <a:off x="1032510" y="1047750"/>
+            <a:ext cx="2860675" cy="1663065"/>
           </a:xfrm>
           <a:prstGeom prst="rect">
             <a:avLst/>
@@ -7252,22 +5113,34 @@
         <p:txBody>
           <a:bodyPr rtlCol="0" anchor="ctr"/>
           <a:p>
-            <a:pPr algn="ctr"/>
-            <a:r>
-              <a:rPr lang="en-US" altLang="zh-CN" sz="2400" b="1">
-                <a:solidFill>
-                  <a:schemeClr val="bg1">
-                    <a:lumMod val="95000"/>
+            <a:pPr algn="l"/>
+            <a:r>
+              <a:rPr lang="en-US" altLang="zh-CN" sz="4800">
+                <a:solidFill>
+                  <a:srgbClr val="2ECC71"/>
+                </a:solidFill>
+                <a:latin typeface="Kunstler Script" panose="030304020206070D0D06" charset="0"/>
+                <a:ea typeface="微软雅黑" panose="020B0503020204020204" charset="-122"/>
+              </a:rPr>
+              <a:t>//</a:t>
+            </a:r>
+            <a:r>
+              <a:rPr lang="en-US" altLang="zh-CN" sz="11500" b="1">
+                <a:solidFill>
+                  <a:schemeClr val="tx1">
+                    <a:lumMod val="50000"/>
+                    <a:lumOff val="50000"/>
                   </a:schemeClr>
                 </a:solidFill>
                 <a:latin typeface="Letter Gothic Std" panose="020B0409020202030304" charset="0"/>
               </a:rPr>
-              <a:t>CUTLINE</a:t>
-            </a:r>
-            <a:endParaRPr lang="en-US" altLang="zh-CN" sz="2400" b="1">
+              <a:t>E</a:t>
+            </a:r>
+            <a:endParaRPr lang="en-US" altLang="zh-CN" sz="11500" b="1">
               <a:solidFill>
-                <a:schemeClr val="bg1">
-                  <a:lumMod val="95000"/>
+                <a:schemeClr val="tx1">
+                  <a:lumMod val="50000"/>
+                  <a:lumOff val="50000"/>
                 </a:schemeClr>
               </a:solidFill>
               <a:latin typeface="Letter Gothic Std" panose="020B0409020202030304" charset="0"/>
@@ -7277,24 +5150,31 @@
       </p:sp>
       <p:sp>
         <p:nvSpPr>
-          <p:cNvPr id="26" name="矩形 25"/>
+          <p:cNvPr id="32" name="矩形 31"/>
           <p:cNvSpPr/>
           <p:nvPr/>
         </p:nvSpPr>
         <p:spPr>
-          <a:xfrm>
-            <a:off x="10276840" y="5068570"/>
-            <a:ext cx="1349375" cy="420370"/>
+          <a:xfrm rot="10800000">
+            <a:off x="1907540" y="857885"/>
+            <a:ext cx="1110615" cy="1348740"/>
           </a:xfrm>
           <a:prstGeom prst="rect">
             <a:avLst/>
           </a:prstGeom>
-          <a:solidFill>
-            <a:schemeClr val="bg1"/>
-          </a:solidFill>
+          <a:noFill/>
           <a:ln>
             <a:noFill/>
           </a:ln>
+          <a:extLst>
+            <a:ext uri="{909E8E84-426E-40DD-AFC4-6F175D3DCCD1}">
+              <a14:hiddenFill xmlns:a14="http://schemas.microsoft.com/office/drawing/2010/main">
+                <a:solidFill>
+                  <a:schemeClr val="accent1"/>
+                </a:solidFill>
+              </a14:hiddenFill>
+            </a:ext>
+          </a:extLst>
         </p:spPr>
         <p:style>
           <a:lnRef idx="2">
@@ -7315,52 +5195,60 @@
         <p:txBody>
           <a:bodyPr rtlCol="0" anchor="ctr"/>
           <a:p>
-            <a:pPr algn="ctr"/>
-            <a:r>
-              <a:rPr lang="en-US" altLang="zh-CN">
+            <a:pPr algn="l"/>
+            <a:r>
+              <a:rPr lang="en-US" altLang="zh-CN" sz="11500" b="1">
                 <a:solidFill>
                   <a:schemeClr val="tx1">
-                    <a:lumMod val="85000"/>
-                    <a:lumOff val="15000"/>
+                    <a:lumMod val="50000"/>
+                    <a:lumOff val="50000"/>
                   </a:schemeClr>
                 </a:solidFill>
+                <a:latin typeface="Letter Gothic Std" panose="020B0409020202030304" charset="0"/>
+                <a:sym typeface="+mn-ea"/>
               </a:rPr>
-              <a:t>#000000</a:t>
-            </a:r>
-            <a:endParaRPr lang="en-US" altLang="zh-CN">
+              <a:t>F</a:t>
+            </a:r>
+            <a:endParaRPr lang="en-US" altLang="zh-CN" sz="11500" b="1">
               <a:solidFill>
                 <a:schemeClr val="tx1">
-                  <a:lumMod val="85000"/>
-                  <a:lumOff val="15000"/>
+                  <a:lumMod val="50000"/>
+                  <a:lumOff val="50000"/>
                 </a:schemeClr>
               </a:solidFill>
+              <a:latin typeface="Letter Gothic Std" panose="020B0409020202030304" charset="0"/>
+              <a:sym typeface="+mn-ea"/>
             </a:endParaRPr>
           </a:p>
         </p:txBody>
       </p:sp>
       <p:sp>
         <p:nvSpPr>
-          <p:cNvPr id="27" name="矩形 26"/>
+          <p:cNvPr id="3" name="矩形 2"/>
           <p:cNvSpPr/>
           <p:nvPr/>
         </p:nvSpPr>
         <p:spPr>
           <a:xfrm>
-            <a:off x="10287635" y="5817870"/>
-            <a:ext cx="1349375" cy="420370"/>
+            <a:off x="2195195" y="1275080"/>
+            <a:ext cx="708025" cy="795020"/>
           </a:xfrm>
           <a:prstGeom prst="rect">
             <a:avLst/>
           </a:prstGeom>
-          <a:solidFill>
-            <a:schemeClr val="tx1">
-              <a:lumMod val="75000"/>
-              <a:lumOff val="25000"/>
-            </a:schemeClr>
-          </a:solidFill>
+          <a:noFill/>
           <a:ln>
             <a:noFill/>
           </a:ln>
+          <a:extLst>
+            <a:ext uri="{909E8E84-426E-40DD-AFC4-6F175D3DCCD1}">
+              <a14:hiddenFill xmlns:a14="http://schemas.microsoft.com/office/drawing/2010/main">
+                <a:solidFill>
+                  <a:schemeClr val="accent1"/>
+                </a:solidFill>
+              </a14:hiddenFill>
+            </a:ext>
+          </a:extLst>
         </p:spPr>
         <p:style>
           <a:lnRef idx="2">
@@ -7381,109 +5269,39 @@
         <p:txBody>
           <a:bodyPr rtlCol="0" anchor="ctr"/>
           <a:p>
-            <a:pPr algn="ctr"/>
-            <a:r>
-              <a:rPr lang="en-US" altLang="zh-CN">
-                <a:solidFill>
-                  <a:schemeClr val="bg1"/>
-                </a:solidFill>
+            <a:pPr algn="l"/>
+            <a:r>
+              <a:rPr lang="en-US" altLang="zh-CN" sz="4800">
+                <a:solidFill>
+                  <a:srgbClr val="2ECC71"/>
+                </a:solidFill>
+                <a:latin typeface="Letter Gothic Std" panose="020B0409020202030304" charset="0"/>
+                <a:sym typeface="+mn-ea"/>
               </a:rPr>
-              <a:t>#FFFFFF</a:t>
-            </a:r>
-            <a:endParaRPr lang="en-US" altLang="zh-CN">
+              <a:t>❀</a:t>
+            </a:r>
+            <a:endParaRPr lang="en-US" altLang="zh-CN" sz="4800" b="1">
               <a:solidFill>
-                <a:schemeClr val="bg1"/>
+                <a:schemeClr val="tx1">
+                  <a:lumMod val="50000"/>
+                  <a:lumOff val="50000"/>
+                </a:schemeClr>
               </a:solidFill>
+              <a:latin typeface="Letter Gothic Std" panose="020B0409020202030304" charset="0"/>
             </a:endParaRPr>
           </a:p>
         </p:txBody>
       </p:sp>
-      <p:cxnSp>
-        <p:nvCxnSpPr>
-          <p:cNvPr id="28" name="直接连接符 27"/>
-          <p:cNvCxnSpPr/>
-          <p:nvPr/>
-        </p:nvCxnSpPr>
-        <p:spPr>
-          <a:xfrm>
-            <a:off x="9839960" y="4691380"/>
-            <a:ext cx="2338705" cy="0"/>
-          </a:xfrm>
-          <a:prstGeom prst="line">
-            <a:avLst/>
-          </a:prstGeom>
-          <a:ln>
-            <a:solidFill>
-              <a:schemeClr val="tx1">
-                <a:lumMod val="75000"/>
-                <a:lumOff val="25000"/>
-              </a:schemeClr>
-            </a:solidFill>
-          </a:ln>
-        </p:spPr>
-        <p:style>
-          <a:lnRef idx="1">
-            <a:schemeClr val="accent1"/>
-          </a:lnRef>
-          <a:fillRef idx="0">
-            <a:schemeClr val="accent1"/>
-          </a:fillRef>
-          <a:effectRef idx="0">
-            <a:schemeClr val="accent1"/>
-          </a:effectRef>
-          <a:fontRef idx="minor">
-            <a:schemeClr val="tx1"/>
-          </a:fontRef>
-        </p:style>
-      </p:cxnSp>
-      <p:cxnSp>
-        <p:nvCxnSpPr>
-          <p:cNvPr id="29" name="直接连接符 28"/>
-          <p:cNvCxnSpPr/>
-          <p:nvPr/>
-        </p:nvCxnSpPr>
-        <p:spPr>
-          <a:xfrm>
-            <a:off x="9836150" y="4767580"/>
-            <a:ext cx="2338705" cy="0"/>
-          </a:xfrm>
-          <a:prstGeom prst="line">
-            <a:avLst/>
-          </a:prstGeom>
-          <a:ln>
-            <a:solidFill>
-              <a:schemeClr val="tx1">
-                <a:lumMod val="75000"/>
-                <a:lumOff val="25000"/>
-              </a:schemeClr>
-            </a:solidFill>
-          </a:ln>
-        </p:spPr>
-        <p:style>
-          <a:lnRef idx="1">
-            <a:schemeClr val="accent1"/>
-          </a:lnRef>
-          <a:fillRef idx="0">
-            <a:schemeClr val="accent1"/>
-          </a:fillRef>
-          <a:effectRef idx="0">
-            <a:schemeClr val="accent1"/>
-          </a:effectRef>
-          <a:fontRef idx="minor">
-            <a:schemeClr val="tx1"/>
-          </a:fontRef>
-        </p:style>
-      </p:cxnSp>
-      <p:sp>
-        <p:nvSpPr>
-          <p:cNvPr id="30" name="矩形 29"/>
+      <p:sp>
+        <p:nvSpPr>
+          <p:cNvPr id="5" name="矩形 4"/>
           <p:cNvSpPr/>
           <p:nvPr/>
         </p:nvSpPr>
         <p:spPr>
           <a:xfrm>
-            <a:off x="83820" y="130175"/>
-            <a:ext cx="914400" cy="556260"/>
+            <a:off x="2256155" y="1073150"/>
+            <a:ext cx="1110615" cy="330835"/>
           </a:xfrm>
           <a:prstGeom prst="rect">
             <a:avLst/>
@@ -7521,951 +5339,24 @@
         <p:txBody>
           <a:bodyPr rtlCol="0" anchor="ctr"/>
           <a:p>
-            <a:pPr algn="ctr"/>
-            <a:r>
-              <a:rPr lang="en-US" altLang="zh-CN" b="1">
-                <a:solidFill>
-                  <a:schemeClr val="bg1">
-                    <a:lumMod val="95000"/>
-                  </a:schemeClr>
+            <a:pPr algn="l"/>
+            <a:r>
+              <a:rPr lang="en-US" altLang="zh-CN" sz="1000" b="1">
+                <a:solidFill>
+                  <a:srgbClr val="2ECC71"/>
                 </a:solidFill>
                 <a:latin typeface="Letter Gothic Std" panose="020B0409020202030304" charset="0"/>
+                <a:sym typeface="+mn-ea"/>
               </a:rPr>
-              <a:t>P 4</a:t>
-            </a:r>
-            <a:endParaRPr lang="en-US" altLang="zh-CN" b="1">
+              <a:t>{ nothing }</a:t>
+            </a:r>
+            <a:endParaRPr lang="en-US" altLang="zh-CN" sz="1000" b="1">
               <a:solidFill>
-                <a:schemeClr val="bg1">
-                  <a:lumMod val="95000"/>
-                </a:schemeClr>
+                <a:srgbClr val="2ECC71"/>
               </a:solidFill>
               <a:latin typeface="Letter Gothic Std" panose="020B0409020202030304" charset="0"/>
+              <a:sym typeface="+mn-ea"/>
             </a:endParaRPr>
-          </a:p>
-        </p:txBody>
-      </p:sp>
-      <p:sp>
-        <p:nvSpPr>
-          <p:cNvPr id="24" name="椭圆 23"/>
-          <p:cNvSpPr/>
-          <p:nvPr/>
-        </p:nvSpPr>
-        <p:spPr>
-          <a:xfrm>
-            <a:off x="4022090" y="2847975"/>
-            <a:ext cx="2969895" cy="2969895"/>
-          </a:xfrm>
-          <a:prstGeom prst="ellipse">
-            <a:avLst/>
-          </a:prstGeom>
-          <a:solidFill>
-            <a:schemeClr val="bg1">
-              <a:lumMod val="95000"/>
-            </a:schemeClr>
-          </a:solidFill>
-          <a:ln>
-            <a:noFill/>
-          </a:ln>
-        </p:spPr>
-        <p:style>
-          <a:lnRef idx="2">
-            <a:schemeClr val="accent1">
-              <a:shade val="50000"/>
-            </a:schemeClr>
-          </a:lnRef>
-          <a:fillRef idx="1">
-            <a:schemeClr val="accent1"/>
-          </a:fillRef>
-          <a:effectRef idx="0">
-            <a:schemeClr val="accent1"/>
-          </a:effectRef>
-          <a:fontRef idx="minor">
-            <a:schemeClr val="lt1"/>
-          </a:fontRef>
-        </p:style>
-        <p:txBody>
-          <a:bodyPr rtlCol="0" anchor="ctr"/>
-          <a:p>
-            <a:pPr algn="ctr"/>
-            <a:endParaRPr lang="zh-CN" altLang="en-US"/>
-          </a:p>
-        </p:txBody>
-      </p:sp>
-      <p:sp>
-        <p:nvSpPr>
-          <p:cNvPr id="31" name=" 212"/>
-          <p:cNvSpPr/>
-          <p:nvPr/>
-        </p:nvSpPr>
-        <p:spPr>
-          <a:xfrm rot="18480000">
-            <a:off x="2990215" y="4969510"/>
-            <a:ext cx="964565" cy="964565"/>
-          </a:xfrm>
-          <a:prstGeom prst="heart">
-            <a:avLst/>
-          </a:prstGeom>
-          <a:solidFill>
-            <a:srgbClr val="E74C3C"/>
-          </a:solidFill>
-          <a:ln>
-            <a:noFill/>
-          </a:ln>
-        </p:spPr>
-        <p:style>
-          <a:lnRef idx="2">
-            <a:schemeClr val="accent1">
-              <a:shade val="50000"/>
-            </a:schemeClr>
-          </a:lnRef>
-          <a:fillRef idx="1">
-            <a:schemeClr val="accent1"/>
-          </a:fillRef>
-          <a:effectRef idx="0">
-            <a:schemeClr val="accent1"/>
-          </a:effectRef>
-          <a:fontRef idx="minor">
-            <a:schemeClr val="lt1"/>
-          </a:fontRef>
-        </p:style>
-        <p:txBody>
-          <a:bodyPr anchor="ctr"/>
-          <a:lstStyle>
-            <a:defPPr>
-              <a:defRPr lang="zh-CN"/>
-            </a:defPPr>
-            <a:lvl1pPr algn="l" rtl="0" eaLnBrk="0" fontAlgn="base" hangingPunct="0">
-              <a:spcBef>
-                <a:spcPct val="0"/>
-              </a:spcBef>
-              <a:spcAft>
-                <a:spcPct val="0"/>
-              </a:spcAft>
-              <a:defRPr kern="1200">
-                <a:solidFill>
-                  <a:schemeClr val="lt1"/>
-                </a:solidFill>
-                <a:latin typeface="+mn-lt"/>
-                <a:ea typeface="+mn-ea"/>
-                <a:cs typeface="+mn-cs"/>
-              </a:defRPr>
-            </a:lvl1pPr>
-            <a:lvl2pPr marL="457200" algn="l" rtl="0" eaLnBrk="0" fontAlgn="base" hangingPunct="0">
-              <a:spcBef>
-                <a:spcPct val="0"/>
-              </a:spcBef>
-              <a:spcAft>
-                <a:spcPct val="0"/>
-              </a:spcAft>
-              <a:defRPr kern="1200">
-                <a:solidFill>
-                  <a:schemeClr val="lt1"/>
-                </a:solidFill>
-                <a:latin typeface="+mn-lt"/>
-                <a:ea typeface="+mn-ea"/>
-                <a:cs typeface="+mn-cs"/>
-              </a:defRPr>
-            </a:lvl2pPr>
-            <a:lvl3pPr marL="914400" algn="l" rtl="0" eaLnBrk="0" fontAlgn="base" hangingPunct="0">
-              <a:spcBef>
-                <a:spcPct val="0"/>
-              </a:spcBef>
-              <a:spcAft>
-                <a:spcPct val="0"/>
-              </a:spcAft>
-              <a:defRPr kern="1200">
-                <a:solidFill>
-                  <a:schemeClr val="lt1"/>
-                </a:solidFill>
-                <a:latin typeface="+mn-lt"/>
-                <a:ea typeface="+mn-ea"/>
-                <a:cs typeface="+mn-cs"/>
-              </a:defRPr>
-            </a:lvl3pPr>
-            <a:lvl4pPr marL="1371600" algn="l" rtl="0" eaLnBrk="0" fontAlgn="base" hangingPunct="0">
-              <a:spcBef>
-                <a:spcPct val="0"/>
-              </a:spcBef>
-              <a:spcAft>
-                <a:spcPct val="0"/>
-              </a:spcAft>
-              <a:defRPr kern="1200">
-                <a:solidFill>
-                  <a:schemeClr val="lt1"/>
-                </a:solidFill>
-                <a:latin typeface="+mn-lt"/>
-                <a:ea typeface="+mn-ea"/>
-                <a:cs typeface="+mn-cs"/>
-              </a:defRPr>
-            </a:lvl4pPr>
-            <a:lvl5pPr marL="1828800" algn="l" rtl="0" eaLnBrk="0" fontAlgn="base" hangingPunct="0">
-              <a:spcBef>
-                <a:spcPct val="0"/>
-              </a:spcBef>
-              <a:spcAft>
-                <a:spcPct val="0"/>
-              </a:spcAft>
-              <a:defRPr kern="1200">
-                <a:solidFill>
-                  <a:schemeClr val="lt1"/>
-                </a:solidFill>
-                <a:latin typeface="+mn-lt"/>
-                <a:ea typeface="+mn-ea"/>
-                <a:cs typeface="+mn-cs"/>
-              </a:defRPr>
-            </a:lvl5pPr>
-            <a:lvl6pPr marL="2286000" algn="l" defTabSz="914400" rtl="0" eaLnBrk="1" latinLnBrk="0" hangingPunct="1">
-              <a:defRPr kern="1200">
-                <a:solidFill>
-                  <a:schemeClr val="lt1"/>
-                </a:solidFill>
-                <a:latin typeface="+mn-lt"/>
-                <a:ea typeface="+mn-ea"/>
-                <a:cs typeface="+mn-cs"/>
-              </a:defRPr>
-            </a:lvl6pPr>
-            <a:lvl7pPr marL="2743200" algn="l" defTabSz="914400" rtl="0" eaLnBrk="1" latinLnBrk="0" hangingPunct="1">
-              <a:defRPr kern="1200">
-                <a:solidFill>
-                  <a:schemeClr val="lt1"/>
-                </a:solidFill>
-                <a:latin typeface="+mn-lt"/>
-                <a:ea typeface="+mn-ea"/>
-                <a:cs typeface="+mn-cs"/>
-              </a:defRPr>
-            </a:lvl7pPr>
-            <a:lvl8pPr marL="3200400" algn="l" defTabSz="914400" rtl="0" eaLnBrk="1" latinLnBrk="0" hangingPunct="1">
-              <a:defRPr kern="1200">
-                <a:solidFill>
-                  <a:schemeClr val="lt1"/>
-                </a:solidFill>
-                <a:latin typeface="+mn-lt"/>
-                <a:ea typeface="+mn-ea"/>
-                <a:cs typeface="+mn-cs"/>
-              </a:defRPr>
-            </a:lvl8pPr>
-            <a:lvl9pPr marL="3657600" algn="l" defTabSz="914400" rtl="0" eaLnBrk="1" latinLnBrk="0" hangingPunct="1">
-              <a:defRPr kern="1200">
-                <a:solidFill>
-                  <a:schemeClr val="lt1"/>
-                </a:solidFill>
-                <a:latin typeface="+mn-lt"/>
-                <a:ea typeface="+mn-ea"/>
-                <a:cs typeface="+mn-cs"/>
-              </a:defRPr>
-            </a:lvl9pPr>
-          </a:lstStyle>
-          <a:p>
-            <a:pPr algn="ctr" eaLnBrk="1" fontAlgn="auto" hangingPunct="1">
-              <a:spcBef>
-                <a:spcPts val="0"/>
-              </a:spcBef>
-              <a:spcAft>
-                <a:spcPts val="0"/>
-              </a:spcAft>
-              <a:defRPr/>
-            </a:pPr>
-            <a:endParaRPr lang="zh-CN" altLang="en-US">
-              <a:solidFill>
-                <a:srgbClr val="FFFFFF"/>
-              </a:solidFill>
-            </a:endParaRPr>
-          </a:p>
-        </p:txBody>
-      </p:sp>
-      <p:sp>
-        <p:nvSpPr>
-          <p:cNvPr id="32" name="椭圆形标注 31"/>
-          <p:cNvSpPr/>
-          <p:nvPr/>
-        </p:nvSpPr>
-        <p:spPr>
-          <a:xfrm>
-            <a:off x="6688455" y="381635"/>
-            <a:ext cx="3883660" cy="2934970"/>
-          </a:xfrm>
-          <a:prstGeom prst="wedgeEllipseCallout">
-            <a:avLst/>
-          </a:prstGeom>
-          <a:noFill/>
-          <a:ln>
-            <a:solidFill>
-              <a:schemeClr val="bg1">
-                <a:lumMod val="95000"/>
-              </a:schemeClr>
-            </a:solidFill>
-          </a:ln>
-          <a:extLst>
-            <a:ext uri="{909E8E84-426E-40DD-AFC4-6F175D3DCCD1}">
-              <a14:hiddenFill xmlns:a14="http://schemas.microsoft.com/office/drawing/2010/main">
-                <a:solidFill>
-                  <a:schemeClr val="accent1"/>
-                </a:solidFill>
-              </a14:hiddenFill>
-            </a:ext>
-          </a:extLst>
-        </p:spPr>
-        <p:style>
-          <a:lnRef idx="2">
-            <a:schemeClr val="accent1">
-              <a:shade val="50000"/>
-            </a:schemeClr>
-          </a:lnRef>
-          <a:fillRef idx="1">
-            <a:schemeClr val="accent1"/>
-          </a:fillRef>
-          <a:effectRef idx="0">
-            <a:schemeClr val="accent1"/>
-          </a:effectRef>
-          <a:fontRef idx="minor">
-            <a:schemeClr val="lt1"/>
-          </a:fontRef>
-        </p:style>
-        <p:txBody>
-          <a:bodyPr rtlCol="0" anchor="ctr"/>
-          <a:p>
-            <a:pPr algn="ctr"/>
-            <a:r>
-              <a:rPr lang="en-US" altLang="zh-CN"/>
-              <a:t>I HAD A HEART,</a:t>
-            </a:r>
-            <a:endParaRPr lang="en-US" altLang="zh-CN"/>
-          </a:p>
-          <a:p>
-            <a:pPr algn="ctr"/>
-            <a:r>
-              <a:rPr lang="en-US" altLang="zh-CN"/>
-              <a:t>BUT SHE'S GONE.</a:t>
-            </a:r>
-            <a:endParaRPr lang="en-US" altLang="zh-CN"/>
-          </a:p>
-          <a:p>
-            <a:pPr algn="ctr"/>
-            <a:endParaRPr lang="en-US" altLang="zh-CN"/>
-          </a:p>
-          <a:p>
-            <a:pPr algn="ctr"/>
-            <a:r>
-              <a:rPr lang="en-US" altLang="zh-CN">
-                <a:solidFill>
-                  <a:srgbClr val="E74C3C"/>
-                </a:solidFill>
-              </a:rPr>
-              <a:t>FUCK THE WORLD.</a:t>
-            </a:r>
-            <a:endParaRPr lang="en-US" altLang="zh-CN">
-              <a:solidFill>
-                <a:srgbClr val="E74C3C"/>
-              </a:solidFill>
-            </a:endParaRPr>
-          </a:p>
-          <a:p>
-            <a:pPr algn="ctr"/>
-            <a:r>
-              <a:rPr lang="en-US" altLang="zh-CN">
-                <a:solidFill>
-                  <a:srgbClr val="E74C3C"/>
-                </a:solidFill>
-              </a:rPr>
-              <a:t>FUCK THE CUTLINE.</a:t>
-            </a:r>
-            <a:endParaRPr lang="en-US" altLang="zh-CN">
-              <a:solidFill>
-                <a:srgbClr val="E74C3C"/>
-              </a:solidFill>
-            </a:endParaRPr>
-          </a:p>
-          <a:p>
-            <a:pPr algn="ctr"/>
-            <a:endParaRPr lang="en-US" altLang="zh-CN"/>
-          </a:p>
-          <a:p>
-            <a:pPr algn="ctr"/>
-            <a:r>
-              <a:rPr lang="en-US" altLang="zh-CN"/>
-              <a:t>SHE'S GONE.</a:t>
-            </a:r>
-            <a:endParaRPr lang="en-US" altLang="zh-CN"/>
-          </a:p>
-        </p:txBody>
-      </p:sp>
-      <p:sp>
-        <p:nvSpPr>
-          <p:cNvPr id="59" name="椭圆 58"/>
-          <p:cNvSpPr/>
-          <p:nvPr/>
-        </p:nvSpPr>
-        <p:spPr>
-          <a:xfrm flipV="1">
-            <a:off x="2674620" y="2664460"/>
-            <a:ext cx="444500" cy="444500"/>
-          </a:xfrm>
-          <a:prstGeom prst="ellipse">
-            <a:avLst/>
-          </a:prstGeom>
-          <a:solidFill>
-            <a:schemeClr val="tx1">
-              <a:lumMod val="85000"/>
-              <a:lumOff val="15000"/>
-            </a:schemeClr>
-          </a:solidFill>
-          <a:ln>
-            <a:noFill/>
-          </a:ln>
-        </p:spPr>
-        <p:style>
-          <a:lnRef idx="2">
-            <a:schemeClr val="accent1">
-              <a:shade val="50000"/>
-            </a:schemeClr>
-          </a:lnRef>
-          <a:fillRef idx="1">
-            <a:schemeClr val="accent1"/>
-          </a:fillRef>
-          <a:effectRef idx="0">
-            <a:schemeClr val="accent1"/>
-          </a:effectRef>
-          <a:fontRef idx="minor">
-            <a:schemeClr val="lt1"/>
-          </a:fontRef>
-        </p:style>
-        <p:txBody>
-          <a:bodyPr rtlCol="0" anchor="ctr"/>
-          <a:p>
-            <a:pPr algn="ctr"/>
-            <a:endParaRPr lang="zh-CN" altLang="en-US"/>
-          </a:p>
-        </p:txBody>
-      </p:sp>
-      <p:sp>
-        <p:nvSpPr>
-          <p:cNvPr id="60" name="椭圆 59"/>
-          <p:cNvSpPr/>
-          <p:nvPr/>
-        </p:nvSpPr>
-        <p:spPr>
-          <a:xfrm flipV="1">
-            <a:off x="4149090" y="3206750"/>
-            <a:ext cx="444500" cy="444500"/>
-          </a:xfrm>
-          <a:prstGeom prst="ellipse">
-            <a:avLst/>
-          </a:prstGeom>
-          <a:solidFill>
-            <a:schemeClr val="tx1">
-              <a:lumMod val="85000"/>
-              <a:lumOff val="15000"/>
-            </a:schemeClr>
-          </a:solidFill>
-          <a:ln>
-            <a:noFill/>
-          </a:ln>
-        </p:spPr>
-        <p:style>
-          <a:lnRef idx="2">
-            <a:schemeClr val="accent1">
-              <a:shade val="50000"/>
-            </a:schemeClr>
-          </a:lnRef>
-          <a:fillRef idx="1">
-            <a:schemeClr val="accent1"/>
-          </a:fillRef>
-          <a:effectRef idx="0">
-            <a:schemeClr val="accent1"/>
-          </a:effectRef>
-          <a:fontRef idx="minor">
-            <a:schemeClr val="lt1"/>
-          </a:fontRef>
-        </p:style>
-        <p:txBody>
-          <a:bodyPr rtlCol="0" anchor="ctr"/>
-          <a:p>
-            <a:pPr algn="ctr"/>
-            <a:endParaRPr lang="zh-CN" altLang="en-US"/>
-          </a:p>
-        </p:txBody>
-      </p:sp>
-      <p:sp>
-        <p:nvSpPr>
-          <p:cNvPr id="61" name="椭圆 60"/>
-          <p:cNvSpPr/>
-          <p:nvPr/>
-        </p:nvSpPr>
-        <p:spPr>
-          <a:xfrm flipV="1">
-            <a:off x="4840605" y="3413125"/>
-            <a:ext cx="645795" cy="645795"/>
-          </a:xfrm>
-          <a:prstGeom prst="ellipse">
-            <a:avLst/>
-          </a:prstGeom>
-          <a:solidFill>
-            <a:schemeClr val="tx1">
-              <a:lumMod val="85000"/>
-              <a:lumOff val="15000"/>
-            </a:schemeClr>
-          </a:solidFill>
-          <a:ln>
-            <a:noFill/>
-          </a:ln>
-        </p:spPr>
-        <p:style>
-          <a:lnRef idx="2">
-            <a:schemeClr val="accent1">
-              <a:shade val="50000"/>
-            </a:schemeClr>
-          </a:lnRef>
-          <a:fillRef idx="1">
-            <a:schemeClr val="accent1"/>
-          </a:fillRef>
-          <a:effectRef idx="0">
-            <a:schemeClr val="accent1"/>
-          </a:effectRef>
-          <a:fontRef idx="minor">
-            <a:schemeClr val="lt1"/>
-          </a:fontRef>
-        </p:style>
-        <p:txBody>
-          <a:bodyPr rtlCol="0" anchor="ctr"/>
-          <a:p>
-            <a:pPr algn="ctr"/>
-            <a:endParaRPr lang="zh-CN" altLang="en-US"/>
-          </a:p>
-        </p:txBody>
-      </p:sp>
-      <p:sp>
-        <p:nvSpPr>
-          <p:cNvPr id="62" name="椭圆 61"/>
-          <p:cNvSpPr/>
-          <p:nvPr/>
-        </p:nvSpPr>
-        <p:spPr>
-          <a:xfrm flipV="1">
-            <a:off x="4593590" y="4528820"/>
-            <a:ext cx="444500" cy="444500"/>
-          </a:xfrm>
-          <a:prstGeom prst="ellipse">
-            <a:avLst/>
-          </a:prstGeom>
-          <a:solidFill>
-            <a:schemeClr val="tx1">
-              <a:lumMod val="85000"/>
-              <a:lumOff val="15000"/>
-            </a:schemeClr>
-          </a:solidFill>
-          <a:ln>
-            <a:noFill/>
-          </a:ln>
-        </p:spPr>
-        <p:style>
-          <a:lnRef idx="2">
-            <a:schemeClr val="accent1">
-              <a:shade val="50000"/>
-            </a:schemeClr>
-          </a:lnRef>
-          <a:fillRef idx="1">
-            <a:schemeClr val="accent1"/>
-          </a:fillRef>
-          <a:effectRef idx="0">
-            <a:schemeClr val="accent1"/>
-          </a:effectRef>
-          <a:fontRef idx="minor">
-            <a:schemeClr val="lt1"/>
-          </a:fontRef>
-        </p:style>
-        <p:txBody>
-          <a:bodyPr rtlCol="0" anchor="ctr"/>
-          <a:p>
-            <a:pPr algn="ctr"/>
-            <a:endParaRPr lang="zh-CN" altLang="en-US"/>
-          </a:p>
-        </p:txBody>
-      </p:sp>
-      <p:sp>
-        <p:nvSpPr>
-          <p:cNvPr id="63" name="椭圆 62"/>
-          <p:cNvSpPr/>
-          <p:nvPr/>
-        </p:nvSpPr>
-        <p:spPr>
-          <a:xfrm flipV="1">
-            <a:off x="4593590" y="5488940"/>
-            <a:ext cx="444500" cy="444500"/>
-          </a:xfrm>
-          <a:prstGeom prst="ellipse">
-            <a:avLst/>
-          </a:prstGeom>
-          <a:solidFill>
-            <a:schemeClr val="tx1">
-              <a:lumMod val="85000"/>
-              <a:lumOff val="15000"/>
-            </a:schemeClr>
-          </a:solidFill>
-          <a:ln>
-            <a:noFill/>
-          </a:ln>
-        </p:spPr>
-        <p:style>
-          <a:lnRef idx="2">
-            <a:schemeClr val="accent1">
-              <a:shade val="50000"/>
-            </a:schemeClr>
-          </a:lnRef>
-          <a:fillRef idx="1">
-            <a:schemeClr val="accent1"/>
-          </a:fillRef>
-          <a:effectRef idx="0">
-            <a:schemeClr val="accent1"/>
-          </a:effectRef>
-          <a:fontRef idx="minor">
-            <a:schemeClr val="lt1"/>
-          </a:fontRef>
-        </p:style>
-        <p:txBody>
-          <a:bodyPr rtlCol="0" anchor="ctr"/>
-          <a:p>
-            <a:pPr algn="ctr"/>
-            <a:endParaRPr lang="zh-CN" altLang="en-US"/>
-          </a:p>
-        </p:txBody>
-      </p:sp>
-      <p:sp>
-        <p:nvSpPr>
-          <p:cNvPr id="64" name="椭圆 63"/>
-          <p:cNvSpPr/>
-          <p:nvPr/>
-        </p:nvSpPr>
-        <p:spPr>
-          <a:xfrm flipV="1">
-            <a:off x="5285105" y="2664460"/>
-            <a:ext cx="444500" cy="444500"/>
-          </a:xfrm>
-          <a:prstGeom prst="ellipse">
-            <a:avLst/>
-          </a:prstGeom>
-          <a:solidFill>
-            <a:schemeClr val="tx1">
-              <a:lumMod val="85000"/>
-              <a:lumOff val="15000"/>
-            </a:schemeClr>
-          </a:solidFill>
-          <a:ln>
-            <a:noFill/>
-          </a:ln>
-        </p:spPr>
-        <p:style>
-          <a:lnRef idx="2">
-            <a:schemeClr val="accent1">
-              <a:shade val="50000"/>
-            </a:schemeClr>
-          </a:lnRef>
-          <a:fillRef idx="1">
-            <a:schemeClr val="accent1"/>
-          </a:fillRef>
-          <a:effectRef idx="0">
-            <a:schemeClr val="accent1"/>
-          </a:effectRef>
-          <a:fontRef idx="minor">
-            <a:schemeClr val="lt1"/>
-          </a:fontRef>
-        </p:style>
-        <p:txBody>
-          <a:bodyPr rtlCol="0" anchor="ctr"/>
-          <a:p>
-            <a:pPr algn="ctr"/>
-            <a:endParaRPr lang="zh-CN" altLang="en-US"/>
-          </a:p>
-        </p:txBody>
-      </p:sp>
-      <p:sp>
-        <p:nvSpPr>
-          <p:cNvPr id="65" name="椭圆 64"/>
-          <p:cNvSpPr/>
-          <p:nvPr/>
-        </p:nvSpPr>
-        <p:spPr>
-          <a:xfrm flipV="1">
-            <a:off x="5729605" y="4691380"/>
-            <a:ext cx="1074420" cy="1074420"/>
-          </a:xfrm>
-          <a:prstGeom prst="ellipse">
-            <a:avLst/>
-          </a:prstGeom>
-          <a:solidFill>
-            <a:schemeClr val="tx1">
-              <a:lumMod val="85000"/>
-              <a:lumOff val="15000"/>
-            </a:schemeClr>
-          </a:solidFill>
-          <a:ln>
-            <a:noFill/>
-          </a:ln>
-        </p:spPr>
-        <p:style>
-          <a:lnRef idx="2">
-            <a:schemeClr val="accent1">
-              <a:shade val="50000"/>
-            </a:schemeClr>
-          </a:lnRef>
-          <a:fillRef idx="1">
-            <a:schemeClr val="accent1"/>
-          </a:fillRef>
-          <a:effectRef idx="0">
-            <a:schemeClr val="accent1"/>
-          </a:effectRef>
-          <a:fontRef idx="minor">
-            <a:schemeClr val="lt1"/>
-          </a:fontRef>
-        </p:style>
-        <p:txBody>
-          <a:bodyPr rtlCol="0" anchor="ctr"/>
-          <a:p>
-            <a:pPr algn="ctr"/>
-            <a:endParaRPr lang="zh-CN" altLang="en-US"/>
-          </a:p>
-        </p:txBody>
-      </p:sp>
-      <p:sp>
-        <p:nvSpPr>
-          <p:cNvPr id="66" name="泪滴形 65"/>
-          <p:cNvSpPr/>
-          <p:nvPr/>
-        </p:nvSpPr>
-        <p:spPr>
-          <a:xfrm rot="8100000">
-            <a:off x="5828665" y="3305810"/>
-            <a:ext cx="478790" cy="478790"/>
-          </a:xfrm>
-          <a:prstGeom prst="teardrop">
-            <a:avLst>
-              <a:gd name="adj" fmla="val 200000"/>
-            </a:avLst>
-          </a:prstGeom>
-          <a:solidFill>
-            <a:schemeClr val="tx1">
-              <a:lumMod val="85000"/>
-              <a:lumOff val="15000"/>
-            </a:schemeClr>
-          </a:solidFill>
-          <a:ln>
-            <a:noFill/>
-          </a:ln>
-        </p:spPr>
-        <p:style>
-          <a:lnRef idx="2">
-            <a:schemeClr val="accent1">
-              <a:shade val="50000"/>
-            </a:schemeClr>
-          </a:lnRef>
-          <a:fillRef idx="1">
-            <a:schemeClr val="accent1"/>
-          </a:fillRef>
-          <a:effectRef idx="0">
-            <a:schemeClr val="accent1"/>
-          </a:effectRef>
-          <a:fontRef idx="minor">
-            <a:schemeClr val="lt1"/>
-          </a:fontRef>
-        </p:style>
-        <p:txBody>
-          <a:bodyPr rtlCol="0" anchor="ctr"/>
-          <a:p>
-            <a:pPr algn="ctr"/>
-            <a:endParaRPr lang="zh-CN" altLang="en-US"/>
-          </a:p>
-        </p:txBody>
-      </p:sp>
-      <p:sp>
-        <p:nvSpPr>
-          <p:cNvPr id="67" name="椭圆 66"/>
-          <p:cNvSpPr/>
-          <p:nvPr/>
-        </p:nvSpPr>
-        <p:spPr>
-          <a:xfrm flipV="1">
-            <a:off x="3119120" y="5488940"/>
-            <a:ext cx="444500" cy="444500"/>
-          </a:xfrm>
-          <a:prstGeom prst="ellipse">
-            <a:avLst/>
-          </a:prstGeom>
-          <a:solidFill>
-            <a:schemeClr val="tx1">
-              <a:lumMod val="85000"/>
-              <a:lumOff val="15000"/>
-            </a:schemeClr>
-          </a:solidFill>
-          <a:ln>
-            <a:noFill/>
-          </a:ln>
-        </p:spPr>
-        <p:style>
-          <a:lnRef idx="2">
-            <a:schemeClr val="accent1">
-              <a:shade val="50000"/>
-            </a:schemeClr>
-          </a:lnRef>
-          <a:fillRef idx="1">
-            <a:schemeClr val="accent1"/>
-          </a:fillRef>
-          <a:effectRef idx="0">
-            <a:schemeClr val="accent1"/>
-          </a:effectRef>
-          <a:fontRef idx="minor">
-            <a:schemeClr val="lt1"/>
-          </a:fontRef>
-        </p:style>
-        <p:txBody>
-          <a:bodyPr rtlCol="0" anchor="ctr"/>
-          <a:p>
-            <a:pPr algn="ctr"/>
-            <a:endParaRPr lang="zh-CN" altLang="en-US"/>
-          </a:p>
-        </p:txBody>
-      </p:sp>
-      <p:sp>
-        <p:nvSpPr>
-          <p:cNvPr id="68" name="椭圆 67"/>
-          <p:cNvSpPr/>
-          <p:nvPr/>
-        </p:nvSpPr>
-        <p:spPr>
-          <a:xfrm flipV="1">
-            <a:off x="2598420" y="5142230"/>
-            <a:ext cx="444500" cy="444500"/>
-          </a:xfrm>
-          <a:prstGeom prst="ellipse">
-            <a:avLst/>
-          </a:prstGeom>
-          <a:solidFill>
-            <a:schemeClr val="tx1">
-              <a:lumMod val="85000"/>
-              <a:lumOff val="15000"/>
-            </a:schemeClr>
-          </a:solidFill>
-          <a:ln>
-            <a:noFill/>
-          </a:ln>
-        </p:spPr>
-        <p:style>
-          <a:lnRef idx="2">
-            <a:schemeClr val="accent1">
-              <a:shade val="50000"/>
-            </a:schemeClr>
-          </a:lnRef>
-          <a:fillRef idx="1">
-            <a:schemeClr val="accent1"/>
-          </a:fillRef>
-          <a:effectRef idx="0">
-            <a:schemeClr val="accent1"/>
-          </a:effectRef>
-          <a:fontRef idx="minor">
-            <a:schemeClr val="lt1"/>
-          </a:fontRef>
-        </p:style>
-        <p:txBody>
-          <a:bodyPr rtlCol="0" anchor="ctr"/>
-          <a:p>
-            <a:pPr algn="ctr"/>
-            <a:endParaRPr lang="zh-CN" altLang="en-US"/>
-          </a:p>
-        </p:txBody>
-      </p:sp>
-      <p:sp>
-        <p:nvSpPr>
-          <p:cNvPr id="70" name="泪滴形 69"/>
-          <p:cNvSpPr/>
-          <p:nvPr/>
-        </p:nvSpPr>
-        <p:spPr>
-          <a:xfrm rot="8100000">
-            <a:off x="3494405" y="5095240"/>
-            <a:ext cx="151765" cy="185420"/>
-          </a:xfrm>
-          <a:prstGeom prst="teardrop">
-            <a:avLst>
-              <a:gd name="adj" fmla="val 200000"/>
-            </a:avLst>
-          </a:prstGeom>
-          <a:solidFill>
-            <a:schemeClr val="tx1">
-              <a:lumMod val="85000"/>
-              <a:lumOff val="15000"/>
-            </a:schemeClr>
-          </a:solidFill>
-          <a:ln>
-            <a:noFill/>
-          </a:ln>
-        </p:spPr>
-        <p:style>
-          <a:lnRef idx="2">
-            <a:schemeClr val="accent1">
-              <a:shade val="50000"/>
-            </a:schemeClr>
-          </a:lnRef>
-          <a:fillRef idx="1">
-            <a:schemeClr val="accent1"/>
-          </a:fillRef>
-          <a:effectRef idx="0">
-            <a:schemeClr val="accent1"/>
-          </a:effectRef>
-          <a:fontRef idx="minor">
-            <a:schemeClr val="lt1"/>
-          </a:fontRef>
-        </p:style>
-        <p:txBody>
-          <a:bodyPr rtlCol="0" anchor="ctr"/>
-          <a:p>
-            <a:pPr algn="ctr"/>
-            <a:endParaRPr lang="zh-CN" altLang="en-US"/>
-          </a:p>
-        </p:txBody>
-      </p:sp>
-      <p:sp>
-        <p:nvSpPr>
-          <p:cNvPr id="71" name="椭圆 70"/>
-          <p:cNvSpPr/>
-          <p:nvPr/>
-        </p:nvSpPr>
-        <p:spPr>
-          <a:xfrm flipV="1">
-            <a:off x="3249930" y="4906010"/>
-            <a:ext cx="182880" cy="162560"/>
-          </a:xfrm>
-          <a:prstGeom prst="ellipse">
-            <a:avLst/>
-          </a:prstGeom>
-          <a:solidFill>
-            <a:schemeClr val="tx1">
-              <a:lumMod val="85000"/>
-              <a:lumOff val="15000"/>
-            </a:schemeClr>
-          </a:solidFill>
-          <a:ln>
-            <a:noFill/>
-          </a:ln>
-        </p:spPr>
-        <p:style>
-          <a:lnRef idx="2">
-            <a:schemeClr val="accent1">
-              <a:shade val="50000"/>
-            </a:schemeClr>
-          </a:lnRef>
-          <a:fillRef idx="1">
-            <a:schemeClr val="accent1"/>
-          </a:fillRef>
-          <a:effectRef idx="0">
-            <a:schemeClr val="accent1"/>
-          </a:effectRef>
-          <a:fontRef idx="minor">
-            <a:schemeClr val="lt1"/>
-          </a:fontRef>
-        </p:style>
-        <p:txBody>
-          <a:bodyPr rtlCol="0" anchor="ctr"/>
-          <a:p>
-            <a:pPr algn="ctr"/>
-            <a:endParaRPr lang="zh-CN" altLang="en-US"/>
           </a:p>
         </p:txBody>
       </p:sp>
@@ -13097,24 +9988,31 @@
       <p:grpSpPr/>
       <p:sp>
         <p:nvSpPr>
-          <p:cNvPr id="2" name="椭圆 1"/>
+          <p:cNvPr id="24" name="矩形 23"/>
           <p:cNvSpPr/>
           <p:nvPr/>
         </p:nvSpPr>
         <p:spPr>
           <a:xfrm>
-            <a:off x="4391660" y="3750945"/>
-            <a:ext cx="707390" cy="707390"/>
-          </a:xfrm>
-          <a:prstGeom prst="ellipse">
-            <a:avLst/>
-          </a:prstGeom>
-          <a:solidFill>
-            <a:schemeClr val="bg1"/>
-          </a:solidFill>
+            <a:off x="1032510" y="1362075"/>
+            <a:ext cx="9549765" cy="1348740"/>
+          </a:xfrm>
+          <a:prstGeom prst="rect">
+            <a:avLst/>
+          </a:prstGeom>
+          <a:noFill/>
           <a:ln>
             <a:noFill/>
           </a:ln>
+          <a:extLst>
+            <a:ext uri="{909E8E84-426E-40DD-AFC4-6F175D3DCCD1}">
+              <a14:hiddenFill xmlns:a14="http://schemas.microsoft.com/office/drawing/2010/main">
+                <a:solidFill>
+                  <a:schemeClr val="accent1"/>
+                </a:solidFill>
+              </a14:hiddenFill>
+            </a:ext>
+          </a:extLst>
         </p:spPr>
         <p:style>
           <a:lnRef idx="2">
@@ -13135,33 +10033,80 @@
         <p:txBody>
           <a:bodyPr rtlCol="0" anchor="ctr"/>
           <a:p>
-            <a:pPr algn="ctr"/>
-            <a:endParaRPr lang="zh-CN" altLang="en-US"/>
-          </a:p>
-        </p:txBody>
-      </p:sp>
-      <p:sp>
-        <p:nvSpPr>
-          <p:cNvPr id="3" name="椭圆 2"/>
+            <a:pPr algn="l"/>
+            <a:r>
+              <a:rPr lang="en-US" altLang="zh-CN" sz="4800">
+                <a:solidFill>
+                  <a:srgbClr val="2ECC71"/>
+                </a:solidFill>
+                <a:latin typeface="Kunstler Script" panose="030304020206070D0D06" charset="0"/>
+                <a:ea typeface="微软雅黑" panose="020B0503020204020204" charset="-122"/>
+              </a:rPr>
+              <a:t>//</a:t>
+            </a:r>
+            <a:r>
+              <a:rPr lang="en-US" altLang="zh-CN" sz="8800" b="1">
+                <a:solidFill>
+                  <a:schemeClr val="tx1">
+                    <a:lumMod val="50000"/>
+                    <a:lumOff val="50000"/>
+                  </a:schemeClr>
+                </a:solidFill>
+                <a:latin typeface="Letter Gothic Std" panose="020B0409020202030304" charset="0"/>
+              </a:rPr>
+              <a:t>E</a:t>
+            </a:r>
+            <a:r>
+              <a:rPr lang="en-US" altLang="zh-CN" sz="4800" b="1">
+                <a:solidFill>
+                  <a:schemeClr val="tx1">
+                    <a:lumMod val="50000"/>
+                    <a:lumOff val="50000"/>
+                  </a:schemeClr>
+                </a:solidFill>
+                <a:latin typeface="Letter Gothic Std" panose="020B0409020202030304" charset="0"/>
+              </a:rPr>
+              <a:t>mpty</a:t>
+            </a:r>
+            <a:endParaRPr lang="en-US" altLang="zh-CN" sz="4800" b="1">
+              <a:solidFill>
+                <a:schemeClr val="tx1">
+                  <a:lumMod val="50000"/>
+                  <a:lumOff val="50000"/>
+                </a:schemeClr>
+              </a:solidFill>
+              <a:latin typeface="Letter Gothic Std" panose="020B0409020202030304" charset="0"/>
+            </a:endParaRPr>
+          </a:p>
+        </p:txBody>
+      </p:sp>
+      <p:sp>
+        <p:nvSpPr>
+          <p:cNvPr id="32" name="矩形 31"/>
           <p:cNvSpPr/>
           <p:nvPr/>
         </p:nvSpPr>
         <p:spPr>
           <a:xfrm>
-            <a:off x="3314065" y="1372235"/>
-            <a:ext cx="707390" cy="707390"/>
-          </a:xfrm>
-          <a:prstGeom prst="ellipse">
-            <a:avLst/>
-          </a:prstGeom>
-          <a:solidFill>
-            <a:schemeClr val="bg2">
-              <a:lumMod val="25000"/>
-            </a:schemeClr>
-          </a:solidFill>
+            <a:off x="1320800" y="2157730"/>
+            <a:ext cx="9549765" cy="1348740"/>
+          </a:xfrm>
+          <a:prstGeom prst="rect">
+            <a:avLst/>
+          </a:prstGeom>
+          <a:noFill/>
           <a:ln>
             <a:noFill/>
           </a:ln>
+          <a:extLst>
+            <a:ext uri="{909E8E84-426E-40DD-AFC4-6F175D3DCCD1}">
+              <a14:hiddenFill xmlns:a14="http://schemas.microsoft.com/office/drawing/2010/main">
+                <a:solidFill>
+                  <a:schemeClr val="accent1"/>
+                </a:solidFill>
+              </a14:hiddenFill>
+            </a:ext>
+          </a:extLst>
         </p:spPr>
         <p:style>
           <a:lnRef idx="2">
@@ -13182,1473 +10127,106 @@
         <p:txBody>
           <a:bodyPr rtlCol="0" anchor="ctr"/>
           <a:p>
-            <a:pPr algn="ctr"/>
-            <a:endParaRPr lang="zh-CN" altLang="en-US"/>
-          </a:p>
-        </p:txBody>
-      </p:sp>
-      <p:sp>
-        <p:nvSpPr>
-          <p:cNvPr id="4" name="椭圆 3"/>
-          <p:cNvSpPr/>
-          <p:nvPr/>
-        </p:nvSpPr>
-        <p:spPr>
-          <a:xfrm>
-            <a:off x="2823210" y="3891915"/>
-            <a:ext cx="566420" cy="566420"/>
-          </a:xfrm>
-          <a:prstGeom prst="ellipse">
-            <a:avLst/>
-          </a:prstGeom>
-          <a:solidFill>
-            <a:schemeClr val="bg2">
-              <a:lumMod val="25000"/>
-            </a:schemeClr>
-          </a:solidFill>
-          <a:ln>
-            <a:noFill/>
-          </a:ln>
-        </p:spPr>
-        <p:style>
-          <a:lnRef idx="2">
-            <a:schemeClr val="accent1">
-              <a:shade val="50000"/>
-            </a:schemeClr>
-          </a:lnRef>
-          <a:fillRef idx="1">
-            <a:schemeClr val="accent1"/>
-          </a:fillRef>
-          <a:effectRef idx="0">
-            <a:schemeClr val="accent1"/>
-          </a:effectRef>
-          <a:fontRef idx="minor">
-            <a:schemeClr val="lt1"/>
-          </a:fontRef>
-        </p:style>
-        <p:txBody>
-          <a:bodyPr rtlCol="0" anchor="ctr"/>
-          <a:p>
-            <a:pPr algn="ctr"/>
-            <a:endParaRPr lang="zh-CN" altLang="en-US"/>
-          </a:p>
-        </p:txBody>
-      </p:sp>
-      <p:sp>
-        <p:nvSpPr>
-          <p:cNvPr id="6" name="椭圆 5"/>
-          <p:cNvSpPr/>
-          <p:nvPr/>
-        </p:nvSpPr>
-        <p:spPr>
-          <a:xfrm>
-            <a:off x="3389630" y="2590165"/>
-            <a:ext cx="555625" cy="555625"/>
-          </a:xfrm>
-          <a:prstGeom prst="ellipse">
-            <a:avLst/>
-          </a:prstGeom>
-          <a:solidFill>
-            <a:schemeClr val="bg2">
-              <a:lumMod val="25000"/>
-            </a:schemeClr>
-          </a:solidFill>
-          <a:ln>
-            <a:noFill/>
-          </a:ln>
-        </p:spPr>
-        <p:style>
-          <a:lnRef idx="2">
-            <a:schemeClr val="accent1">
-              <a:shade val="50000"/>
-            </a:schemeClr>
-          </a:lnRef>
-          <a:fillRef idx="1">
-            <a:schemeClr val="accent1"/>
-          </a:fillRef>
-          <a:effectRef idx="0">
-            <a:schemeClr val="accent1"/>
-          </a:effectRef>
-          <a:fontRef idx="minor">
-            <a:schemeClr val="lt1"/>
-          </a:fontRef>
-        </p:style>
-        <p:txBody>
-          <a:bodyPr rtlCol="0" anchor="ctr"/>
-          <a:p>
-            <a:pPr algn="ctr"/>
-            <a:endParaRPr lang="zh-CN" altLang="en-US"/>
-          </a:p>
-        </p:txBody>
-      </p:sp>
-      <p:sp>
-        <p:nvSpPr>
-          <p:cNvPr id="7" name="椭圆 6"/>
-          <p:cNvSpPr/>
-          <p:nvPr/>
-        </p:nvSpPr>
-        <p:spPr>
-          <a:xfrm>
-            <a:off x="5826125" y="1284605"/>
-            <a:ext cx="425450" cy="425450"/>
-          </a:xfrm>
-          <a:prstGeom prst="ellipse">
-            <a:avLst/>
-          </a:prstGeom>
-          <a:solidFill>
-            <a:schemeClr val="bg2">
-              <a:lumMod val="25000"/>
-            </a:schemeClr>
-          </a:solidFill>
-          <a:ln>
-            <a:noFill/>
-          </a:ln>
-        </p:spPr>
-        <p:style>
-          <a:lnRef idx="2">
-            <a:schemeClr val="accent1">
-              <a:shade val="50000"/>
-            </a:schemeClr>
-          </a:lnRef>
-          <a:fillRef idx="1">
-            <a:schemeClr val="accent1"/>
-          </a:fillRef>
-          <a:effectRef idx="0">
-            <a:schemeClr val="accent1"/>
-          </a:effectRef>
-          <a:fontRef idx="minor">
-            <a:schemeClr val="lt1"/>
-          </a:fontRef>
-        </p:style>
-        <p:txBody>
-          <a:bodyPr rtlCol="0" anchor="ctr"/>
-          <a:p>
-            <a:pPr algn="ctr"/>
-            <a:endParaRPr lang="zh-CN" altLang="en-US"/>
-          </a:p>
-        </p:txBody>
-      </p:sp>
-      <p:sp>
-        <p:nvSpPr>
-          <p:cNvPr id="8" name="椭圆 7"/>
-          <p:cNvSpPr/>
-          <p:nvPr/>
-        </p:nvSpPr>
-        <p:spPr>
-          <a:xfrm>
-            <a:off x="4912995" y="2155190"/>
-            <a:ext cx="707390" cy="707390"/>
-          </a:xfrm>
-          <a:prstGeom prst="ellipse">
-            <a:avLst/>
-          </a:prstGeom>
-          <a:solidFill>
-            <a:schemeClr val="bg2">
-              <a:lumMod val="25000"/>
-            </a:schemeClr>
-          </a:solidFill>
-          <a:ln>
-            <a:noFill/>
-          </a:ln>
-        </p:spPr>
-        <p:style>
-          <a:lnRef idx="2">
-            <a:schemeClr val="accent1">
-              <a:shade val="50000"/>
-            </a:schemeClr>
-          </a:lnRef>
-          <a:fillRef idx="1">
-            <a:schemeClr val="accent1"/>
-          </a:fillRef>
-          <a:effectRef idx="0">
-            <a:schemeClr val="accent1"/>
-          </a:effectRef>
-          <a:fontRef idx="minor">
-            <a:schemeClr val="lt1"/>
-          </a:fontRef>
-        </p:style>
-        <p:txBody>
-          <a:bodyPr rtlCol="0" anchor="ctr"/>
-          <a:p>
-            <a:pPr algn="ctr"/>
-            <a:endParaRPr lang="zh-CN" altLang="en-US"/>
-          </a:p>
-        </p:txBody>
-      </p:sp>
-      <p:sp>
-        <p:nvSpPr>
-          <p:cNvPr id="212" name=" 212"/>
-          <p:cNvSpPr/>
-          <p:nvPr/>
-        </p:nvSpPr>
-        <p:spPr>
-          <a:xfrm rot="17400000">
-            <a:off x="4161790" y="4226560"/>
-            <a:ext cx="229870" cy="229870"/>
-          </a:xfrm>
-          <a:prstGeom prst="heart">
-            <a:avLst/>
-          </a:prstGeom>
-          <a:solidFill>
-            <a:srgbClr val="E74C3C"/>
-          </a:solidFill>
-          <a:ln>
-            <a:noFill/>
-          </a:ln>
-        </p:spPr>
-        <p:style>
-          <a:lnRef idx="2">
-            <a:schemeClr val="accent1">
-              <a:shade val="50000"/>
-            </a:schemeClr>
-          </a:lnRef>
-          <a:fillRef idx="1">
-            <a:schemeClr val="accent1"/>
-          </a:fillRef>
-          <a:effectRef idx="0">
-            <a:schemeClr val="accent1"/>
-          </a:effectRef>
-          <a:fontRef idx="minor">
-            <a:schemeClr val="lt1"/>
-          </a:fontRef>
-        </p:style>
-        <p:txBody>
-          <a:bodyPr anchor="ctr"/>
-          <a:lstStyle>
-            <a:defPPr>
-              <a:defRPr lang="zh-CN"/>
-            </a:defPPr>
-            <a:lvl1pPr algn="l" rtl="0" eaLnBrk="0" fontAlgn="base" hangingPunct="0">
-              <a:spcBef>
-                <a:spcPct val="0"/>
-              </a:spcBef>
-              <a:spcAft>
-                <a:spcPct val="0"/>
-              </a:spcAft>
-              <a:defRPr kern="1200">
-                <a:solidFill>
-                  <a:schemeClr val="lt1"/>
-                </a:solidFill>
-                <a:latin typeface="+mn-lt"/>
-                <a:ea typeface="+mn-ea"/>
-                <a:cs typeface="+mn-cs"/>
-              </a:defRPr>
-            </a:lvl1pPr>
-            <a:lvl2pPr marL="457200" algn="l" rtl="0" eaLnBrk="0" fontAlgn="base" hangingPunct="0">
-              <a:spcBef>
-                <a:spcPct val="0"/>
-              </a:spcBef>
-              <a:spcAft>
-                <a:spcPct val="0"/>
-              </a:spcAft>
-              <a:defRPr kern="1200">
-                <a:solidFill>
-                  <a:schemeClr val="lt1"/>
-                </a:solidFill>
-                <a:latin typeface="+mn-lt"/>
-                <a:ea typeface="+mn-ea"/>
-                <a:cs typeface="+mn-cs"/>
-              </a:defRPr>
-            </a:lvl2pPr>
-            <a:lvl3pPr marL="914400" algn="l" rtl="0" eaLnBrk="0" fontAlgn="base" hangingPunct="0">
-              <a:spcBef>
-                <a:spcPct val="0"/>
-              </a:spcBef>
-              <a:spcAft>
-                <a:spcPct val="0"/>
-              </a:spcAft>
-              <a:defRPr kern="1200">
-                <a:solidFill>
-                  <a:schemeClr val="lt1"/>
-                </a:solidFill>
-                <a:latin typeface="+mn-lt"/>
-                <a:ea typeface="+mn-ea"/>
-                <a:cs typeface="+mn-cs"/>
-              </a:defRPr>
-            </a:lvl3pPr>
-            <a:lvl4pPr marL="1371600" algn="l" rtl="0" eaLnBrk="0" fontAlgn="base" hangingPunct="0">
-              <a:spcBef>
-                <a:spcPct val="0"/>
-              </a:spcBef>
-              <a:spcAft>
-                <a:spcPct val="0"/>
-              </a:spcAft>
-              <a:defRPr kern="1200">
-                <a:solidFill>
-                  <a:schemeClr val="lt1"/>
-                </a:solidFill>
-                <a:latin typeface="+mn-lt"/>
-                <a:ea typeface="+mn-ea"/>
-                <a:cs typeface="+mn-cs"/>
-              </a:defRPr>
-            </a:lvl4pPr>
-            <a:lvl5pPr marL="1828800" algn="l" rtl="0" eaLnBrk="0" fontAlgn="base" hangingPunct="0">
-              <a:spcBef>
-                <a:spcPct val="0"/>
-              </a:spcBef>
-              <a:spcAft>
-                <a:spcPct val="0"/>
-              </a:spcAft>
-              <a:defRPr kern="1200">
-                <a:solidFill>
-                  <a:schemeClr val="lt1"/>
-                </a:solidFill>
-                <a:latin typeface="+mn-lt"/>
-                <a:ea typeface="+mn-ea"/>
-                <a:cs typeface="+mn-cs"/>
-              </a:defRPr>
-            </a:lvl5pPr>
-            <a:lvl6pPr marL="2286000" algn="l" defTabSz="914400" rtl="0" eaLnBrk="1" latinLnBrk="0" hangingPunct="1">
-              <a:defRPr kern="1200">
-                <a:solidFill>
-                  <a:schemeClr val="lt1"/>
-                </a:solidFill>
-                <a:latin typeface="+mn-lt"/>
-                <a:ea typeface="+mn-ea"/>
-                <a:cs typeface="+mn-cs"/>
-              </a:defRPr>
-            </a:lvl6pPr>
-            <a:lvl7pPr marL="2743200" algn="l" defTabSz="914400" rtl="0" eaLnBrk="1" latinLnBrk="0" hangingPunct="1">
-              <a:defRPr kern="1200">
-                <a:solidFill>
-                  <a:schemeClr val="lt1"/>
-                </a:solidFill>
-                <a:latin typeface="+mn-lt"/>
-                <a:ea typeface="+mn-ea"/>
-                <a:cs typeface="+mn-cs"/>
-              </a:defRPr>
-            </a:lvl7pPr>
-            <a:lvl8pPr marL="3200400" algn="l" defTabSz="914400" rtl="0" eaLnBrk="1" latinLnBrk="0" hangingPunct="1">
-              <a:defRPr kern="1200">
-                <a:solidFill>
-                  <a:schemeClr val="lt1"/>
-                </a:solidFill>
-                <a:latin typeface="+mn-lt"/>
-                <a:ea typeface="+mn-ea"/>
-                <a:cs typeface="+mn-cs"/>
-              </a:defRPr>
-            </a:lvl8pPr>
-            <a:lvl9pPr marL="3657600" algn="l" defTabSz="914400" rtl="0" eaLnBrk="1" latinLnBrk="0" hangingPunct="1">
-              <a:defRPr kern="1200">
-                <a:solidFill>
-                  <a:schemeClr val="lt1"/>
-                </a:solidFill>
-                <a:latin typeface="+mn-lt"/>
-                <a:ea typeface="+mn-ea"/>
-                <a:cs typeface="+mn-cs"/>
-              </a:defRPr>
-            </a:lvl9pPr>
-          </a:lstStyle>
-          <a:p>
-            <a:pPr algn="ctr" eaLnBrk="1" fontAlgn="auto" hangingPunct="1">
-              <a:spcBef>
-                <a:spcPts val="0"/>
-              </a:spcBef>
-              <a:spcAft>
-                <a:spcPts val="0"/>
-              </a:spcAft>
-              <a:defRPr/>
-            </a:pPr>
-            <a:endParaRPr lang="zh-CN" altLang="en-US">
-              <a:solidFill>
-                <a:srgbClr val="FFFFFF"/>
-              </a:solidFill>
-            </a:endParaRPr>
-          </a:p>
-        </p:txBody>
-      </p:sp>
-      <p:sp>
-        <p:nvSpPr>
-          <p:cNvPr id="9" name="椭圆 8"/>
-          <p:cNvSpPr/>
-          <p:nvPr/>
-        </p:nvSpPr>
-        <p:spPr>
-          <a:xfrm>
-            <a:off x="802005" y="1468755"/>
-            <a:ext cx="523240" cy="523240"/>
-          </a:xfrm>
-          <a:prstGeom prst="ellipse">
-            <a:avLst/>
-          </a:prstGeom>
-          <a:solidFill>
-            <a:schemeClr val="bg2">
-              <a:lumMod val="25000"/>
-            </a:schemeClr>
-          </a:solidFill>
-          <a:ln>
-            <a:noFill/>
-          </a:ln>
-        </p:spPr>
-        <p:style>
-          <a:lnRef idx="2">
-            <a:schemeClr val="accent1">
-              <a:shade val="50000"/>
-            </a:schemeClr>
-          </a:lnRef>
-          <a:fillRef idx="1">
-            <a:schemeClr val="accent1"/>
-          </a:fillRef>
-          <a:effectRef idx="0">
-            <a:schemeClr val="accent1"/>
-          </a:effectRef>
-          <a:fontRef idx="minor">
-            <a:schemeClr val="lt1"/>
-          </a:fontRef>
-        </p:style>
-        <p:txBody>
-          <a:bodyPr rtlCol="0" anchor="ctr"/>
-          <a:p>
-            <a:pPr algn="ctr"/>
-            <a:endParaRPr lang="zh-CN" altLang="en-US"/>
-          </a:p>
-        </p:txBody>
-      </p:sp>
-      <p:sp>
-        <p:nvSpPr>
-          <p:cNvPr id="10" name="椭圆 9"/>
-          <p:cNvSpPr/>
-          <p:nvPr/>
-        </p:nvSpPr>
-        <p:spPr>
-          <a:xfrm>
-            <a:off x="1530350" y="761365"/>
-            <a:ext cx="523240" cy="523240"/>
-          </a:xfrm>
-          <a:prstGeom prst="ellipse">
-            <a:avLst/>
-          </a:prstGeom>
-          <a:solidFill>
-            <a:schemeClr val="bg2">
-              <a:lumMod val="25000"/>
-            </a:schemeClr>
-          </a:solidFill>
-          <a:ln>
-            <a:noFill/>
-          </a:ln>
-        </p:spPr>
-        <p:style>
-          <a:lnRef idx="2">
-            <a:schemeClr val="accent1">
-              <a:shade val="50000"/>
-            </a:schemeClr>
-          </a:lnRef>
-          <a:fillRef idx="1">
-            <a:schemeClr val="accent1"/>
-          </a:fillRef>
-          <a:effectRef idx="0">
-            <a:schemeClr val="accent1"/>
-          </a:effectRef>
-          <a:fontRef idx="minor">
-            <a:schemeClr val="lt1"/>
-          </a:fontRef>
-        </p:style>
-        <p:txBody>
-          <a:bodyPr rtlCol="0" anchor="ctr"/>
-          <a:p>
-            <a:pPr algn="ctr"/>
-            <a:endParaRPr lang="zh-CN" altLang="en-US"/>
-          </a:p>
-        </p:txBody>
-      </p:sp>
-      <p:sp>
-        <p:nvSpPr>
-          <p:cNvPr id="11" name="椭圆 10"/>
-          <p:cNvSpPr/>
-          <p:nvPr/>
-        </p:nvSpPr>
-        <p:spPr>
-          <a:xfrm>
-            <a:off x="1464945" y="2480310"/>
-            <a:ext cx="523240" cy="523240"/>
-          </a:xfrm>
-          <a:prstGeom prst="ellipse">
-            <a:avLst/>
-          </a:prstGeom>
-          <a:solidFill>
-            <a:schemeClr val="bg2">
-              <a:lumMod val="25000"/>
-            </a:schemeClr>
-          </a:solidFill>
-          <a:ln>
-            <a:noFill/>
-          </a:ln>
-        </p:spPr>
-        <p:style>
-          <a:lnRef idx="2">
-            <a:schemeClr val="accent1">
-              <a:shade val="50000"/>
-            </a:schemeClr>
-          </a:lnRef>
-          <a:fillRef idx="1">
-            <a:schemeClr val="accent1"/>
-          </a:fillRef>
-          <a:effectRef idx="0">
-            <a:schemeClr val="accent1"/>
-          </a:effectRef>
-          <a:fontRef idx="minor">
-            <a:schemeClr val="lt1"/>
-          </a:fontRef>
-        </p:style>
-        <p:txBody>
-          <a:bodyPr rtlCol="0" anchor="ctr"/>
-          <a:p>
-            <a:pPr algn="ctr"/>
-            <a:endParaRPr lang="zh-CN" altLang="en-US"/>
-          </a:p>
-        </p:txBody>
-      </p:sp>
-      <p:sp>
-        <p:nvSpPr>
-          <p:cNvPr id="12" name="椭圆 11"/>
-          <p:cNvSpPr/>
-          <p:nvPr/>
-        </p:nvSpPr>
-        <p:spPr>
-          <a:xfrm>
-            <a:off x="659765" y="3556635"/>
-            <a:ext cx="523240" cy="523240"/>
-          </a:xfrm>
-          <a:prstGeom prst="ellipse">
-            <a:avLst/>
-          </a:prstGeom>
-          <a:solidFill>
-            <a:schemeClr val="bg2">
-              <a:lumMod val="25000"/>
-            </a:schemeClr>
-          </a:solidFill>
-          <a:ln>
-            <a:noFill/>
-          </a:ln>
-        </p:spPr>
-        <p:style>
-          <a:lnRef idx="2">
-            <a:schemeClr val="accent1">
-              <a:shade val="50000"/>
-            </a:schemeClr>
-          </a:lnRef>
-          <a:fillRef idx="1">
-            <a:schemeClr val="accent1"/>
-          </a:fillRef>
-          <a:effectRef idx="0">
-            <a:schemeClr val="accent1"/>
-          </a:effectRef>
-          <a:fontRef idx="minor">
-            <a:schemeClr val="lt1"/>
-          </a:fontRef>
-        </p:style>
-        <p:txBody>
-          <a:bodyPr rtlCol="0" anchor="ctr"/>
-          <a:p>
-            <a:pPr algn="ctr"/>
-            <a:endParaRPr lang="zh-CN" altLang="en-US"/>
-          </a:p>
-        </p:txBody>
-      </p:sp>
-      <p:sp>
-        <p:nvSpPr>
-          <p:cNvPr id="13" name="椭圆 12"/>
-          <p:cNvSpPr/>
-          <p:nvPr/>
-        </p:nvSpPr>
-        <p:spPr>
-          <a:xfrm>
-            <a:off x="1464945" y="5057140"/>
-            <a:ext cx="523240" cy="523240"/>
-          </a:xfrm>
-          <a:prstGeom prst="ellipse">
-            <a:avLst/>
-          </a:prstGeom>
-          <a:solidFill>
-            <a:schemeClr val="bg2">
-              <a:lumMod val="25000"/>
-            </a:schemeClr>
-          </a:solidFill>
-          <a:ln>
-            <a:noFill/>
-          </a:ln>
-        </p:spPr>
-        <p:style>
-          <a:lnRef idx="2">
-            <a:schemeClr val="accent1">
-              <a:shade val="50000"/>
-            </a:schemeClr>
-          </a:lnRef>
-          <a:fillRef idx="1">
-            <a:schemeClr val="accent1"/>
-          </a:fillRef>
-          <a:effectRef idx="0">
-            <a:schemeClr val="accent1"/>
-          </a:effectRef>
-          <a:fontRef idx="minor">
-            <a:schemeClr val="lt1"/>
-          </a:fontRef>
-        </p:style>
-        <p:txBody>
-          <a:bodyPr rtlCol="0" anchor="ctr"/>
-          <a:p>
-            <a:pPr algn="ctr"/>
-            <a:endParaRPr lang="zh-CN" altLang="en-US"/>
-          </a:p>
-        </p:txBody>
-      </p:sp>
-      <p:sp>
-        <p:nvSpPr>
-          <p:cNvPr id="14" name="椭圆 13"/>
-          <p:cNvSpPr/>
-          <p:nvPr/>
-        </p:nvSpPr>
-        <p:spPr>
-          <a:xfrm>
-            <a:off x="3007995" y="5251450"/>
-            <a:ext cx="566420" cy="566420"/>
-          </a:xfrm>
-          <a:prstGeom prst="ellipse">
-            <a:avLst/>
-          </a:prstGeom>
-          <a:solidFill>
-            <a:schemeClr val="bg2">
-              <a:lumMod val="25000"/>
-            </a:schemeClr>
-          </a:solidFill>
-          <a:ln>
-            <a:noFill/>
-          </a:ln>
-        </p:spPr>
-        <p:style>
-          <a:lnRef idx="2">
-            <a:schemeClr val="accent1">
-              <a:shade val="50000"/>
-            </a:schemeClr>
-          </a:lnRef>
-          <a:fillRef idx="1">
-            <a:schemeClr val="accent1"/>
-          </a:fillRef>
-          <a:effectRef idx="0">
-            <a:schemeClr val="accent1"/>
-          </a:effectRef>
-          <a:fontRef idx="minor">
-            <a:schemeClr val="lt1"/>
-          </a:fontRef>
-        </p:style>
-        <p:txBody>
-          <a:bodyPr rtlCol="0" anchor="ctr"/>
-          <a:p>
-            <a:pPr algn="ctr"/>
-            <a:endParaRPr lang="zh-CN" altLang="en-US"/>
-          </a:p>
-        </p:txBody>
-      </p:sp>
-      <p:sp>
-        <p:nvSpPr>
-          <p:cNvPr id="15" name="椭圆 14"/>
-          <p:cNvSpPr/>
-          <p:nvPr/>
-        </p:nvSpPr>
-        <p:spPr>
-          <a:xfrm>
-            <a:off x="4502150" y="5222240"/>
-            <a:ext cx="707390" cy="707390"/>
-          </a:xfrm>
-          <a:prstGeom prst="ellipse">
-            <a:avLst/>
-          </a:prstGeom>
-          <a:solidFill>
-            <a:schemeClr val="bg2">
-              <a:lumMod val="25000"/>
-            </a:schemeClr>
-          </a:solidFill>
-          <a:ln>
-            <a:noFill/>
-          </a:ln>
-        </p:spPr>
-        <p:style>
-          <a:lnRef idx="2">
-            <a:schemeClr val="accent1">
-              <a:shade val="50000"/>
-            </a:schemeClr>
-          </a:lnRef>
-          <a:fillRef idx="1">
-            <a:schemeClr val="accent1"/>
-          </a:fillRef>
-          <a:effectRef idx="0">
-            <a:schemeClr val="accent1"/>
-          </a:effectRef>
-          <a:fontRef idx="minor">
-            <a:schemeClr val="lt1"/>
-          </a:fontRef>
-        </p:style>
-        <p:txBody>
-          <a:bodyPr rtlCol="0" anchor="ctr"/>
-          <a:p>
-            <a:pPr algn="ctr"/>
-            <a:endParaRPr lang="zh-CN" altLang="en-US"/>
-          </a:p>
-        </p:txBody>
-      </p:sp>
-      <p:sp>
-        <p:nvSpPr>
-          <p:cNvPr id="16" name="椭圆 15"/>
-          <p:cNvSpPr/>
-          <p:nvPr/>
-        </p:nvSpPr>
-        <p:spPr>
-          <a:xfrm>
-            <a:off x="8046085" y="4305300"/>
-            <a:ext cx="566420" cy="566420"/>
-          </a:xfrm>
-          <a:prstGeom prst="ellipse">
-            <a:avLst/>
-          </a:prstGeom>
-          <a:solidFill>
-            <a:schemeClr val="bg2">
-              <a:lumMod val="25000"/>
-            </a:schemeClr>
-          </a:solidFill>
-          <a:ln>
-            <a:noFill/>
-          </a:ln>
-        </p:spPr>
-        <p:style>
-          <a:lnRef idx="2">
-            <a:schemeClr val="accent1">
-              <a:shade val="50000"/>
-            </a:schemeClr>
-          </a:lnRef>
-          <a:fillRef idx="1">
-            <a:schemeClr val="accent1"/>
-          </a:fillRef>
-          <a:effectRef idx="0">
-            <a:schemeClr val="accent1"/>
-          </a:effectRef>
-          <a:fontRef idx="minor">
-            <a:schemeClr val="lt1"/>
-          </a:fontRef>
-        </p:style>
-        <p:txBody>
-          <a:bodyPr rtlCol="0" anchor="ctr"/>
-          <a:p>
-            <a:pPr algn="ctr"/>
-            <a:endParaRPr lang="zh-CN" altLang="en-US"/>
-          </a:p>
-        </p:txBody>
-      </p:sp>
-      <p:sp>
-        <p:nvSpPr>
-          <p:cNvPr id="17" name="椭圆 16"/>
-          <p:cNvSpPr/>
-          <p:nvPr/>
-        </p:nvSpPr>
-        <p:spPr>
-          <a:xfrm>
-            <a:off x="6870700" y="2079625"/>
-            <a:ext cx="707390" cy="707390"/>
-          </a:xfrm>
-          <a:prstGeom prst="ellipse">
-            <a:avLst/>
-          </a:prstGeom>
-          <a:solidFill>
-            <a:schemeClr val="bg2">
-              <a:lumMod val="25000"/>
-            </a:schemeClr>
-          </a:solidFill>
-          <a:ln>
-            <a:noFill/>
-          </a:ln>
-        </p:spPr>
-        <p:style>
-          <a:lnRef idx="2">
-            <a:schemeClr val="accent1">
-              <a:shade val="50000"/>
-            </a:schemeClr>
-          </a:lnRef>
-          <a:fillRef idx="1">
-            <a:schemeClr val="accent1"/>
-          </a:fillRef>
-          <a:effectRef idx="0">
-            <a:schemeClr val="accent1"/>
-          </a:effectRef>
-          <a:fontRef idx="minor">
-            <a:schemeClr val="lt1"/>
-          </a:fontRef>
-        </p:style>
-        <p:txBody>
-          <a:bodyPr rtlCol="0" anchor="ctr"/>
-          <a:p>
-            <a:pPr algn="ctr"/>
-            <a:endParaRPr lang="zh-CN" altLang="en-US"/>
-          </a:p>
-        </p:txBody>
-      </p:sp>
-      <p:sp>
-        <p:nvSpPr>
-          <p:cNvPr id="18" name="椭圆 17"/>
-          <p:cNvSpPr/>
-          <p:nvPr/>
-        </p:nvSpPr>
-        <p:spPr>
-          <a:xfrm>
-            <a:off x="6459855" y="5146675"/>
-            <a:ext cx="707390" cy="707390"/>
-          </a:xfrm>
-          <a:prstGeom prst="ellipse">
-            <a:avLst/>
-          </a:prstGeom>
-          <a:solidFill>
-            <a:schemeClr val="bg2">
-              <a:lumMod val="25000"/>
-            </a:schemeClr>
-          </a:solidFill>
-          <a:ln>
-            <a:noFill/>
-          </a:ln>
-        </p:spPr>
-        <p:style>
-          <a:lnRef idx="2">
-            <a:schemeClr val="accent1">
-              <a:shade val="50000"/>
-            </a:schemeClr>
-          </a:lnRef>
-          <a:fillRef idx="1">
-            <a:schemeClr val="accent1"/>
-          </a:fillRef>
-          <a:effectRef idx="0">
-            <a:schemeClr val="accent1"/>
-          </a:effectRef>
-          <a:fontRef idx="minor">
-            <a:schemeClr val="lt1"/>
-          </a:fontRef>
-        </p:style>
-        <p:txBody>
-          <a:bodyPr rtlCol="0" anchor="ctr"/>
-          <a:p>
-            <a:pPr algn="ctr"/>
-            <a:endParaRPr lang="zh-CN" altLang="en-US"/>
-          </a:p>
-        </p:txBody>
-      </p:sp>
-      <p:sp>
-        <p:nvSpPr>
-          <p:cNvPr id="19" name="椭圆 18"/>
-          <p:cNvSpPr/>
-          <p:nvPr/>
-        </p:nvSpPr>
-        <p:spPr>
-          <a:xfrm>
-            <a:off x="8785860" y="2663190"/>
-            <a:ext cx="566420" cy="566420"/>
-          </a:xfrm>
-          <a:prstGeom prst="ellipse">
-            <a:avLst/>
-          </a:prstGeom>
-          <a:solidFill>
-            <a:schemeClr val="bg2">
-              <a:lumMod val="25000"/>
-            </a:schemeClr>
-          </a:solidFill>
-          <a:ln>
-            <a:noFill/>
-          </a:ln>
-        </p:spPr>
-        <p:style>
-          <a:lnRef idx="2">
-            <a:schemeClr val="accent1">
-              <a:shade val="50000"/>
-            </a:schemeClr>
-          </a:lnRef>
-          <a:fillRef idx="1">
-            <a:schemeClr val="accent1"/>
-          </a:fillRef>
-          <a:effectRef idx="0">
-            <a:schemeClr val="accent1"/>
-          </a:effectRef>
-          <a:fontRef idx="minor">
-            <a:schemeClr val="lt1"/>
-          </a:fontRef>
-        </p:style>
-        <p:txBody>
-          <a:bodyPr rtlCol="0" anchor="ctr"/>
-          <a:p>
-            <a:pPr algn="ctr"/>
-            <a:endParaRPr lang="zh-CN" altLang="en-US"/>
-          </a:p>
-        </p:txBody>
-      </p:sp>
-      <p:sp>
-        <p:nvSpPr>
-          <p:cNvPr id="20" name="椭圆 19"/>
-          <p:cNvSpPr/>
-          <p:nvPr/>
-        </p:nvSpPr>
-        <p:spPr>
-          <a:xfrm>
-            <a:off x="6459855" y="3131185"/>
-            <a:ext cx="425450" cy="425450"/>
-          </a:xfrm>
-          <a:prstGeom prst="ellipse">
-            <a:avLst/>
-          </a:prstGeom>
-          <a:solidFill>
-            <a:schemeClr val="bg2">
-              <a:lumMod val="25000"/>
-            </a:schemeClr>
-          </a:solidFill>
-          <a:ln>
-            <a:noFill/>
-          </a:ln>
-        </p:spPr>
-        <p:style>
-          <a:lnRef idx="2">
-            <a:schemeClr val="accent1">
-              <a:shade val="50000"/>
-            </a:schemeClr>
-          </a:lnRef>
-          <a:fillRef idx="1">
-            <a:schemeClr val="accent1"/>
-          </a:fillRef>
-          <a:effectRef idx="0">
-            <a:schemeClr val="accent1"/>
-          </a:effectRef>
-          <a:fontRef idx="minor">
-            <a:schemeClr val="lt1"/>
-          </a:fontRef>
-        </p:style>
-        <p:txBody>
-          <a:bodyPr rtlCol="0" anchor="ctr"/>
-          <a:p>
-            <a:pPr algn="ctr"/>
-            <a:endParaRPr lang="zh-CN" altLang="en-US"/>
-          </a:p>
-        </p:txBody>
-      </p:sp>
-      <p:sp>
-        <p:nvSpPr>
-          <p:cNvPr id="21" name="椭圆 20"/>
-          <p:cNvSpPr/>
-          <p:nvPr/>
-        </p:nvSpPr>
-        <p:spPr>
-          <a:xfrm>
-            <a:off x="9352280" y="894080"/>
-            <a:ext cx="815975" cy="815975"/>
-          </a:xfrm>
-          <a:prstGeom prst="ellipse">
-            <a:avLst/>
-          </a:prstGeom>
-          <a:solidFill>
-            <a:schemeClr val="bg2">
-              <a:lumMod val="25000"/>
-            </a:schemeClr>
-          </a:solidFill>
-          <a:ln>
-            <a:noFill/>
-          </a:ln>
-        </p:spPr>
-        <p:style>
-          <a:lnRef idx="2">
-            <a:schemeClr val="accent1">
-              <a:shade val="50000"/>
-            </a:schemeClr>
-          </a:lnRef>
-          <a:fillRef idx="1">
-            <a:schemeClr val="accent1"/>
-          </a:fillRef>
-          <a:effectRef idx="0">
-            <a:schemeClr val="accent1"/>
-          </a:effectRef>
-          <a:fontRef idx="minor">
-            <a:schemeClr val="lt1"/>
-          </a:fontRef>
-        </p:style>
-        <p:txBody>
-          <a:bodyPr rtlCol="0" anchor="ctr"/>
-          <a:p>
-            <a:pPr algn="ctr"/>
-            <a:endParaRPr lang="zh-CN" altLang="en-US"/>
-          </a:p>
-        </p:txBody>
-      </p:sp>
-      <p:sp>
-        <p:nvSpPr>
-          <p:cNvPr id="22" name="椭圆 21"/>
-          <p:cNvSpPr/>
-          <p:nvPr/>
-        </p:nvSpPr>
-        <p:spPr>
-          <a:xfrm>
-            <a:off x="7394575" y="894080"/>
-            <a:ext cx="523240" cy="523240"/>
-          </a:xfrm>
-          <a:prstGeom prst="ellipse">
-            <a:avLst/>
-          </a:prstGeom>
-          <a:solidFill>
-            <a:schemeClr val="bg2">
-              <a:lumMod val="25000"/>
-            </a:schemeClr>
-          </a:solidFill>
-          <a:ln>
-            <a:noFill/>
-          </a:ln>
-        </p:spPr>
-        <p:style>
-          <a:lnRef idx="2">
-            <a:schemeClr val="accent1">
-              <a:shade val="50000"/>
-            </a:schemeClr>
-          </a:lnRef>
-          <a:fillRef idx="1">
-            <a:schemeClr val="accent1"/>
-          </a:fillRef>
-          <a:effectRef idx="0">
-            <a:schemeClr val="accent1"/>
-          </a:effectRef>
-          <a:fontRef idx="minor">
-            <a:schemeClr val="lt1"/>
-          </a:fontRef>
-        </p:style>
-        <p:txBody>
-          <a:bodyPr rtlCol="0" anchor="ctr"/>
-          <a:p>
-            <a:pPr algn="ctr"/>
-            <a:endParaRPr lang="zh-CN" altLang="en-US"/>
-          </a:p>
-        </p:txBody>
-      </p:sp>
-      <p:sp>
-        <p:nvSpPr>
-          <p:cNvPr id="23" name="椭圆 22"/>
-          <p:cNvSpPr/>
-          <p:nvPr/>
-        </p:nvSpPr>
-        <p:spPr>
-          <a:xfrm>
-            <a:off x="5936615" y="4079875"/>
-            <a:ext cx="523240" cy="523240"/>
-          </a:xfrm>
-          <a:prstGeom prst="ellipse">
-            <a:avLst/>
-          </a:prstGeom>
-          <a:solidFill>
-            <a:schemeClr val="bg2">
-              <a:lumMod val="25000"/>
-            </a:schemeClr>
-          </a:solidFill>
-          <a:ln>
-            <a:noFill/>
-          </a:ln>
-        </p:spPr>
-        <p:style>
-          <a:lnRef idx="2">
-            <a:schemeClr val="accent1">
-              <a:shade val="50000"/>
-            </a:schemeClr>
-          </a:lnRef>
-          <a:fillRef idx="1">
-            <a:schemeClr val="accent1"/>
-          </a:fillRef>
-          <a:effectRef idx="0">
-            <a:schemeClr val="accent1"/>
-          </a:effectRef>
-          <a:fontRef idx="minor">
-            <a:schemeClr val="lt1"/>
-          </a:fontRef>
-        </p:style>
-        <p:txBody>
-          <a:bodyPr rtlCol="0" anchor="ctr"/>
-          <a:p>
-            <a:pPr algn="ctr"/>
-            <a:endParaRPr lang="zh-CN" altLang="en-US"/>
-          </a:p>
-        </p:txBody>
-      </p:sp>
-      <p:sp>
-        <p:nvSpPr>
-          <p:cNvPr id="25" name="矩形 24"/>
-          <p:cNvSpPr/>
-          <p:nvPr/>
-        </p:nvSpPr>
-        <p:spPr>
-          <a:xfrm>
-            <a:off x="10189845" y="4058920"/>
-            <a:ext cx="1544955" cy="914400"/>
-          </a:xfrm>
-          <a:prstGeom prst="rect">
-            <a:avLst/>
-          </a:prstGeom>
-          <a:noFill/>
-          <a:ln>
-            <a:noFill/>
-          </a:ln>
-          <a:extLst>
-            <a:ext uri="{909E8E84-426E-40DD-AFC4-6F175D3DCCD1}">
-              <a14:hiddenFill xmlns:a14="http://schemas.microsoft.com/office/drawing/2010/main">
-                <a:solidFill>
-                  <a:schemeClr val="accent1"/>
-                </a:solidFill>
-              </a14:hiddenFill>
-            </a:ext>
-          </a:extLst>
-        </p:spPr>
-        <p:style>
-          <a:lnRef idx="2">
-            <a:schemeClr val="accent1">
-              <a:shade val="50000"/>
-            </a:schemeClr>
-          </a:lnRef>
-          <a:fillRef idx="1">
-            <a:schemeClr val="accent1"/>
-          </a:fillRef>
-          <a:effectRef idx="0">
-            <a:schemeClr val="accent1"/>
-          </a:effectRef>
-          <a:fontRef idx="minor">
-            <a:schemeClr val="lt1"/>
-          </a:fontRef>
-        </p:style>
-        <p:txBody>
-          <a:bodyPr rtlCol="0" anchor="ctr"/>
-          <a:p>
-            <a:pPr algn="ctr"/>
-            <a:r>
-              <a:rPr lang="en-US" altLang="zh-CN" sz="2400" b="1">
+            <a:pPr algn="l"/>
+            <a:r>
+              <a:rPr lang="en-US" altLang="zh-CN" sz="4800" b="1">
                 <a:solidFill>
                   <a:schemeClr val="tx1">
-                    <a:lumMod val="85000"/>
-                    <a:lumOff val="15000"/>
+                    <a:lumMod val="50000"/>
+                    <a:lumOff val="50000"/>
                   </a:schemeClr>
                 </a:solidFill>
                 <a:latin typeface="Letter Gothic Std" panose="020B0409020202030304" charset="0"/>
+                <a:sym typeface="+mn-ea"/>
               </a:rPr>
-              <a:t>CUTLINE</a:t>
-            </a:r>
-            <a:endParaRPr lang="en-US" altLang="zh-CN" sz="2400" b="1">
+              <a:t>  Flo</a:t>
+            </a:r>
+            <a:r>
+              <a:rPr lang="en-US" altLang="zh-CN" sz="4800">
+                <a:solidFill>
+                  <a:schemeClr val="tx1">
+                    <a:lumMod val="50000"/>
+                    <a:lumOff val="50000"/>
+                  </a:schemeClr>
+                </a:solidFill>
+                <a:latin typeface="微软雅黑" panose="020B0503020204020204" charset="-122"/>
+                <a:ea typeface="微软雅黑" panose="020B0503020204020204" charset="-122"/>
+                <a:sym typeface="+mn-ea"/>
+              </a:rPr>
+              <a:t>{</a:t>
+            </a:r>
+            <a:r>
+              <a:rPr lang="en-US" altLang="zh-CN" sz="4800" b="1">
+                <a:solidFill>
+                  <a:schemeClr val="tx1">
+                    <a:lumMod val="50000"/>
+                    <a:lumOff val="50000"/>
+                  </a:schemeClr>
+                </a:solidFill>
+                <a:latin typeface="Letter Gothic Std" panose="020B0409020202030304" charset="0"/>
+                <a:sym typeface="+mn-ea"/>
+              </a:rPr>
+              <a:t> </a:t>
+            </a:r>
+            <a:r>
+              <a:rPr lang="en-US" altLang="zh-CN" sz="4800">
+                <a:solidFill>
+                  <a:srgbClr val="2ECC71"/>
+                </a:solidFill>
+                <a:latin typeface="Letter Gothic Std" panose="020B0409020202030304" charset="0"/>
+                <a:sym typeface="+mn-ea"/>
+              </a:rPr>
+              <a:t>❀</a:t>
+            </a:r>
+            <a:r>
+              <a:rPr lang="en-US" altLang="zh-CN" sz="4800">
+                <a:solidFill>
+                  <a:schemeClr val="tx1">
+                    <a:lumMod val="50000"/>
+                    <a:lumOff val="50000"/>
+                  </a:schemeClr>
+                </a:solidFill>
+                <a:latin typeface="Letter Gothic Std" panose="020B0409020202030304" charset="0"/>
+                <a:sym typeface="+mn-ea"/>
+              </a:rPr>
+              <a:t> </a:t>
+            </a:r>
+            <a:r>
+              <a:rPr lang="en-US" altLang="zh-CN" sz="4800">
+                <a:solidFill>
+                  <a:schemeClr val="tx1">
+                    <a:lumMod val="50000"/>
+                    <a:lumOff val="50000"/>
+                  </a:schemeClr>
+                </a:solidFill>
+                <a:latin typeface="微软雅黑" panose="020B0503020204020204" charset="-122"/>
+                <a:ea typeface="微软雅黑" panose="020B0503020204020204" charset="-122"/>
+                <a:sym typeface="+mn-ea"/>
+              </a:rPr>
+              <a:t>}</a:t>
+            </a:r>
+            <a:r>
+              <a:rPr lang="en-US" altLang="zh-CN" sz="4800" b="1">
+                <a:solidFill>
+                  <a:schemeClr val="tx1">
+                    <a:lumMod val="50000"/>
+                    <a:lumOff val="50000"/>
+                  </a:schemeClr>
+                </a:solidFill>
+                <a:latin typeface="Letter Gothic Std" panose="020B0409020202030304" charset="0"/>
+                <a:sym typeface="+mn-ea"/>
+              </a:rPr>
+              <a:t>r</a:t>
+            </a:r>
+            <a:endParaRPr lang="en-US" altLang="zh-CN" sz="4800" b="1">
               <a:solidFill>
                 <a:schemeClr val="tx1">
-                  <a:lumMod val="85000"/>
-                  <a:lumOff val="15000"/>
+                  <a:lumMod val="50000"/>
+                  <a:lumOff val="50000"/>
                 </a:schemeClr>
               </a:solidFill>
               <a:latin typeface="Letter Gothic Std" panose="020B0409020202030304" charset="0"/>
             </a:endParaRPr>
-          </a:p>
-        </p:txBody>
-      </p:sp>
-      <p:sp>
-        <p:nvSpPr>
-          <p:cNvPr id="26" name="矩形 25"/>
-          <p:cNvSpPr/>
-          <p:nvPr/>
-        </p:nvSpPr>
-        <p:spPr>
-          <a:xfrm>
-            <a:off x="10276840" y="5068570"/>
-            <a:ext cx="1349375" cy="420370"/>
-          </a:xfrm>
-          <a:prstGeom prst="rect">
-            <a:avLst/>
-          </a:prstGeom>
-          <a:solidFill>
-            <a:schemeClr val="bg1"/>
-          </a:solidFill>
-          <a:ln>
-            <a:noFill/>
-          </a:ln>
-        </p:spPr>
-        <p:style>
-          <a:lnRef idx="2">
-            <a:schemeClr val="accent1">
-              <a:shade val="50000"/>
-            </a:schemeClr>
-          </a:lnRef>
-          <a:fillRef idx="1">
-            <a:schemeClr val="accent1"/>
-          </a:fillRef>
-          <a:effectRef idx="0">
-            <a:schemeClr val="accent1"/>
-          </a:effectRef>
-          <a:fontRef idx="minor">
-            <a:schemeClr val="lt1"/>
-          </a:fontRef>
-        </p:style>
-        <p:txBody>
-          <a:bodyPr rtlCol="0" anchor="ctr"/>
-          <a:p>
-            <a:pPr algn="ctr"/>
-            <a:r>
-              <a:rPr lang="en-US" altLang="zh-CN">
-                <a:solidFill>
-                  <a:schemeClr val="tx1">
-                    <a:lumMod val="85000"/>
-                    <a:lumOff val="15000"/>
-                  </a:schemeClr>
-                </a:solidFill>
-              </a:rPr>
-              <a:t>#000000</a:t>
-            </a:r>
-            <a:endParaRPr lang="en-US" altLang="zh-CN">
-              <a:solidFill>
-                <a:schemeClr val="tx1">
-                  <a:lumMod val="85000"/>
-                  <a:lumOff val="15000"/>
-                </a:schemeClr>
-              </a:solidFill>
-            </a:endParaRPr>
-          </a:p>
-        </p:txBody>
-      </p:sp>
-      <p:sp>
-        <p:nvSpPr>
-          <p:cNvPr id="27" name="矩形 26"/>
-          <p:cNvSpPr/>
-          <p:nvPr/>
-        </p:nvSpPr>
-        <p:spPr>
-          <a:xfrm>
-            <a:off x="10287635" y="5817870"/>
-            <a:ext cx="1349375" cy="420370"/>
-          </a:xfrm>
-          <a:prstGeom prst="rect">
-            <a:avLst/>
-          </a:prstGeom>
-          <a:solidFill>
-            <a:schemeClr val="tx1">
-              <a:lumMod val="75000"/>
-              <a:lumOff val="25000"/>
-            </a:schemeClr>
-          </a:solidFill>
-          <a:ln>
-            <a:noFill/>
-          </a:ln>
-        </p:spPr>
-        <p:style>
-          <a:lnRef idx="2">
-            <a:schemeClr val="accent1">
-              <a:shade val="50000"/>
-            </a:schemeClr>
-          </a:lnRef>
-          <a:fillRef idx="1">
-            <a:schemeClr val="accent1"/>
-          </a:fillRef>
-          <a:effectRef idx="0">
-            <a:schemeClr val="accent1"/>
-          </a:effectRef>
-          <a:fontRef idx="minor">
-            <a:schemeClr val="lt1"/>
-          </a:fontRef>
-        </p:style>
-        <p:txBody>
-          <a:bodyPr rtlCol="0" anchor="ctr"/>
-          <a:p>
-            <a:pPr algn="ctr"/>
-            <a:r>
-              <a:rPr lang="en-US" altLang="zh-CN">
-                <a:solidFill>
-                  <a:schemeClr val="bg1"/>
-                </a:solidFill>
-              </a:rPr>
-              <a:t>#FFFFFF</a:t>
-            </a:r>
-            <a:endParaRPr lang="en-US" altLang="zh-CN">
-              <a:solidFill>
-                <a:schemeClr val="bg1"/>
-              </a:solidFill>
-            </a:endParaRPr>
-          </a:p>
-        </p:txBody>
-      </p:sp>
-      <p:cxnSp>
-        <p:nvCxnSpPr>
-          <p:cNvPr id="28" name="直接连接符 27"/>
-          <p:cNvCxnSpPr/>
-          <p:nvPr/>
-        </p:nvCxnSpPr>
-        <p:spPr>
-          <a:xfrm>
-            <a:off x="9839960" y="4691380"/>
-            <a:ext cx="2338705" cy="0"/>
-          </a:xfrm>
-          <a:prstGeom prst="line">
-            <a:avLst/>
-          </a:prstGeom>
-          <a:ln>
-            <a:solidFill>
-              <a:schemeClr val="tx1">
-                <a:lumMod val="75000"/>
-                <a:lumOff val="25000"/>
-              </a:schemeClr>
-            </a:solidFill>
-          </a:ln>
-        </p:spPr>
-        <p:style>
-          <a:lnRef idx="1">
-            <a:schemeClr val="accent1"/>
-          </a:lnRef>
-          <a:fillRef idx="0">
-            <a:schemeClr val="accent1"/>
-          </a:fillRef>
-          <a:effectRef idx="0">
-            <a:schemeClr val="accent1"/>
-          </a:effectRef>
-          <a:fontRef idx="minor">
-            <a:schemeClr val="tx1"/>
-          </a:fontRef>
-        </p:style>
-      </p:cxnSp>
-      <p:cxnSp>
-        <p:nvCxnSpPr>
-          <p:cNvPr id="29" name="直接连接符 28"/>
-          <p:cNvCxnSpPr/>
-          <p:nvPr/>
-        </p:nvCxnSpPr>
-        <p:spPr>
-          <a:xfrm>
-            <a:off x="9836150" y="4767580"/>
-            <a:ext cx="2338705" cy="0"/>
-          </a:xfrm>
-          <a:prstGeom prst="line">
-            <a:avLst/>
-          </a:prstGeom>
-          <a:ln>
-            <a:solidFill>
-              <a:schemeClr val="tx1">
-                <a:lumMod val="75000"/>
-                <a:lumOff val="25000"/>
-              </a:schemeClr>
-            </a:solidFill>
-          </a:ln>
-        </p:spPr>
-        <p:style>
-          <a:lnRef idx="1">
-            <a:schemeClr val="accent1"/>
-          </a:lnRef>
-          <a:fillRef idx="0">
-            <a:schemeClr val="accent1"/>
-          </a:fillRef>
-          <a:effectRef idx="0">
-            <a:schemeClr val="accent1"/>
-          </a:effectRef>
-          <a:fontRef idx="minor">
-            <a:schemeClr val="tx1"/>
-          </a:fontRef>
-        </p:style>
-      </p:cxnSp>
-      <p:sp>
-        <p:nvSpPr>
-          <p:cNvPr id="30" name="矩形 29"/>
-          <p:cNvSpPr/>
-          <p:nvPr/>
-        </p:nvSpPr>
-        <p:spPr>
-          <a:xfrm>
-            <a:off x="83820" y="130175"/>
-            <a:ext cx="914400" cy="556260"/>
-          </a:xfrm>
-          <a:prstGeom prst="rect">
-            <a:avLst/>
-          </a:prstGeom>
-          <a:noFill/>
-          <a:ln>
-            <a:noFill/>
-          </a:ln>
-          <a:extLst>
-            <a:ext uri="{909E8E84-426E-40DD-AFC4-6F175D3DCCD1}">
-              <a14:hiddenFill xmlns:a14="http://schemas.microsoft.com/office/drawing/2010/main">
-                <a:solidFill>
-                  <a:schemeClr val="accent1"/>
-                </a:solidFill>
-              </a14:hiddenFill>
-            </a:ext>
-          </a:extLst>
-        </p:spPr>
-        <p:style>
-          <a:lnRef idx="2">
-            <a:schemeClr val="accent1">
-              <a:shade val="50000"/>
-            </a:schemeClr>
-          </a:lnRef>
-          <a:fillRef idx="1">
-            <a:schemeClr val="accent1"/>
-          </a:fillRef>
-          <a:effectRef idx="0">
-            <a:schemeClr val="accent1"/>
-          </a:effectRef>
-          <a:fontRef idx="minor">
-            <a:schemeClr val="lt1"/>
-          </a:fontRef>
-        </p:style>
-        <p:txBody>
-          <a:bodyPr rtlCol="0" anchor="ctr"/>
-          <a:p>
-            <a:pPr algn="ctr"/>
-            <a:r>
-              <a:rPr lang="en-US" altLang="zh-CN" b="1">
-                <a:solidFill>
-                  <a:schemeClr val="tx1">
-                    <a:lumMod val="75000"/>
-                    <a:lumOff val="25000"/>
-                  </a:schemeClr>
-                </a:solidFill>
-                <a:latin typeface="Letter Gothic Std" panose="020B0409020202030304" charset="0"/>
-              </a:rPr>
-              <a:t>P 2</a:t>
-            </a:r>
-            <a:endParaRPr lang="en-US" altLang="zh-CN" b="1">
-              <a:solidFill>
-                <a:schemeClr val="tx1">
-                  <a:lumMod val="75000"/>
-                  <a:lumOff val="25000"/>
-                </a:schemeClr>
-              </a:solidFill>
-              <a:latin typeface="Letter Gothic Std" panose="020B0409020202030304" charset="0"/>
-            </a:endParaRPr>
-          </a:p>
-        </p:txBody>
-      </p:sp>
-      <p:sp>
-        <p:nvSpPr>
-          <p:cNvPr id="5" name="爆炸形 1 4"/>
-          <p:cNvSpPr/>
-          <p:nvPr/>
-        </p:nvSpPr>
-        <p:spPr>
-          <a:xfrm rot="4200000">
-            <a:off x="4208780" y="4277360"/>
-            <a:ext cx="136525" cy="128270"/>
-          </a:xfrm>
-          <a:prstGeom prst="irregularSeal1">
-            <a:avLst/>
-          </a:prstGeom>
-          <a:solidFill>
-            <a:schemeClr val="bg1">
-              <a:lumMod val="95000"/>
-            </a:schemeClr>
-          </a:solidFill>
-          <a:ln>
-            <a:noFill/>
-          </a:ln>
-        </p:spPr>
-        <p:style>
-          <a:lnRef idx="2">
-            <a:schemeClr val="accent1">
-              <a:shade val="50000"/>
-            </a:schemeClr>
-          </a:lnRef>
-          <a:fillRef idx="1">
-            <a:schemeClr val="accent1"/>
-          </a:fillRef>
-          <a:effectRef idx="0">
-            <a:schemeClr val="accent1"/>
-          </a:effectRef>
-          <a:fontRef idx="minor">
-            <a:schemeClr val="lt1"/>
-          </a:fontRef>
-        </p:style>
-        <p:txBody>
-          <a:bodyPr rtlCol="0" anchor="ctr"/>
-          <a:p>
-            <a:pPr algn="ctr"/>
-            <a:endParaRPr lang="zh-CN" altLang="en-US"/>
           </a:p>
         </p:txBody>
       </p:sp>

--- a/grande.pptx
+++ b/grande.pptx
@@ -18,8 +18,19 @@
     <p:sldId id="267" r:id="rId11"/>
     <p:sldId id="278" r:id="rId12"/>
     <p:sldId id="279" r:id="rId13"/>
-    <p:sldId id="280" r:id="rId14"/>
-    <p:sldId id="277" r:id="rId15"/>
+    <p:sldId id="277" r:id="rId14"/>
+    <p:sldId id="283" r:id="rId15"/>
+    <p:sldId id="285" r:id="rId16"/>
+    <p:sldId id="286" r:id="rId17"/>
+    <p:sldId id="288" r:id="rId18"/>
+    <p:sldId id="287" r:id="rId19"/>
+    <p:sldId id="290" r:id="rId20"/>
+    <p:sldId id="291" r:id="rId21"/>
+    <p:sldId id="293" r:id="rId22"/>
+    <p:sldId id="294" r:id="rId23"/>
+    <p:sldId id="295" r:id="rId24"/>
+    <p:sldId id="296" r:id="rId25"/>
+    <p:sldId id="292" r:id="rId26"/>
   </p:sldIdLst>
   <p:sldSz cx="12192000" cy="6858000"/>
   <p:notesSz cx="6858000" cy="9144000"/>
@@ -5052,9 +5063,7 @@
     <p:bg>
       <p:bgPr>
         <a:solidFill>
-          <a:schemeClr val="bg1">
-            <a:lumMod val="95000"/>
-          </a:schemeClr>
+          <a:srgbClr val="333333"/>
         </a:solidFill>
         <a:effectLst/>
       </p:bgPr>
@@ -5066,33 +5075,319 @@
         <p:nvPr/>
       </p:nvGrpSpPr>
       <p:grpSpPr/>
-      <p:sp>
-        <p:nvSpPr>
-          <p:cNvPr id="24" name="矩形 23"/>
+      <p:grpSp>
+        <p:nvGrpSpPr>
+          <p:cNvPr id="14" name="组合 13"/>
+          <p:cNvGrpSpPr/>
+          <p:nvPr/>
+        </p:nvGrpSpPr>
+        <p:grpSpPr>
+          <a:xfrm>
+            <a:off x="5179695" y="5217795"/>
+            <a:ext cx="1832610" cy="914400"/>
+            <a:chOff x="3991" y="3796"/>
+            <a:chExt cx="2886" cy="1440"/>
+          </a:xfrm>
+        </p:grpSpPr>
+        <p:grpSp>
+          <p:nvGrpSpPr>
+            <p:cNvPr id="12" name="组合 11"/>
+            <p:cNvGrpSpPr/>
+            <p:nvPr/>
+          </p:nvGrpSpPr>
+          <p:grpSpPr>
+            <a:xfrm>
+              <a:off x="3991" y="4012"/>
+              <a:ext cx="602" cy="665"/>
+              <a:chOff x="10500" y="3875"/>
+              <a:chExt cx="602" cy="665"/>
+            </a:xfrm>
+          </p:grpSpPr>
+          <p:sp>
+            <p:nvSpPr>
+              <p:cNvPr id="10" name="直角三角形 9"/>
+              <p:cNvSpPr/>
+              <p:nvPr/>
+            </p:nvSpPr>
+            <p:spPr>
+              <a:xfrm rot="10800000" flipH="1">
+                <a:off x="10810" y="4216"/>
+                <a:ext cx="293" cy="325"/>
+              </a:xfrm>
+              <a:prstGeom prst="rtTriangle">
+                <a:avLst/>
+              </a:prstGeom>
+              <a:solidFill>
+                <a:schemeClr val="bg1">
+                  <a:lumMod val="85000"/>
+                </a:schemeClr>
+              </a:solidFill>
+              <a:ln>
+                <a:noFill/>
+              </a:ln>
+            </p:spPr>
+            <p:style>
+              <a:lnRef idx="2">
+                <a:schemeClr val="accent1">
+                  <a:shade val="50000"/>
+                </a:schemeClr>
+              </a:lnRef>
+              <a:fillRef idx="1">
+                <a:schemeClr val="accent1"/>
+              </a:fillRef>
+              <a:effectRef idx="0">
+                <a:schemeClr val="accent1"/>
+              </a:effectRef>
+              <a:fontRef idx="minor">
+                <a:schemeClr val="lt1"/>
+              </a:fontRef>
+            </p:style>
+            <p:txBody>
+              <a:bodyPr rtlCol="0" anchor="ctr"/>
+              <a:p>
+                <a:pPr algn="ctr"/>
+                <a:endParaRPr lang="zh-CN" altLang="en-US"/>
+              </a:p>
+            </p:txBody>
+          </p:sp>
+          <p:sp>
+            <p:nvSpPr>
+              <p:cNvPr id="11" name="直角三角形 10"/>
+              <p:cNvSpPr/>
+              <p:nvPr/>
+            </p:nvSpPr>
+            <p:spPr>
+              <a:xfrm flipH="1">
+                <a:off x="10500" y="3875"/>
+                <a:ext cx="293" cy="325"/>
+              </a:xfrm>
+              <a:prstGeom prst="rtTriangle">
+                <a:avLst/>
+              </a:prstGeom>
+              <a:solidFill>
+                <a:schemeClr val="bg1">
+                  <a:lumMod val="85000"/>
+                </a:schemeClr>
+              </a:solidFill>
+              <a:ln>
+                <a:noFill/>
+              </a:ln>
+            </p:spPr>
+            <p:style>
+              <a:lnRef idx="2">
+                <a:schemeClr val="accent1">
+                  <a:shade val="50000"/>
+                </a:schemeClr>
+              </a:lnRef>
+              <a:fillRef idx="1">
+                <a:schemeClr val="accent1"/>
+              </a:fillRef>
+              <a:effectRef idx="0">
+                <a:schemeClr val="accent1"/>
+              </a:effectRef>
+              <a:fontRef idx="minor">
+                <a:schemeClr val="lt1"/>
+              </a:fontRef>
+            </p:style>
+            <p:txBody>
+              <a:bodyPr rtlCol="0" anchor="ctr"/>
+              <a:p>
+                <a:pPr algn="ctr"/>
+                <a:endParaRPr lang="zh-CN" altLang="en-US"/>
+              </a:p>
+            </p:txBody>
+          </p:sp>
+        </p:grpSp>
+        <p:sp>
+          <p:nvSpPr>
+            <p:cNvPr id="13" name="矩形 12"/>
+            <p:cNvSpPr/>
+            <p:nvPr/>
+          </p:nvSpPr>
+          <p:spPr>
+            <a:xfrm>
+              <a:off x="4594" y="3796"/>
+              <a:ext cx="2283" cy="1440"/>
+            </a:xfrm>
+            <a:prstGeom prst="rect">
+              <a:avLst/>
+            </a:prstGeom>
+            <a:noFill/>
+            <a:ln>
+              <a:noFill/>
+            </a:ln>
+            <a:extLst>
+              <a:ext uri="{909E8E84-426E-40DD-AFC4-6F175D3DCCD1}">
+                <a14:hiddenFill xmlns:a14="http://schemas.microsoft.com/office/drawing/2010/main">
+                  <a:solidFill>
+                    <a:schemeClr val="accent1"/>
+                  </a:solidFill>
+                </a14:hiddenFill>
+              </a:ext>
+            </a:extLst>
+          </p:spPr>
+          <p:style>
+            <a:lnRef idx="2">
+              <a:schemeClr val="accent1">
+                <a:shade val="50000"/>
+              </a:schemeClr>
+            </a:lnRef>
+            <a:fillRef idx="1">
+              <a:schemeClr val="accent1"/>
+            </a:fillRef>
+            <a:effectRef idx="0">
+              <a:schemeClr val="accent1"/>
+            </a:effectRef>
+            <a:fontRef idx="minor">
+              <a:schemeClr val="lt1"/>
+            </a:fontRef>
+          </p:style>
+          <p:txBody>
+            <a:bodyPr rtlCol="0" anchor="ctr"/>
+            <a:p>
+              <a:pPr algn="dist"/>
+              <a:r>
+                <a:rPr lang="en-US" altLang="zh-CN" sz="3200">
+                  <a:latin typeface="Letter Gothic Std" panose="020B0409020202030304" charset="0"/>
+                </a:rPr>
+                <a:t>icko</a:t>
+              </a:r>
+              <a:endParaRPr lang="en-US" altLang="zh-CN" sz="3200">
+                <a:latin typeface="Letter Gothic Std" panose="020B0409020202030304" charset="0"/>
+              </a:endParaRPr>
+            </a:p>
+          </p:txBody>
+        </p:sp>
+      </p:grpSp>
+      <p:grpSp>
+        <p:nvGrpSpPr>
+          <p:cNvPr id="19" name="组合 18"/>
+          <p:cNvGrpSpPr/>
+          <p:nvPr/>
+        </p:nvGrpSpPr>
+        <p:grpSpPr>
+          <a:xfrm>
+            <a:off x="5118100" y="1685925"/>
+            <a:ext cx="2093595" cy="2324100"/>
+            <a:chOff x="8060" y="2997"/>
+            <a:chExt cx="3297" cy="3660"/>
+          </a:xfrm>
+        </p:grpSpPr>
+        <p:sp>
+          <p:nvSpPr>
+            <p:cNvPr id="17" name="直角三角形 16"/>
+            <p:cNvSpPr/>
+            <p:nvPr/>
+          </p:nvSpPr>
+          <p:spPr>
+            <a:xfrm rot="10800000" flipH="1">
+              <a:off x="9709" y="4827"/>
+              <a:ext cx="1649" cy="1830"/>
+            </a:xfrm>
+            <a:prstGeom prst="rtTriangle">
+              <a:avLst/>
+            </a:prstGeom>
+            <a:solidFill>
+              <a:schemeClr val="bg1">
+                <a:lumMod val="85000"/>
+              </a:schemeClr>
+            </a:solidFill>
+            <a:ln>
+              <a:noFill/>
+            </a:ln>
+          </p:spPr>
+          <p:style>
+            <a:lnRef idx="2">
+              <a:schemeClr val="accent1">
+                <a:shade val="50000"/>
+              </a:schemeClr>
+            </a:lnRef>
+            <a:fillRef idx="1">
+              <a:schemeClr val="accent1"/>
+            </a:fillRef>
+            <a:effectRef idx="0">
+              <a:schemeClr val="accent1"/>
+            </a:effectRef>
+            <a:fontRef idx="minor">
+              <a:schemeClr val="lt1"/>
+            </a:fontRef>
+          </p:style>
+          <p:txBody>
+            <a:bodyPr rtlCol="0" anchor="ctr"/>
+            <a:p>
+              <a:pPr algn="ctr"/>
+              <a:endParaRPr lang="zh-CN" altLang="en-US"/>
+            </a:p>
+          </p:txBody>
+        </p:sp>
+        <p:sp>
+          <p:nvSpPr>
+            <p:cNvPr id="18" name="直角三角形 17"/>
+            <p:cNvSpPr/>
+            <p:nvPr/>
+          </p:nvSpPr>
+          <p:spPr>
+            <a:xfrm flipH="1">
+              <a:off x="8060" y="2997"/>
+              <a:ext cx="1649" cy="1830"/>
+            </a:xfrm>
+            <a:prstGeom prst="rtTriangle">
+              <a:avLst/>
+            </a:prstGeom>
+            <a:solidFill>
+              <a:schemeClr val="bg1">
+                <a:lumMod val="85000"/>
+              </a:schemeClr>
+            </a:solidFill>
+            <a:ln>
+              <a:noFill/>
+            </a:ln>
+          </p:spPr>
+          <p:style>
+            <a:lnRef idx="2">
+              <a:schemeClr val="accent1">
+                <a:shade val="50000"/>
+              </a:schemeClr>
+            </a:lnRef>
+            <a:fillRef idx="1">
+              <a:schemeClr val="accent1"/>
+            </a:fillRef>
+            <a:effectRef idx="0">
+              <a:schemeClr val="accent1"/>
+            </a:effectRef>
+            <a:fontRef idx="minor">
+              <a:schemeClr val="lt1"/>
+            </a:fontRef>
+          </p:style>
+          <p:txBody>
+            <a:bodyPr rtlCol="0" anchor="ctr"/>
+            <a:p>
+              <a:pPr algn="ctr"/>
+              <a:endParaRPr lang="zh-CN" altLang="en-US"/>
+            </a:p>
+          </p:txBody>
+        </p:sp>
+      </p:grpSp>
+      <p:sp>
+        <p:nvSpPr>
+          <p:cNvPr id="21" name="椭圆 20"/>
           <p:cNvSpPr/>
           <p:nvPr/>
         </p:nvSpPr>
         <p:spPr>
           <a:xfrm>
-            <a:off x="1032510" y="1047750"/>
-            <a:ext cx="2860675" cy="1663065"/>
+            <a:off x="5709285" y="2287270"/>
+            <a:ext cx="292735" cy="292735"/>
           </a:xfrm>
-          <a:prstGeom prst="rect">
+          <a:prstGeom prst="ellipse">
             <a:avLst/>
           </a:prstGeom>
-          <a:noFill/>
+          <a:solidFill>
+            <a:srgbClr val="333333"/>
+          </a:solidFill>
           <a:ln>
             <a:noFill/>
           </a:ln>
-          <a:extLst>
-            <a:ext uri="{909E8E84-426E-40DD-AFC4-6F175D3DCCD1}">
-              <a14:hiddenFill xmlns:a14="http://schemas.microsoft.com/office/drawing/2010/main">
-                <a:solidFill>
-                  <a:schemeClr val="accent1"/>
-                </a:solidFill>
-              </a14:hiddenFill>
-            </a:ext>
-          </a:extLst>
         </p:spPr>
         <p:style>
           <a:lnRef idx="2">
@@ -5113,68 +5408,33 @@
         <p:txBody>
           <a:bodyPr rtlCol="0" anchor="ctr"/>
           <a:p>
-            <a:pPr algn="l"/>
-            <a:r>
-              <a:rPr lang="en-US" altLang="zh-CN" sz="4800">
-                <a:solidFill>
-                  <a:srgbClr val="2ECC71"/>
-                </a:solidFill>
-                <a:latin typeface="Kunstler Script" panose="030304020206070D0D06" charset="0"/>
-                <a:ea typeface="微软雅黑" panose="020B0503020204020204" charset="-122"/>
-              </a:rPr>
-              <a:t>//</a:t>
-            </a:r>
-            <a:r>
-              <a:rPr lang="en-US" altLang="zh-CN" sz="11500" b="1">
-                <a:solidFill>
-                  <a:schemeClr val="tx1">
-                    <a:lumMod val="50000"/>
-                    <a:lumOff val="50000"/>
-                  </a:schemeClr>
-                </a:solidFill>
-                <a:latin typeface="Letter Gothic Std" panose="020B0409020202030304" charset="0"/>
-              </a:rPr>
-              <a:t>E</a:t>
-            </a:r>
-            <a:endParaRPr lang="en-US" altLang="zh-CN" sz="11500" b="1">
-              <a:solidFill>
-                <a:schemeClr val="tx1">
-                  <a:lumMod val="50000"/>
-                  <a:lumOff val="50000"/>
-                </a:schemeClr>
-              </a:solidFill>
-              <a:latin typeface="Letter Gothic Std" panose="020B0409020202030304" charset="0"/>
-            </a:endParaRPr>
-          </a:p>
-        </p:txBody>
-      </p:sp>
-      <p:sp>
-        <p:nvSpPr>
-          <p:cNvPr id="32" name="矩形 31"/>
+            <a:pPr algn="ctr"/>
+            <a:endParaRPr lang="zh-CN" altLang="en-US"/>
+          </a:p>
+        </p:txBody>
+      </p:sp>
+      <p:sp>
+        <p:nvSpPr>
+          <p:cNvPr id="24" name="椭圆 23"/>
           <p:cNvSpPr/>
           <p:nvPr/>
         </p:nvSpPr>
         <p:spPr>
-          <a:xfrm rot="10800000">
-            <a:off x="1907540" y="857885"/>
-            <a:ext cx="1110615" cy="1348740"/>
+          <a:xfrm>
+            <a:off x="6411595" y="2287270"/>
+            <a:ext cx="292735" cy="292735"/>
           </a:xfrm>
-          <a:prstGeom prst="rect">
+          <a:prstGeom prst="ellipse">
             <a:avLst/>
           </a:prstGeom>
-          <a:noFill/>
+          <a:solidFill>
+            <a:schemeClr val="bg1">
+              <a:lumMod val="85000"/>
+            </a:schemeClr>
+          </a:solidFill>
           <a:ln>
             <a:noFill/>
           </a:ln>
-          <a:extLst>
-            <a:ext uri="{909E8E84-426E-40DD-AFC4-6F175D3DCCD1}">
-              <a14:hiddenFill xmlns:a14="http://schemas.microsoft.com/office/drawing/2010/main">
-                <a:solidFill>
-                  <a:schemeClr val="accent1"/>
-                </a:solidFill>
-              </a14:hiddenFill>
-            </a:ext>
-          </a:extLst>
         </p:spPr>
         <p:style>
           <a:lnRef idx="2">
@@ -5195,60 +5455,31 @@
         <p:txBody>
           <a:bodyPr rtlCol="0" anchor="ctr"/>
           <a:p>
-            <a:pPr algn="l"/>
-            <a:r>
-              <a:rPr lang="en-US" altLang="zh-CN" sz="11500" b="1">
-                <a:solidFill>
-                  <a:schemeClr val="tx1">
-                    <a:lumMod val="50000"/>
-                    <a:lumOff val="50000"/>
-                  </a:schemeClr>
-                </a:solidFill>
-                <a:latin typeface="Letter Gothic Std" panose="020B0409020202030304" charset="0"/>
-                <a:sym typeface="+mn-ea"/>
-              </a:rPr>
-              <a:t>F</a:t>
-            </a:r>
-            <a:endParaRPr lang="en-US" altLang="zh-CN" sz="11500" b="1">
-              <a:solidFill>
-                <a:schemeClr val="tx1">
-                  <a:lumMod val="50000"/>
-                  <a:lumOff val="50000"/>
-                </a:schemeClr>
-              </a:solidFill>
-              <a:latin typeface="Letter Gothic Std" panose="020B0409020202030304" charset="0"/>
-              <a:sym typeface="+mn-ea"/>
-            </a:endParaRPr>
-          </a:p>
-        </p:txBody>
-      </p:sp>
-      <p:sp>
-        <p:nvSpPr>
-          <p:cNvPr id="3" name="矩形 2"/>
+            <a:pPr algn="ctr"/>
+            <a:endParaRPr lang="zh-CN" altLang="en-US"/>
+          </a:p>
+        </p:txBody>
+      </p:sp>
+      <p:sp>
+        <p:nvSpPr>
+          <p:cNvPr id="25" name="直角三角形 24"/>
           <p:cNvSpPr/>
           <p:nvPr/>
         </p:nvSpPr>
         <p:spPr>
-          <a:xfrm>
-            <a:off x="2195195" y="1275080"/>
-            <a:ext cx="708025" cy="795020"/>
+          <a:xfrm flipV="1">
+            <a:off x="6165215" y="3230880"/>
+            <a:ext cx="457200" cy="423545"/>
           </a:xfrm>
-          <a:prstGeom prst="rect">
+          <a:prstGeom prst="rtTriangle">
             <a:avLst/>
           </a:prstGeom>
-          <a:noFill/>
+          <a:solidFill>
+            <a:srgbClr val="333333"/>
+          </a:solidFill>
           <a:ln>
             <a:noFill/>
           </a:ln>
-          <a:extLst>
-            <a:ext uri="{909E8E84-426E-40DD-AFC4-6F175D3DCCD1}">
-              <a14:hiddenFill xmlns:a14="http://schemas.microsoft.com/office/drawing/2010/main">
-                <a:solidFill>
-                  <a:schemeClr val="accent1"/>
-                </a:solidFill>
-              </a14:hiddenFill>
-            </a:ext>
-          </a:extLst>
         </p:spPr>
         <p:style>
           <a:lnRef idx="2">
@@ -5269,56 +5500,33 @@
         <p:txBody>
           <a:bodyPr rtlCol="0" anchor="ctr"/>
           <a:p>
-            <a:pPr algn="l"/>
-            <a:r>
-              <a:rPr lang="en-US" altLang="zh-CN" sz="4800">
-                <a:solidFill>
-                  <a:srgbClr val="2ECC71"/>
-                </a:solidFill>
-                <a:latin typeface="Letter Gothic Std" panose="020B0409020202030304" charset="0"/>
-                <a:sym typeface="+mn-ea"/>
-              </a:rPr>
-              <a:t>❀</a:t>
-            </a:r>
-            <a:endParaRPr lang="en-US" altLang="zh-CN" sz="4800" b="1">
-              <a:solidFill>
-                <a:schemeClr val="tx1">
-                  <a:lumMod val="50000"/>
-                  <a:lumOff val="50000"/>
-                </a:schemeClr>
-              </a:solidFill>
-              <a:latin typeface="Letter Gothic Std" panose="020B0409020202030304" charset="0"/>
-            </a:endParaRPr>
-          </a:p>
-        </p:txBody>
-      </p:sp>
-      <p:sp>
-        <p:nvSpPr>
-          <p:cNvPr id="5" name="矩形 4"/>
+            <a:pPr algn="ctr"/>
+            <a:endParaRPr lang="zh-CN" altLang="en-US"/>
+          </a:p>
+        </p:txBody>
+      </p:sp>
+      <p:sp>
+        <p:nvSpPr>
+          <p:cNvPr id="28" name="直角三角形 27"/>
           <p:cNvSpPr/>
           <p:nvPr/>
         </p:nvSpPr>
         <p:spPr>
-          <a:xfrm>
-            <a:off x="2256155" y="1073150"/>
-            <a:ext cx="1110615" cy="330835"/>
+          <a:xfrm flipV="1">
+            <a:off x="6165215" y="3230880"/>
+            <a:ext cx="457200" cy="115570"/>
           </a:xfrm>
-          <a:prstGeom prst="rect">
+          <a:prstGeom prst="rtTriangle">
             <a:avLst/>
           </a:prstGeom>
-          <a:noFill/>
+          <a:solidFill>
+            <a:schemeClr val="bg1">
+              <a:lumMod val="85000"/>
+            </a:schemeClr>
+          </a:solidFill>
           <a:ln>
             <a:noFill/>
           </a:ln>
-          <a:extLst>
-            <a:ext uri="{909E8E84-426E-40DD-AFC4-6F175D3DCCD1}">
-              <a14:hiddenFill xmlns:a14="http://schemas.microsoft.com/office/drawing/2010/main">
-                <a:solidFill>
-                  <a:schemeClr val="accent1"/>
-                </a:solidFill>
-              </a14:hiddenFill>
-            </a:ext>
-          </a:extLst>
         </p:spPr>
         <p:style>
           <a:lnRef idx="2">
@@ -5339,24 +5547,8 @@
         <p:txBody>
           <a:bodyPr rtlCol="0" anchor="ctr"/>
           <a:p>
-            <a:pPr algn="l"/>
-            <a:r>
-              <a:rPr lang="en-US" altLang="zh-CN" sz="1000" b="1">
-                <a:solidFill>
-                  <a:srgbClr val="2ECC71"/>
-                </a:solidFill>
-                <a:latin typeface="Letter Gothic Std" panose="020B0409020202030304" charset="0"/>
-                <a:sym typeface="+mn-ea"/>
-              </a:rPr>
-              <a:t>{ nothing }</a:t>
-            </a:r>
-            <a:endParaRPr lang="en-US" altLang="zh-CN" sz="1000" b="1">
-              <a:solidFill>
-                <a:srgbClr val="2ECC71"/>
-              </a:solidFill>
-              <a:latin typeface="Letter Gothic Std" panose="020B0409020202030304" charset="0"/>
-              <a:sym typeface="+mn-ea"/>
-            </a:endParaRPr>
+            <a:pPr algn="ctr"/>
+            <a:endParaRPr lang="zh-CN" altLang="en-US"/>
           </a:p>
         </p:txBody>
       </p:sp>
@@ -5386,6 +5578,5717 @@
         <p:nvPr/>
       </p:nvGrpSpPr>
       <p:grpSpPr/>
+      <p:grpSp>
+        <p:nvGrpSpPr>
+          <p:cNvPr id="14" name="组合 13"/>
+          <p:cNvGrpSpPr/>
+          <p:nvPr/>
+        </p:nvGrpSpPr>
+        <p:grpSpPr>
+          <a:xfrm>
+            <a:off x="4893310" y="5249545"/>
+            <a:ext cx="2511425" cy="914400"/>
+            <a:chOff x="3991" y="3795"/>
+            <a:chExt cx="3955" cy="1440"/>
+          </a:xfrm>
+        </p:grpSpPr>
+        <p:grpSp>
+          <p:nvGrpSpPr>
+            <p:cNvPr id="12" name="组合 11"/>
+            <p:cNvGrpSpPr/>
+            <p:nvPr/>
+          </p:nvGrpSpPr>
+          <p:grpSpPr>
+            <a:xfrm>
+              <a:off x="3991" y="4012"/>
+              <a:ext cx="602" cy="665"/>
+              <a:chOff x="10500" y="3875"/>
+              <a:chExt cx="602" cy="665"/>
+            </a:xfrm>
+          </p:grpSpPr>
+          <p:sp>
+            <p:nvSpPr>
+              <p:cNvPr id="10" name="直角三角形 9"/>
+              <p:cNvSpPr/>
+              <p:nvPr/>
+            </p:nvSpPr>
+            <p:spPr>
+              <a:xfrm rot="10800000" flipH="1">
+                <a:off x="10810" y="4216"/>
+                <a:ext cx="293" cy="325"/>
+              </a:xfrm>
+              <a:prstGeom prst="rtTriangle">
+                <a:avLst/>
+              </a:prstGeom>
+              <a:solidFill>
+                <a:schemeClr val="bg1">
+                  <a:lumMod val="85000"/>
+                </a:schemeClr>
+              </a:solidFill>
+              <a:ln>
+                <a:noFill/>
+              </a:ln>
+            </p:spPr>
+            <p:style>
+              <a:lnRef idx="2">
+                <a:schemeClr val="accent1">
+                  <a:shade val="50000"/>
+                </a:schemeClr>
+              </a:lnRef>
+              <a:fillRef idx="1">
+                <a:schemeClr val="accent1"/>
+              </a:fillRef>
+              <a:effectRef idx="0">
+                <a:schemeClr val="accent1"/>
+              </a:effectRef>
+              <a:fontRef idx="minor">
+                <a:schemeClr val="lt1"/>
+              </a:fontRef>
+            </p:style>
+            <p:txBody>
+              <a:bodyPr rtlCol="0" anchor="ctr"/>
+              <a:p>
+                <a:pPr algn="ctr"/>
+                <a:endParaRPr lang="zh-CN" altLang="en-US"/>
+              </a:p>
+            </p:txBody>
+          </p:sp>
+          <p:sp>
+            <p:nvSpPr>
+              <p:cNvPr id="11" name="直角三角形 10"/>
+              <p:cNvSpPr/>
+              <p:nvPr/>
+            </p:nvSpPr>
+            <p:spPr>
+              <a:xfrm flipH="1">
+                <a:off x="10500" y="3875"/>
+                <a:ext cx="293" cy="325"/>
+              </a:xfrm>
+              <a:prstGeom prst="rtTriangle">
+                <a:avLst/>
+              </a:prstGeom>
+              <a:solidFill>
+                <a:schemeClr val="bg1">
+                  <a:lumMod val="85000"/>
+                </a:schemeClr>
+              </a:solidFill>
+              <a:ln>
+                <a:noFill/>
+              </a:ln>
+            </p:spPr>
+            <p:style>
+              <a:lnRef idx="2">
+                <a:schemeClr val="accent1">
+                  <a:shade val="50000"/>
+                </a:schemeClr>
+              </a:lnRef>
+              <a:fillRef idx="1">
+                <a:schemeClr val="accent1"/>
+              </a:fillRef>
+              <a:effectRef idx="0">
+                <a:schemeClr val="accent1"/>
+              </a:effectRef>
+              <a:fontRef idx="minor">
+                <a:schemeClr val="lt1"/>
+              </a:fontRef>
+            </p:style>
+            <p:txBody>
+              <a:bodyPr rtlCol="0" anchor="ctr"/>
+              <a:p>
+                <a:pPr algn="ctr"/>
+                <a:endParaRPr lang="zh-CN" altLang="en-US"/>
+              </a:p>
+            </p:txBody>
+          </p:sp>
+        </p:grpSp>
+        <p:sp>
+          <p:nvSpPr>
+            <p:cNvPr id="13" name="矩形 12"/>
+            <p:cNvSpPr/>
+            <p:nvPr/>
+          </p:nvSpPr>
+          <p:spPr>
+            <a:xfrm>
+              <a:off x="4594" y="3795"/>
+              <a:ext cx="3352" cy="1440"/>
+            </a:xfrm>
+            <a:prstGeom prst="rect">
+              <a:avLst/>
+            </a:prstGeom>
+            <a:noFill/>
+            <a:ln>
+              <a:noFill/>
+            </a:ln>
+            <a:extLst>
+              <a:ext uri="{909E8E84-426E-40DD-AFC4-6F175D3DCCD1}">
+                <a14:hiddenFill xmlns:a14="http://schemas.microsoft.com/office/drawing/2010/main">
+                  <a:solidFill>
+                    <a:schemeClr val="accent1"/>
+                  </a:solidFill>
+                </a14:hiddenFill>
+              </a:ext>
+            </a:extLst>
+          </p:spPr>
+          <p:style>
+            <a:lnRef idx="2">
+              <a:schemeClr val="accent1">
+                <a:shade val="50000"/>
+              </a:schemeClr>
+            </a:lnRef>
+            <a:fillRef idx="1">
+              <a:schemeClr val="accent1"/>
+            </a:fillRef>
+            <a:effectRef idx="0">
+              <a:schemeClr val="accent1"/>
+            </a:effectRef>
+            <a:fontRef idx="minor">
+              <a:schemeClr val="lt1"/>
+            </a:fontRef>
+          </p:style>
+          <p:txBody>
+            <a:bodyPr rtlCol="0" anchor="ctr"/>
+            <a:p>
+              <a:pPr algn="dist"/>
+              <a:r>
+                <a:rPr lang="en-US" altLang="zh-CN" sz="2800">
+                  <a:latin typeface="Letter Gothic Std" panose="020B0409020202030304" charset="0"/>
+                </a:rPr>
+                <a:t>tranger</a:t>
+              </a:r>
+              <a:endParaRPr lang="en-US" altLang="zh-CN" sz="2800">
+                <a:latin typeface="Letter Gothic Std" panose="020B0409020202030304" charset="0"/>
+              </a:endParaRPr>
+            </a:p>
+          </p:txBody>
+        </p:sp>
+      </p:grpSp>
+      <p:grpSp>
+        <p:nvGrpSpPr>
+          <p:cNvPr id="19" name="组合 18"/>
+          <p:cNvGrpSpPr/>
+          <p:nvPr/>
+        </p:nvGrpSpPr>
+        <p:grpSpPr>
+          <a:xfrm>
+            <a:off x="5118100" y="1685925"/>
+            <a:ext cx="2093595" cy="2324100"/>
+            <a:chOff x="8060" y="2997"/>
+            <a:chExt cx="3297" cy="3660"/>
+          </a:xfrm>
+        </p:grpSpPr>
+        <p:sp>
+          <p:nvSpPr>
+            <p:cNvPr id="17" name="直角三角形 16"/>
+            <p:cNvSpPr/>
+            <p:nvPr/>
+          </p:nvSpPr>
+          <p:spPr>
+            <a:xfrm rot="10800000" flipH="1">
+              <a:off x="9709" y="4827"/>
+              <a:ext cx="1649" cy="1830"/>
+            </a:xfrm>
+            <a:prstGeom prst="rtTriangle">
+              <a:avLst/>
+            </a:prstGeom>
+            <a:solidFill>
+              <a:schemeClr val="bg1">
+                <a:lumMod val="85000"/>
+              </a:schemeClr>
+            </a:solidFill>
+            <a:ln>
+              <a:noFill/>
+            </a:ln>
+          </p:spPr>
+          <p:style>
+            <a:lnRef idx="2">
+              <a:schemeClr val="accent1">
+                <a:shade val="50000"/>
+              </a:schemeClr>
+            </a:lnRef>
+            <a:fillRef idx="1">
+              <a:schemeClr val="accent1"/>
+            </a:fillRef>
+            <a:effectRef idx="0">
+              <a:schemeClr val="accent1"/>
+            </a:effectRef>
+            <a:fontRef idx="minor">
+              <a:schemeClr val="lt1"/>
+            </a:fontRef>
+          </p:style>
+          <p:txBody>
+            <a:bodyPr rtlCol="0" anchor="ctr"/>
+            <a:p>
+              <a:pPr algn="ctr"/>
+              <a:endParaRPr lang="zh-CN" altLang="en-US"/>
+            </a:p>
+          </p:txBody>
+        </p:sp>
+        <p:sp>
+          <p:nvSpPr>
+            <p:cNvPr id="18" name="直角三角形 17"/>
+            <p:cNvSpPr/>
+            <p:nvPr/>
+          </p:nvSpPr>
+          <p:spPr>
+            <a:xfrm flipH="1">
+              <a:off x="8060" y="2997"/>
+              <a:ext cx="1649" cy="1830"/>
+            </a:xfrm>
+            <a:prstGeom prst="rtTriangle">
+              <a:avLst/>
+            </a:prstGeom>
+            <a:solidFill>
+              <a:schemeClr val="bg1">
+                <a:lumMod val="85000"/>
+              </a:schemeClr>
+            </a:solidFill>
+            <a:ln>
+              <a:noFill/>
+            </a:ln>
+          </p:spPr>
+          <p:style>
+            <a:lnRef idx="2">
+              <a:schemeClr val="accent1">
+                <a:shade val="50000"/>
+              </a:schemeClr>
+            </a:lnRef>
+            <a:fillRef idx="1">
+              <a:schemeClr val="accent1"/>
+            </a:fillRef>
+            <a:effectRef idx="0">
+              <a:schemeClr val="accent1"/>
+            </a:effectRef>
+            <a:fontRef idx="minor">
+              <a:schemeClr val="lt1"/>
+            </a:fontRef>
+          </p:style>
+          <p:txBody>
+            <a:bodyPr rtlCol="0" anchor="ctr"/>
+            <a:p>
+              <a:pPr algn="ctr"/>
+              <a:endParaRPr lang="zh-CN" altLang="en-US"/>
+            </a:p>
+          </p:txBody>
+        </p:sp>
+      </p:grpSp>
+      <p:sp>
+        <p:nvSpPr>
+          <p:cNvPr id="21" name="椭圆 20"/>
+          <p:cNvSpPr/>
+          <p:nvPr/>
+        </p:nvSpPr>
+        <p:spPr>
+          <a:xfrm>
+            <a:off x="6002655" y="2689860"/>
+            <a:ext cx="292735" cy="292735"/>
+          </a:xfrm>
+          <a:prstGeom prst="ellipse">
+            <a:avLst/>
+          </a:prstGeom>
+          <a:solidFill>
+            <a:srgbClr val="333333"/>
+          </a:solidFill>
+          <a:ln>
+            <a:noFill/>
+          </a:ln>
+        </p:spPr>
+        <p:style>
+          <a:lnRef idx="2">
+            <a:schemeClr val="accent1">
+              <a:shade val="50000"/>
+            </a:schemeClr>
+          </a:lnRef>
+          <a:fillRef idx="1">
+            <a:schemeClr val="accent1"/>
+          </a:fillRef>
+          <a:effectRef idx="0">
+            <a:schemeClr val="accent1"/>
+          </a:effectRef>
+          <a:fontRef idx="minor">
+            <a:schemeClr val="lt1"/>
+          </a:fontRef>
+        </p:style>
+        <p:txBody>
+          <a:bodyPr rtlCol="0" anchor="ctr"/>
+          <a:p>
+            <a:pPr algn="ctr"/>
+            <a:endParaRPr lang="zh-CN" altLang="en-US"/>
+          </a:p>
+        </p:txBody>
+      </p:sp>
+      <p:sp>
+        <p:nvSpPr>
+          <p:cNvPr id="2" name="等腰三角形 1"/>
+          <p:cNvSpPr/>
+          <p:nvPr/>
+        </p:nvSpPr>
+        <p:spPr>
+          <a:xfrm rot="19200000">
+            <a:off x="6413500" y="2971800"/>
+            <a:ext cx="387350" cy="914400"/>
+          </a:xfrm>
+          <a:prstGeom prst="triangle">
+            <a:avLst/>
+          </a:prstGeom>
+          <a:solidFill>
+            <a:srgbClr val="333333"/>
+          </a:solidFill>
+          <a:ln>
+            <a:noFill/>
+          </a:ln>
+        </p:spPr>
+        <p:style>
+          <a:lnRef idx="2">
+            <a:schemeClr val="accent1">
+              <a:shade val="50000"/>
+            </a:schemeClr>
+          </a:lnRef>
+          <a:fillRef idx="1">
+            <a:schemeClr val="accent1"/>
+          </a:fillRef>
+          <a:effectRef idx="0">
+            <a:schemeClr val="accent1"/>
+          </a:effectRef>
+          <a:fontRef idx="minor">
+            <a:schemeClr val="lt1"/>
+          </a:fontRef>
+        </p:style>
+        <p:txBody>
+          <a:bodyPr rtlCol="0" anchor="ctr"/>
+          <a:p>
+            <a:pPr algn="ctr"/>
+            <a:endParaRPr lang="zh-CN" altLang="en-US"/>
+          </a:p>
+        </p:txBody>
+      </p:sp>
+      <p:sp>
+        <p:nvSpPr>
+          <p:cNvPr id="3" name="等腰三角形 2"/>
+          <p:cNvSpPr/>
+          <p:nvPr/>
+        </p:nvSpPr>
+        <p:spPr>
+          <a:xfrm rot="7200000">
+            <a:off x="5316220" y="1994535"/>
+            <a:ext cx="387350" cy="914400"/>
+          </a:xfrm>
+          <a:prstGeom prst="triangle">
+            <a:avLst/>
+          </a:prstGeom>
+          <a:solidFill>
+            <a:srgbClr val="333333"/>
+          </a:solidFill>
+          <a:ln>
+            <a:noFill/>
+          </a:ln>
+        </p:spPr>
+        <p:style>
+          <a:lnRef idx="2">
+            <a:schemeClr val="accent1">
+              <a:shade val="50000"/>
+            </a:schemeClr>
+          </a:lnRef>
+          <a:fillRef idx="1">
+            <a:schemeClr val="accent1"/>
+          </a:fillRef>
+          <a:effectRef idx="0">
+            <a:schemeClr val="accent1"/>
+          </a:effectRef>
+          <a:fontRef idx="minor">
+            <a:schemeClr val="lt1"/>
+          </a:fontRef>
+        </p:style>
+        <p:txBody>
+          <a:bodyPr rtlCol="0" anchor="ctr"/>
+          <a:p>
+            <a:pPr algn="ctr"/>
+            <a:endParaRPr lang="zh-CN" altLang="en-US"/>
+          </a:p>
+        </p:txBody>
+      </p:sp>
+      <p:sp>
+        <p:nvSpPr>
+          <p:cNvPr id="4" name="文本框 3"/>
+          <p:cNvSpPr txBox="1"/>
+          <p:nvPr/>
+        </p:nvSpPr>
+        <p:spPr>
+          <a:xfrm rot="18660000">
+            <a:off x="6148070" y="1866265"/>
+            <a:ext cx="875665" cy="1106805"/>
+          </a:xfrm>
+          <a:prstGeom prst="rect">
+            <a:avLst/>
+          </a:prstGeom>
+          <a:noFill/>
+        </p:spPr>
+        <p:txBody>
+          <a:bodyPr wrap="square" rtlCol="0" anchor="t">
+            <a:spAutoFit/>
+          </a:bodyPr>
+          <a:p>
+            <a:r>
+              <a:rPr lang="zh-CN" altLang="en-US" sz="6600" b="1">
+                <a:solidFill>
+                  <a:schemeClr val="bg1">
+                    <a:lumMod val="85000"/>
+                  </a:schemeClr>
+                </a:solidFill>
+              </a:rPr>
+              <a:t>⊰</a:t>
+            </a:r>
+            <a:endParaRPr lang="zh-CN" altLang="en-US" sz="6600" b="1">
+              <a:solidFill>
+                <a:schemeClr val="bg1">
+                  <a:lumMod val="85000"/>
+                </a:schemeClr>
+              </a:solidFill>
+            </a:endParaRPr>
+          </a:p>
+        </p:txBody>
+      </p:sp>
+    </p:spTree>
+  </p:cSld>
+  <p:clrMapOvr>
+    <a:masterClrMapping/>
+  </p:clrMapOvr>
+</p:sld>
+</file>
+
+<file path=ppt/slides/slide13.xml><?xml version="1.0" encoding="utf-8"?>
+<p:sld xmlns:a="http://schemas.openxmlformats.org/drawingml/2006/main" xmlns:r="http://schemas.openxmlformats.org/officeDocument/2006/relationships" xmlns:p="http://schemas.openxmlformats.org/presentationml/2006/main">
+  <p:cSld>
+    <p:bg>
+      <p:bgPr>
+        <a:solidFill>
+          <a:srgbClr val="333333"/>
+        </a:solidFill>
+        <a:effectLst/>
+      </p:bgPr>
+    </p:bg>
+    <p:spTree>
+      <p:nvGrpSpPr>
+        <p:cNvPr id="1" name=""/>
+        <p:cNvGrpSpPr/>
+        <p:nvPr/>
+      </p:nvGrpSpPr>
+      <p:grpSpPr/>
+      <p:grpSp>
+        <p:nvGrpSpPr>
+          <p:cNvPr id="34" name="组合 33"/>
+          <p:cNvGrpSpPr/>
+          <p:nvPr/>
+        </p:nvGrpSpPr>
+        <p:grpSpPr>
+          <a:xfrm>
+            <a:off x="2343150" y="2197735"/>
+            <a:ext cx="7505700" cy="1403985"/>
+            <a:chOff x="3731" y="4680"/>
+            <a:chExt cx="11820" cy="2211"/>
+          </a:xfrm>
+        </p:grpSpPr>
+        <p:sp>
+          <p:nvSpPr>
+            <p:cNvPr id="23" name="矩形 22"/>
+            <p:cNvSpPr/>
+            <p:nvPr/>
+          </p:nvSpPr>
+          <p:spPr>
+            <a:xfrm>
+              <a:off x="3862" y="4680"/>
+              <a:ext cx="11476" cy="1440"/>
+            </a:xfrm>
+            <a:prstGeom prst="rect">
+              <a:avLst/>
+            </a:prstGeom>
+            <a:noFill/>
+            <a:ln>
+              <a:noFill/>
+            </a:ln>
+            <a:extLst>
+              <a:ext uri="{909E8E84-426E-40DD-AFC4-6F175D3DCCD1}">
+                <a14:hiddenFill xmlns:a14="http://schemas.microsoft.com/office/drawing/2010/main">
+                  <a:solidFill>
+                    <a:schemeClr val="accent1"/>
+                  </a:solidFill>
+                </a14:hiddenFill>
+              </a:ext>
+            </a:extLst>
+          </p:spPr>
+          <p:style>
+            <a:lnRef idx="2">
+              <a:schemeClr val="accent1">
+                <a:shade val="50000"/>
+              </a:schemeClr>
+            </a:lnRef>
+            <a:fillRef idx="1">
+              <a:schemeClr val="accent1"/>
+            </a:fillRef>
+            <a:effectRef idx="0">
+              <a:schemeClr val="accent1"/>
+            </a:effectRef>
+            <a:fontRef idx="minor">
+              <a:schemeClr val="lt1"/>
+            </a:fontRef>
+          </p:style>
+          <p:txBody>
+            <a:bodyPr rtlCol="0" anchor="ctr"/>
+            <a:p>
+              <a:pPr algn="dist"/>
+              <a:r>
+                <a:rPr lang="en-US" altLang="zh-CN" sz="7200">
+                  <a:solidFill>
+                    <a:schemeClr val="bg1">
+                      <a:lumMod val="85000"/>
+                    </a:schemeClr>
+                  </a:solidFill>
+                  <a:latin typeface="Letter Gothic Std" panose="020B0409020202030304" charset="0"/>
+                </a:rPr>
+                <a:t>CYM</a:t>
+              </a:r>
+              <a:r>
+                <a:rPr lang="en-US" altLang="zh-CN" sz="7200">
+                  <a:solidFill>
+                    <a:srgbClr val="F1C40F"/>
+                  </a:solidFill>
+                  <a:latin typeface="Letter Gothic Std" panose="020B0409020202030304" charset="0"/>
+                </a:rPr>
+                <a:t>UR</a:t>
+              </a:r>
+              <a:r>
+                <a:rPr lang="en-US" altLang="zh-CN" sz="7200">
+                  <a:solidFill>
+                    <a:schemeClr val="bg1">
+                      <a:lumMod val="85000"/>
+                    </a:schemeClr>
+                  </a:solidFill>
+                  <a:latin typeface="Letter Gothic Std" panose="020B0409020202030304" charset="0"/>
+                </a:rPr>
+                <a:t>US</a:t>
+              </a:r>
+              <a:endParaRPr lang="en-US" altLang="zh-CN" sz="7200">
+                <a:solidFill>
+                  <a:schemeClr val="bg1">
+                    <a:lumMod val="85000"/>
+                  </a:schemeClr>
+                </a:solidFill>
+                <a:latin typeface="Letter Gothic Std" panose="020B0409020202030304" charset="0"/>
+              </a:endParaRPr>
+            </a:p>
+          </p:txBody>
+        </p:sp>
+        <p:sp>
+          <p:nvSpPr>
+            <p:cNvPr id="28" name="矩形 27"/>
+            <p:cNvSpPr/>
+            <p:nvPr/>
+          </p:nvSpPr>
+          <p:spPr>
+            <a:xfrm>
+              <a:off x="3731" y="5450"/>
+              <a:ext cx="1440" cy="1441"/>
+            </a:xfrm>
+            <a:prstGeom prst="rect">
+              <a:avLst/>
+            </a:prstGeom>
+            <a:noFill/>
+            <a:ln>
+              <a:noFill/>
+            </a:ln>
+            <a:extLst>
+              <a:ext uri="{909E8E84-426E-40DD-AFC4-6F175D3DCCD1}">
+                <a14:hiddenFill xmlns:a14="http://schemas.microsoft.com/office/drawing/2010/main">
+                  <a:solidFill>
+                    <a:schemeClr val="bg1">
+                      <a:lumMod val="85000"/>
+                    </a:schemeClr>
+                  </a:solidFill>
+                </a14:hiddenFill>
+              </a:ext>
+            </a:extLst>
+          </p:spPr>
+          <p:style>
+            <a:lnRef idx="2">
+              <a:schemeClr val="accent1">
+                <a:shade val="50000"/>
+              </a:schemeClr>
+            </a:lnRef>
+            <a:fillRef idx="1">
+              <a:schemeClr val="accent1"/>
+            </a:fillRef>
+            <a:effectRef idx="0">
+              <a:schemeClr val="accent1"/>
+            </a:effectRef>
+            <a:fontRef idx="minor">
+              <a:schemeClr val="lt1"/>
+            </a:fontRef>
+          </p:style>
+          <p:txBody>
+            <a:bodyPr rtlCol="0" anchor="ctr"/>
+            <a:p>
+              <a:pPr algn="ctr"/>
+              <a:r>
+                <a:rPr lang="en-US" altLang="zh-CN">
+                  <a:solidFill>
+                    <a:schemeClr val="bg2">
+                      <a:lumMod val="50000"/>
+                    </a:schemeClr>
+                  </a:solidFill>
+                </a:rPr>
+                <a:t>lown</a:t>
+              </a:r>
+              <a:endParaRPr lang="en-US" altLang="zh-CN">
+                <a:solidFill>
+                  <a:schemeClr val="bg2">
+                    <a:lumMod val="50000"/>
+                  </a:schemeClr>
+                </a:solidFill>
+              </a:endParaRPr>
+            </a:p>
+          </p:txBody>
+        </p:sp>
+        <p:sp>
+          <p:nvSpPr>
+            <p:cNvPr id="29" name="矩形 28"/>
+            <p:cNvSpPr/>
+            <p:nvPr/>
+          </p:nvSpPr>
+          <p:spPr>
+            <a:xfrm>
+              <a:off x="5444" y="5450"/>
+              <a:ext cx="1440" cy="1441"/>
+            </a:xfrm>
+            <a:prstGeom prst="rect">
+              <a:avLst/>
+            </a:prstGeom>
+            <a:noFill/>
+            <a:ln>
+              <a:noFill/>
+            </a:ln>
+            <a:extLst>
+              <a:ext uri="{909E8E84-426E-40DD-AFC4-6F175D3DCCD1}">
+                <a14:hiddenFill xmlns:a14="http://schemas.microsoft.com/office/drawing/2010/main">
+                  <a:solidFill>
+                    <a:schemeClr val="bg1">
+                      <a:lumMod val="85000"/>
+                    </a:schemeClr>
+                  </a:solidFill>
+                </a14:hiddenFill>
+              </a:ext>
+            </a:extLst>
+          </p:spPr>
+          <p:style>
+            <a:lnRef idx="2">
+              <a:schemeClr val="accent1">
+                <a:shade val="50000"/>
+              </a:schemeClr>
+            </a:lnRef>
+            <a:fillRef idx="1">
+              <a:schemeClr val="accent1"/>
+            </a:fillRef>
+            <a:effectRef idx="0">
+              <a:schemeClr val="accent1"/>
+            </a:effectRef>
+            <a:fontRef idx="minor">
+              <a:schemeClr val="lt1"/>
+            </a:fontRef>
+          </p:style>
+          <p:txBody>
+            <a:bodyPr rtlCol="0" anchor="ctr"/>
+            <a:p>
+              <a:pPr algn="ctr"/>
+              <a:r>
+                <a:rPr lang="en-US" altLang="zh-CN">
+                  <a:solidFill>
+                    <a:schemeClr val="bg2">
+                      <a:lumMod val="50000"/>
+                    </a:schemeClr>
+                  </a:solidFill>
+                </a:rPr>
+                <a:t>ields</a:t>
+              </a:r>
+              <a:endParaRPr lang="en-US" altLang="zh-CN">
+                <a:solidFill>
+                  <a:schemeClr val="bg2">
+                    <a:lumMod val="50000"/>
+                  </a:schemeClr>
+                </a:solidFill>
+              </a:endParaRPr>
+            </a:p>
+          </p:txBody>
+        </p:sp>
+        <p:sp>
+          <p:nvSpPr>
+            <p:cNvPr id="30" name="矩形 29"/>
+            <p:cNvSpPr/>
+            <p:nvPr/>
+          </p:nvSpPr>
+          <p:spPr>
+            <a:xfrm>
+              <a:off x="6985" y="5450"/>
+              <a:ext cx="1852" cy="1441"/>
+            </a:xfrm>
+            <a:prstGeom prst="rect">
+              <a:avLst/>
+            </a:prstGeom>
+            <a:noFill/>
+            <a:ln>
+              <a:noFill/>
+            </a:ln>
+            <a:extLst>
+              <a:ext uri="{909E8E84-426E-40DD-AFC4-6F175D3DCCD1}">
+                <a14:hiddenFill xmlns:a14="http://schemas.microsoft.com/office/drawing/2010/main">
+                  <a:solidFill>
+                    <a:schemeClr val="bg1">
+                      <a:lumMod val="85000"/>
+                    </a:schemeClr>
+                  </a:solidFill>
+                </a14:hiddenFill>
+              </a:ext>
+            </a:extLst>
+          </p:spPr>
+          <p:style>
+            <a:lnRef idx="2">
+              <a:schemeClr val="accent1">
+                <a:shade val="50000"/>
+              </a:schemeClr>
+            </a:lnRef>
+            <a:fillRef idx="1">
+              <a:schemeClr val="accent1"/>
+            </a:fillRef>
+            <a:effectRef idx="0">
+              <a:schemeClr val="accent1"/>
+            </a:effectRef>
+            <a:fontRef idx="minor">
+              <a:schemeClr val="lt1"/>
+            </a:fontRef>
+          </p:style>
+          <p:txBody>
+            <a:bodyPr rtlCol="0" anchor="ctr"/>
+            <a:p>
+              <a:pPr algn="ctr"/>
+              <a:r>
+                <a:rPr lang="en-US" altLang="zh-CN">
+                  <a:solidFill>
+                    <a:schemeClr val="bg2">
+                      <a:lumMod val="50000"/>
+                    </a:schemeClr>
+                  </a:solidFill>
+                </a:rPr>
+                <a:t>ockeries</a:t>
+              </a:r>
+              <a:endParaRPr lang="en-US" altLang="zh-CN">
+                <a:solidFill>
+                  <a:schemeClr val="bg2">
+                    <a:lumMod val="50000"/>
+                  </a:schemeClr>
+                </a:solidFill>
+              </a:endParaRPr>
+            </a:p>
+          </p:txBody>
+        </p:sp>
+        <p:sp>
+          <p:nvSpPr>
+            <p:cNvPr id="31" name="矩形 30"/>
+            <p:cNvSpPr/>
+            <p:nvPr/>
+          </p:nvSpPr>
+          <p:spPr>
+            <a:xfrm>
+              <a:off x="12364" y="5450"/>
+              <a:ext cx="1440" cy="1441"/>
+            </a:xfrm>
+            <a:prstGeom prst="rect">
+              <a:avLst/>
+            </a:prstGeom>
+            <a:noFill/>
+            <a:ln>
+              <a:noFill/>
+            </a:ln>
+            <a:extLst>
+              <a:ext uri="{909E8E84-426E-40DD-AFC4-6F175D3DCCD1}">
+                <a14:hiddenFill xmlns:a14="http://schemas.microsoft.com/office/drawing/2010/main">
+                  <a:solidFill>
+                    <a:schemeClr val="bg1">
+                      <a:lumMod val="85000"/>
+                    </a:schemeClr>
+                  </a:solidFill>
+                </a14:hiddenFill>
+              </a:ext>
+            </a:extLst>
+          </p:spPr>
+          <p:style>
+            <a:lnRef idx="2">
+              <a:schemeClr val="accent1">
+                <a:shade val="50000"/>
+              </a:schemeClr>
+            </a:lnRef>
+            <a:fillRef idx="1">
+              <a:schemeClr val="accent1"/>
+            </a:fillRef>
+            <a:effectRef idx="0">
+              <a:schemeClr val="accent1"/>
+            </a:effectRef>
+            <a:fontRef idx="minor">
+              <a:schemeClr val="lt1"/>
+            </a:fontRef>
+          </p:style>
+          <p:txBody>
+            <a:bodyPr rtlCol="0" anchor="ctr"/>
+            <a:p>
+              <a:pPr algn="ctr"/>
+              <a:r>
+                <a:rPr lang="en-US" altLang="zh-CN">
+                  <a:solidFill>
+                    <a:schemeClr val="bg2">
+                      <a:lumMod val="50000"/>
+                    </a:schemeClr>
+                  </a:solidFill>
+                </a:rPr>
+                <a:t>ndying</a:t>
+              </a:r>
+              <a:endParaRPr lang="en-US" altLang="zh-CN">
+                <a:solidFill>
+                  <a:schemeClr val="bg2">
+                    <a:lumMod val="50000"/>
+                  </a:schemeClr>
+                </a:solidFill>
+              </a:endParaRPr>
+            </a:p>
+          </p:txBody>
+        </p:sp>
+        <p:sp>
+          <p:nvSpPr>
+            <p:cNvPr id="32" name="矩形 31"/>
+            <p:cNvSpPr/>
+            <p:nvPr/>
+          </p:nvSpPr>
+          <p:spPr>
+            <a:xfrm>
+              <a:off x="14111" y="5450"/>
+              <a:ext cx="1440" cy="1441"/>
+            </a:xfrm>
+            <a:prstGeom prst="rect">
+              <a:avLst/>
+            </a:prstGeom>
+            <a:noFill/>
+            <a:ln>
+              <a:noFill/>
+            </a:ln>
+            <a:extLst>
+              <a:ext uri="{909E8E84-426E-40DD-AFC4-6F175D3DCCD1}">
+                <a14:hiddenFill xmlns:a14="http://schemas.microsoft.com/office/drawing/2010/main">
+                  <a:solidFill>
+                    <a:schemeClr val="bg1">
+                      <a:lumMod val="85000"/>
+                    </a:schemeClr>
+                  </a:solidFill>
+                </a14:hiddenFill>
+              </a:ext>
+            </a:extLst>
+          </p:spPr>
+          <p:style>
+            <a:lnRef idx="2">
+              <a:schemeClr val="accent1">
+                <a:shade val="50000"/>
+              </a:schemeClr>
+            </a:lnRef>
+            <a:fillRef idx="1">
+              <a:schemeClr val="accent1"/>
+            </a:fillRef>
+            <a:effectRef idx="0">
+              <a:schemeClr val="accent1"/>
+            </a:effectRef>
+            <a:fontRef idx="minor">
+              <a:schemeClr val="lt1"/>
+            </a:fontRef>
+          </p:style>
+          <p:txBody>
+            <a:bodyPr rtlCol="0" anchor="ctr"/>
+            <a:p>
+              <a:pPr algn="ctr"/>
+              <a:r>
+                <a:rPr lang="en-US" altLang="zh-CN">
+                  <a:solidFill>
+                    <a:schemeClr val="bg2">
+                      <a:lumMod val="50000"/>
+                    </a:schemeClr>
+                  </a:solidFill>
+                </a:rPr>
+                <a:t>ick of _</a:t>
+              </a:r>
+              <a:endParaRPr lang="en-US" altLang="zh-CN">
+                <a:solidFill>
+                  <a:schemeClr val="bg2">
+                    <a:lumMod val="50000"/>
+                  </a:schemeClr>
+                </a:solidFill>
+              </a:endParaRPr>
+            </a:p>
+          </p:txBody>
+        </p:sp>
+        <p:sp>
+          <p:nvSpPr>
+            <p:cNvPr id="33" name="等腰三角形 32"/>
+            <p:cNvSpPr/>
+            <p:nvPr/>
+          </p:nvSpPr>
+          <p:spPr>
+            <a:xfrm rot="8820000" flipV="1">
+              <a:off x="14373" y="5443"/>
+              <a:ext cx="168" cy="168"/>
+            </a:xfrm>
+            <a:prstGeom prst="triangle">
+              <a:avLst/>
+            </a:prstGeom>
+            <a:solidFill>
+              <a:schemeClr val="bg1">
+                <a:lumMod val="85000"/>
+              </a:schemeClr>
+            </a:solidFill>
+            <a:ln>
+              <a:noFill/>
+            </a:ln>
+          </p:spPr>
+          <p:style>
+            <a:lnRef idx="2">
+              <a:schemeClr val="accent1">
+                <a:shade val="50000"/>
+              </a:schemeClr>
+            </a:lnRef>
+            <a:fillRef idx="1">
+              <a:schemeClr val="accent1"/>
+            </a:fillRef>
+            <a:effectRef idx="0">
+              <a:schemeClr val="accent1"/>
+            </a:effectRef>
+            <a:fontRef idx="minor">
+              <a:schemeClr val="lt1"/>
+            </a:fontRef>
+          </p:style>
+          <p:txBody>
+            <a:bodyPr rtlCol="0" anchor="ctr"/>
+            <a:p>
+              <a:pPr algn="ctr"/>
+              <a:endParaRPr lang="zh-CN" altLang="en-US">
+                <a:solidFill>
+                  <a:schemeClr val="bg2">
+                    <a:lumMod val="50000"/>
+                  </a:schemeClr>
+                </a:solidFill>
+              </a:endParaRPr>
+            </a:p>
+          </p:txBody>
+        </p:sp>
+        <p:sp>
+          <p:nvSpPr>
+            <p:cNvPr id="52" name="矩形 51"/>
+            <p:cNvSpPr/>
+            <p:nvPr/>
+          </p:nvSpPr>
+          <p:spPr>
+            <a:xfrm>
+              <a:off x="10651" y="5450"/>
+              <a:ext cx="1440" cy="1441"/>
+            </a:xfrm>
+            <a:prstGeom prst="rect">
+              <a:avLst/>
+            </a:prstGeom>
+            <a:noFill/>
+            <a:ln>
+              <a:noFill/>
+            </a:ln>
+            <a:extLst>
+              <a:ext uri="{909E8E84-426E-40DD-AFC4-6F175D3DCCD1}">
+                <a14:hiddenFill xmlns:a14="http://schemas.microsoft.com/office/drawing/2010/main">
+                  <a:solidFill>
+                    <a:schemeClr val="bg1">
+                      <a:lumMod val="85000"/>
+                    </a:schemeClr>
+                  </a:solidFill>
+                </a14:hiddenFill>
+              </a:ext>
+            </a:extLst>
+          </p:spPr>
+          <p:style>
+            <a:lnRef idx="2">
+              <a:schemeClr val="accent1">
+                <a:shade val="50000"/>
+              </a:schemeClr>
+            </a:lnRef>
+            <a:fillRef idx="1">
+              <a:schemeClr val="accent1"/>
+            </a:fillRef>
+            <a:effectRef idx="0">
+              <a:schemeClr val="accent1"/>
+            </a:effectRef>
+            <a:fontRef idx="minor">
+              <a:schemeClr val="lt1"/>
+            </a:fontRef>
+          </p:style>
+          <p:txBody>
+            <a:bodyPr rtlCol="0" anchor="ctr"/>
+            <a:p>
+              <a:pPr algn="ctr"/>
+              <a:r>
+                <a:rPr lang="en-US" altLang="zh-CN">
+                  <a:solidFill>
+                    <a:schemeClr val="bg2">
+                      <a:lumMod val="50000"/>
+                    </a:schemeClr>
+                  </a:solidFill>
+                </a:rPr>
+                <a:t>the</a:t>
+              </a:r>
+              <a:endParaRPr lang="en-US" altLang="zh-CN">
+                <a:solidFill>
+                  <a:schemeClr val="bg2">
+                    <a:lumMod val="50000"/>
+                  </a:schemeClr>
+                </a:solidFill>
+              </a:endParaRPr>
+            </a:p>
+          </p:txBody>
+        </p:sp>
+      </p:grpSp>
+      <p:sp>
+        <p:nvSpPr>
+          <p:cNvPr id="45" name="矩形 44"/>
+          <p:cNvSpPr/>
+          <p:nvPr/>
+        </p:nvSpPr>
+        <p:spPr>
+          <a:xfrm>
+            <a:off x="2361565" y="3705860"/>
+            <a:ext cx="4284345" cy="2035810"/>
+          </a:xfrm>
+          <a:prstGeom prst="rect">
+            <a:avLst/>
+          </a:prstGeom>
+          <a:noFill/>
+          <a:ln>
+            <a:noFill/>
+          </a:ln>
+          <a:extLst>
+            <a:ext uri="{909E8E84-426E-40DD-AFC4-6F175D3DCCD1}">
+              <a14:hiddenFill xmlns:a14="http://schemas.microsoft.com/office/drawing/2010/main">
+                <a:solidFill>
+                  <a:schemeClr val="bg1">
+                    <a:lumMod val="85000"/>
+                  </a:schemeClr>
+                </a:solidFill>
+              </a14:hiddenFill>
+            </a:ext>
+          </a:extLst>
+        </p:spPr>
+        <p:style>
+          <a:lnRef idx="2">
+            <a:schemeClr val="accent1">
+              <a:shade val="50000"/>
+            </a:schemeClr>
+          </a:lnRef>
+          <a:fillRef idx="1">
+            <a:schemeClr val="accent1"/>
+          </a:fillRef>
+          <a:effectRef idx="0">
+            <a:schemeClr val="accent1"/>
+          </a:effectRef>
+          <a:fontRef idx="minor">
+            <a:schemeClr val="lt1"/>
+          </a:fontRef>
+        </p:style>
+        <p:txBody>
+          <a:bodyPr rtlCol="0" anchor="ctr"/>
+          <a:p>
+            <a:pPr algn="l"/>
+            <a:r>
+              <a:rPr lang="en-US" altLang="zh-CN">
+                <a:solidFill>
+                  <a:schemeClr val="bg2">
+                    <a:lumMod val="50000"/>
+                  </a:schemeClr>
+                </a:solidFill>
+                <a:sym typeface="+mn-ea"/>
+              </a:rPr>
+              <a:t>- m </a:t>
+            </a:r>
+            <a:r>
+              <a:rPr lang="en-US" altLang="zh-CN">
+                <a:solidFill>
+                  <a:srgbClr val="F1C40F"/>
+                </a:solidFill>
+                <a:sym typeface="+mn-ea"/>
+              </a:rPr>
+              <a:t>u r </a:t>
+            </a:r>
+            <a:r>
+              <a:rPr lang="en-US" altLang="zh-CN">
+                <a:solidFill>
+                  <a:schemeClr val="bg2">
+                    <a:lumMod val="50000"/>
+                  </a:schemeClr>
+                </a:solidFill>
+                <a:sym typeface="+mn-ea"/>
+              </a:rPr>
+              <a:t>d e r .</a:t>
+            </a:r>
+            <a:endParaRPr lang="en-US" altLang="zh-CN">
+              <a:solidFill>
+                <a:schemeClr val="bg2">
+                  <a:lumMod val="50000"/>
+                </a:schemeClr>
+              </a:solidFill>
+            </a:endParaRPr>
+          </a:p>
+          <a:p>
+            <a:pPr algn="l"/>
+            <a:endParaRPr lang="en-US" altLang="zh-CN">
+              <a:solidFill>
+                <a:schemeClr val="bg2">
+                  <a:lumMod val="50000"/>
+                </a:schemeClr>
+              </a:solidFill>
+            </a:endParaRPr>
+          </a:p>
+          <a:p>
+            <a:pPr algn="l"/>
+            <a:endParaRPr lang="en-US" altLang="zh-CN">
+              <a:solidFill>
+                <a:schemeClr val="bg2">
+                  <a:lumMod val="50000"/>
+                </a:schemeClr>
+              </a:solidFill>
+            </a:endParaRPr>
+          </a:p>
+          <a:p>
+            <a:pPr algn="l"/>
+            <a:r>
+              <a:rPr lang="en-US" altLang="zh-CN">
+                <a:solidFill>
+                  <a:schemeClr val="bg2">
+                    <a:lumMod val="50000"/>
+                  </a:schemeClr>
+                </a:solidFill>
+              </a:rPr>
+              <a:t>- </a:t>
+            </a:r>
+            <a:r>
+              <a:rPr lang="en-US" altLang="zh-CN">
+                <a:solidFill>
+                  <a:srgbClr val="F1C40F"/>
+                </a:solidFill>
+              </a:rPr>
+              <a:t>u  r</a:t>
+            </a:r>
+            <a:r>
+              <a:rPr lang="en-US" altLang="zh-CN">
+                <a:solidFill>
+                  <a:schemeClr val="bg2">
+                    <a:lumMod val="50000"/>
+                  </a:schemeClr>
+                </a:solidFill>
+              </a:rPr>
+              <a:t>  t h e  </a:t>
+            </a:r>
+            <a:r>
+              <a:rPr lang="en-US" altLang="zh-CN" strike="sngStrike">
+                <a:solidFill>
+                  <a:schemeClr val="bg2">
+                    <a:lumMod val="50000"/>
+                  </a:schemeClr>
+                </a:solidFill>
+                <a:uFillTx/>
+              </a:rPr>
+              <a:t>s t r o n g e s t</a:t>
+            </a:r>
+            <a:r>
+              <a:rPr lang="en-US" altLang="zh-CN">
+                <a:solidFill>
+                  <a:schemeClr val="bg2">
+                    <a:lumMod val="50000"/>
+                  </a:schemeClr>
+                </a:solidFill>
+              </a:rPr>
+              <a:t>  m i n d  o f  m e.</a:t>
+            </a:r>
+            <a:endParaRPr lang="en-US" altLang="zh-CN">
+              <a:solidFill>
+                <a:schemeClr val="bg2">
+                  <a:lumMod val="50000"/>
+                </a:schemeClr>
+              </a:solidFill>
+            </a:endParaRPr>
+          </a:p>
+        </p:txBody>
+      </p:sp>
+      <p:sp>
+        <p:nvSpPr>
+          <p:cNvPr id="46" name="等腰三角形 45"/>
+          <p:cNvSpPr/>
+          <p:nvPr/>
+        </p:nvSpPr>
+        <p:spPr>
+          <a:xfrm rot="20340000" flipV="1">
+            <a:off x="2903220" y="2296160"/>
+            <a:ext cx="106680" cy="106680"/>
+          </a:xfrm>
+          <a:prstGeom prst="triangle">
+            <a:avLst/>
+          </a:prstGeom>
+          <a:solidFill>
+            <a:schemeClr val="bg1">
+              <a:lumMod val="85000"/>
+            </a:schemeClr>
+          </a:solidFill>
+          <a:ln>
+            <a:noFill/>
+          </a:ln>
+        </p:spPr>
+        <p:style>
+          <a:lnRef idx="2">
+            <a:schemeClr val="accent1">
+              <a:shade val="50000"/>
+            </a:schemeClr>
+          </a:lnRef>
+          <a:fillRef idx="1">
+            <a:schemeClr val="accent1"/>
+          </a:fillRef>
+          <a:effectRef idx="0">
+            <a:schemeClr val="accent1"/>
+          </a:effectRef>
+          <a:fontRef idx="minor">
+            <a:schemeClr val="lt1"/>
+          </a:fontRef>
+        </p:style>
+        <p:txBody>
+          <a:bodyPr rtlCol="0" anchor="ctr"/>
+          <a:p>
+            <a:pPr algn="ctr"/>
+            <a:endParaRPr lang="zh-CN" altLang="en-US">
+              <a:solidFill>
+                <a:schemeClr val="bg2">
+                  <a:lumMod val="50000"/>
+                </a:schemeClr>
+              </a:solidFill>
+            </a:endParaRPr>
+          </a:p>
+        </p:txBody>
+      </p:sp>
+      <p:grpSp>
+        <p:nvGrpSpPr>
+          <p:cNvPr id="51" name="组合 50"/>
+          <p:cNvGrpSpPr/>
+          <p:nvPr/>
+        </p:nvGrpSpPr>
+        <p:grpSpPr>
+          <a:xfrm rot="0">
+            <a:off x="8968740" y="4417695"/>
+            <a:ext cx="741680" cy="741680"/>
+            <a:chOff x="5403" y="7540"/>
+            <a:chExt cx="1168" cy="1168"/>
+          </a:xfrm>
+        </p:grpSpPr>
+        <p:sp>
+          <p:nvSpPr>
+            <p:cNvPr id="47" name="矩形 46"/>
+            <p:cNvSpPr/>
+            <p:nvPr/>
+          </p:nvSpPr>
+          <p:spPr>
+            <a:xfrm>
+              <a:off x="5403" y="7540"/>
+              <a:ext cx="584" cy="584"/>
+            </a:xfrm>
+            <a:prstGeom prst="rect">
+              <a:avLst/>
+            </a:prstGeom>
+            <a:solidFill>
+              <a:schemeClr val="bg2">
+                <a:lumMod val="50000"/>
+              </a:schemeClr>
+            </a:solidFill>
+            <a:ln>
+              <a:solidFill>
+                <a:schemeClr val="bg2">
+                  <a:lumMod val="50000"/>
+                </a:schemeClr>
+              </a:solidFill>
+            </a:ln>
+          </p:spPr>
+          <p:style>
+            <a:lnRef idx="2">
+              <a:schemeClr val="accent1">
+                <a:shade val="50000"/>
+              </a:schemeClr>
+            </a:lnRef>
+            <a:fillRef idx="1">
+              <a:schemeClr val="accent1"/>
+            </a:fillRef>
+            <a:effectRef idx="0">
+              <a:schemeClr val="accent1"/>
+            </a:effectRef>
+            <a:fontRef idx="minor">
+              <a:schemeClr val="lt1"/>
+            </a:fontRef>
+          </p:style>
+          <p:txBody>
+            <a:bodyPr rtlCol="0" anchor="ctr"/>
+            <a:p>
+              <a:pPr algn="ctr"/>
+              <a:r>
+                <a:rPr lang="en-US" altLang="zh-CN" sz="1400">
+                  <a:solidFill>
+                    <a:srgbClr val="333333"/>
+                  </a:solidFill>
+                  <a:latin typeface="微软雅黑" panose="020B0503020204020204" charset="-122"/>
+                  <a:ea typeface="微软雅黑" panose="020B0503020204020204" charset="-122"/>
+                </a:rPr>
+                <a:t>c ʃ</a:t>
+              </a:r>
+              <a:endParaRPr lang="en-US" altLang="zh-CN" sz="1400">
+                <a:solidFill>
+                  <a:srgbClr val="333333"/>
+                </a:solidFill>
+                <a:latin typeface="微软雅黑" panose="020B0503020204020204" charset="-122"/>
+                <a:ea typeface="微软雅黑" panose="020B0503020204020204" charset="-122"/>
+              </a:endParaRPr>
+            </a:p>
+          </p:txBody>
+        </p:sp>
+        <p:sp>
+          <p:nvSpPr>
+            <p:cNvPr id="48" name="矩形 47"/>
+            <p:cNvSpPr/>
+            <p:nvPr/>
+          </p:nvSpPr>
+          <p:spPr>
+            <a:xfrm>
+              <a:off x="5987" y="8124"/>
+              <a:ext cx="584" cy="584"/>
+            </a:xfrm>
+            <a:prstGeom prst="rect">
+              <a:avLst/>
+            </a:prstGeom>
+            <a:solidFill>
+              <a:schemeClr val="bg2">
+                <a:lumMod val="50000"/>
+              </a:schemeClr>
+            </a:solidFill>
+            <a:ln>
+              <a:solidFill>
+                <a:schemeClr val="bg2">
+                  <a:lumMod val="50000"/>
+                </a:schemeClr>
+              </a:solidFill>
+            </a:ln>
+          </p:spPr>
+          <p:style>
+            <a:lnRef idx="2">
+              <a:schemeClr val="accent1">
+                <a:shade val="50000"/>
+              </a:schemeClr>
+            </a:lnRef>
+            <a:fillRef idx="1">
+              <a:schemeClr val="accent1"/>
+            </a:fillRef>
+            <a:effectRef idx="0">
+              <a:schemeClr val="accent1"/>
+            </a:effectRef>
+            <a:fontRef idx="minor">
+              <a:schemeClr val="lt1"/>
+            </a:fontRef>
+          </p:style>
+          <p:txBody>
+            <a:bodyPr rtlCol="0" anchor="ctr"/>
+            <a:p>
+              <a:pPr algn="ctr"/>
+              <a:endParaRPr lang="zh-CN" altLang="en-US">
+                <a:latin typeface="微软雅黑" panose="020B0503020204020204" charset="-122"/>
+                <a:ea typeface="微软雅黑" panose="020B0503020204020204" charset="-122"/>
+              </a:endParaRPr>
+            </a:p>
+          </p:txBody>
+        </p:sp>
+        <p:sp>
+          <p:nvSpPr>
+            <p:cNvPr id="49" name="矩形 48"/>
+            <p:cNvSpPr/>
+            <p:nvPr/>
+          </p:nvSpPr>
+          <p:spPr>
+            <a:xfrm>
+              <a:off x="5987" y="7540"/>
+              <a:ext cx="584" cy="584"/>
+            </a:xfrm>
+            <a:prstGeom prst="rect">
+              <a:avLst/>
+            </a:prstGeom>
+            <a:solidFill>
+              <a:srgbClr val="333333"/>
+            </a:solidFill>
+            <a:ln>
+              <a:solidFill>
+                <a:schemeClr val="bg2">
+                  <a:lumMod val="50000"/>
+                </a:schemeClr>
+              </a:solidFill>
+            </a:ln>
+          </p:spPr>
+          <p:style>
+            <a:lnRef idx="2">
+              <a:schemeClr val="accent1">
+                <a:shade val="50000"/>
+              </a:schemeClr>
+            </a:lnRef>
+            <a:fillRef idx="1">
+              <a:schemeClr val="accent1"/>
+            </a:fillRef>
+            <a:effectRef idx="0">
+              <a:schemeClr val="accent1"/>
+            </a:effectRef>
+            <a:fontRef idx="minor">
+              <a:schemeClr val="lt1"/>
+            </a:fontRef>
+          </p:style>
+          <p:txBody>
+            <a:bodyPr rtlCol="0" anchor="ctr"/>
+            <a:p>
+              <a:pPr algn="ctr"/>
+              <a:endParaRPr lang="zh-CN" altLang="en-US">
+                <a:latin typeface="微软雅黑" panose="020B0503020204020204" charset="-122"/>
+                <a:ea typeface="微软雅黑" panose="020B0503020204020204" charset="-122"/>
+              </a:endParaRPr>
+            </a:p>
+          </p:txBody>
+        </p:sp>
+        <p:sp>
+          <p:nvSpPr>
+            <p:cNvPr id="50" name="矩形 49"/>
+            <p:cNvSpPr/>
+            <p:nvPr/>
+          </p:nvSpPr>
+          <p:spPr>
+            <a:xfrm>
+              <a:off x="5403" y="8124"/>
+              <a:ext cx="584" cy="584"/>
+            </a:xfrm>
+            <a:prstGeom prst="rect">
+              <a:avLst/>
+            </a:prstGeom>
+            <a:solidFill>
+              <a:srgbClr val="333333"/>
+            </a:solidFill>
+            <a:ln>
+              <a:solidFill>
+                <a:schemeClr val="bg2">
+                  <a:lumMod val="50000"/>
+                </a:schemeClr>
+              </a:solidFill>
+            </a:ln>
+          </p:spPr>
+          <p:style>
+            <a:lnRef idx="2">
+              <a:schemeClr val="accent1">
+                <a:shade val="50000"/>
+              </a:schemeClr>
+            </a:lnRef>
+            <a:fillRef idx="1">
+              <a:schemeClr val="accent1"/>
+            </a:fillRef>
+            <a:effectRef idx="0">
+              <a:schemeClr val="accent1"/>
+            </a:effectRef>
+            <a:fontRef idx="minor">
+              <a:schemeClr val="lt1"/>
+            </a:fontRef>
+          </p:style>
+          <p:txBody>
+            <a:bodyPr rtlCol="0" anchor="ctr"/>
+            <a:p>
+              <a:pPr algn="ctr"/>
+              <a:endParaRPr lang="zh-CN" altLang="en-US">
+                <a:latin typeface="微软雅黑" panose="020B0503020204020204" charset="-122"/>
+                <a:ea typeface="微软雅黑" panose="020B0503020204020204" charset="-122"/>
+              </a:endParaRPr>
+            </a:p>
+          </p:txBody>
+        </p:sp>
+      </p:grpSp>
+    </p:spTree>
+  </p:cSld>
+  <p:clrMapOvr>
+    <a:masterClrMapping/>
+  </p:clrMapOvr>
+</p:sld>
+</file>
+
+<file path=ppt/slides/slide14.xml><?xml version="1.0" encoding="utf-8"?>
+<p:sld xmlns:a="http://schemas.openxmlformats.org/drawingml/2006/main" xmlns:r="http://schemas.openxmlformats.org/officeDocument/2006/relationships" xmlns:p="http://schemas.openxmlformats.org/presentationml/2006/main">
+  <p:cSld>
+    <p:bg>
+      <p:bgPr>
+        <a:solidFill>
+          <a:srgbClr val="333333"/>
+        </a:solidFill>
+        <a:effectLst/>
+      </p:bgPr>
+    </p:bg>
+    <p:spTree>
+      <p:nvGrpSpPr>
+        <p:cNvPr id="1" name=""/>
+        <p:cNvGrpSpPr/>
+        <p:nvPr/>
+      </p:nvGrpSpPr>
+      <p:grpSpPr/>
+      <p:grpSp>
+        <p:nvGrpSpPr>
+          <p:cNvPr id="34" name="组合 33"/>
+          <p:cNvGrpSpPr/>
+          <p:nvPr/>
+        </p:nvGrpSpPr>
+        <p:grpSpPr>
+          <a:xfrm>
+            <a:off x="3010147" y="2589530"/>
+            <a:ext cx="6394708" cy="1403985"/>
+            <a:chOff x="3862" y="4680"/>
+            <a:chExt cx="12060" cy="2211"/>
+          </a:xfrm>
+        </p:grpSpPr>
+        <p:sp>
+          <p:nvSpPr>
+            <p:cNvPr id="23" name="矩形 22"/>
+            <p:cNvSpPr/>
+            <p:nvPr/>
+          </p:nvSpPr>
+          <p:spPr>
+            <a:xfrm>
+              <a:off x="3862" y="4680"/>
+              <a:ext cx="11476" cy="1440"/>
+            </a:xfrm>
+            <a:prstGeom prst="rect">
+              <a:avLst/>
+            </a:prstGeom>
+            <a:noFill/>
+            <a:ln>
+              <a:noFill/>
+            </a:ln>
+            <a:extLst>
+              <a:ext uri="{909E8E84-426E-40DD-AFC4-6F175D3DCCD1}">
+                <a14:hiddenFill xmlns:a14="http://schemas.microsoft.com/office/drawing/2010/main">
+                  <a:solidFill>
+                    <a:schemeClr val="accent1"/>
+                  </a:solidFill>
+                </a14:hiddenFill>
+              </a:ext>
+            </a:extLst>
+          </p:spPr>
+          <p:style>
+            <a:lnRef idx="2">
+              <a:schemeClr val="accent1">
+                <a:shade val="50000"/>
+              </a:schemeClr>
+            </a:lnRef>
+            <a:fillRef idx="1">
+              <a:schemeClr val="accent1"/>
+            </a:fillRef>
+            <a:effectRef idx="0">
+              <a:schemeClr val="accent1"/>
+            </a:effectRef>
+            <a:fontRef idx="minor">
+              <a:schemeClr val="lt1"/>
+            </a:fontRef>
+          </p:style>
+          <p:txBody>
+            <a:bodyPr rtlCol="0" anchor="ctr"/>
+            <a:p>
+              <a:pPr algn="dist"/>
+              <a:r>
+                <a:rPr lang="en-US" altLang="zh-CN" sz="7200">
+                  <a:solidFill>
+                    <a:schemeClr val="bg1">
+                      <a:lumMod val="85000"/>
+                    </a:schemeClr>
+                  </a:solidFill>
+                  <a:latin typeface="Letter Gothic Std" panose="020B0409020202030304" charset="0"/>
+                </a:rPr>
+                <a:t>CYM</a:t>
+              </a:r>
+              <a:r>
+                <a:rPr lang="en-US" altLang="zh-CN" sz="7200">
+                  <a:solidFill>
+                    <a:srgbClr val="F1C40F"/>
+                  </a:solidFill>
+                  <a:latin typeface="Letter Gothic Std" panose="020B0409020202030304" charset="0"/>
+                </a:rPr>
+                <a:t>UR</a:t>
+              </a:r>
+              <a:r>
+                <a:rPr lang="en-US" altLang="zh-CN" sz="7200">
+                  <a:solidFill>
+                    <a:schemeClr val="bg1">
+                      <a:lumMod val="85000"/>
+                    </a:schemeClr>
+                  </a:solidFill>
+                  <a:latin typeface="Letter Gothic Std" panose="020B0409020202030304" charset="0"/>
+                </a:rPr>
+                <a:t>US</a:t>
+              </a:r>
+              <a:endParaRPr lang="en-US" altLang="zh-CN" sz="7200">
+                <a:solidFill>
+                  <a:schemeClr val="bg1">
+                    <a:lumMod val="85000"/>
+                  </a:schemeClr>
+                </a:solidFill>
+                <a:latin typeface="Letter Gothic Std" panose="020B0409020202030304" charset="0"/>
+              </a:endParaRPr>
+            </a:p>
+          </p:txBody>
+        </p:sp>
+        <p:sp>
+          <p:nvSpPr>
+            <p:cNvPr id="28" name="矩形 27"/>
+            <p:cNvSpPr/>
+            <p:nvPr/>
+          </p:nvSpPr>
+          <p:spPr>
+            <a:xfrm>
+              <a:off x="3862" y="5450"/>
+              <a:ext cx="1440" cy="1441"/>
+            </a:xfrm>
+            <a:prstGeom prst="rect">
+              <a:avLst/>
+            </a:prstGeom>
+            <a:noFill/>
+            <a:ln>
+              <a:noFill/>
+            </a:ln>
+            <a:extLst>
+              <a:ext uri="{909E8E84-426E-40DD-AFC4-6F175D3DCCD1}">
+                <a14:hiddenFill xmlns:a14="http://schemas.microsoft.com/office/drawing/2010/main">
+                  <a:solidFill>
+                    <a:schemeClr val="bg1">
+                      <a:lumMod val="85000"/>
+                    </a:schemeClr>
+                  </a:solidFill>
+                </a14:hiddenFill>
+              </a:ext>
+            </a:extLst>
+          </p:spPr>
+          <p:style>
+            <a:lnRef idx="2">
+              <a:schemeClr val="accent1">
+                <a:shade val="50000"/>
+              </a:schemeClr>
+            </a:lnRef>
+            <a:fillRef idx="1">
+              <a:schemeClr val="accent1"/>
+            </a:fillRef>
+            <a:effectRef idx="0">
+              <a:schemeClr val="accent1"/>
+            </a:effectRef>
+            <a:fontRef idx="minor">
+              <a:schemeClr val="lt1"/>
+            </a:fontRef>
+          </p:style>
+          <p:txBody>
+            <a:bodyPr rtlCol="0" anchor="ctr"/>
+            <a:p>
+              <a:pPr algn="ctr"/>
+              <a:r>
+                <a:rPr lang="en-US" altLang="zh-CN">
+                  <a:solidFill>
+                    <a:schemeClr val="bg2">
+                      <a:lumMod val="50000"/>
+                    </a:schemeClr>
+                  </a:solidFill>
+                </a:rPr>
+                <a:t>lown</a:t>
+              </a:r>
+              <a:endParaRPr lang="en-US" altLang="zh-CN">
+                <a:solidFill>
+                  <a:schemeClr val="bg2">
+                    <a:lumMod val="50000"/>
+                  </a:schemeClr>
+                </a:solidFill>
+              </a:endParaRPr>
+            </a:p>
+          </p:txBody>
+        </p:sp>
+        <p:sp>
+          <p:nvSpPr>
+            <p:cNvPr id="29" name="矩形 28"/>
+            <p:cNvSpPr/>
+            <p:nvPr/>
+          </p:nvSpPr>
+          <p:spPr>
+            <a:xfrm>
+              <a:off x="5546" y="5450"/>
+              <a:ext cx="1440" cy="1441"/>
+            </a:xfrm>
+            <a:prstGeom prst="rect">
+              <a:avLst/>
+            </a:prstGeom>
+            <a:noFill/>
+            <a:ln>
+              <a:noFill/>
+            </a:ln>
+            <a:extLst>
+              <a:ext uri="{909E8E84-426E-40DD-AFC4-6F175D3DCCD1}">
+                <a14:hiddenFill xmlns:a14="http://schemas.microsoft.com/office/drawing/2010/main">
+                  <a:solidFill>
+                    <a:schemeClr val="bg1">
+                      <a:lumMod val="85000"/>
+                    </a:schemeClr>
+                  </a:solidFill>
+                </a14:hiddenFill>
+              </a:ext>
+            </a:extLst>
+          </p:spPr>
+          <p:style>
+            <a:lnRef idx="2">
+              <a:schemeClr val="accent1">
+                <a:shade val="50000"/>
+              </a:schemeClr>
+            </a:lnRef>
+            <a:fillRef idx="1">
+              <a:schemeClr val="accent1"/>
+            </a:fillRef>
+            <a:effectRef idx="0">
+              <a:schemeClr val="accent1"/>
+            </a:effectRef>
+            <a:fontRef idx="minor">
+              <a:schemeClr val="lt1"/>
+            </a:fontRef>
+          </p:style>
+          <p:txBody>
+            <a:bodyPr rtlCol="0" anchor="ctr"/>
+            <a:p>
+              <a:pPr algn="ctr"/>
+              <a:r>
+                <a:rPr lang="en-US" altLang="zh-CN">
+                  <a:solidFill>
+                    <a:schemeClr val="bg2">
+                      <a:lumMod val="50000"/>
+                    </a:schemeClr>
+                  </a:solidFill>
+                </a:rPr>
+                <a:t>ields</a:t>
+              </a:r>
+              <a:endParaRPr lang="en-US" altLang="zh-CN">
+                <a:solidFill>
+                  <a:schemeClr val="bg2">
+                    <a:lumMod val="50000"/>
+                  </a:schemeClr>
+                </a:solidFill>
+              </a:endParaRPr>
+            </a:p>
+          </p:txBody>
+        </p:sp>
+        <p:sp>
+          <p:nvSpPr>
+            <p:cNvPr id="30" name="矩形 29"/>
+            <p:cNvSpPr/>
+            <p:nvPr/>
+          </p:nvSpPr>
+          <p:spPr>
+            <a:xfrm>
+              <a:off x="7049" y="5450"/>
+              <a:ext cx="1852" cy="1441"/>
+            </a:xfrm>
+            <a:prstGeom prst="rect">
+              <a:avLst/>
+            </a:prstGeom>
+            <a:noFill/>
+            <a:ln>
+              <a:noFill/>
+            </a:ln>
+            <a:extLst>
+              <a:ext uri="{909E8E84-426E-40DD-AFC4-6F175D3DCCD1}">
+                <a14:hiddenFill xmlns:a14="http://schemas.microsoft.com/office/drawing/2010/main">
+                  <a:solidFill>
+                    <a:schemeClr val="bg1">
+                      <a:lumMod val="85000"/>
+                    </a:schemeClr>
+                  </a:solidFill>
+                </a14:hiddenFill>
+              </a:ext>
+            </a:extLst>
+          </p:spPr>
+          <p:style>
+            <a:lnRef idx="2">
+              <a:schemeClr val="accent1">
+                <a:shade val="50000"/>
+              </a:schemeClr>
+            </a:lnRef>
+            <a:fillRef idx="1">
+              <a:schemeClr val="accent1"/>
+            </a:fillRef>
+            <a:effectRef idx="0">
+              <a:schemeClr val="accent1"/>
+            </a:effectRef>
+            <a:fontRef idx="minor">
+              <a:schemeClr val="lt1"/>
+            </a:fontRef>
+          </p:style>
+          <p:txBody>
+            <a:bodyPr rtlCol="0" anchor="ctr"/>
+            <a:p>
+              <a:pPr algn="ctr"/>
+              <a:r>
+                <a:rPr lang="en-US" altLang="zh-CN">
+                  <a:solidFill>
+                    <a:schemeClr val="bg2">
+                      <a:lumMod val="50000"/>
+                    </a:schemeClr>
+                  </a:solidFill>
+                </a:rPr>
+                <a:t>ockeries</a:t>
+              </a:r>
+              <a:endParaRPr lang="en-US" altLang="zh-CN">
+                <a:solidFill>
+                  <a:schemeClr val="bg2">
+                    <a:lumMod val="50000"/>
+                  </a:schemeClr>
+                </a:solidFill>
+              </a:endParaRPr>
+            </a:p>
+          </p:txBody>
+        </p:sp>
+        <p:sp>
+          <p:nvSpPr>
+            <p:cNvPr id="31" name="矩形 30"/>
+            <p:cNvSpPr/>
+            <p:nvPr/>
+          </p:nvSpPr>
+          <p:spPr>
+            <a:xfrm>
+              <a:off x="11746" y="5450"/>
+              <a:ext cx="2467" cy="1441"/>
+            </a:xfrm>
+            <a:prstGeom prst="rect">
+              <a:avLst/>
+            </a:prstGeom>
+            <a:noFill/>
+            <a:ln>
+              <a:noFill/>
+            </a:ln>
+            <a:extLst>
+              <a:ext uri="{909E8E84-426E-40DD-AFC4-6F175D3DCCD1}">
+                <a14:hiddenFill xmlns:a14="http://schemas.microsoft.com/office/drawing/2010/main">
+                  <a:solidFill>
+                    <a:schemeClr val="bg1">
+                      <a:lumMod val="85000"/>
+                    </a:schemeClr>
+                  </a:solidFill>
+                </a14:hiddenFill>
+              </a:ext>
+            </a:extLst>
+          </p:spPr>
+          <p:style>
+            <a:lnRef idx="2">
+              <a:schemeClr val="accent1">
+                <a:shade val="50000"/>
+              </a:schemeClr>
+            </a:lnRef>
+            <a:fillRef idx="1">
+              <a:schemeClr val="accent1"/>
+            </a:fillRef>
+            <a:effectRef idx="0">
+              <a:schemeClr val="accent1"/>
+            </a:effectRef>
+            <a:fontRef idx="minor">
+              <a:schemeClr val="lt1"/>
+            </a:fontRef>
+          </p:style>
+          <p:txBody>
+            <a:bodyPr rtlCol="0" anchor="ctr"/>
+            <a:p>
+              <a:pPr algn="ctr"/>
+              <a:r>
+                <a:rPr lang="en-US" altLang="zh-CN">
+                  <a:solidFill>
+                    <a:schemeClr val="bg2">
+                      <a:lumMod val="50000"/>
+                    </a:schemeClr>
+                  </a:solidFill>
+                </a:rPr>
+                <a:t>ndying</a:t>
+              </a:r>
+              <a:endParaRPr lang="en-US" altLang="zh-CN">
+                <a:solidFill>
+                  <a:schemeClr val="bg2">
+                    <a:lumMod val="50000"/>
+                  </a:schemeClr>
+                </a:solidFill>
+              </a:endParaRPr>
+            </a:p>
+          </p:txBody>
+        </p:sp>
+        <p:sp>
+          <p:nvSpPr>
+            <p:cNvPr id="32" name="矩形 31"/>
+            <p:cNvSpPr/>
+            <p:nvPr/>
+          </p:nvSpPr>
+          <p:spPr>
+            <a:xfrm>
+              <a:off x="13580" y="5450"/>
+              <a:ext cx="2342" cy="1441"/>
+            </a:xfrm>
+            <a:prstGeom prst="rect">
+              <a:avLst/>
+            </a:prstGeom>
+            <a:noFill/>
+            <a:ln>
+              <a:noFill/>
+            </a:ln>
+            <a:extLst>
+              <a:ext uri="{909E8E84-426E-40DD-AFC4-6F175D3DCCD1}">
+                <a14:hiddenFill xmlns:a14="http://schemas.microsoft.com/office/drawing/2010/main">
+                  <a:solidFill>
+                    <a:schemeClr val="bg1">
+                      <a:lumMod val="85000"/>
+                    </a:schemeClr>
+                  </a:solidFill>
+                </a14:hiddenFill>
+              </a:ext>
+            </a:extLst>
+          </p:spPr>
+          <p:style>
+            <a:lnRef idx="2">
+              <a:schemeClr val="accent1">
+                <a:shade val="50000"/>
+              </a:schemeClr>
+            </a:lnRef>
+            <a:fillRef idx="1">
+              <a:schemeClr val="accent1"/>
+            </a:fillRef>
+            <a:effectRef idx="0">
+              <a:schemeClr val="accent1"/>
+            </a:effectRef>
+            <a:fontRef idx="minor">
+              <a:schemeClr val="lt1"/>
+            </a:fontRef>
+          </p:style>
+          <p:txBody>
+            <a:bodyPr rtlCol="0" anchor="ctr"/>
+            <a:p>
+              <a:pPr algn="ctr"/>
+              <a:r>
+                <a:rPr lang="en-US" altLang="zh-CN">
+                  <a:solidFill>
+                    <a:schemeClr val="bg2">
+                      <a:lumMod val="50000"/>
+                    </a:schemeClr>
+                  </a:solidFill>
+                </a:rPr>
+                <a:t>ick of _</a:t>
+              </a:r>
+              <a:endParaRPr lang="en-US" altLang="zh-CN">
+                <a:solidFill>
+                  <a:schemeClr val="bg2">
+                    <a:lumMod val="50000"/>
+                  </a:schemeClr>
+                </a:solidFill>
+              </a:endParaRPr>
+            </a:p>
+          </p:txBody>
+        </p:sp>
+        <p:sp>
+          <p:nvSpPr>
+            <p:cNvPr id="33" name="等腰三角形 32"/>
+            <p:cNvSpPr/>
+            <p:nvPr/>
+          </p:nvSpPr>
+          <p:spPr>
+            <a:xfrm rot="8820000" flipV="1">
+              <a:off x="14205" y="5453"/>
+              <a:ext cx="168" cy="168"/>
+            </a:xfrm>
+            <a:prstGeom prst="triangle">
+              <a:avLst/>
+            </a:prstGeom>
+            <a:solidFill>
+              <a:schemeClr val="bg1">
+                <a:lumMod val="85000"/>
+              </a:schemeClr>
+            </a:solidFill>
+            <a:ln>
+              <a:noFill/>
+            </a:ln>
+          </p:spPr>
+          <p:style>
+            <a:lnRef idx="2">
+              <a:schemeClr val="accent1">
+                <a:shade val="50000"/>
+              </a:schemeClr>
+            </a:lnRef>
+            <a:fillRef idx="1">
+              <a:schemeClr val="accent1"/>
+            </a:fillRef>
+            <a:effectRef idx="0">
+              <a:schemeClr val="accent1"/>
+            </a:effectRef>
+            <a:fontRef idx="minor">
+              <a:schemeClr val="lt1"/>
+            </a:fontRef>
+          </p:style>
+          <p:txBody>
+            <a:bodyPr rtlCol="0" anchor="ctr"/>
+            <a:p>
+              <a:pPr algn="ctr"/>
+              <a:endParaRPr lang="zh-CN" altLang="en-US">
+                <a:solidFill>
+                  <a:schemeClr val="bg2">
+                    <a:lumMod val="50000"/>
+                  </a:schemeClr>
+                </a:solidFill>
+              </a:endParaRPr>
+            </a:p>
+          </p:txBody>
+        </p:sp>
+        <p:sp>
+          <p:nvSpPr>
+            <p:cNvPr id="3" name="矩形 2"/>
+            <p:cNvSpPr/>
+            <p:nvPr/>
+          </p:nvSpPr>
+          <p:spPr>
+            <a:xfrm>
+              <a:off x="10354" y="5450"/>
+              <a:ext cx="1852" cy="1441"/>
+            </a:xfrm>
+            <a:prstGeom prst="rect">
+              <a:avLst/>
+            </a:prstGeom>
+            <a:noFill/>
+            <a:ln>
+              <a:noFill/>
+            </a:ln>
+            <a:extLst>
+              <a:ext uri="{909E8E84-426E-40DD-AFC4-6F175D3DCCD1}">
+                <a14:hiddenFill xmlns:a14="http://schemas.microsoft.com/office/drawing/2010/main">
+                  <a:solidFill>
+                    <a:schemeClr val="bg1">
+                      <a:lumMod val="85000"/>
+                    </a:schemeClr>
+                  </a:solidFill>
+                </a14:hiddenFill>
+              </a:ext>
+            </a:extLst>
+          </p:spPr>
+          <p:style>
+            <a:lnRef idx="2">
+              <a:schemeClr val="accent1">
+                <a:shade val="50000"/>
+              </a:schemeClr>
+            </a:lnRef>
+            <a:fillRef idx="1">
+              <a:schemeClr val="accent1"/>
+            </a:fillRef>
+            <a:effectRef idx="0">
+              <a:schemeClr val="accent1"/>
+            </a:effectRef>
+            <a:fontRef idx="minor">
+              <a:schemeClr val="lt1"/>
+            </a:fontRef>
+          </p:style>
+          <p:txBody>
+            <a:bodyPr rtlCol="0" anchor="ctr"/>
+            <a:p>
+              <a:pPr algn="ctr"/>
+              <a:r>
+                <a:rPr lang="en-US" altLang="zh-CN">
+                  <a:solidFill>
+                    <a:schemeClr val="bg2">
+                      <a:lumMod val="50000"/>
+                    </a:schemeClr>
+                  </a:solidFill>
+                </a:rPr>
+                <a:t>the</a:t>
+              </a:r>
+              <a:endParaRPr lang="en-US" altLang="zh-CN">
+                <a:solidFill>
+                  <a:schemeClr val="bg2">
+                    <a:lumMod val="50000"/>
+                  </a:schemeClr>
+                </a:solidFill>
+              </a:endParaRPr>
+            </a:p>
+          </p:txBody>
+        </p:sp>
+      </p:grpSp>
+      <p:sp>
+        <p:nvSpPr>
+          <p:cNvPr id="46" name="等腰三角形 45"/>
+          <p:cNvSpPr/>
+          <p:nvPr/>
+        </p:nvSpPr>
+        <p:spPr>
+          <a:xfrm rot="19980000" flipV="1">
+            <a:off x="3502660" y="2691130"/>
+            <a:ext cx="90170" cy="106680"/>
+          </a:xfrm>
+          <a:prstGeom prst="triangle">
+            <a:avLst/>
+          </a:prstGeom>
+          <a:solidFill>
+            <a:schemeClr val="bg1">
+              <a:lumMod val="85000"/>
+            </a:schemeClr>
+          </a:solidFill>
+          <a:ln>
+            <a:noFill/>
+          </a:ln>
+        </p:spPr>
+        <p:style>
+          <a:lnRef idx="2">
+            <a:schemeClr val="accent1">
+              <a:shade val="50000"/>
+            </a:schemeClr>
+          </a:lnRef>
+          <a:fillRef idx="1">
+            <a:schemeClr val="accent1"/>
+          </a:fillRef>
+          <a:effectRef idx="0">
+            <a:schemeClr val="accent1"/>
+          </a:effectRef>
+          <a:fontRef idx="minor">
+            <a:schemeClr val="lt1"/>
+          </a:fontRef>
+        </p:style>
+        <p:txBody>
+          <a:bodyPr rtlCol="0" anchor="ctr"/>
+          <a:p>
+            <a:pPr algn="ctr"/>
+            <a:endParaRPr lang="zh-CN" altLang="en-US">
+              <a:solidFill>
+                <a:schemeClr val="bg2">
+                  <a:lumMod val="50000"/>
+                </a:schemeClr>
+              </a:solidFill>
+            </a:endParaRPr>
+          </a:p>
+        </p:txBody>
+      </p:sp>
+      <p:grpSp>
+        <p:nvGrpSpPr>
+          <p:cNvPr id="51" name="组合 50"/>
+          <p:cNvGrpSpPr/>
+          <p:nvPr/>
+        </p:nvGrpSpPr>
+        <p:grpSpPr>
+          <a:xfrm rot="0">
+            <a:off x="3065780" y="4221480"/>
+            <a:ext cx="741680" cy="741680"/>
+            <a:chOff x="5403" y="7540"/>
+            <a:chExt cx="1168" cy="1168"/>
+          </a:xfrm>
+        </p:grpSpPr>
+        <p:sp>
+          <p:nvSpPr>
+            <p:cNvPr id="47" name="矩形 46"/>
+            <p:cNvSpPr/>
+            <p:nvPr/>
+          </p:nvSpPr>
+          <p:spPr>
+            <a:xfrm>
+              <a:off x="5403" y="7540"/>
+              <a:ext cx="584" cy="584"/>
+            </a:xfrm>
+            <a:prstGeom prst="rect">
+              <a:avLst/>
+            </a:prstGeom>
+            <a:solidFill>
+              <a:schemeClr val="bg2">
+                <a:lumMod val="50000"/>
+              </a:schemeClr>
+            </a:solidFill>
+            <a:ln>
+              <a:solidFill>
+                <a:schemeClr val="bg2">
+                  <a:lumMod val="50000"/>
+                </a:schemeClr>
+              </a:solidFill>
+            </a:ln>
+          </p:spPr>
+          <p:style>
+            <a:lnRef idx="2">
+              <a:schemeClr val="accent1">
+                <a:shade val="50000"/>
+              </a:schemeClr>
+            </a:lnRef>
+            <a:fillRef idx="1">
+              <a:schemeClr val="accent1"/>
+            </a:fillRef>
+            <a:effectRef idx="0">
+              <a:schemeClr val="accent1"/>
+            </a:effectRef>
+            <a:fontRef idx="minor">
+              <a:schemeClr val="lt1"/>
+            </a:fontRef>
+          </p:style>
+          <p:txBody>
+            <a:bodyPr rtlCol="0" anchor="ctr"/>
+            <a:p>
+              <a:pPr algn="ctr"/>
+              <a:r>
+                <a:rPr lang="en-US" altLang="zh-CN" sz="1400">
+                  <a:solidFill>
+                    <a:srgbClr val="333333"/>
+                  </a:solidFill>
+                  <a:latin typeface="微软雅黑" panose="020B0503020204020204" charset="-122"/>
+                  <a:ea typeface="微软雅黑" panose="020B0503020204020204" charset="-122"/>
+                </a:rPr>
+                <a:t>c ʃ</a:t>
+              </a:r>
+              <a:endParaRPr lang="en-US" altLang="zh-CN" sz="1400">
+                <a:solidFill>
+                  <a:srgbClr val="333333"/>
+                </a:solidFill>
+                <a:latin typeface="微软雅黑" panose="020B0503020204020204" charset="-122"/>
+                <a:ea typeface="微软雅黑" panose="020B0503020204020204" charset="-122"/>
+              </a:endParaRPr>
+            </a:p>
+          </p:txBody>
+        </p:sp>
+        <p:sp>
+          <p:nvSpPr>
+            <p:cNvPr id="48" name="矩形 47"/>
+            <p:cNvSpPr/>
+            <p:nvPr/>
+          </p:nvSpPr>
+          <p:spPr>
+            <a:xfrm>
+              <a:off x="5987" y="8124"/>
+              <a:ext cx="584" cy="584"/>
+            </a:xfrm>
+            <a:prstGeom prst="rect">
+              <a:avLst/>
+            </a:prstGeom>
+            <a:solidFill>
+              <a:schemeClr val="bg2">
+                <a:lumMod val="50000"/>
+              </a:schemeClr>
+            </a:solidFill>
+            <a:ln>
+              <a:solidFill>
+                <a:schemeClr val="bg2">
+                  <a:lumMod val="50000"/>
+                </a:schemeClr>
+              </a:solidFill>
+            </a:ln>
+          </p:spPr>
+          <p:style>
+            <a:lnRef idx="2">
+              <a:schemeClr val="accent1">
+                <a:shade val="50000"/>
+              </a:schemeClr>
+            </a:lnRef>
+            <a:fillRef idx="1">
+              <a:schemeClr val="accent1"/>
+            </a:fillRef>
+            <a:effectRef idx="0">
+              <a:schemeClr val="accent1"/>
+            </a:effectRef>
+            <a:fontRef idx="minor">
+              <a:schemeClr val="lt1"/>
+            </a:fontRef>
+          </p:style>
+          <p:txBody>
+            <a:bodyPr rtlCol="0" anchor="ctr"/>
+            <a:p>
+              <a:pPr algn="ctr"/>
+              <a:endParaRPr lang="zh-CN" altLang="en-US">
+                <a:latin typeface="微软雅黑" panose="020B0503020204020204" charset="-122"/>
+                <a:ea typeface="微软雅黑" panose="020B0503020204020204" charset="-122"/>
+              </a:endParaRPr>
+            </a:p>
+          </p:txBody>
+        </p:sp>
+        <p:sp>
+          <p:nvSpPr>
+            <p:cNvPr id="49" name="矩形 48"/>
+            <p:cNvSpPr/>
+            <p:nvPr/>
+          </p:nvSpPr>
+          <p:spPr>
+            <a:xfrm>
+              <a:off x="5987" y="7540"/>
+              <a:ext cx="584" cy="584"/>
+            </a:xfrm>
+            <a:prstGeom prst="rect">
+              <a:avLst/>
+            </a:prstGeom>
+            <a:solidFill>
+              <a:srgbClr val="333333"/>
+            </a:solidFill>
+            <a:ln>
+              <a:solidFill>
+                <a:schemeClr val="bg2">
+                  <a:lumMod val="50000"/>
+                </a:schemeClr>
+              </a:solidFill>
+            </a:ln>
+          </p:spPr>
+          <p:style>
+            <a:lnRef idx="2">
+              <a:schemeClr val="accent1">
+                <a:shade val="50000"/>
+              </a:schemeClr>
+            </a:lnRef>
+            <a:fillRef idx="1">
+              <a:schemeClr val="accent1"/>
+            </a:fillRef>
+            <a:effectRef idx="0">
+              <a:schemeClr val="accent1"/>
+            </a:effectRef>
+            <a:fontRef idx="minor">
+              <a:schemeClr val="lt1"/>
+            </a:fontRef>
+          </p:style>
+          <p:txBody>
+            <a:bodyPr rtlCol="0" anchor="ctr"/>
+            <a:p>
+              <a:pPr algn="ctr"/>
+              <a:endParaRPr lang="zh-CN" altLang="en-US">
+                <a:latin typeface="微软雅黑" panose="020B0503020204020204" charset="-122"/>
+                <a:ea typeface="微软雅黑" panose="020B0503020204020204" charset="-122"/>
+              </a:endParaRPr>
+            </a:p>
+          </p:txBody>
+        </p:sp>
+        <p:sp>
+          <p:nvSpPr>
+            <p:cNvPr id="50" name="矩形 49"/>
+            <p:cNvSpPr/>
+            <p:nvPr/>
+          </p:nvSpPr>
+          <p:spPr>
+            <a:xfrm>
+              <a:off x="5403" y="8124"/>
+              <a:ext cx="584" cy="584"/>
+            </a:xfrm>
+            <a:prstGeom prst="rect">
+              <a:avLst/>
+            </a:prstGeom>
+            <a:solidFill>
+              <a:srgbClr val="333333"/>
+            </a:solidFill>
+            <a:ln>
+              <a:solidFill>
+                <a:schemeClr val="bg2">
+                  <a:lumMod val="50000"/>
+                </a:schemeClr>
+              </a:solidFill>
+            </a:ln>
+          </p:spPr>
+          <p:style>
+            <a:lnRef idx="2">
+              <a:schemeClr val="accent1">
+                <a:shade val="50000"/>
+              </a:schemeClr>
+            </a:lnRef>
+            <a:fillRef idx="1">
+              <a:schemeClr val="accent1"/>
+            </a:fillRef>
+            <a:effectRef idx="0">
+              <a:schemeClr val="accent1"/>
+            </a:effectRef>
+            <a:fontRef idx="minor">
+              <a:schemeClr val="lt1"/>
+            </a:fontRef>
+          </p:style>
+          <p:txBody>
+            <a:bodyPr rtlCol="0" anchor="ctr"/>
+            <a:p>
+              <a:pPr algn="ctr"/>
+              <a:endParaRPr lang="zh-CN" altLang="en-US">
+                <a:latin typeface="微软雅黑" panose="020B0503020204020204" charset="-122"/>
+                <a:ea typeface="微软雅黑" panose="020B0503020204020204" charset="-122"/>
+              </a:endParaRPr>
+            </a:p>
+          </p:txBody>
+        </p:sp>
+      </p:grpSp>
+    </p:spTree>
+  </p:cSld>
+  <p:clrMapOvr>
+    <a:masterClrMapping/>
+  </p:clrMapOvr>
+</p:sld>
+</file>
+
+<file path=ppt/slides/slide15.xml><?xml version="1.0" encoding="utf-8"?>
+<p:sld xmlns:a="http://schemas.openxmlformats.org/drawingml/2006/main" xmlns:r="http://schemas.openxmlformats.org/officeDocument/2006/relationships" xmlns:p="http://schemas.openxmlformats.org/presentationml/2006/main">
+  <p:cSld>
+    <p:bg>
+      <p:bgPr>
+        <a:solidFill>
+          <a:srgbClr val="333333"/>
+        </a:solidFill>
+        <a:effectLst/>
+      </p:bgPr>
+    </p:bg>
+    <p:spTree>
+      <p:nvGrpSpPr>
+        <p:cNvPr id="1" name=""/>
+        <p:cNvGrpSpPr/>
+        <p:nvPr/>
+      </p:nvGrpSpPr>
+      <p:grpSpPr/>
+      <p:grpSp>
+        <p:nvGrpSpPr>
+          <p:cNvPr id="34" name="组合 33"/>
+          <p:cNvGrpSpPr/>
+          <p:nvPr/>
+        </p:nvGrpSpPr>
+        <p:grpSpPr>
+          <a:xfrm>
+            <a:off x="3010147" y="914400"/>
+            <a:ext cx="6394708" cy="1403985"/>
+            <a:chOff x="3862" y="4680"/>
+            <a:chExt cx="12060" cy="2211"/>
+          </a:xfrm>
+        </p:grpSpPr>
+        <p:sp>
+          <p:nvSpPr>
+            <p:cNvPr id="23" name="矩形 22"/>
+            <p:cNvSpPr/>
+            <p:nvPr/>
+          </p:nvSpPr>
+          <p:spPr>
+            <a:xfrm>
+              <a:off x="3862" y="4680"/>
+              <a:ext cx="11476" cy="1440"/>
+            </a:xfrm>
+            <a:prstGeom prst="rect">
+              <a:avLst/>
+            </a:prstGeom>
+            <a:noFill/>
+            <a:ln>
+              <a:noFill/>
+            </a:ln>
+            <a:extLst>
+              <a:ext uri="{909E8E84-426E-40DD-AFC4-6F175D3DCCD1}">
+                <a14:hiddenFill xmlns:a14="http://schemas.microsoft.com/office/drawing/2010/main">
+                  <a:solidFill>
+                    <a:schemeClr val="accent1"/>
+                  </a:solidFill>
+                </a14:hiddenFill>
+              </a:ext>
+            </a:extLst>
+          </p:spPr>
+          <p:style>
+            <a:lnRef idx="2">
+              <a:schemeClr val="accent1">
+                <a:shade val="50000"/>
+              </a:schemeClr>
+            </a:lnRef>
+            <a:fillRef idx="1">
+              <a:schemeClr val="accent1"/>
+            </a:fillRef>
+            <a:effectRef idx="0">
+              <a:schemeClr val="accent1"/>
+            </a:effectRef>
+            <a:fontRef idx="minor">
+              <a:schemeClr val="lt1"/>
+            </a:fontRef>
+          </p:style>
+          <p:txBody>
+            <a:bodyPr rtlCol="0" anchor="ctr"/>
+            <a:p>
+              <a:pPr algn="dist"/>
+              <a:r>
+                <a:rPr lang="en-US" altLang="zh-CN" sz="7200">
+                  <a:solidFill>
+                    <a:schemeClr val="bg1">
+                      <a:lumMod val="85000"/>
+                    </a:schemeClr>
+                  </a:solidFill>
+                  <a:latin typeface="Letter Gothic Std" panose="020B0409020202030304" charset="0"/>
+                </a:rPr>
+                <a:t>CYM</a:t>
+              </a:r>
+              <a:r>
+                <a:rPr lang="en-US" altLang="zh-CN" sz="7200">
+                  <a:solidFill>
+                    <a:srgbClr val="F1C40F"/>
+                  </a:solidFill>
+                  <a:latin typeface="Letter Gothic Std" panose="020B0409020202030304" charset="0"/>
+                </a:rPr>
+                <a:t>UR</a:t>
+              </a:r>
+              <a:r>
+                <a:rPr lang="en-US" altLang="zh-CN" sz="7200">
+                  <a:solidFill>
+                    <a:schemeClr val="bg1">
+                      <a:lumMod val="85000"/>
+                    </a:schemeClr>
+                  </a:solidFill>
+                  <a:latin typeface="Letter Gothic Std" panose="020B0409020202030304" charset="0"/>
+                </a:rPr>
+                <a:t>US</a:t>
+              </a:r>
+              <a:endParaRPr lang="en-US" altLang="zh-CN" sz="7200">
+                <a:solidFill>
+                  <a:schemeClr val="bg1">
+                    <a:lumMod val="85000"/>
+                  </a:schemeClr>
+                </a:solidFill>
+                <a:latin typeface="Letter Gothic Std" panose="020B0409020202030304" charset="0"/>
+              </a:endParaRPr>
+            </a:p>
+          </p:txBody>
+        </p:sp>
+        <p:sp>
+          <p:nvSpPr>
+            <p:cNvPr id="28" name="矩形 27"/>
+            <p:cNvSpPr/>
+            <p:nvPr/>
+          </p:nvSpPr>
+          <p:spPr>
+            <a:xfrm>
+              <a:off x="3862" y="5450"/>
+              <a:ext cx="1440" cy="1441"/>
+            </a:xfrm>
+            <a:prstGeom prst="rect">
+              <a:avLst/>
+            </a:prstGeom>
+            <a:noFill/>
+            <a:ln>
+              <a:noFill/>
+            </a:ln>
+            <a:extLst>
+              <a:ext uri="{909E8E84-426E-40DD-AFC4-6F175D3DCCD1}">
+                <a14:hiddenFill xmlns:a14="http://schemas.microsoft.com/office/drawing/2010/main">
+                  <a:solidFill>
+                    <a:schemeClr val="bg1">
+                      <a:lumMod val="85000"/>
+                    </a:schemeClr>
+                  </a:solidFill>
+                </a14:hiddenFill>
+              </a:ext>
+            </a:extLst>
+          </p:spPr>
+          <p:style>
+            <a:lnRef idx="2">
+              <a:schemeClr val="accent1">
+                <a:shade val="50000"/>
+              </a:schemeClr>
+            </a:lnRef>
+            <a:fillRef idx="1">
+              <a:schemeClr val="accent1"/>
+            </a:fillRef>
+            <a:effectRef idx="0">
+              <a:schemeClr val="accent1"/>
+            </a:effectRef>
+            <a:fontRef idx="minor">
+              <a:schemeClr val="lt1"/>
+            </a:fontRef>
+          </p:style>
+          <p:txBody>
+            <a:bodyPr rtlCol="0" anchor="ctr"/>
+            <a:p>
+              <a:pPr algn="ctr"/>
+              <a:r>
+                <a:rPr lang="en-US" altLang="zh-CN">
+                  <a:solidFill>
+                    <a:schemeClr val="bg2">
+                      <a:lumMod val="50000"/>
+                    </a:schemeClr>
+                  </a:solidFill>
+                </a:rPr>
+                <a:t>lown</a:t>
+              </a:r>
+              <a:endParaRPr lang="en-US" altLang="zh-CN">
+                <a:solidFill>
+                  <a:schemeClr val="bg2">
+                    <a:lumMod val="50000"/>
+                  </a:schemeClr>
+                </a:solidFill>
+              </a:endParaRPr>
+            </a:p>
+          </p:txBody>
+        </p:sp>
+        <p:sp>
+          <p:nvSpPr>
+            <p:cNvPr id="29" name="矩形 28"/>
+            <p:cNvSpPr/>
+            <p:nvPr/>
+          </p:nvSpPr>
+          <p:spPr>
+            <a:xfrm>
+              <a:off x="5546" y="5450"/>
+              <a:ext cx="1440" cy="1441"/>
+            </a:xfrm>
+            <a:prstGeom prst="rect">
+              <a:avLst/>
+            </a:prstGeom>
+            <a:noFill/>
+            <a:ln>
+              <a:noFill/>
+            </a:ln>
+            <a:extLst>
+              <a:ext uri="{909E8E84-426E-40DD-AFC4-6F175D3DCCD1}">
+                <a14:hiddenFill xmlns:a14="http://schemas.microsoft.com/office/drawing/2010/main">
+                  <a:solidFill>
+                    <a:schemeClr val="bg1">
+                      <a:lumMod val="85000"/>
+                    </a:schemeClr>
+                  </a:solidFill>
+                </a14:hiddenFill>
+              </a:ext>
+            </a:extLst>
+          </p:spPr>
+          <p:style>
+            <a:lnRef idx="2">
+              <a:schemeClr val="accent1">
+                <a:shade val="50000"/>
+              </a:schemeClr>
+            </a:lnRef>
+            <a:fillRef idx="1">
+              <a:schemeClr val="accent1"/>
+            </a:fillRef>
+            <a:effectRef idx="0">
+              <a:schemeClr val="accent1"/>
+            </a:effectRef>
+            <a:fontRef idx="minor">
+              <a:schemeClr val="lt1"/>
+            </a:fontRef>
+          </p:style>
+          <p:txBody>
+            <a:bodyPr rtlCol="0" anchor="ctr"/>
+            <a:p>
+              <a:pPr algn="ctr"/>
+              <a:r>
+                <a:rPr lang="en-US" altLang="zh-CN">
+                  <a:solidFill>
+                    <a:schemeClr val="bg2">
+                      <a:lumMod val="50000"/>
+                    </a:schemeClr>
+                  </a:solidFill>
+                </a:rPr>
+                <a:t>ields</a:t>
+              </a:r>
+              <a:endParaRPr lang="en-US" altLang="zh-CN">
+                <a:solidFill>
+                  <a:schemeClr val="bg2">
+                    <a:lumMod val="50000"/>
+                  </a:schemeClr>
+                </a:solidFill>
+              </a:endParaRPr>
+            </a:p>
+          </p:txBody>
+        </p:sp>
+        <p:sp>
+          <p:nvSpPr>
+            <p:cNvPr id="30" name="矩形 29"/>
+            <p:cNvSpPr/>
+            <p:nvPr/>
+          </p:nvSpPr>
+          <p:spPr>
+            <a:xfrm>
+              <a:off x="7049" y="5450"/>
+              <a:ext cx="1852" cy="1441"/>
+            </a:xfrm>
+            <a:prstGeom prst="rect">
+              <a:avLst/>
+            </a:prstGeom>
+            <a:noFill/>
+            <a:ln>
+              <a:noFill/>
+            </a:ln>
+            <a:extLst>
+              <a:ext uri="{909E8E84-426E-40DD-AFC4-6F175D3DCCD1}">
+                <a14:hiddenFill xmlns:a14="http://schemas.microsoft.com/office/drawing/2010/main">
+                  <a:solidFill>
+                    <a:schemeClr val="bg1">
+                      <a:lumMod val="85000"/>
+                    </a:schemeClr>
+                  </a:solidFill>
+                </a14:hiddenFill>
+              </a:ext>
+            </a:extLst>
+          </p:spPr>
+          <p:style>
+            <a:lnRef idx="2">
+              <a:schemeClr val="accent1">
+                <a:shade val="50000"/>
+              </a:schemeClr>
+            </a:lnRef>
+            <a:fillRef idx="1">
+              <a:schemeClr val="accent1"/>
+            </a:fillRef>
+            <a:effectRef idx="0">
+              <a:schemeClr val="accent1"/>
+            </a:effectRef>
+            <a:fontRef idx="minor">
+              <a:schemeClr val="lt1"/>
+            </a:fontRef>
+          </p:style>
+          <p:txBody>
+            <a:bodyPr rtlCol="0" anchor="ctr"/>
+            <a:p>
+              <a:pPr algn="ctr"/>
+              <a:r>
+                <a:rPr lang="en-US" altLang="zh-CN">
+                  <a:solidFill>
+                    <a:schemeClr val="bg2">
+                      <a:lumMod val="50000"/>
+                    </a:schemeClr>
+                  </a:solidFill>
+                </a:rPr>
+                <a:t>ockeries</a:t>
+              </a:r>
+              <a:endParaRPr lang="en-US" altLang="zh-CN">
+                <a:solidFill>
+                  <a:schemeClr val="bg2">
+                    <a:lumMod val="50000"/>
+                  </a:schemeClr>
+                </a:solidFill>
+              </a:endParaRPr>
+            </a:p>
+          </p:txBody>
+        </p:sp>
+        <p:sp>
+          <p:nvSpPr>
+            <p:cNvPr id="31" name="矩形 30"/>
+            <p:cNvSpPr/>
+            <p:nvPr/>
+          </p:nvSpPr>
+          <p:spPr>
+            <a:xfrm>
+              <a:off x="11746" y="5450"/>
+              <a:ext cx="2467" cy="1441"/>
+            </a:xfrm>
+            <a:prstGeom prst="rect">
+              <a:avLst/>
+            </a:prstGeom>
+            <a:noFill/>
+            <a:ln>
+              <a:noFill/>
+            </a:ln>
+            <a:extLst>
+              <a:ext uri="{909E8E84-426E-40DD-AFC4-6F175D3DCCD1}">
+                <a14:hiddenFill xmlns:a14="http://schemas.microsoft.com/office/drawing/2010/main">
+                  <a:solidFill>
+                    <a:schemeClr val="bg1">
+                      <a:lumMod val="85000"/>
+                    </a:schemeClr>
+                  </a:solidFill>
+                </a14:hiddenFill>
+              </a:ext>
+            </a:extLst>
+          </p:spPr>
+          <p:style>
+            <a:lnRef idx="2">
+              <a:schemeClr val="accent1">
+                <a:shade val="50000"/>
+              </a:schemeClr>
+            </a:lnRef>
+            <a:fillRef idx="1">
+              <a:schemeClr val="accent1"/>
+            </a:fillRef>
+            <a:effectRef idx="0">
+              <a:schemeClr val="accent1"/>
+            </a:effectRef>
+            <a:fontRef idx="minor">
+              <a:schemeClr val="lt1"/>
+            </a:fontRef>
+          </p:style>
+          <p:txBody>
+            <a:bodyPr rtlCol="0" anchor="ctr"/>
+            <a:p>
+              <a:pPr algn="ctr"/>
+              <a:r>
+                <a:rPr lang="en-US" altLang="zh-CN">
+                  <a:solidFill>
+                    <a:schemeClr val="bg2">
+                      <a:lumMod val="50000"/>
+                    </a:schemeClr>
+                  </a:solidFill>
+                </a:rPr>
+                <a:t>ndying</a:t>
+              </a:r>
+              <a:endParaRPr lang="en-US" altLang="zh-CN">
+                <a:solidFill>
+                  <a:schemeClr val="bg2">
+                    <a:lumMod val="50000"/>
+                  </a:schemeClr>
+                </a:solidFill>
+              </a:endParaRPr>
+            </a:p>
+          </p:txBody>
+        </p:sp>
+        <p:sp>
+          <p:nvSpPr>
+            <p:cNvPr id="32" name="矩形 31"/>
+            <p:cNvSpPr/>
+            <p:nvPr/>
+          </p:nvSpPr>
+          <p:spPr>
+            <a:xfrm>
+              <a:off x="13580" y="5450"/>
+              <a:ext cx="2342" cy="1441"/>
+            </a:xfrm>
+            <a:prstGeom prst="rect">
+              <a:avLst/>
+            </a:prstGeom>
+            <a:noFill/>
+            <a:ln>
+              <a:noFill/>
+            </a:ln>
+            <a:extLst>
+              <a:ext uri="{909E8E84-426E-40DD-AFC4-6F175D3DCCD1}">
+                <a14:hiddenFill xmlns:a14="http://schemas.microsoft.com/office/drawing/2010/main">
+                  <a:solidFill>
+                    <a:schemeClr val="bg1">
+                      <a:lumMod val="85000"/>
+                    </a:schemeClr>
+                  </a:solidFill>
+                </a14:hiddenFill>
+              </a:ext>
+            </a:extLst>
+          </p:spPr>
+          <p:style>
+            <a:lnRef idx="2">
+              <a:schemeClr val="accent1">
+                <a:shade val="50000"/>
+              </a:schemeClr>
+            </a:lnRef>
+            <a:fillRef idx="1">
+              <a:schemeClr val="accent1"/>
+            </a:fillRef>
+            <a:effectRef idx="0">
+              <a:schemeClr val="accent1"/>
+            </a:effectRef>
+            <a:fontRef idx="minor">
+              <a:schemeClr val="lt1"/>
+            </a:fontRef>
+          </p:style>
+          <p:txBody>
+            <a:bodyPr rtlCol="0" anchor="ctr"/>
+            <a:p>
+              <a:pPr algn="ctr"/>
+              <a:r>
+                <a:rPr lang="en-US" altLang="zh-CN">
+                  <a:solidFill>
+                    <a:schemeClr val="bg2">
+                      <a:lumMod val="50000"/>
+                    </a:schemeClr>
+                  </a:solidFill>
+                </a:rPr>
+                <a:t>ick of _</a:t>
+              </a:r>
+              <a:endParaRPr lang="en-US" altLang="zh-CN">
+                <a:solidFill>
+                  <a:schemeClr val="bg2">
+                    <a:lumMod val="50000"/>
+                  </a:schemeClr>
+                </a:solidFill>
+              </a:endParaRPr>
+            </a:p>
+          </p:txBody>
+        </p:sp>
+        <p:sp>
+          <p:nvSpPr>
+            <p:cNvPr id="33" name="等腰三角形 32"/>
+            <p:cNvSpPr/>
+            <p:nvPr/>
+          </p:nvSpPr>
+          <p:spPr>
+            <a:xfrm rot="8820000" flipV="1">
+              <a:off x="14205" y="5453"/>
+              <a:ext cx="168" cy="168"/>
+            </a:xfrm>
+            <a:prstGeom prst="triangle">
+              <a:avLst/>
+            </a:prstGeom>
+            <a:solidFill>
+              <a:schemeClr val="bg1">
+                <a:lumMod val="85000"/>
+              </a:schemeClr>
+            </a:solidFill>
+            <a:ln>
+              <a:noFill/>
+            </a:ln>
+          </p:spPr>
+          <p:style>
+            <a:lnRef idx="2">
+              <a:schemeClr val="accent1">
+                <a:shade val="50000"/>
+              </a:schemeClr>
+            </a:lnRef>
+            <a:fillRef idx="1">
+              <a:schemeClr val="accent1"/>
+            </a:fillRef>
+            <a:effectRef idx="0">
+              <a:schemeClr val="accent1"/>
+            </a:effectRef>
+            <a:fontRef idx="minor">
+              <a:schemeClr val="lt1"/>
+            </a:fontRef>
+          </p:style>
+          <p:txBody>
+            <a:bodyPr rtlCol="0" anchor="ctr"/>
+            <a:p>
+              <a:pPr algn="ctr"/>
+              <a:endParaRPr lang="zh-CN" altLang="en-US">
+                <a:solidFill>
+                  <a:schemeClr val="bg2">
+                    <a:lumMod val="50000"/>
+                  </a:schemeClr>
+                </a:solidFill>
+              </a:endParaRPr>
+            </a:p>
+          </p:txBody>
+        </p:sp>
+        <p:sp>
+          <p:nvSpPr>
+            <p:cNvPr id="3" name="矩形 2"/>
+            <p:cNvSpPr/>
+            <p:nvPr/>
+          </p:nvSpPr>
+          <p:spPr>
+            <a:xfrm>
+              <a:off x="10354" y="5450"/>
+              <a:ext cx="1852" cy="1441"/>
+            </a:xfrm>
+            <a:prstGeom prst="rect">
+              <a:avLst/>
+            </a:prstGeom>
+            <a:noFill/>
+            <a:ln>
+              <a:noFill/>
+            </a:ln>
+            <a:extLst>
+              <a:ext uri="{909E8E84-426E-40DD-AFC4-6F175D3DCCD1}">
+                <a14:hiddenFill xmlns:a14="http://schemas.microsoft.com/office/drawing/2010/main">
+                  <a:solidFill>
+                    <a:schemeClr val="bg1">
+                      <a:lumMod val="85000"/>
+                    </a:schemeClr>
+                  </a:solidFill>
+                </a14:hiddenFill>
+              </a:ext>
+            </a:extLst>
+          </p:spPr>
+          <p:style>
+            <a:lnRef idx="2">
+              <a:schemeClr val="accent1">
+                <a:shade val="50000"/>
+              </a:schemeClr>
+            </a:lnRef>
+            <a:fillRef idx="1">
+              <a:schemeClr val="accent1"/>
+            </a:fillRef>
+            <a:effectRef idx="0">
+              <a:schemeClr val="accent1"/>
+            </a:effectRef>
+            <a:fontRef idx="minor">
+              <a:schemeClr val="lt1"/>
+            </a:fontRef>
+          </p:style>
+          <p:txBody>
+            <a:bodyPr rtlCol="0" anchor="ctr"/>
+            <a:p>
+              <a:pPr algn="ctr"/>
+              <a:r>
+                <a:rPr lang="en-US" altLang="zh-CN">
+                  <a:solidFill>
+                    <a:schemeClr val="bg2">
+                      <a:lumMod val="50000"/>
+                    </a:schemeClr>
+                  </a:solidFill>
+                </a:rPr>
+                <a:t>the</a:t>
+              </a:r>
+              <a:endParaRPr lang="en-US" altLang="zh-CN">
+                <a:solidFill>
+                  <a:schemeClr val="bg2">
+                    <a:lumMod val="50000"/>
+                  </a:schemeClr>
+                </a:solidFill>
+              </a:endParaRPr>
+            </a:p>
+          </p:txBody>
+        </p:sp>
+      </p:grpSp>
+      <p:sp>
+        <p:nvSpPr>
+          <p:cNvPr id="46" name="等腰三角形 45"/>
+          <p:cNvSpPr/>
+          <p:nvPr/>
+        </p:nvSpPr>
+        <p:spPr>
+          <a:xfrm rot="19980000" flipV="1">
+            <a:off x="3502660" y="1016000"/>
+            <a:ext cx="90170" cy="106680"/>
+          </a:xfrm>
+          <a:prstGeom prst="triangle">
+            <a:avLst/>
+          </a:prstGeom>
+          <a:solidFill>
+            <a:schemeClr val="bg1">
+              <a:lumMod val="85000"/>
+            </a:schemeClr>
+          </a:solidFill>
+          <a:ln>
+            <a:noFill/>
+          </a:ln>
+        </p:spPr>
+        <p:style>
+          <a:lnRef idx="2">
+            <a:schemeClr val="accent1">
+              <a:shade val="50000"/>
+            </a:schemeClr>
+          </a:lnRef>
+          <a:fillRef idx="1">
+            <a:schemeClr val="accent1"/>
+          </a:fillRef>
+          <a:effectRef idx="0">
+            <a:schemeClr val="accent1"/>
+          </a:effectRef>
+          <a:fontRef idx="minor">
+            <a:schemeClr val="lt1"/>
+          </a:fontRef>
+        </p:style>
+        <p:txBody>
+          <a:bodyPr rtlCol="0" anchor="ctr"/>
+          <a:p>
+            <a:pPr algn="ctr"/>
+            <a:endParaRPr lang="zh-CN" altLang="en-US">
+              <a:solidFill>
+                <a:schemeClr val="bg2">
+                  <a:lumMod val="50000"/>
+                </a:schemeClr>
+              </a:solidFill>
+            </a:endParaRPr>
+          </a:p>
+        </p:txBody>
+      </p:sp>
+      <p:grpSp>
+        <p:nvGrpSpPr>
+          <p:cNvPr id="51" name="组合 50"/>
+          <p:cNvGrpSpPr/>
+          <p:nvPr/>
+        </p:nvGrpSpPr>
+        <p:grpSpPr>
+          <a:xfrm rot="0">
+            <a:off x="3031490" y="2739390"/>
+            <a:ext cx="741680" cy="741680"/>
+            <a:chOff x="5403" y="7540"/>
+            <a:chExt cx="1168" cy="1168"/>
+          </a:xfrm>
+        </p:grpSpPr>
+        <p:sp>
+          <p:nvSpPr>
+            <p:cNvPr id="47" name="矩形 46"/>
+            <p:cNvSpPr/>
+            <p:nvPr/>
+          </p:nvSpPr>
+          <p:spPr>
+            <a:xfrm>
+              <a:off x="5403" y="7540"/>
+              <a:ext cx="584" cy="584"/>
+            </a:xfrm>
+            <a:prstGeom prst="rect">
+              <a:avLst/>
+            </a:prstGeom>
+            <a:solidFill>
+              <a:schemeClr val="bg2">
+                <a:lumMod val="50000"/>
+              </a:schemeClr>
+            </a:solidFill>
+            <a:ln>
+              <a:solidFill>
+                <a:schemeClr val="bg2">
+                  <a:lumMod val="50000"/>
+                </a:schemeClr>
+              </a:solidFill>
+            </a:ln>
+          </p:spPr>
+          <p:style>
+            <a:lnRef idx="2">
+              <a:schemeClr val="accent1">
+                <a:shade val="50000"/>
+              </a:schemeClr>
+            </a:lnRef>
+            <a:fillRef idx="1">
+              <a:schemeClr val="accent1"/>
+            </a:fillRef>
+            <a:effectRef idx="0">
+              <a:schemeClr val="accent1"/>
+            </a:effectRef>
+            <a:fontRef idx="minor">
+              <a:schemeClr val="lt1"/>
+            </a:fontRef>
+          </p:style>
+          <p:txBody>
+            <a:bodyPr rtlCol="0" anchor="ctr"/>
+            <a:p>
+              <a:pPr algn="ctr"/>
+              <a:r>
+                <a:rPr lang="en-US" altLang="zh-CN" sz="1400">
+                  <a:solidFill>
+                    <a:srgbClr val="333333"/>
+                  </a:solidFill>
+                  <a:latin typeface="微软雅黑" panose="020B0503020204020204" charset="-122"/>
+                  <a:ea typeface="微软雅黑" panose="020B0503020204020204" charset="-122"/>
+                </a:rPr>
+                <a:t>c ʃ</a:t>
+              </a:r>
+              <a:endParaRPr lang="en-US" altLang="zh-CN" sz="1400">
+                <a:solidFill>
+                  <a:srgbClr val="333333"/>
+                </a:solidFill>
+                <a:latin typeface="微软雅黑" panose="020B0503020204020204" charset="-122"/>
+                <a:ea typeface="微软雅黑" panose="020B0503020204020204" charset="-122"/>
+              </a:endParaRPr>
+            </a:p>
+          </p:txBody>
+        </p:sp>
+        <p:sp>
+          <p:nvSpPr>
+            <p:cNvPr id="48" name="矩形 47"/>
+            <p:cNvSpPr/>
+            <p:nvPr/>
+          </p:nvSpPr>
+          <p:spPr>
+            <a:xfrm>
+              <a:off x="5987" y="8124"/>
+              <a:ext cx="584" cy="584"/>
+            </a:xfrm>
+            <a:prstGeom prst="rect">
+              <a:avLst/>
+            </a:prstGeom>
+            <a:solidFill>
+              <a:schemeClr val="bg2">
+                <a:lumMod val="50000"/>
+              </a:schemeClr>
+            </a:solidFill>
+            <a:ln>
+              <a:solidFill>
+                <a:schemeClr val="bg2">
+                  <a:lumMod val="50000"/>
+                </a:schemeClr>
+              </a:solidFill>
+            </a:ln>
+          </p:spPr>
+          <p:style>
+            <a:lnRef idx="2">
+              <a:schemeClr val="accent1">
+                <a:shade val="50000"/>
+              </a:schemeClr>
+            </a:lnRef>
+            <a:fillRef idx="1">
+              <a:schemeClr val="accent1"/>
+            </a:fillRef>
+            <a:effectRef idx="0">
+              <a:schemeClr val="accent1"/>
+            </a:effectRef>
+            <a:fontRef idx="minor">
+              <a:schemeClr val="lt1"/>
+            </a:fontRef>
+          </p:style>
+          <p:txBody>
+            <a:bodyPr rtlCol="0" anchor="ctr"/>
+            <a:p>
+              <a:pPr algn="ctr"/>
+              <a:endParaRPr lang="zh-CN" altLang="en-US">
+                <a:latin typeface="微软雅黑" panose="020B0503020204020204" charset="-122"/>
+                <a:ea typeface="微软雅黑" panose="020B0503020204020204" charset="-122"/>
+              </a:endParaRPr>
+            </a:p>
+          </p:txBody>
+        </p:sp>
+        <p:sp>
+          <p:nvSpPr>
+            <p:cNvPr id="49" name="矩形 48"/>
+            <p:cNvSpPr/>
+            <p:nvPr/>
+          </p:nvSpPr>
+          <p:spPr>
+            <a:xfrm>
+              <a:off x="5987" y="7540"/>
+              <a:ext cx="584" cy="584"/>
+            </a:xfrm>
+            <a:prstGeom prst="rect">
+              <a:avLst/>
+            </a:prstGeom>
+            <a:solidFill>
+              <a:srgbClr val="333333"/>
+            </a:solidFill>
+            <a:ln>
+              <a:solidFill>
+                <a:schemeClr val="bg2">
+                  <a:lumMod val="50000"/>
+                </a:schemeClr>
+              </a:solidFill>
+            </a:ln>
+          </p:spPr>
+          <p:style>
+            <a:lnRef idx="2">
+              <a:schemeClr val="accent1">
+                <a:shade val="50000"/>
+              </a:schemeClr>
+            </a:lnRef>
+            <a:fillRef idx="1">
+              <a:schemeClr val="accent1"/>
+            </a:fillRef>
+            <a:effectRef idx="0">
+              <a:schemeClr val="accent1"/>
+            </a:effectRef>
+            <a:fontRef idx="minor">
+              <a:schemeClr val="lt1"/>
+            </a:fontRef>
+          </p:style>
+          <p:txBody>
+            <a:bodyPr rtlCol="0" anchor="ctr"/>
+            <a:p>
+              <a:pPr algn="ctr"/>
+              <a:endParaRPr lang="zh-CN" altLang="en-US">
+                <a:latin typeface="微软雅黑" panose="020B0503020204020204" charset="-122"/>
+                <a:ea typeface="微软雅黑" panose="020B0503020204020204" charset="-122"/>
+              </a:endParaRPr>
+            </a:p>
+          </p:txBody>
+        </p:sp>
+        <p:sp>
+          <p:nvSpPr>
+            <p:cNvPr id="50" name="矩形 49"/>
+            <p:cNvSpPr/>
+            <p:nvPr/>
+          </p:nvSpPr>
+          <p:spPr>
+            <a:xfrm>
+              <a:off x="5403" y="8124"/>
+              <a:ext cx="584" cy="584"/>
+            </a:xfrm>
+            <a:prstGeom prst="rect">
+              <a:avLst/>
+            </a:prstGeom>
+            <a:solidFill>
+              <a:srgbClr val="333333"/>
+            </a:solidFill>
+            <a:ln>
+              <a:solidFill>
+                <a:schemeClr val="bg2">
+                  <a:lumMod val="50000"/>
+                </a:schemeClr>
+              </a:solidFill>
+            </a:ln>
+          </p:spPr>
+          <p:style>
+            <a:lnRef idx="2">
+              <a:schemeClr val="accent1">
+                <a:shade val="50000"/>
+              </a:schemeClr>
+            </a:lnRef>
+            <a:fillRef idx="1">
+              <a:schemeClr val="accent1"/>
+            </a:fillRef>
+            <a:effectRef idx="0">
+              <a:schemeClr val="accent1"/>
+            </a:effectRef>
+            <a:fontRef idx="minor">
+              <a:schemeClr val="lt1"/>
+            </a:fontRef>
+          </p:style>
+          <p:txBody>
+            <a:bodyPr rtlCol="0" anchor="ctr"/>
+            <a:p>
+              <a:pPr algn="ctr"/>
+              <a:endParaRPr lang="zh-CN" altLang="en-US">
+                <a:latin typeface="微软雅黑" panose="020B0503020204020204" charset="-122"/>
+                <a:ea typeface="微软雅黑" panose="020B0503020204020204" charset="-122"/>
+              </a:endParaRPr>
+            </a:p>
+          </p:txBody>
+        </p:sp>
+      </p:grpSp>
+      <p:sp>
+        <p:nvSpPr>
+          <p:cNvPr id="45" name="矩形 44"/>
+          <p:cNvSpPr/>
+          <p:nvPr/>
+        </p:nvSpPr>
+        <p:spPr>
+          <a:xfrm>
+            <a:off x="3048635" y="4021455"/>
+            <a:ext cx="4284345" cy="2035810"/>
+          </a:xfrm>
+          <a:prstGeom prst="rect">
+            <a:avLst/>
+          </a:prstGeom>
+          <a:noFill/>
+          <a:ln>
+            <a:noFill/>
+          </a:ln>
+          <a:extLst>
+            <a:ext uri="{909E8E84-426E-40DD-AFC4-6F175D3DCCD1}">
+              <a14:hiddenFill xmlns:a14="http://schemas.microsoft.com/office/drawing/2010/main">
+                <a:solidFill>
+                  <a:schemeClr val="bg1">
+                    <a:lumMod val="85000"/>
+                  </a:schemeClr>
+                </a:solidFill>
+              </a14:hiddenFill>
+            </a:ext>
+          </a:extLst>
+        </p:spPr>
+        <p:style>
+          <a:lnRef idx="2">
+            <a:schemeClr val="accent1">
+              <a:shade val="50000"/>
+            </a:schemeClr>
+          </a:lnRef>
+          <a:fillRef idx="1">
+            <a:schemeClr val="accent1"/>
+          </a:fillRef>
+          <a:effectRef idx="0">
+            <a:schemeClr val="accent1"/>
+          </a:effectRef>
+          <a:fontRef idx="minor">
+            <a:schemeClr val="lt1"/>
+          </a:fontRef>
+        </p:style>
+        <p:txBody>
+          <a:bodyPr rtlCol="0" anchor="ctr"/>
+          <a:p>
+            <a:pPr algn="l"/>
+            <a:r>
+              <a:rPr lang="en-US" altLang="zh-CN">
+                <a:solidFill>
+                  <a:schemeClr val="bg2">
+                    <a:lumMod val="50000"/>
+                  </a:schemeClr>
+                </a:solidFill>
+                <a:sym typeface="+mn-ea"/>
+              </a:rPr>
+              <a:t>- m </a:t>
+            </a:r>
+            <a:r>
+              <a:rPr lang="en-US" altLang="zh-CN">
+                <a:solidFill>
+                  <a:srgbClr val="F1C40F"/>
+                </a:solidFill>
+                <a:sym typeface="+mn-ea"/>
+              </a:rPr>
+              <a:t>u r </a:t>
+            </a:r>
+            <a:r>
+              <a:rPr lang="en-US" altLang="zh-CN">
+                <a:solidFill>
+                  <a:schemeClr val="bg2">
+                    <a:lumMod val="50000"/>
+                  </a:schemeClr>
+                </a:solidFill>
+                <a:sym typeface="+mn-ea"/>
+              </a:rPr>
+              <a:t>d e r .</a:t>
+            </a:r>
+            <a:endParaRPr lang="en-US" altLang="zh-CN">
+              <a:solidFill>
+                <a:schemeClr val="bg2">
+                  <a:lumMod val="50000"/>
+                </a:schemeClr>
+              </a:solidFill>
+            </a:endParaRPr>
+          </a:p>
+          <a:p>
+            <a:pPr algn="l"/>
+            <a:endParaRPr lang="en-US" altLang="zh-CN">
+              <a:solidFill>
+                <a:schemeClr val="bg2">
+                  <a:lumMod val="50000"/>
+                </a:schemeClr>
+              </a:solidFill>
+            </a:endParaRPr>
+          </a:p>
+          <a:p>
+            <a:pPr algn="l"/>
+            <a:endParaRPr lang="en-US" altLang="zh-CN">
+              <a:solidFill>
+                <a:schemeClr val="bg2">
+                  <a:lumMod val="50000"/>
+                </a:schemeClr>
+              </a:solidFill>
+            </a:endParaRPr>
+          </a:p>
+          <a:p>
+            <a:pPr algn="l"/>
+            <a:r>
+              <a:rPr lang="en-US" altLang="zh-CN">
+                <a:solidFill>
+                  <a:schemeClr val="bg2">
+                    <a:lumMod val="50000"/>
+                  </a:schemeClr>
+                </a:solidFill>
+              </a:rPr>
+              <a:t>- </a:t>
+            </a:r>
+            <a:r>
+              <a:rPr lang="en-US" altLang="zh-CN">
+                <a:solidFill>
+                  <a:srgbClr val="F1C40F"/>
+                </a:solidFill>
+              </a:rPr>
+              <a:t>u  r</a:t>
+            </a:r>
+            <a:r>
+              <a:rPr lang="en-US" altLang="zh-CN">
+                <a:solidFill>
+                  <a:schemeClr val="bg2">
+                    <a:lumMod val="50000"/>
+                  </a:schemeClr>
+                </a:solidFill>
+              </a:rPr>
+              <a:t>  t h e  </a:t>
+            </a:r>
+            <a:r>
+              <a:rPr lang="en-US" altLang="zh-CN" strike="sngStrike">
+                <a:solidFill>
+                  <a:schemeClr val="bg2">
+                    <a:lumMod val="50000"/>
+                  </a:schemeClr>
+                </a:solidFill>
+                <a:uFillTx/>
+              </a:rPr>
+              <a:t>s t r o n g e s t</a:t>
+            </a:r>
+            <a:r>
+              <a:rPr lang="en-US" altLang="zh-CN">
+                <a:solidFill>
+                  <a:schemeClr val="bg2">
+                    <a:lumMod val="50000"/>
+                  </a:schemeClr>
+                </a:solidFill>
+              </a:rPr>
+              <a:t>  m i n d  o f  m e.</a:t>
+            </a:r>
+            <a:endParaRPr lang="en-US" altLang="zh-CN">
+              <a:solidFill>
+                <a:schemeClr val="bg2">
+                  <a:lumMod val="50000"/>
+                </a:schemeClr>
+              </a:solidFill>
+            </a:endParaRPr>
+          </a:p>
+        </p:txBody>
+      </p:sp>
+    </p:spTree>
+  </p:cSld>
+  <p:clrMapOvr>
+    <a:masterClrMapping/>
+  </p:clrMapOvr>
+</p:sld>
+</file>
+
+<file path=ppt/slides/slide16.xml><?xml version="1.0" encoding="utf-8"?>
+<p:sld xmlns:a="http://schemas.openxmlformats.org/drawingml/2006/main" xmlns:r="http://schemas.openxmlformats.org/officeDocument/2006/relationships" xmlns:p="http://schemas.openxmlformats.org/presentationml/2006/main">
+  <p:cSld>
+    <p:bg>
+      <p:bgPr>
+        <a:solidFill>
+          <a:srgbClr val="333333"/>
+        </a:solidFill>
+        <a:effectLst/>
+      </p:bgPr>
+    </p:bg>
+    <p:spTree>
+      <p:nvGrpSpPr>
+        <p:cNvPr id="1" name=""/>
+        <p:cNvGrpSpPr/>
+        <p:nvPr/>
+      </p:nvGrpSpPr>
+      <p:grpSpPr/>
+      <p:grpSp>
+        <p:nvGrpSpPr>
+          <p:cNvPr id="67" name="组合 66"/>
+          <p:cNvGrpSpPr/>
+          <p:nvPr/>
+        </p:nvGrpSpPr>
+        <p:grpSpPr>
+          <a:xfrm>
+            <a:off x="4278630" y="2427605"/>
+            <a:ext cx="3633470" cy="1153795"/>
+            <a:chOff x="6738" y="3823"/>
+            <a:chExt cx="5722" cy="1817"/>
+          </a:xfrm>
+        </p:grpSpPr>
+        <p:sp>
+          <p:nvSpPr>
+            <p:cNvPr id="65" name="矩形 64"/>
+            <p:cNvSpPr/>
+            <p:nvPr/>
+          </p:nvSpPr>
+          <p:spPr>
+            <a:xfrm>
+              <a:off x="6738" y="4200"/>
+              <a:ext cx="5723" cy="1440"/>
+            </a:xfrm>
+            <a:prstGeom prst="rect">
+              <a:avLst/>
+            </a:prstGeom>
+            <a:noFill/>
+            <a:ln>
+              <a:noFill/>
+            </a:ln>
+            <a:extLst>
+              <a:ext uri="{909E8E84-426E-40DD-AFC4-6F175D3DCCD1}">
+                <a14:hiddenFill xmlns:a14="http://schemas.microsoft.com/office/drawing/2010/main">
+                  <a:solidFill>
+                    <a:schemeClr val="accent1"/>
+                  </a:solidFill>
+                </a14:hiddenFill>
+              </a:ext>
+            </a:extLst>
+          </p:spPr>
+          <p:style>
+            <a:lnRef idx="2">
+              <a:schemeClr val="accent1">
+                <a:shade val="50000"/>
+              </a:schemeClr>
+            </a:lnRef>
+            <a:fillRef idx="1">
+              <a:schemeClr val="accent1"/>
+            </a:fillRef>
+            <a:effectRef idx="0">
+              <a:schemeClr val="accent1"/>
+            </a:effectRef>
+            <a:fontRef idx="minor">
+              <a:schemeClr val="lt1"/>
+            </a:fontRef>
+          </p:style>
+          <p:txBody>
+            <a:bodyPr rtlCol="0" anchor="ctr"/>
+            <a:p>
+              <a:pPr algn="dist"/>
+              <a:r>
+                <a:rPr lang="en-US" altLang="zh-CN" sz="7200">
+                  <a:latin typeface="Agency FB" panose="020B0503020202020204" charset="0"/>
+                </a:rPr>
+                <a:t>F</a:t>
+              </a:r>
+              <a:r>
+                <a:rPr lang="en-US" altLang="zh-CN" sz="7200">
+                  <a:solidFill>
+                    <a:schemeClr val="bg2">
+                      <a:lumMod val="90000"/>
+                    </a:schemeClr>
+                  </a:solidFill>
+                  <a:latin typeface="Agency FB" panose="020B0503020202020204" charset="0"/>
+                </a:rPr>
+                <a:t>A</a:t>
+              </a:r>
+              <a:r>
+                <a:rPr lang="en-US" altLang="zh-CN" sz="7200">
+                  <a:solidFill>
+                    <a:schemeClr val="bg2">
+                      <a:lumMod val="50000"/>
+                    </a:schemeClr>
+                  </a:solidFill>
+                  <a:latin typeface="Agency FB" panose="020B0503020202020204" charset="0"/>
+                </a:rPr>
+                <a:t>D</a:t>
+              </a:r>
+              <a:r>
+                <a:rPr lang="en-US" altLang="zh-CN" sz="7200">
+                  <a:solidFill>
+                    <a:schemeClr val="bg2">
+                      <a:lumMod val="25000"/>
+                    </a:schemeClr>
+                  </a:solidFill>
+                  <a:latin typeface="Agency FB" panose="020B0503020202020204" charset="0"/>
+                </a:rPr>
+                <a:t>E</a:t>
+              </a:r>
+              <a:endParaRPr lang="en-US" altLang="zh-CN" sz="7200">
+                <a:solidFill>
+                  <a:schemeClr val="bg2">
+                    <a:lumMod val="25000"/>
+                  </a:schemeClr>
+                </a:solidFill>
+                <a:latin typeface="Agency FB" panose="020B0503020202020204" charset="0"/>
+              </a:endParaRPr>
+            </a:p>
+          </p:txBody>
+        </p:sp>
+        <p:sp>
+          <p:nvSpPr>
+            <p:cNvPr id="66" name="矩形 65"/>
+            <p:cNvSpPr/>
+            <p:nvPr/>
+          </p:nvSpPr>
+          <p:spPr>
+            <a:xfrm>
+              <a:off x="7099" y="3823"/>
+              <a:ext cx="1440" cy="1440"/>
+            </a:xfrm>
+            <a:prstGeom prst="rect">
+              <a:avLst/>
+            </a:prstGeom>
+            <a:noFill/>
+            <a:ln>
+              <a:noFill/>
+            </a:ln>
+            <a:extLst>
+              <a:ext uri="{909E8E84-426E-40DD-AFC4-6F175D3DCCD1}">
+                <a14:hiddenFill xmlns:a14="http://schemas.microsoft.com/office/drawing/2010/main">
+                  <a:solidFill>
+                    <a:schemeClr val="accent1"/>
+                  </a:solidFill>
+                </a14:hiddenFill>
+              </a:ext>
+            </a:extLst>
+          </p:spPr>
+          <p:style>
+            <a:lnRef idx="2">
+              <a:schemeClr val="accent1">
+                <a:shade val="50000"/>
+              </a:schemeClr>
+            </a:lnRef>
+            <a:fillRef idx="1">
+              <a:schemeClr val="accent1"/>
+            </a:fillRef>
+            <a:effectRef idx="0">
+              <a:schemeClr val="accent1"/>
+            </a:effectRef>
+            <a:fontRef idx="minor">
+              <a:schemeClr val="lt1"/>
+            </a:fontRef>
+          </p:style>
+          <p:txBody>
+            <a:bodyPr rtlCol="0" anchor="ctr"/>
+            <a:p>
+              <a:pPr algn="ctr"/>
+              <a:r>
+                <a:rPr lang="en-US" altLang="zh-CN" sz="5400">
+                  <a:latin typeface="Agency FB" panose="020B0503020202020204" charset="0"/>
+                  <a:ea typeface="微软雅黑" panose="020B0503020204020204" charset="-122"/>
+                </a:rPr>
+                <a:t>#</a:t>
+              </a:r>
+              <a:endParaRPr lang="en-US" altLang="zh-CN" sz="5400">
+                <a:latin typeface="Agency FB" panose="020B0503020202020204" charset="0"/>
+                <a:ea typeface="微软雅黑" panose="020B0503020204020204" charset="-122"/>
+              </a:endParaRPr>
+            </a:p>
+          </p:txBody>
+        </p:sp>
+      </p:grpSp>
+      <p:cxnSp>
+        <p:nvCxnSpPr>
+          <p:cNvPr id="68" name="直接连接符 67"/>
+          <p:cNvCxnSpPr/>
+          <p:nvPr/>
+        </p:nvCxnSpPr>
+        <p:spPr>
+          <a:xfrm>
+            <a:off x="5187315" y="3581400"/>
+            <a:ext cx="2805430" cy="0"/>
+          </a:xfrm>
+          <a:prstGeom prst="line">
+            <a:avLst/>
+          </a:prstGeom>
+          <a:ln>
+            <a:solidFill>
+              <a:schemeClr val="bg1">
+                <a:lumMod val="50000"/>
+              </a:schemeClr>
+            </a:solidFill>
+          </a:ln>
+        </p:spPr>
+        <p:style>
+          <a:lnRef idx="1">
+            <a:schemeClr val="accent1"/>
+          </a:lnRef>
+          <a:fillRef idx="0">
+            <a:schemeClr val="accent1"/>
+          </a:fillRef>
+          <a:effectRef idx="0">
+            <a:schemeClr val="accent1"/>
+          </a:effectRef>
+          <a:fontRef idx="minor">
+            <a:schemeClr val="tx1"/>
+          </a:fontRef>
+        </p:style>
+      </p:cxnSp>
+    </p:spTree>
+  </p:cSld>
+  <p:clrMapOvr>
+    <a:masterClrMapping/>
+  </p:clrMapOvr>
+</p:sld>
+</file>
+
+<file path=ppt/slides/slide17.xml><?xml version="1.0" encoding="utf-8"?>
+<p:sld xmlns:a="http://schemas.openxmlformats.org/drawingml/2006/main" xmlns:r="http://schemas.openxmlformats.org/officeDocument/2006/relationships" xmlns:p="http://schemas.openxmlformats.org/presentationml/2006/main">
+  <p:cSld>
+    <p:spTree>
+      <p:nvGrpSpPr>
+        <p:cNvPr id="1" name=""/>
+        <p:cNvGrpSpPr/>
+        <p:nvPr/>
+      </p:nvGrpSpPr>
+      <p:grpSpPr/>
+      <p:grpSp>
+        <p:nvGrpSpPr>
+          <p:cNvPr id="10" name="组合 9"/>
+          <p:cNvGrpSpPr/>
+          <p:nvPr/>
+        </p:nvGrpSpPr>
+        <p:grpSpPr>
+          <a:xfrm>
+            <a:off x="2887980" y="220980"/>
+            <a:ext cx="6416675" cy="6416040"/>
+            <a:chOff x="4136" y="212"/>
+            <a:chExt cx="10105" cy="10104"/>
+          </a:xfrm>
+        </p:grpSpPr>
+        <p:sp>
+          <p:nvSpPr>
+            <p:cNvPr id="6" name="矩形 5"/>
+            <p:cNvSpPr/>
+            <p:nvPr/>
+          </p:nvSpPr>
+          <p:spPr>
+            <a:xfrm>
+              <a:off x="4136" y="212"/>
+              <a:ext cx="10105" cy="10105"/>
+            </a:xfrm>
+            <a:prstGeom prst="rect">
+              <a:avLst/>
+            </a:prstGeom>
+            <a:blipFill rotWithShape="1">
+              <a:blip r:embed="rId1"/>
+              <a:stretch>
+                <a:fillRect/>
+              </a:stretch>
+            </a:blipFill>
+            <a:ln>
+              <a:noFill/>
+            </a:ln>
+          </p:spPr>
+          <p:style>
+            <a:lnRef idx="2">
+              <a:schemeClr val="accent1">
+                <a:shade val="50000"/>
+              </a:schemeClr>
+            </a:lnRef>
+            <a:fillRef idx="1">
+              <a:schemeClr val="accent1"/>
+            </a:fillRef>
+            <a:effectRef idx="0">
+              <a:schemeClr val="accent1"/>
+            </a:effectRef>
+            <a:fontRef idx="minor">
+              <a:schemeClr val="lt1"/>
+            </a:fontRef>
+          </p:style>
+          <p:txBody>
+            <a:bodyPr rtlCol="0" anchor="ctr"/>
+            <a:p>
+              <a:pPr algn="ctr"/>
+              <a:endParaRPr lang="zh-CN" altLang="en-US"/>
+            </a:p>
+          </p:txBody>
+        </p:sp>
+        <p:sp>
+          <p:nvSpPr>
+            <p:cNvPr id="7" name="矩形 6"/>
+            <p:cNvSpPr/>
+            <p:nvPr/>
+          </p:nvSpPr>
+          <p:spPr>
+            <a:xfrm>
+              <a:off x="4137" y="1447"/>
+              <a:ext cx="10104" cy="7635"/>
+            </a:xfrm>
+            <a:prstGeom prst="rect">
+              <a:avLst/>
+            </a:prstGeom>
+            <a:blipFill rotWithShape="1">
+              <a:blip r:embed="rId2">
+                <a:alphaModFix amt="83000"/>
+              </a:blip>
+              <a:stretch>
+                <a:fillRect/>
+              </a:stretch>
+            </a:blipFill>
+            <a:ln>
+              <a:noFill/>
+            </a:ln>
+          </p:spPr>
+          <p:style>
+            <a:lnRef idx="2">
+              <a:schemeClr val="accent1">
+                <a:shade val="50000"/>
+              </a:schemeClr>
+            </a:lnRef>
+            <a:fillRef idx="1">
+              <a:schemeClr val="accent1"/>
+            </a:fillRef>
+            <a:effectRef idx="0">
+              <a:schemeClr val="accent1"/>
+            </a:effectRef>
+            <a:fontRef idx="minor">
+              <a:schemeClr val="lt1"/>
+            </a:fontRef>
+          </p:style>
+          <p:txBody>
+            <a:bodyPr rtlCol="0" anchor="ctr"/>
+            <a:p>
+              <a:pPr algn="ctr"/>
+              <a:endParaRPr lang="zh-CN" altLang="en-US"/>
+            </a:p>
+          </p:txBody>
+        </p:sp>
+      </p:grpSp>
+      <p:sp>
+        <p:nvSpPr>
+          <p:cNvPr id="8" name="矩形 7"/>
+          <p:cNvSpPr/>
+          <p:nvPr/>
+        </p:nvSpPr>
+        <p:spPr>
+          <a:xfrm>
+            <a:off x="5533390" y="2809240"/>
+            <a:ext cx="914400" cy="914400"/>
+          </a:xfrm>
+          <a:prstGeom prst="rect">
+            <a:avLst/>
+          </a:prstGeom>
+          <a:noFill/>
+          <a:ln>
+            <a:noFill/>
+          </a:ln>
+          <a:extLst>
+            <a:ext uri="{909E8E84-426E-40DD-AFC4-6F175D3DCCD1}">
+              <a14:hiddenFill xmlns:a14="http://schemas.microsoft.com/office/drawing/2010/main">
+                <a:solidFill>
+                  <a:schemeClr val="accent1"/>
+                </a:solidFill>
+              </a14:hiddenFill>
+            </a:ext>
+          </a:extLst>
+        </p:spPr>
+        <p:style>
+          <a:lnRef idx="2">
+            <a:schemeClr val="accent1">
+              <a:shade val="50000"/>
+            </a:schemeClr>
+          </a:lnRef>
+          <a:fillRef idx="1">
+            <a:schemeClr val="accent1"/>
+          </a:fillRef>
+          <a:effectRef idx="0">
+            <a:schemeClr val="accent1"/>
+          </a:effectRef>
+          <a:fontRef idx="minor">
+            <a:schemeClr val="lt1"/>
+          </a:fontRef>
+        </p:style>
+        <p:txBody>
+          <a:bodyPr rtlCol="0" anchor="ctr"/>
+          <a:p>
+            <a:pPr algn="ctr"/>
+            <a:r>
+              <a:rPr lang="zh-CN" altLang="en-US" sz="6000">
+                <a:solidFill>
+                  <a:schemeClr val="bg1">
+                    <a:lumMod val="95000"/>
+                  </a:schemeClr>
+                </a:solidFill>
+                <a:latin typeface="华文楷体" panose="02010600040101010101" charset="-122"/>
+                <a:ea typeface="华文楷体" panose="02010600040101010101" charset="-122"/>
+              </a:rPr>
+              <a:t>犭</a:t>
+            </a:r>
+            <a:endParaRPr lang="zh-CN" altLang="en-US" sz="6000">
+              <a:solidFill>
+                <a:schemeClr val="bg1">
+                  <a:lumMod val="95000"/>
+                </a:schemeClr>
+              </a:solidFill>
+              <a:latin typeface="华文楷体" panose="02010600040101010101" charset="-122"/>
+              <a:ea typeface="华文楷体" panose="02010600040101010101" charset="-122"/>
+            </a:endParaRPr>
+          </a:p>
+        </p:txBody>
+      </p:sp>
+      <p:sp>
+        <p:nvSpPr>
+          <p:cNvPr id="9" name="矩形 8"/>
+          <p:cNvSpPr/>
+          <p:nvPr/>
+        </p:nvSpPr>
+        <p:spPr>
+          <a:xfrm rot="10800000">
+            <a:off x="5946775" y="3067685"/>
+            <a:ext cx="914400" cy="914400"/>
+          </a:xfrm>
+          <a:prstGeom prst="rect">
+            <a:avLst/>
+          </a:prstGeom>
+          <a:noFill/>
+          <a:ln>
+            <a:noFill/>
+          </a:ln>
+          <a:extLst>
+            <a:ext uri="{909E8E84-426E-40DD-AFC4-6F175D3DCCD1}">
+              <a14:hiddenFill xmlns:a14="http://schemas.microsoft.com/office/drawing/2010/main">
+                <a:solidFill>
+                  <a:schemeClr val="accent1"/>
+                </a:solidFill>
+              </a14:hiddenFill>
+            </a:ext>
+          </a:extLst>
+        </p:spPr>
+        <p:style>
+          <a:lnRef idx="2">
+            <a:schemeClr val="accent1">
+              <a:shade val="50000"/>
+            </a:schemeClr>
+          </a:lnRef>
+          <a:fillRef idx="1">
+            <a:schemeClr val="accent1"/>
+          </a:fillRef>
+          <a:effectRef idx="0">
+            <a:schemeClr val="accent1"/>
+          </a:effectRef>
+          <a:fontRef idx="minor">
+            <a:schemeClr val="lt1"/>
+          </a:fontRef>
+        </p:style>
+        <p:txBody>
+          <a:bodyPr rtlCol="0" anchor="ctr"/>
+          <a:p>
+            <a:pPr algn="ctr"/>
+            <a:r>
+              <a:rPr lang="zh-CN" altLang="en-US" sz="6000">
+                <a:solidFill>
+                  <a:schemeClr val="bg1">
+                    <a:lumMod val="95000"/>
+                  </a:schemeClr>
+                </a:solidFill>
+                <a:latin typeface="华文楷体" panose="02010600040101010101" charset="-122"/>
+                <a:ea typeface="华文楷体" panose="02010600040101010101" charset="-122"/>
+              </a:rPr>
+              <a:t>昔</a:t>
+            </a:r>
+            <a:endParaRPr lang="zh-CN" altLang="en-US" sz="6000">
+              <a:solidFill>
+                <a:schemeClr val="bg1">
+                  <a:lumMod val="95000"/>
+                </a:schemeClr>
+              </a:solidFill>
+              <a:latin typeface="华文楷体" panose="02010600040101010101" charset="-122"/>
+              <a:ea typeface="华文楷体" panose="02010600040101010101" charset="-122"/>
+            </a:endParaRPr>
+          </a:p>
+        </p:txBody>
+      </p:sp>
+      <p:sp>
+        <p:nvSpPr>
+          <p:cNvPr id="11" name="矩形 10"/>
+          <p:cNvSpPr/>
+          <p:nvPr/>
+        </p:nvSpPr>
+        <p:spPr>
+          <a:xfrm>
+            <a:off x="7620000" y="4645025"/>
+            <a:ext cx="1684655" cy="1271270"/>
+          </a:xfrm>
+          <a:prstGeom prst="rect">
+            <a:avLst/>
+          </a:prstGeom>
+          <a:noFill/>
+          <a:ln>
+            <a:noFill/>
+          </a:ln>
+          <a:extLst>
+            <a:ext uri="{909E8E84-426E-40DD-AFC4-6F175D3DCCD1}">
+              <a14:hiddenFill xmlns:a14="http://schemas.microsoft.com/office/drawing/2010/main">
+                <a:solidFill>
+                  <a:schemeClr val="accent1"/>
+                </a:solidFill>
+              </a14:hiddenFill>
+            </a:ext>
+          </a:extLst>
+        </p:spPr>
+        <p:style>
+          <a:lnRef idx="2">
+            <a:schemeClr val="accent1">
+              <a:shade val="50000"/>
+            </a:schemeClr>
+          </a:lnRef>
+          <a:fillRef idx="1">
+            <a:schemeClr val="accent1"/>
+          </a:fillRef>
+          <a:effectRef idx="0">
+            <a:schemeClr val="accent1"/>
+          </a:effectRef>
+          <a:fontRef idx="minor">
+            <a:schemeClr val="lt1"/>
+          </a:fontRef>
+        </p:style>
+        <p:txBody>
+          <a:bodyPr rtlCol="0" anchor="ctr"/>
+          <a:p>
+            <a:pPr algn="ctr"/>
+            <a:r>
+              <a:rPr lang="zh-CN" altLang="en-US" sz="6000">
+                <a:solidFill>
+                  <a:schemeClr val="tx1">
+                    <a:lumMod val="85000"/>
+                    <a:lumOff val="15000"/>
+                    <a:alpha val="35000"/>
+                  </a:schemeClr>
+                </a:solidFill>
+                <a:latin typeface="华文楷体" panose="02010600040101010101" charset="-122"/>
+                <a:ea typeface="华文楷体" panose="02010600040101010101" charset="-122"/>
+              </a:rPr>
+              <a:t>🐾</a:t>
+            </a:r>
+            <a:endParaRPr lang="zh-CN" altLang="en-US" sz="6000">
+              <a:solidFill>
+                <a:schemeClr val="tx1">
+                  <a:lumMod val="85000"/>
+                  <a:lumOff val="15000"/>
+                  <a:alpha val="35000"/>
+                </a:schemeClr>
+              </a:solidFill>
+              <a:latin typeface="华文楷体" panose="02010600040101010101" charset="-122"/>
+              <a:ea typeface="华文楷体" panose="02010600040101010101" charset="-122"/>
+            </a:endParaRPr>
+          </a:p>
+        </p:txBody>
+      </p:sp>
+      <p:sp>
+        <p:nvSpPr>
+          <p:cNvPr id="12" name="泪滴形 11"/>
+          <p:cNvSpPr/>
+          <p:nvPr/>
+        </p:nvSpPr>
+        <p:spPr>
+          <a:xfrm rot="18900000">
+            <a:off x="6156960" y="4091940"/>
+            <a:ext cx="240665" cy="240665"/>
+          </a:xfrm>
+          <a:prstGeom prst="teardrop">
+            <a:avLst>
+              <a:gd name="adj" fmla="val 200000"/>
+            </a:avLst>
+          </a:prstGeom>
+          <a:solidFill>
+            <a:srgbClr val="E74C3C">
+              <a:alpha val="28000"/>
+            </a:srgbClr>
+          </a:solidFill>
+          <a:ln>
+            <a:noFill/>
+          </a:ln>
+        </p:spPr>
+        <p:style>
+          <a:lnRef idx="2">
+            <a:schemeClr val="accent1">
+              <a:shade val="50000"/>
+            </a:schemeClr>
+          </a:lnRef>
+          <a:fillRef idx="1">
+            <a:schemeClr val="accent1"/>
+          </a:fillRef>
+          <a:effectRef idx="0">
+            <a:schemeClr val="accent1"/>
+          </a:effectRef>
+          <a:fontRef idx="minor">
+            <a:schemeClr val="lt1"/>
+          </a:fontRef>
+        </p:style>
+        <p:txBody>
+          <a:bodyPr rtlCol="0" anchor="ctr"/>
+          <a:p>
+            <a:pPr algn="ctr"/>
+            <a:endParaRPr lang="zh-CN" altLang="en-US"/>
+          </a:p>
+        </p:txBody>
+      </p:sp>
+    </p:spTree>
+  </p:cSld>
+  <p:clrMapOvr>
+    <a:masterClrMapping/>
+  </p:clrMapOvr>
+</p:sld>
+</file>
+
+<file path=ppt/slides/slide18.xml><?xml version="1.0" encoding="utf-8"?>
+<p:sld xmlns:a="http://schemas.openxmlformats.org/drawingml/2006/main" xmlns:r="http://schemas.openxmlformats.org/officeDocument/2006/relationships" xmlns:p="http://schemas.openxmlformats.org/presentationml/2006/main">
+  <p:cSld>
+    <p:bg>
+      <p:bgPr>
+        <a:solidFill>
+          <a:srgbClr val="333333"/>
+        </a:solidFill>
+        <a:effectLst/>
+      </p:bgPr>
+    </p:bg>
+    <p:spTree>
+      <p:nvGrpSpPr>
+        <p:cNvPr id="1" name=""/>
+        <p:cNvGrpSpPr/>
+        <p:nvPr/>
+      </p:nvGrpSpPr>
+      <p:grpSpPr/>
+      <p:grpSp>
+        <p:nvGrpSpPr>
+          <p:cNvPr id="59" name="组合 58"/>
+          <p:cNvGrpSpPr/>
+          <p:nvPr/>
+        </p:nvGrpSpPr>
+        <p:grpSpPr>
+          <a:xfrm>
+            <a:off x="1212215" y="979170"/>
+            <a:ext cx="751205" cy="791845"/>
+            <a:chOff x="12229" y="4942"/>
+            <a:chExt cx="1183" cy="1247"/>
+          </a:xfrm>
+        </p:grpSpPr>
+        <p:sp>
+          <p:nvSpPr>
+            <p:cNvPr id="51" name="直角三角形 50"/>
+            <p:cNvSpPr/>
+            <p:nvPr/>
+          </p:nvSpPr>
+          <p:spPr>
+            <a:xfrm rot="10800000" flipH="1">
+              <a:off x="12463" y="5271"/>
+              <a:ext cx="720" cy="720"/>
+            </a:xfrm>
+            <a:prstGeom prst="rtTriangle">
+              <a:avLst/>
+            </a:prstGeom>
+            <a:solidFill>
+              <a:schemeClr val="bg1">
+                <a:lumMod val="95000"/>
+              </a:schemeClr>
+            </a:solidFill>
+            <a:ln>
+              <a:noFill/>
+            </a:ln>
+          </p:spPr>
+          <p:style>
+            <a:lnRef idx="2">
+              <a:schemeClr val="accent1">
+                <a:shade val="50000"/>
+              </a:schemeClr>
+            </a:lnRef>
+            <a:fillRef idx="1">
+              <a:schemeClr val="accent1"/>
+            </a:fillRef>
+            <a:effectRef idx="0">
+              <a:schemeClr val="accent1"/>
+            </a:effectRef>
+            <a:fontRef idx="minor">
+              <a:schemeClr val="lt1"/>
+            </a:fontRef>
+          </p:style>
+          <p:txBody>
+            <a:bodyPr rtlCol="0" anchor="ctr"/>
+            <a:p>
+              <a:pPr algn="ctr"/>
+              <a:endParaRPr lang="zh-CN" altLang="en-US"/>
+            </a:p>
+          </p:txBody>
+        </p:sp>
+        <p:sp>
+          <p:nvSpPr>
+            <p:cNvPr id="52" name="直角三角形 51"/>
+            <p:cNvSpPr/>
+            <p:nvPr/>
+          </p:nvSpPr>
+          <p:spPr>
+            <a:xfrm rot="8100000" flipH="1">
+              <a:off x="13034" y="5469"/>
+              <a:ext cx="378" cy="378"/>
+            </a:xfrm>
+            <a:prstGeom prst="rtTriangle">
+              <a:avLst/>
+            </a:prstGeom>
+            <a:solidFill>
+              <a:schemeClr val="bg1">
+                <a:lumMod val="95000"/>
+              </a:schemeClr>
+            </a:solidFill>
+            <a:ln>
+              <a:noFill/>
+            </a:ln>
+          </p:spPr>
+          <p:style>
+            <a:lnRef idx="2">
+              <a:schemeClr val="accent1">
+                <a:shade val="50000"/>
+              </a:schemeClr>
+            </a:lnRef>
+            <a:fillRef idx="1">
+              <a:schemeClr val="accent1"/>
+            </a:fillRef>
+            <a:effectRef idx="0">
+              <a:schemeClr val="accent1"/>
+            </a:effectRef>
+            <a:fontRef idx="minor">
+              <a:schemeClr val="lt1"/>
+            </a:fontRef>
+          </p:style>
+          <p:txBody>
+            <a:bodyPr rtlCol="0" anchor="ctr"/>
+            <a:p>
+              <a:pPr algn="ctr"/>
+              <a:endParaRPr lang="zh-CN" altLang="en-US"/>
+            </a:p>
+          </p:txBody>
+        </p:sp>
+        <p:sp>
+          <p:nvSpPr>
+            <p:cNvPr id="54" name="直角三角形 53"/>
+            <p:cNvSpPr/>
+            <p:nvPr/>
+          </p:nvSpPr>
+          <p:spPr>
+            <a:xfrm rot="13500000" flipH="1">
+              <a:off x="12690" y="5821"/>
+              <a:ext cx="368" cy="368"/>
+            </a:xfrm>
+            <a:prstGeom prst="rtTriangle">
+              <a:avLst/>
+            </a:prstGeom>
+            <a:solidFill>
+              <a:schemeClr val="bg1">
+                <a:lumMod val="95000"/>
+              </a:schemeClr>
+            </a:solidFill>
+            <a:ln>
+              <a:noFill/>
+            </a:ln>
+          </p:spPr>
+          <p:style>
+            <a:lnRef idx="2">
+              <a:schemeClr val="accent1">
+                <a:shade val="50000"/>
+              </a:schemeClr>
+            </a:lnRef>
+            <a:fillRef idx="1">
+              <a:schemeClr val="accent1"/>
+            </a:fillRef>
+            <a:effectRef idx="0">
+              <a:schemeClr val="accent1"/>
+            </a:effectRef>
+            <a:fontRef idx="minor">
+              <a:schemeClr val="lt1"/>
+            </a:fontRef>
+          </p:style>
+          <p:txBody>
+            <a:bodyPr rtlCol="0" anchor="ctr"/>
+            <a:p>
+              <a:pPr algn="ctr"/>
+              <a:endParaRPr lang="zh-CN" altLang="en-US"/>
+            </a:p>
+          </p:txBody>
+        </p:sp>
+        <p:sp>
+          <p:nvSpPr>
+            <p:cNvPr id="55" name="直角三角形 54"/>
+            <p:cNvSpPr/>
+            <p:nvPr/>
+          </p:nvSpPr>
+          <p:spPr>
+            <a:xfrm rot="2700000" flipH="1">
+              <a:off x="13116" y="5551"/>
+              <a:ext cx="216" cy="216"/>
+            </a:xfrm>
+            <a:prstGeom prst="rtTriangle">
+              <a:avLst/>
+            </a:prstGeom>
+            <a:solidFill>
+              <a:srgbClr val="333333"/>
+            </a:solidFill>
+            <a:ln>
+              <a:noFill/>
+            </a:ln>
+          </p:spPr>
+          <p:style>
+            <a:lnRef idx="2">
+              <a:schemeClr val="accent1">
+                <a:shade val="50000"/>
+              </a:schemeClr>
+            </a:lnRef>
+            <a:fillRef idx="1">
+              <a:schemeClr val="accent1"/>
+            </a:fillRef>
+            <a:effectRef idx="0">
+              <a:schemeClr val="accent1"/>
+            </a:effectRef>
+            <a:fontRef idx="minor">
+              <a:schemeClr val="lt1"/>
+            </a:fontRef>
+          </p:style>
+          <p:txBody>
+            <a:bodyPr rtlCol="0" anchor="ctr"/>
+            <a:p>
+              <a:pPr algn="ctr"/>
+              <a:endParaRPr lang="zh-CN" altLang="en-US"/>
+            </a:p>
+          </p:txBody>
+        </p:sp>
+        <p:sp>
+          <p:nvSpPr>
+            <p:cNvPr id="56" name="矩形 55"/>
+            <p:cNvSpPr/>
+            <p:nvPr/>
+          </p:nvSpPr>
+          <p:spPr>
+            <a:xfrm rot="18000000">
+              <a:off x="11922" y="5248"/>
+              <a:ext cx="1046" cy="433"/>
+            </a:xfrm>
+            <a:prstGeom prst="rect">
+              <a:avLst/>
+            </a:prstGeom>
+            <a:solidFill>
+              <a:srgbClr val="333333"/>
+            </a:solidFill>
+            <a:ln>
+              <a:noFill/>
+            </a:ln>
+          </p:spPr>
+          <p:style>
+            <a:lnRef idx="2">
+              <a:schemeClr val="accent1">
+                <a:shade val="50000"/>
+              </a:schemeClr>
+            </a:lnRef>
+            <a:fillRef idx="1">
+              <a:schemeClr val="accent1"/>
+            </a:fillRef>
+            <a:effectRef idx="0">
+              <a:schemeClr val="accent1"/>
+            </a:effectRef>
+            <a:fontRef idx="minor">
+              <a:schemeClr val="lt1"/>
+            </a:fontRef>
+          </p:style>
+          <p:txBody>
+            <a:bodyPr rtlCol="0" anchor="ctr"/>
+            <a:p>
+              <a:pPr algn="ctr"/>
+              <a:endParaRPr lang="zh-CN" altLang="en-US"/>
+            </a:p>
+          </p:txBody>
+        </p:sp>
+        <p:sp>
+          <p:nvSpPr>
+            <p:cNvPr id="58" name="直角三角形 57"/>
+            <p:cNvSpPr/>
+            <p:nvPr/>
+          </p:nvSpPr>
+          <p:spPr>
+            <a:xfrm rot="2700000" flipH="1">
+              <a:off x="13117" y="5278"/>
+              <a:ext cx="216" cy="216"/>
+            </a:xfrm>
+            <a:prstGeom prst="rtTriangle">
+              <a:avLst/>
+            </a:prstGeom>
+            <a:solidFill>
+              <a:srgbClr val="333333"/>
+            </a:solidFill>
+            <a:ln>
+              <a:noFill/>
+            </a:ln>
+          </p:spPr>
+          <p:style>
+            <a:lnRef idx="2">
+              <a:schemeClr val="accent1">
+                <a:shade val="50000"/>
+              </a:schemeClr>
+            </a:lnRef>
+            <a:fillRef idx="1">
+              <a:schemeClr val="accent1"/>
+            </a:fillRef>
+            <a:effectRef idx="0">
+              <a:schemeClr val="accent1"/>
+            </a:effectRef>
+            <a:fontRef idx="minor">
+              <a:schemeClr val="lt1"/>
+            </a:fontRef>
+          </p:style>
+          <p:txBody>
+            <a:bodyPr rtlCol="0" anchor="ctr"/>
+            <a:p>
+              <a:pPr algn="ctr"/>
+              <a:endParaRPr lang="zh-CN" altLang="en-US"/>
+            </a:p>
+          </p:txBody>
+        </p:sp>
+      </p:grpSp>
+      <p:grpSp>
+        <p:nvGrpSpPr>
+          <p:cNvPr id="80" name="组合 79"/>
+          <p:cNvGrpSpPr/>
+          <p:nvPr/>
+        </p:nvGrpSpPr>
+        <p:grpSpPr>
+          <a:xfrm>
+            <a:off x="2118995" y="1163955"/>
+            <a:ext cx="1159510" cy="610870"/>
+            <a:chOff x="2894" y="1991"/>
+            <a:chExt cx="1826" cy="962"/>
+          </a:xfrm>
+        </p:grpSpPr>
+        <p:sp>
+          <p:nvSpPr>
+            <p:cNvPr id="77" name="矩形 76"/>
+            <p:cNvSpPr/>
+            <p:nvPr/>
+          </p:nvSpPr>
+          <p:spPr>
+            <a:xfrm rot="10800000">
+              <a:off x="2894" y="2153"/>
+              <a:ext cx="800" cy="800"/>
+            </a:xfrm>
+            <a:prstGeom prst="rect">
+              <a:avLst/>
+            </a:prstGeom>
+            <a:noFill/>
+            <a:ln>
+              <a:noFill/>
+            </a:ln>
+            <a:extLst>
+              <a:ext uri="{909E8E84-426E-40DD-AFC4-6F175D3DCCD1}">
+                <a14:hiddenFill xmlns:a14="http://schemas.microsoft.com/office/drawing/2010/main">
+                  <a:solidFill>
+                    <a:schemeClr val="accent1"/>
+                  </a:solidFill>
+                </a14:hiddenFill>
+              </a:ext>
+            </a:extLst>
+          </p:spPr>
+          <p:style>
+            <a:lnRef idx="2">
+              <a:schemeClr val="accent1">
+                <a:shade val="50000"/>
+              </a:schemeClr>
+            </a:lnRef>
+            <a:fillRef idx="1">
+              <a:schemeClr val="accent1"/>
+            </a:fillRef>
+            <a:effectRef idx="0">
+              <a:schemeClr val="accent1"/>
+            </a:effectRef>
+            <a:fontRef idx="minor">
+              <a:schemeClr val="lt1"/>
+            </a:fontRef>
+          </p:style>
+          <p:txBody>
+            <a:bodyPr rtlCol="0" anchor="ctr"/>
+            <a:p>
+              <a:pPr algn="ctr"/>
+              <a:r>
+                <a:rPr lang="en-US" altLang="zh-CN" sz="4000">
+                  <a:solidFill>
+                    <a:schemeClr val="bg1">
+                      <a:lumMod val="95000"/>
+                    </a:schemeClr>
+                  </a:solidFill>
+                </a:rPr>
+                <a:t>y</a:t>
+              </a:r>
+              <a:endParaRPr lang="en-US" altLang="zh-CN" sz="4000">
+                <a:solidFill>
+                  <a:schemeClr val="bg1">
+                    <a:lumMod val="95000"/>
+                  </a:schemeClr>
+                </a:solidFill>
+              </a:endParaRPr>
+            </a:p>
+          </p:txBody>
+        </p:sp>
+        <p:sp>
+          <p:nvSpPr>
+            <p:cNvPr id="78" name="矩形 77"/>
+            <p:cNvSpPr/>
+            <p:nvPr/>
+          </p:nvSpPr>
+          <p:spPr>
+            <a:xfrm>
+              <a:off x="3356" y="1991"/>
+              <a:ext cx="800" cy="800"/>
+            </a:xfrm>
+            <a:prstGeom prst="rect">
+              <a:avLst/>
+            </a:prstGeom>
+            <a:noFill/>
+            <a:ln>
+              <a:noFill/>
+            </a:ln>
+            <a:extLst>
+              <a:ext uri="{909E8E84-426E-40DD-AFC4-6F175D3DCCD1}">
+                <a14:hiddenFill xmlns:a14="http://schemas.microsoft.com/office/drawing/2010/main">
+                  <a:solidFill>
+                    <a:schemeClr val="accent1"/>
+                  </a:solidFill>
+                </a14:hiddenFill>
+              </a:ext>
+            </a:extLst>
+          </p:spPr>
+          <p:style>
+            <a:lnRef idx="2">
+              <a:schemeClr val="accent1">
+                <a:shade val="50000"/>
+              </a:schemeClr>
+            </a:lnRef>
+            <a:fillRef idx="1">
+              <a:schemeClr val="accent1"/>
+            </a:fillRef>
+            <a:effectRef idx="0">
+              <a:schemeClr val="accent1"/>
+            </a:effectRef>
+            <a:fontRef idx="minor">
+              <a:schemeClr val="lt1"/>
+            </a:fontRef>
+          </p:style>
+          <p:txBody>
+            <a:bodyPr rtlCol="0" anchor="ctr"/>
+            <a:p>
+              <a:pPr algn="ctr"/>
+              <a:r>
+                <a:rPr lang="en-US" altLang="zh-CN" sz="4000">
+                  <a:solidFill>
+                    <a:schemeClr val="bg1">
+                      <a:lumMod val="95000"/>
+                    </a:schemeClr>
+                  </a:solidFill>
+                </a:rPr>
+                <a:t>c</a:t>
+              </a:r>
+              <a:endParaRPr lang="en-US" altLang="zh-CN" sz="4000">
+                <a:solidFill>
+                  <a:schemeClr val="bg1">
+                    <a:lumMod val="95000"/>
+                  </a:schemeClr>
+                </a:solidFill>
+              </a:endParaRPr>
+            </a:p>
+          </p:txBody>
+        </p:sp>
+        <p:sp>
+          <p:nvSpPr>
+            <p:cNvPr id="79" name="矩形 78"/>
+            <p:cNvSpPr/>
+            <p:nvPr/>
+          </p:nvSpPr>
+          <p:spPr>
+            <a:xfrm rot="2700000">
+              <a:off x="3920" y="2103"/>
+              <a:ext cx="800" cy="800"/>
+            </a:xfrm>
+            <a:prstGeom prst="rect">
+              <a:avLst/>
+            </a:prstGeom>
+            <a:noFill/>
+            <a:ln>
+              <a:noFill/>
+            </a:ln>
+            <a:extLst>
+              <a:ext uri="{909E8E84-426E-40DD-AFC4-6F175D3DCCD1}">
+                <a14:hiddenFill xmlns:a14="http://schemas.microsoft.com/office/drawing/2010/main">
+                  <a:solidFill>
+                    <a:schemeClr val="accent1"/>
+                  </a:solidFill>
+                </a14:hiddenFill>
+              </a:ext>
+            </a:extLst>
+          </p:spPr>
+          <p:style>
+            <a:lnRef idx="2">
+              <a:schemeClr val="accent1">
+                <a:shade val="50000"/>
+              </a:schemeClr>
+            </a:lnRef>
+            <a:fillRef idx="1">
+              <a:schemeClr val="accent1"/>
+            </a:fillRef>
+            <a:effectRef idx="0">
+              <a:schemeClr val="accent1"/>
+            </a:effectRef>
+            <a:fontRef idx="minor">
+              <a:schemeClr val="lt1"/>
+            </a:fontRef>
+          </p:style>
+          <p:txBody>
+            <a:bodyPr rtlCol="0" anchor="ctr"/>
+            <a:p>
+              <a:pPr algn="ctr"/>
+              <a:r>
+                <a:rPr lang="en-US" altLang="zh-CN" sz="4000">
+                  <a:solidFill>
+                    <a:schemeClr val="bg1">
+                      <a:lumMod val="95000"/>
+                    </a:schemeClr>
+                  </a:solidFill>
+                </a:rPr>
+                <a:t>F</a:t>
+              </a:r>
+              <a:endParaRPr lang="en-US" altLang="zh-CN" sz="4000">
+                <a:solidFill>
+                  <a:schemeClr val="bg1">
+                    <a:lumMod val="95000"/>
+                  </a:schemeClr>
+                </a:solidFill>
+              </a:endParaRPr>
+            </a:p>
+          </p:txBody>
+        </p:sp>
+      </p:grpSp>
+      <p:grpSp>
+        <p:nvGrpSpPr>
+          <p:cNvPr id="88" name="组合 87"/>
+          <p:cNvGrpSpPr/>
+          <p:nvPr/>
+        </p:nvGrpSpPr>
+        <p:grpSpPr>
+          <a:xfrm>
+            <a:off x="3244850" y="3873500"/>
+            <a:ext cx="1061720" cy="995045"/>
+            <a:chOff x="5110" y="6100"/>
+            <a:chExt cx="1672" cy="1567"/>
+          </a:xfrm>
+        </p:grpSpPr>
+        <p:sp>
+          <p:nvSpPr>
+            <p:cNvPr id="85" name="等腰三角形 84"/>
+            <p:cNvSpPr/>
+            <p:nvPr/>
+          </p:nvSpPr>
+          <p:spPr>
+            <a:xfrm>
+              <a:off x="5110" y="6100"/>
+              <a:ext cx="1672" cy="1440"/>
+            </a:xfrm>
+            <a:prstGeom prst="triangle">
+              <a:avLst/>
+            </a:prstGeom>
+            <a:solidFill>
+              <a:schemeClr val="bg1">
+                <a:lumMod val="95000"/>
+              </a:schemeClr>
+            </a:solidFill>
+            <a:ln>
+              <a:noFill/>
+            </a:ln>
+          </p:spPr>
+          <p:style>
+            <a:lnRef idx="2">
+              <a:schemeClr val="accent1">
+                <a:shade val="50000"/>
+              </a:schemeClr>
+            </a:lnRef>
+            <a:fillRef idx="1">
+              <a:schemeClr val="accent1"/>
+            </a:fillRef>
+            <a:effectRef idx="0">
+              <a:schemeClr val="accent1"/>
+            </a:effectRef>
+            <a:fontRef idx="minor">
+              <a:schemeClr val="lt1"/>
+            </a:fontRef>
+          </p:style>
+          <p:txBody>
+            <a:bodyPr rtlCol="0" anchor="ctr"/>
+            <a:p>
+              <a:pPr algn="ctr"/>
+              <a:endParaRPr lang="zh-CN" altLang="en-US"/>
+            </a:p>
+          </p:txBody>
+        </p:sp>
+        <p:grpSp>
+          <p:nvGrpSpPr>
+            <p:cNvPr id="87" name="组合 86"/>
+            <p:cNvGrpSpPr/>
+            <p:nvPr/>
+          </p:nvGrpSpPr>
+          <p:grpSpPr>
+            <a:xfrm rot="19800000">
+              <a:off x="5723" y="6461"/>
+              <a:ext cx="460" cy="1206"/>
+              <a:chOff x="8903" y="2424"/>
+              <a:chExt cx="460" cy="1206"/>
+            </a:xfrm>
+          </p:grpSpPr>
+          <p:sp>
+            <p:nvSpPr>
+              <p:cNvPr id="44" name="椭圆 43"/>
+              <p:cNvSpPr/>
+              <p:nvPr/>
+            </p:nvSpPr>
+            <p:spPr>
+              <a:xfrm>
+                <a:off x="8903" y="2783"/>
+                <a:ext cx="460" cy="460"/>
+              </a:xfrm>
+              <a:prstGeom prst="ellipse">
+                <a:avLst/>
+              </a:prstGeom>
+              <a:solidFill>
+                <a:srgbClr val="333333"/>
+              </a:solidFill>
+              <a:ln>
+                <a:solidFill>
+                  <a:srgbClr val="333333"/>
+                </a:solidFill>
+              </a:ln>
+            </p:spPr>
+            <p:style>
+              <a:lnRef idx="2">
+                <a:schemeClr val="accent1">
+                  <a:shade val="50000"/>
+                </a:schemeClr>
+              </a:lnRef>
+              <a:fillRef idx="1">
+                <a:schemeClr val="accent1"/>
+              </a:fillRef>
+              <a:effectRef idx="0">
+                <a:schemeClr val="accent1"/>
+              </a:effectRef>
+              <a:fontRef idx="minor">
+                <a:schemeClr val="lt1"/>
+              </a:fontRef>
+            </p:style>
+            <p:txBody>
+              <a:bodyPr rtlCol="0" anchor="ctr"/>
+              <a:p>
+                <a:pPr algn="ctr"/>
+                <a:endParaRPr lang="zh-CN" altLang="en-US"/>
+              </a:p>
+            </p:txBody>
+          </p:sp>
+          <p:sp>
+            <p:nvSpPr>
+              <p:cNvPr id="86" name="矩形 85"/>
+              <p:cNvSpPr/>
+              <p:nvPr/>
+            </p:nvSpPr>
+            <p:spPr>
+              <a:xfrm>
+                <a:off x="9074" y="2424"/>
+                <a:ext cx="120" cy="1206"/>
+              </a:xfrm>
+              <a:prstGeom prst="rect">
+                <a:avLst/>
+              </a:prstGeom>
+              <a:solidFill>
+                <a:srgbClr val="333333"/>
+              </a:solidFill>
+              <a:ln>
+                <a:noFill/>
+              </a:ln>
+            </p:spPr>
+            <p:style>
+              <a:lnRef idx="2">
+                <a:schemeClr val="accent1">
+                  <a:shade val="50000"/>
+                </a:schemeClr>
+              </a:lnRef>
+              <a:fillRef idx="1">
+                <a:schemeClr val="accent1"/>
+              </a:fillRef>
+              <a:effectRef idx="0">
+                <a:schemeClr val="accent1"/>
+              </a:effectRef>
+              <a:fontRef idx="minor">
+                <a:schemeClr val="lt1"/>
+              </a:fontRef>
+            </p:style>
+            <p:txBody>
+              <a:bodyPr rtlCol="0" anchor="ctr"/>
+              <a:p>
+                <a:pPr algn="ctr"/>
+                <a:endParaRPr lang="zh-CN" altLang="en-US"/>
+              </a:p>
+            </p:txBody>
+          </p:sp>
+        </p:grpSp>
+      </p:grpSp>
+      <p:grpSp>
+        <p:nvGrpSpPr>
+          <p:cNvPr id="92" name="组合 91"/>
+          <p:cNvGrpSpPr/>
+          <p:nvPr/>
+        </p:nvGrpSpPr>
+        <p:grpSpPr>
+          <a:xfrm>
+            <a:off x="6720205" y="4020820"/>
+            <a:ext cx="914400" cy="914400"/>
+            <a:chOff x="10583" y="6332"/>
+            <a:chExt cx="1440" cy="1440"/>
+          </a:xfrm>
+        </p:grpSpPr>
+        <p:sp>
+          <p:nvSpPr>
+            <p:cNvPr id="89" name="等腰三角形 88"/>
+            <p:cNvSpPr/>
+            <p:nvPr/>
+          </p:nvSpPr>
+          <p:spPr>
+            <a:xfrm>
+              <a:off x="11037" y="6738"/>
+              <a:ext cx="533" cy="666"/>
+            </a:xfrm>
+            <a:prstGeom prst="triangle">
+              <a:avLst/>
+            </a:prstGeom>
+            <a:solidFill>
+              <a:schemeClr val="bg1">
+                <a:lumMod val="95000"/>
+              </a:schemeClr>
+            </a:solidFill>
+            <a:ln>
+              <a:noFill/>
+            </a:ln>
+          </p:spPr>
+          <p:style>
+            <a:lnRef idx="2">
+              <a:schemeClr val="accent1">
+                <a:shade val="50000"/>
+              </a:schemeClr>
+            </a:lnRef>
+            <a:fillRef idx="1">
+              <a:schemeClr val="accent1"/>
+            </a:fillRef>
+            <a:effectRef idx="0">
+              <a:schemeClr val="accent1"/>
+            </a:effectRef>
+            <a:fontRef idx="minor">
+              <a:schemeClr val="lt1"/>
+            </a:fontRef>
+          </p:style>
+          <p:txBody>
+            <a:bodyPr rtlCol="0" anchor="ctr"/>
+            <a:p>
+              <a:pPr algn="ctr"/>
+              <a:endParaRPr lang="zh-CN" altLang="en-US"/>
+            </a:p>
+          </p:txBody>
+        </p:sp>
+        <p:sp>
+          <p:nvSpPr>
+            <p:cNvPr id="91" name="矩形 90"/>
+            <p:cNvSpPr/>
+            <p:nvPr/>
+          </p:nvSpPr>
+          <p:spPr>
+            <a:xfrm>
+              <a:off x="10583" y="6332"/>
+              <a:ext cx="1440" cy="1440"/>
+            </a:xfrm>
+            <a:prstGeom prst="rect">
+              <a:avLst/>
+            </a:prstGeom>
+            <a:noFill/>
+            <a:ln>
+              <a:noFill/>
+            </a:ln>
+            <a:extLst>
+              <a:ext uri="{909E8E84-426E-40DD-AFC4-6F175D3DCCD1}">
+                <a14:hiddenFill xmlns:a14="http://schemas.microsoft.com/office/drawing/2010/main">
+                  <a:solidFill>
+                    <a:schemeClr val="accent1"/>
+                  </a:solidFill>
+                </a14:hiddenFill>
+              </a:ext>
+            </a:extLst>
+          </p:spPr>
+          <p:style>
+            <a:lnRef idx="2">
+              <a:schemeClr val="accent1">
+                <a:shade val="50000"/>
+              </a:schemeClr>
+            </a:lnRef>
+            <a:fillRef idx="1">
+              <a:schemeClr val="accent1"/>
+            </a:fillRef>
+            <a:effectRef idx="0">
+              <a:schemeClr val="accent1"/>
+            </a:effectRef>
+            <a:fontRef idx="minor">
+              <a:schemeClr val="lt1"/>
+            </a:fontRef>
+          </p:style>
+          <p:txBody>
+            <a:bodyPr rtlCol="0" anchor="ctr"/>
+            <a:p>
+              <a:pPr algn="ctr"/>
+              <a:r>
+                <a:rPr lang="en-US" altLang="zh-CN" sz="4800">
+                  <a:solidFill>
+                    <a:schemeClr val="bg1">
+                      <a:lumMod val="95000"/>
+                    </a:schemeClr>
+                  </a:solidFill>
+                  <a:latin typeface="Arial" panose="020B0604020202020204" pitchFamily="34" charset="0"/>
+                </a:rPr>
+                <a:t>{   }</a:t>
+              </a:r>
+              <a:endParaRPr lang="en-US" altLang="zh-CN" sz="4800">
+                <a:solidFill>
+                  <a:schemeClr val="bg1">
+                    <a:lumMod val="95000"/>
+                  </a:schemeClr>
+                </a:solidFill>
+                <a:latin typeface="Arial" panose="020B0604020202020204" pitchFamily="34" charset="0"/>
+              </a:endParaRPr>
+            </a:p>
+          </p:txBody>
+        </p:sp>
+      </p:grpSp>
+      <p:grpSp>
+        <p:nvGrpSpPr>
+          <p:cNvPr id="93" name="组合 92"/>
+          <p:cNvGrpSpPr/>
+          <p:nvPr/>
+        </p:nvGrpSpPr>
+        <p:grpSpPr>
+          <a:xfrm>
+            <a:off x="4998720" y="5072380"/>
+            <a:ext cx="2193925" cy="914400"/>
+            <a:chOff x="6506" y="7685"/>
+            <a:chExt cx="3455" cy="1440"/>
+          </a:xfrm>
+        </p:grpSpPr>
+        <p:grpSp>
+          <p:nvGrpSpPr>
+            <p:cNvPr id="94" name="组合 93"/>
+            <p:cNvGrpSpPr/>
+            <p:nvPr/>
+          </p:nvGrpSpPr>
+          <p:grpSpPr>
+            <a:xfrm>
+              <a:off x="6506" y="7685"/>
+              <a:ext cx="1440" cy="1440"/>
+              <a:chOff x="10583" y="6332"/>
+              <a:chExt cx="1440" cy="1440"/>
+            </a:xfrm>
+          </p:grpSpPr>
+          <p:sp>
+            <p:nvSpPr>
+              <p:cNvPr id="95" name="等腰三角形 94"/>
+              <p:cNvSpPr/>
+              <p:nvPr/>
+            </p:nvSpPr>
+            <p:spPr>
+              <a:xfrm>
+                <a:off x="11037" y="6738"/>
+                <a:ext cx="533" cy="666"/>
+              </a:xfrm>
+              <a:prstGeom prst="triangle">
+                <a:avLst/>
+              </a:prstGeom>
+              <a:solidFill>
+                <a:schemeClr val="bg1">
+                  <a:lumMod val="95000"/>
+                </a:schemeClr>
+              </a:solidFill>
+              <a:ln>
+                <a:noFill/>
+              </a:ln>
+            </p:spPr>
+            <p:style>
+              <a:lnRef idx="2">
+                <a:schemeClr val="accent1">
+                  <a:shade val="50000"/>
+                </a:schemeClr>
+              </a:lnRef>
+              <a:fillRef idx="1">
+                <a:schemeClr val="accent1"/>
+              </a:fillRef>
+              <a:effectRef idx="0">
+                <a:schemeClr val="accent1"/>
+              </a:effectRef>
+              <a:fontRef idx="minor">
+                <a:schemeClr val="lt1"/>
+              </a:fontRef>
+            </p:style>
+            <p:txBody>
+              <a:bodyPr rtlCol="0" anchor="ctr"/>
+              <a:p>
+                <a:pPr algn="ctr"/>
+                <a:endParaRPr lang="zh-CN" altLang="en-US"/>
+              </a:p>
+            </p:txBody>
+          </p:sp>
+          <p:sp>
+            <p:nvSpPr>
+              <p:cNvPr id="96" name="矩形 95"/>
+              <p:cNvSpPr/>
+              <p:nvPr/>
+            </p:nvSpPr>
+            <p:spPr>
+              <a:xfrm>
+                <a:off x="10583" y="6332"/>
+                <a:ext cx="1440" cy="1440"/>
+              </a:xfrm>
+              <a:prstGeom prst="rect">
+                <a:avLst/>
+              </a:prstGeom>
+              <a:noFill/>
+              <a:ln>
+                <a:noFill/>
+              </a:ln>
+              <a:extLst>
+                <a:ext uri="{909E8E84-426E-40DD-AFC4-6F175D3DCCD1}">
+                  <a14:hiddenFill xmlns:a14="http://schemas.microsoft.com/office/drawing/2010/main">
+                    <a:solidFill>
+                      <a:schemeClr val="accent1"/>
+                    </a:solidFill>
+                  </a14:hiddenFill>
+                </a:ext>
+              </a:extLst>
+            </p:spPr>
+            <p:style>
+              <a:lnRef idx="2">
+                <a:schemeClr val="accent1">
+                  <a:shade val="50000"/>
+                </a:schemeClr>
+              </a:lnRef>
+              <a:fillRef idx="1">
+                <a:schemeClr val="accent1"/>
+              </a:fillRef>
+              <a:effectRef idx="0">
+                <a:schemeClr val="accent1"/>
+              </a:effectRef>
+              <a:fontRef idx="minor">
+                <a:schemeClr val="lt1"/>
+              </a:fontRef>
+            </p:style>
+            <p:txBody>
+              <a:bodyPr rtlCol="0" anchor="ctr"/>
+              <a:p>
+                <a:pPr algn="ctr"/>
+                <a:r>
+                  <a:rPr lang="en-US" altLang="zh-CN" sz="4800">
+                    <a:solidFill>
+                      <a:schemeClr val="bg1">
+                        <a:lumMod val="95000"/>
+                      </a:schemeClr>
+                    </a:solidFill>
+                    <a:latin typeface="Arial" panose="020B0604020202020204" pitchFamily="34" charset="0"/>
+                  </a:rPr>
+                  <a:t>{   }</a:t>
+                </a:r>
+                <a:endParaRPr lang="en-US" altLang="zh-CN" sz="4800">
+                  <a:solidFill>
+                    <a:schemeClr val="bg1">
+                      <a:lumMod val="95000"/>
+                    </a:schemeClr>
+                  </a:solidFill>
+                  <a:latin typeface="Arial" panose="020B0604020202020204" pitchFamily="34" charset="0"/>
+                </a:endParaRPr>
+              </a:p>
+            </p:txBody>
+          </p:sp>
+        </p:grpSp>
+        <p:sp>
+          <p:nvSpPr>
+            <p:cNvPr id="97" name="矩形 96"/>
+            <p:cNvSpPr/>
+            <p:nvPr/>
+          </p:nvSpPr>
+          <p:spPr>
+            <a:xfrm>
+              <a:off x="8029" y="8142"/>
+              <a:ext cx="1932" cy="800"/>
+            </a:xfrm>
+            <a:prstGeom prst="rect">
+              <a:avLst/>
+            </a:prstGeom>
+            <a:noFill/>
+            <a:ln>
+              <a:noFill/>
+            </a:ln>
+            <a:extLst>
+              <a:ext uri="{909E8E84-426E-40DD-AFC4-6F175D3DCCD1}">
+                <a14:hiddenFill xmlns:a14="http://schemas.microsoft.com/office/drawing/2010/main">
+                  <a:solidFill>
+                    <a:schemeClr val="accent1"/>
+                  </a:solidFill>
+                </a14:hiddenFill>
+              </a:ext>
+            </a:extLst>
+          </p:spPr>
+          <p:style>
+            <a:lnRef idx="2">
+              <a:schemeClr val="accent1">
+                <a:shade val="50000"/>
+              </a:schemeClr>
+            </a:lnRef>
+            <a:fillRef idx="1">
+              <a:schemeClr val="accent1"/>
+            </a:fillRef>
+            <a:effectRef idx="0">
+              <a:schemeClr val="accent1"/>
+            </a:effectRef>
+            <a:fontRef idx="minor">
+              <a:schemeClr val="lt1"/>
+            </a:fontRef>
+          </p:style>
+          <p:txBody>
+            <a:bodyPr rtlCol="0" anchor="ctr"/>
+            <a:p>
+              <a:pPr algn="dist"/>
+              <a:r>
+                <a:rPr lang="en-US" altLang="zh-CN">
+                  <a:solidFill>
+                    <a:schemeClr val="bg1">
+                      <a:lumMod val="95000"/>
+                    </a:schemeClr>
+                  </a:solidFill>
+                  <a:latin typeface="Orator Std" panose="020D0509020203030204" charset="0"/>
+                </a:rPr>
+                <a:t>murus</a:t>
+              </a:r>
+              <a:endParaRPr lang="en-US" altLang="zh-CN">
+                <a:solidFill>
+                  <a:schemeClr val="bg1">
+                    <a:lumMod val="95000"/>
+                  </a:schemeClr>
+                </a:solidFill>
+                <a:latin typeface="Orator Std" panose="020D0509020203030204" charset="0"/>
+              </a:endParaRPr>
+            </a:p>
+          </p:txBody>
+        </p:sp>
+      </p:grpSp>
+    </p:spTree>
+  </p:cSld>
+  <p:clrMapOvr>
+    <a:masterClrMapping/>
+  </p:clrMapOvr>
+</p:sld>
+</file>
+
+<file path=ppt/slides/slide19.xml><?xml version="1.0" encoding="utf-8"?>
+<p:sld xmlns:a="http://schemas.openxmlformats.org/drawingml/2006/main" xmlns:r="http://schemas.openxmlformats.org/officeDocument/2006/relationships" xmlns:p="http://schemas.openxmlformats.org/presentationml/2006/main">
+  <p:cSld>
+    <p:bg>
+      <p:bgPr>
+        <a:solidFill>
+          <a:srgbClr val="333333"/>
+        </a:solidFill>
+        <a:effectLst/>
+      </p:bgPr>
+    </p:bg>
+    <p:spTree>
+      <p:nvGrpSpPr>
+        <p:cNvPr id="1" name=""/>
+        <p:cNvGrpSpPr/>
+        <p:nvPr/>
+      </p:nvGrpSpPr>
+      <p:grpSpPr/>
+      <p:grpSp>
+        <p:nvGrpSpPr>
+          <p:cNvPr id="88" name="组合 87"/>
+          <p:cNvGrpSpPr/>
+          <p:nvPr/>
+        </p:nvGrpSpPr>
+        <p:grpSpPr>
+          <a:xfrm>
+            <a:off x="5565140" y="2971800"/>
+            <a:ext cx="1061720" cy="995045"/>
+            <a:chOff x="5110" y="6100"/>
+            <a:chExt cx="1672" cy="1567"/>
+          </a:xfrm>
+        </p:grpSpPr>
+        <p:sp>
+          <p:nvSpPr>
+            <p:cNvPr id="85" name="等腰三角形 84"/>
+            <p:cNvSpPr/>
+            <p:nvPr/>
+          </p:nvSpPr>
+          <p:spPr>
+            <a:xfrm>
+              <a:off x="5110" y="6100"/>
+              <a:ext cx="1672" cy="1440"/>
+            </a:xfrm>
+            <a:prstGeom prst="triangle">
+              <a:avLst/>
+            </a:prstGeom>
+            <a:solidFill>
+              <a:schemeClr val="bg1">
+                <a:lumMod val="95000"/>
+              </a:schemeClr>
+            </a:solidFill>
+            <a:ln>
+              <a:noFill/>
+            </a:ln>
+          </p:spPr>
+          <p:style>
+            <a:lnRef idx="2">
+              <a:schemeClr val="accent1">
+                <a:shade val="50000"/>
+              </a:schemeClr>
+            </a:lnRef>
+            <a:fillRef idx="1">
+              <a:schemeClr val="accent1"/>
+            </a:fillRef>
+            <a:effectRef idx="0">
+              <a:schemeClr val="accent1"/>
+            </a:effectRef>
+            <a:fontRef idx="minor">
+              <a:schemeClr val="lt1"/>
+            </a:fontRef>
+          </p:style>
+          <p:txBody>
+            <a:bodyPr rtlCol="0" anchor="ctr"/>
+            <a:p>
+              <a:pPr algn="ctr"/>
+              <a:endParaRPr lang="zh-CN" altLang="en-US"/>
+            </a:p>
+          </p:txBody>
+        </p:sp>
+        <p:grpSp>
+          <p:nvGrpSpPr>
+            <p:cNvPr id="87" name="组合 86"/>
+            <p:cNvGrpSpPr/>
+            <p:nvPr/>
+          </p:nvGrpSpPr>
+          <p:grpSpPr>
+            <a:xfrm rot="19800000">
+              <a:off x="5723" y="6461"/>
+              <a:ext cx="460" cy="1206"/>
+              <a:chOff x="8903" y="2424"/>
+              <a:chExt cx="460" cy="1206"/>
+            </a:xfrm>
+          </p:grpSpPr>
+          <p:sp>
+            <p:nvSpPr>
+              <p:cNvPr id="44" name="椭圆 43"/>
+              <p:cNvSpPr/>
+              <p:nvPr/>
+            </p:nvSpPr>
+            <p:spPr>
+              <a:xfrm>
+                <a:off x="8903" y="2783"/>
+                <a:ext cx="460" cy="460"/>
+              </a:xfrm>
+              <a:prstGeom prst="ellipse">
+                <a:avLst/>
+              </a:prstGeom>
+              <a:solidFill>
+                <a:srgbClr val="333333"/>
+              </a:solidFill>
+              <a:ln>
+                <a:solidFill>
+                  <a:srgbClr val="333333"/>
+                </a:solidFill>
+              </a:ln>
+            </p:spPr>
+            <p:style>
+              <a:lnRef idx="2">
+                <a:schemeClr val="accent1">
+                  <a:shade val="50000"/>
+                </a:schemeClr>
+              </a:lnRef>
+              <a:fillRef idx="1">
+                <a:schemeClr val="accent1"/>
+              </a:fillRef>
+              <a:effectRef idx="0">
+                <a:schemeClr val="accent1"/>
+              </a:effectRef>
+              <a:fontRef idx="minor">
+                <a:schemeClr val="lt1"/>
+              </a:fontRef>
+            </p:style>
+            <p:txBody>
+              <a:bodyPr rtlCol="0" anchor="ctr"/>
+              <a:p>
+                <a:pPr algn="ctr"/>
+                <a:endParaRPr lang="zh-CN" altLang="en-US"/>
+              </a:p>
+            </p:txBody>
+          </p:sp>
+          <p:sp>
+            <p:nvSpPr>
+              <p:cNvPr id="86" name="矩形 85"/>
+              <p:cNvSpPr/>
+              <p:nvPr/>
+            </p:nvSpPr>
+            <p:spPr>
+              <a:xfrm>
+                <a:off x="9074" y="2424"/>
+                <a:ext cx="120" cy="1206"/>
+              </a:xfrm>
+              <a:prstGeom prst="rect">
+                <a:avLst/>
+              </a:prstGeom>
+              <a:solidFill>
+                <a:srgbClr val="333333"/>
+              </a:solidFill>
+              <a:ln>
+                <a:noFill/>
+              </a:ln>
+            </p:spPr>
+            <p:style>
+              <a:lnRef idx="2">
+                <a:schemeClr val="accent1">
+                  <a:shade val="50000"/>
+                </a:schemeClr>
+              </a:lnRef>
+              <a:fillRef idx="1">
+                <a:schemeClr val="accent1"/>
+              </a:fillRef>
+              <a:effectRef idx="0">
+                <a:schemeClr val="accent1"/>
+              </a:effectRef>
+              <a:fontRef idx="minor">
+                <a:schemeClr val="lt1"/>
+              </a:fontRef>
+            </p:style>
+            <p:txBody>
+              <a:bodyPr rtlCol="0" anchor="ctr"/>
+              <a:p>
+                <a:pPr algn="ctr"/>
+                <a:endParaRPr lang="zh-CN" altLang="en-US"/>
+              </a:p>
+            </p:txBody>
+          </p:sp>
+        </p:grpSp>
+      </p:grpSp>
+      <p:grpSp>
+        <p:nvGrpSpPr>
+          <p:cNvPr id="18" name="组合 17"/>
+          <p:cNvGrpSpPr/>
+          <p:nvPr/>
+        </p:nvGrpSpPr>
+        <p:grpSpPr>
+          <a:xfrm>
+            <a:off x="5171440" y="5226685"/>
+            <a:ext cx="1849120" cy="1011555"/>
+            <a:chOff x="12177" y="7913"/>
+            <a:chExt cx="2912" cy="1593"/>
+          </a:xfrm>
+        </p:grpSpPr>
+        <p:sp>
+          <p:nvSpPr>
+            <p:cNvPr id="9" name="矩形 8"/>
+            <p:cNvSpPr/>
+            <p:nvPr/>
+          </p:nvSpPr>
+          <p:spPr>
+            <a:xfrm>
+              <a:off x="12177" y="7913"/>
+              <a:ext cx="2912" cy="1440"/>
+            </a:xfrm>
+            <a:prstGeom prst="rect">
+              <a:avLst/>
+            </a:prstGeom>
+            <a:noFill/>
+            <a:ln>
+              <a:noFill/>
+            </a:ln>
+            <a:extLst>
+              <a:ext uri="{909E8E84-426E-40DD-AFC4-6F175D3DCCD1}">
+                <a14:hiddenFill xmlns:a14="http://schemas.microsoft.com/office/drawing/2010/main">
+                  <a:solidFill>
+                    <a:schemeClr val="accent1"/>
+                  </a:solidFill>
+                </a14:hiddenFill>
+              </a:ext>
+            </a:extLst>
+          </p:spPr>
+          <p:style>
+            <a:lnRef idx="2">
+              <a:schemeClr val="accent1">
+                <a:shade val="50000"/>
+              </a:schemeClr>
+            </a:lnRef>
+            <a:fillRef idx="1">
+              <a:schemeClr val="accent1"/>
+            </a:fillRef>
+            <a:effectRef idx="0">
+              <a:schemeClr val="accent1"/>
+            </a:effectRef>
+            <a:fontRef idx="minor">
+              <a:schemeClr val="lt1"/>
+            </a:fontRef>
+          </p:style>
+          <p:txBody>
+            <a:bodyPr rtlCol="0" anchor="ctr"/>
+            <a:p>
+              <a:pPr algn="ctr"/>
+              <a:r>
+                <a:rPr lang="en-US" altLang="zh-CN" sz="4800">
+                  <a:solidFill>
+                    <a:schemeClr val="bg1">
+                      <a:lumMod val="95000"/>
+                    </a:schemeClr>
+                  </a:solidFill>
+                  <a:latin typeface="Arial" panose="020B0604020202020204" pitchFamily="34" charset="0"/>
+                </a:rPr>
+                <a:t>{       }</a:t>
+              </a:r>
+              <a:endParaRPr lang="en-US" altLang="zh-CN" sz="4800">
+                <a:solidFill>
+                  <a:schemeClr val="bg1">
+                    <a:lumMod val="95000"/>
+                  </a:schemeClr>
+                </a:solidFill>
+                <a:latin typeface="Arial" panose="020B0604020202020204" pitchFamily="34" charset="0"/>
+              </a:endParaRPr>
+            </a:p>
+          </p:txBody>
+        </p:sp>
+        <p:sp>
+          <p:nvSpPr>
+            <p:cNvPr id="10" name="矩形 9"/>
+            <p:cNvSpPr/>
+            <p:nvPr/>
+          </p:nvSpPr>
+          <p:spPr>
+            <a:xfrm>
+              <a:off x="12697" y="8706"/>
+              <a:ext cx="1932" cy="800"/>
+            </a:xfrm>
+            <a:prstGeom prst="rect">
+              <a:avLst/>
+            </a:prstGeom>
+            <a:noFill/>
+            <a:ln>
+              <a:noFill/>
+            </a:ln>
+            <a:extLst>
+              <a:ext uri="{909E8E84-426E-40DD-AFC4-6F175D3DCCD1}">
+                <a14:hiddenFill xmlns:a14="http://schemas.microsoft.com/office/drawing/2010/main">
+                  <a:solidFill>
+                    <a:schemeClr val="accent1"/>
+                  </a:solidFill>
+                </a14:hiddenFill>
+              </a:ext>
+            </a:extLst>
+          </p:spPr>
+          <p:style>
+            <a:lnRef idx="2">
+              <a:schemeClr val="accent1">
+                <a:shade val="50000"/>
+              </a:schemeClr>
+            </a:lnRef>
+            <a:fillRef idx="1">
+              <a:schemeClr val="accent1"/>
+            </a:fillRef>
+            <a:effectRef idx="0">
+              <a:schemeClr val="accent1"/>
+            </a:effectRef>
+            <a:fontRef idx="minor">
+              <a:schemeClr val="lt1"/>
+            </a:fontRef>
+          </p:style>
+          <p:txBody>
+            <a:bodyPr rtlCol="0" anchor="ctr"/>
+            <a:p>
+              <a:pPr algn="dist"/>
+              <a:r>
+                <a:rPr lang="en-US" altLang="zh-CN">
+                  <a:solidFill>
+                    <a:schemeClr val="bg1">
+                      <a:lumMod val="95000"/>
+                    </a:schemeClr>
+                  </a:solidFill>
+                  <a:latin typeface="Orator Std" panose="020D0509020203030204" charset="0"/>
+                </a:rPr>
+                <a:t>murus</a:t>
+              </a:r>
+              <a:endParaRPr lang="en-US" altLang="zh-CN">
+                <a:solidFill>
+                  <a:schemeClr val="bg1">
+                    <a:lumMod val="95000"/>
+                  </a:schemeClr>
+                </a:solidFill>
+                <a:latin typeface="Orator Std" panose="020D0509020203030204" charset="0"/>
+              </a:endParaRPr>
+            </a:p>
+          </p:txBody>
+        </p:sp>
+        <p:grpSp>
+          <p:nvGrpSpPr>
+            <p:cNvPr id="12" name="组合 11"/>
+            <p:cNvGrpSpPr/>
+            <p:nvPr/>
+          </p:nvGrpSpPr>
+          <p:grpSpPr>
+            <a:xfrm>
+              <a:off x="13368" y="8299"/>
+              <a:ext cx="531" cy="498"/>
+              <a:chOff x="5110" y="6100"/>
+              <a:chExt cx="1672" cy="1567"/>
+            </a:xfrm>
+          </p:grpSpPr>
+          <p:sp>
+            <p:nvSpPr>
+              <p:cNvPr id="13" name="等腰三角形 12"/>
+              <p:cNvSpPr/>
+              <p:nvPr/>
+            </p:nvSpPr>
+            <p:spPr>
+              <a:xfrm>
+                <a:off x="5110" y="6100"/>
+                <a:ext cx="1672" cy="1440"/>
+              </a:xfrm>
+              <a:prstGeom prst="triangle">
+                <a:avLst/>
+              </a:prstGeom>
+              <a:solidFill>
+                <a:schemeClr val="bg1">
+                  <a:lumMod val="95000"/>
+                </a:schemeClr>
+              </a:solidFill>
+              <a:ln>
+                <a:noFill/>
+              </a:ln>
+            </p:spPr>
+            <p:style>
+              <a:lnRef idx="2">
+                <a:schemeClr val="accent1">
+                  <a:shade val="50000"/>
+                </a:schemeClr>
+              </a:lnRef>
+              <a:fillRef idx="1">
+                <a:schemeClr val="accent1"/>
+              </a:fillRef>
+              <a:effectRef idx="0">
+                <a:schemeClr val="accent1"/>
+              </a:effectRef>
+              <a:fontRef idx="minor">
+                <a:schemeClr val="lt1"/>
+              </a:fontRef>
+            </p:style>
+            <p:txBody>
+              <a:bodyPr rtlCol="0" anchor="ctr"/>
+              <a:p>
+                <a:pPr algn="ctr"/>
+                <a:endParaRPr lang="zh-CN" altLang="en-US"/>
+              </a:p>
+            </p:txBody>
+          </p:sp>
+          <p:grpSp>
+            <p:nvGrpSpPr>
+              <p:cNvPr id="14" name="组合 13"/>
+              <p:cNvGrpSpPr/>
+              <p:nvPr/>
+            </p:nvGrpSpPr>
+            <p:grpSpPr>
+              <a:xfrm rot="19800000">
+                <a:off x="5723" y="6461"/>
+                <a:ext cx="460" cy="1206"/>
+                <a:chOff x="8903" y="2424"/>
+                <a:chExt cx="460" cy="1206"/>
+              </a:xfrm>
+            </p:grpSpPr>
+            <p:sp>
+              <p:nvSpPr>
+                <p:cNvPr id="15" name="椭圆 14"/>
+                <p:cNvSpPr/>
+                <p:nvPr/>
+              </p:nvSpPr>
+              <p:spPr>
+                <a:xfrm>
+                  <a:off x="8903" y="2783"/>
+                  <a:ext cx="460" cy="460"/>
+                </a:xfrm>
+                <a:prstGeom prst="ellipse">
+                  <a:avLst/>
+                </a:prstGeom>
+                <a:solidFill>
+                  <a:srgbClr val="333333"/>
+                </a:solidFill>
+                <a:ln>
+                  <a:solidFill>
+                    <a:srgbClr val="333333"/>
+                  </a:solidFill>
+                </a:ln>
+              </p:spPr>
+              <p:style>
+                <a:lnRef idx="2">
+                  <a:schemeClr val="accent1">
+                    <a:shade val="50000"/>
+                  </a:schemeClr>
+                </a:lnRef>
+                <a:fillRef idx="1">
+                  <a:schemeClr val="accent1"/>
+                </a:fillRef>
+                <a:effectRef idx="0">
+                  <a:schemeClr val="accent1"/>
+                </a:effectRef>
+                <a:fontRef idx="minor">
+                  <a:schemeClr val="lt1"/>
+                </a:fontRef>
+              </p:style>
+              <p:txBody>
+                <a:bodyPr rtlCol="0" anchor="ctr"/>
+                <a:p>
+                  <a:pPr algn="ctr"/>
+                  <a:endParaRPr lang="zh-CN" altLang="en-US"/>
+                </a:p>
+              </p:txBody>
+            </p:sp>
+            <p:sp>
+              <p:nvSpPr>
+                <p:cNvPr id="16" name="矩形 15"/>
+                <p:cNvSpPr/>
+                <p:nvPr/>
+              </p:nvSpPr>
+              <p:spPr>
+                <a:xfrm>
+                  <a:off x="9074" y="2424"/>
+                  <a:ext cx="120" cy="1206"/>
+                </a:xfrm>
+                <a:prstGeom prst="rect">
+                  <a:avLst/>
+                </a:prstGeom>
+                <a:solidFill>
+                  <a:srgbClr val="333333"/>
+                </a:solidFill>
+                <a:ln>
+                  <a:noFill/>
+                </a:ln>
+              </p:spPr>
+              <p:style>
+                <a:lnRef idx="2">
+                  <a:schemeClr val="accent1">
+                    <a:shade val="50000"/>
+                  </a:schemeClr>
+                </a:lnRef>
+                <a:fillRef idx="1">
+                  <a:schemeClr val="accent1"/>
+                </a:fillRef>
+                <a:effectRef idx="0">
+                  <a:schemeClr val="accent1"/>
+                </a:effectRef>
+                <a:fontRef idx="minor">
+                  <a:schemeClr val="lt1"/>
+                </a:fontRef>
+              </p:style>
+              <p:txBody>
+                <a:bodyPr rtlCol="0" anchor="ctr"/>
+                <a:p>
+                  <a:pPr algn="ctr"/>
+                  <a:endParaRPr lang="zh-CN" altLang="en-US"/>
+                </a:p>
+              </p:txBody>
+            </p:sp>
+          </p:grpSp>
+        </p:grpSp>
+      </p:grpSp>
     </p:spTree>
   </p:cSld>
   <p:clrMapOvr>
@@ -6120,6 +12023,1486 @@
           </a:p>
         </p:txBody>
       </p:sp>
+    </p:spTree>
+  </p:cSld>
+  <p:clrMapOvr>
+    <a:masterClrMapping/>
+  </p:clrMapOvr>
+</p:sld>
+</file>
+
+<file path=ppt/slides/slide20.xml><?xml version="1.0" encoding="utf-8"?>
+<p:sld xmlns:a="http://schemas.openxmlformats.org/drawingml/2006/main" xmlns:r="http://schemas.openxmlformats.org/officeDocument/2006/relationships" xmlns:p="http://schemas.openxmlformats.org/presentationml/2006/main">
+  <p:cSld>
+    <p:bg>
+      <p:bgPr>
+        <a:solidFill>
+          <a:srgbClr val="333333"/>
+        </a:solidFill>
+        <a:effectLst/>
+      </p:bgPr>
+    </p:bg>
+    <p:spTree>
+      <p:nvGrpSpPr>
+        <p:cNvPr id="1" name=""/>
+        <p:cNvGrpSpPr/>
+        <p:nvPr/>
+      </p:nvGrpSpPr>
+      <p:grpSpPr/>
+      <p:grpSp>
+        <p:nvGrpSpPr>
+          <p:cNvPr id="32" name="组合 31"/>
+          <p:cNvGrpSpPr/>
+          <p:nvPr/>
+        </p:nvGrpSpPr>
+        <p:grpSpPr>
+          <a:xfrm>
+            <a:off x="4470400" y="2971800"/>
+            <a:ext cx="3251200" cy="914400"/>
+            <a:chOff x="5160" y="4680"/>
+            <a:chExt cx="5120" cy="1440"/>
+          </a:xfrm>
+        </p:grpSpPr>
+        <p:sp>
+          <p:nvSpPr>
+            <p:cNvPr id="23" name="矩形 22"/>
+            <p:cNvSpPr/>
+            <p:nvPr/>
+          </p:nvSpPr>
+          <p:spPr>
+            <a:xfrm>
+              <a:off x="5160" y="4680"/>
+              <a:ext cx="1440" cy="1440"/>
+            </a:xfrm>
+            <a:prstGeom prst="rect">
+              <a:avLst/>
+            </a:prstGeom>
+            <a:noFill/>
+            <a:ln>
+              <a:noFill/>
+            </a:ln>
+            <a:extLst>
+              <a:ext uri="{909E8E84-426E-40DD-AFC4-6F175D3DCCD1}">
+                <a14:hiddenFill xmlns:a14="http://schemas.microsoft.com/office/drawing/2010/main">
+                  <a:solidFill>
+                    <a:schemeClr val="accent1"/>
+                  </a:solidFill>
+                </a14:hiddenFill>
+              </a:ext>
+            </a:extLst>
+          </p:spPr>
+          <p:style>
+            <a:lnRef idx="2">
+              <a:schemeClr val="accent1">
+                <a:shade val="50000"/>
+              </a:schemeClr>
+            </a:lnRef>
+            <a:fillRef idx="1">
+              <a:schemeClr val="accent1"/>
+            </a:fillRef>
+            <a:effectRef idx="0">
+              <a:schemeClr val="accent1"/>
+            </a:effectRef>
+            <a:fontRef idx="minor">
+              <a:schemeClr val="lt1"/>
+            </a:fontRef>
+          </p:style>
+          <p:txBody>
+            <a:bodyPr rtlCol="0" anchor="ctr"/>
+            <a:p>
+              <a:pPr algn="ctr"/>
+              <a:r>
+                <a:rPr lang="en-US" altLang="zh-CN" sz="4800">
+                  <a:solidFill>
+                    <a:schemeClr val="bg1">
+                      <a:lumMod val="95000"/>
+                    </a:schemeClr>
+                  </a:solidFill>
+                  <a:latin typeface="Arial" panose="020B0604020202020204" pitchFamily="34" charset="0"/>
+                </a:rPr>
+                <a:t>∮</a:t>
+              </a:r>
+              <a:endParaRPr lang="en-US" altLang="zh-CN" sz="4800">
+                <a:solidFill>
+                  <a:schemeClr val="bg1">
+                    <a:lumMod val="95000"/>
+                  </a:schemeClr>
+                </a:solidFill>
+                <a:latin typeface="Arial" panose="020B0604020202020204" pitchFamily="34" charset="0"/>
+              </a:endParaRPr>
+            </a:p>
+          </p:txBody>
+        </p:sp>
+        <p:grpSp>
+          <p:nvGrpSpPr>
+            <p:cNvPr id="25" name="组合 24"/>
+            <p:cNvGrpSpPr/>
+            <p:nvPr/>
+          </p:nvGrpSpPr>
+          <p:grpSpPr>
+            <a:xfrm>
+              <a:off x="6187" y="5189"/>
+              <a:ext cx="533" cy="459"/>
+              <a:chOff x="5110" y="6100"/>
+              <a:chExt cx="1672" cy="1567"/>
+            </a:xfrm>
+          </p:grpSpPr>
+          <p:sp>
+            <p:nvSpPr>
+              <p:cNvPr id="26" name="等腰三角形 25"/>
+              <p:cNvSpPr/>
+              <p:nvPr/>
+            </p:nvSpPr>
+            <p:spPr>
+              <a:xfrm>
+                <a:off x="5110" y="6100"/>
+                <a:ext cx="1672" cy="1440"/>
+              </a:xfrm>
+              <a:prstGeom prst="triangle">
+                <a:avLst/>
+              </a:prstGeom>
+              <a:solidFill>
+                <a:schemeClr val="bg1">
+                  <a:lumMod val="95000"/>
+                </a:schemeClr>
+              </a:solidFill>
+              <a:ln>
+                <a:noFill/>
+              </a:ln>
+            </p:spPr>
+            <p:style>
+              <a:lnRef idx="2">
+                <a:schemeClr val="accent1">
+                  <a:shade val="50000"/>
+                </a:schemeClr>
+              </a:lnRef>
+              <a:fillRef idx="1">
+                <a:schemeClr val="accent1"/>
+              </a:fillRef>
+              <a:effectRef idx="0">
+                <a:schemeClr val="accent1"/>
+              </a:effectRef>
+              <a:fontRef idx="minor">
+                <a:schemeClr val="lt1"/>
+              </a:fontRef>
+            </p:style>
+            <p:txBody>
+              <a:bodyPr rtlCol="0" anchor="ctr"/>
+              <a:p>
+                <a:pPr algn="ctr"/>
+                <a:endParaRPr lang="zh-CN" altLang="en-US"/>
+              </a:p>
+            </p:txBody>
+          </p:sp>
+          <p:grpSp>
+            <p:nvGrpSpPr>
+              <p:cNvPr id="27" name="组合 26"/>
+              <p:cNvGrpSpPr/>
+              <p:nvPr/>
+            </p:nvGrpSpPr>
+            <p:grpSpPr>
+              <a:xfrm rot="19800000">
+                <a:off x="5723" y="6461"/>
+                <a:ext cx="460" cy="1206"/>
+                <a:chOff x="8903" y="2424"/>
+                <a:chExt cx="460" cy="1206"/>
+              </a:xfrm>
+            </p:grpSpPr>
+            <p:sp>
+              <p:nvSpPr>
+                <p:cNvPr id="28" name="椭圆 27"/>
+                <p:cNvSpPr/>
+                <p:nvPr/>
+              </p:nvSpPr>
+              <p:spPr>
+                <a:xfrm>
+                  <a:off x="8903" y="2783"/>
+                  <a:ext cx="460" cy="460"/>
+                </a:xfrm>
+                <a:prstGeom prst="ellipse">
+                  <a:avLst/>
+                </a:prstGeom>
+                <a:solidFill>
+                  <a:srgbClr val="333333"/>
+                </a:solidFill>
+                <a:ln>
+                  <a:solidFill>
+                    <a:srgbClr val="333333"/>
+                  </a:solidFill>
+                </a:ln>
+              </p:spPr>
+              <p:style>
+                <a:lnRef idx="2">
+                  <a:schemeClr val="accent1">
+                    <a:shade val="50000"/>
+                  </a:schemeClr>
+                </a:lnRef>
+                <a:fillRef idx="1">
+                  <a:schemeClr val="accent1"/>
+                </a:fillRef>
+                <a:effectRef idx="0">
+                  <a:schemeClr val="accent1"/>
+                </a:effectRef>
+                <a:fontRef idx="minor">
+                  <a:schemeClr val="lt1"/>
+                </a:fontRef>
+              </p:style>
+              <p:txBody>
+                <a:bodyPr rtlCol="0" anchor="ctr"/>
+                <a:p>
+                  <a:pPr algn="ctr"/>
+                  <a:endParaRPr lang="zh-CN" altLang="en-US"/>
+                </a:p>
+              </p:txBody>
+            </p:sp>
+            <p:sp>
+              <p:nvSpPr>
+                <p:cNvPr id="29" name="矩形 28"/>
+                <p:cNvSpPr/>
+                <p:nvPr/>
+              </p:nvSpPr>
+              <p:spPr>
+                <a:xfrm>
+                  <a:off x="9074" y="2424"/>
+                  <a:ext cx="120" cy="1206"/>
+                </a:xfrm>
+                <a:prstGeom prst="rect">
+                  <a:avLst/>
+                </a:prstGeom>
+                <a:solidFill>
+                  <a:srgbClr val="333333"/>
+                </a:solidFill>
+                <a:ln>
+                  <a:noFill/>
+                </a:ln>
+              </p:spPr>
+              <p:style>
+                <a:lnRef idx="2">
+                  <a:schemeClr val="accent1">
+                    <a:shade val="50000"/>
+                  </a:schemeClr>
+                </a:lnRef>
+                <a:fillRef idx="1">
+                  <a:schemeClr val="accent1"/>
+                </a:fillRef>
+                <a:effectRef idx="0">
+                  <a:schemeClr val="accent1"/>
+                </a:effectRef>
+                <a:fontRef idx="minor">
+                  <a:schemeClr val="lt1"/>
+                </a:fontRef>
+              </p:style>
+              <p:txBody>
+                <a:bodyPr rtlCol="0" anchor="ctr"/>
+                <a:p>
+                  <a:pPr algn="ctr"/>
+                  <a:endParaRPr lang="zh-CN" altLang="en-US"/>
+                </a:p>
+              </p:txBody>
+            </p:sp>
+          </p:grpSp>
+        </p:grpSp>
+        <p:sp>
+          <p:nvSpPr>
+            <p:cNvPr id="30" name="矩形 29"/>
+            <p:cNvSpPr/>
+            <p:nvPr/>
+          </p:nvSpPr>
+          <p:spPr>
+            <a:xfrm>
+              <a:off x="6642" y="4981"/>
+              <a:ext cx="3638" cy="922"/>
+            </a:xfrm>
+            <a:prstGeom prst="rect">
+              <a:avLst/>
+            </a:prstGeom>
+            <a:noFill/>
+            <a:ln>
+              <a:noFill/>
+            </a:ln>
+            <a:extLst>
+              <a:ext uri="{909E8E84-426E-40DD-AFC4-6F175D3DCCD1}">
+                <a14:hiddenFill xmlns:a14="http://schemas.microsoft.com/office/drawing/2010/main">
+                  <a:solidFill>
+                    <a:schemeClr val="accent1"/>
+                  </a:solidFill>
+                </a14:hiddenFill>
+              </a:ext>
+            </a:extLst>
+          </p:spPr>
+          <p:style>
+            <a:lnRef idx="2">
+              <a:schemeClr val="accent1">
+                <a:shade val="50000"/>
+              </a:schemeClr>
+            </a:lnRef>
+            <a:fillRef idx="1">
+              <a:schemeClr val="accent1"/>
+            </a:fillRef>
+            <a:effectRef idx="0">
+              <a:schemeClr val="accent1"/>
+            </a:effectRef>
+            <a:fontRef idx="minor">
+              <a:schemeClr val="lt1"/>
+            </a:fontRef>
+          </p:style>
+          <p:txBody>
+            <a:bodyPr rtlCol="0" anchor="ctr"/>
+            <a:p>
+              <a:pPr algn="l"/>
+              <a:r>
+                <a:rPr lang="en-US" altLang="zh-CN" sz="1600">
+                  <a:solidFill>
+                    <a:schemeClr val="bg1">
+                      <a:lumMod val="95000"/>
+                    </a:schemeClr>
+                  </a:solidFill>
+                  <a:latin typeface="Segoe UI" panose="020B0502040204020203" charset="0"/>
+                </a:rPr>
+                <a:t>( y, c, f ) d</a:t>
+              </a:r>
+              <a:r>
+                <a:rPr lang="en-US" altLang="zh-CN" sz="1600">
+                  <a:solidFill>
+                    <a:srgbClr val="E74C3C"/>
+                  </a:solidFill>
+                  <a:latin typeface="Segoe UI" panose="020B0502040204020203" charset="0"/>
+                </a:rPr>
+                <a:t>y</a:t>
+              </a:r>
+              <a:r>
+                <a:rPr lang="en-US" altLang="zh-CN" sz="1600">
+                  <a:solidFill>
+                    <a:schemeClr val="bg1">
+                      <a:lumMod val="95000"/>
+                    </a:schemeClr>
+                  </a:solidFill>
+                  <a:latin typeface="Segoe UI" panose="020B0502040204020203" charset="0"/>
+                </a:rPr>
+                <a:t> d</a:t>
+              </a:r>
+              <a:r>
+                <a:rPr lang="en-US" altLang="zh-CN" sz="1600">
+                  <a:solidFill>
+                    <a:srgbClr val="E74C3C"/>
+                  </a:solidFill>
+                  <a:latin typeface="Segoe UI" panose="020B0502040204020203" charset="0"/>
+                </a:rPr>
+                <a:t>c</a:t>
+              </a:r>
+              <a:r>
+                <a:rPr lang="en-US" altLang="zh-CN" sz="1600">
+                  <a:solidFill>
+                    <a:schemeClr val="bg1">
+                      <a:lumMod val="95000"/>
+                    </a:schemeClr>
+                  </a:solidFill>
+                  <a:latin typeface="Segoe UI" panose="020B0502040204020203" charset="0"/>
+                </a:rPr>
+                <a:t> d</a:t>
+              </a:r>
+              <a:r>
+                <a:rPr lang="en-US" sz="1600">
+                  <a:solidFill>
+                    <a:srgbClr val="E74C3C"/>
+                  </a:solidFill>
+                  <a:latin typeface="Segoe UI" panose="020B0502040204020203" charset="0"/>
+                </a:rPr>
+                <a:t>f</a:t>
+              </a:r>
+              <a:r>
+                <a:rPr lang="en-US" sz="1600">
+                  <a:solidFill>
+                    <a:schemeClr val="bg1">
+                      <a:lumMod val="95000"/>
+                    </a:schemeClr>
+                  </a:solidFill>
+                  <a:latin typeface="Segoe UI" panose="020B0502040204020203" charset="0"/>
+                </a:rPr>
+                <a:t> = </a:t>
+              </a:r>
+              <a:endParaRPr lang="en-US" sz="3600">
+                <a:solidFill>
+                  <a:schemeClr val="bg1">
+                    <a:lumMod val="95000"/>
+                  </a:schemeClr>
+                </a:solidFill>
+                <a:latin typeface="Segoe UI" panose="020B0502040204020203" charset="0"/>
+              </a:endParaRPr>
+            </a:p>
+          </p:txBody>
+        </p:sp>
+        <p:sp>
+          <p:nvSpPr>
+            <p:cNvPr id="31" name="矩形 30"/>
+            <p:cNvSpPr/>
+            <p:nvPr/>
+          </p:nvSpPr>
+          <p:spPr>
+            <a:xfrm>
+              <a:off x="9355" y="4931"/>
+              <a:ext cx="925" cy="922"/>
+            </a:xfrm>
+            <a:prstGeom prst="rect">
+              <a:avLst/>
+            </a:prstGeom>
+            <a:noFill/>
+            <a:ln>
+              <a:noFill/>
+            </a:ln>
+            <a:extLst>
+              <a:ext uri="{909E8E84-426E-40DD-AFC4-6F175D3DCCD1}">
+                <a14:hiddenFill xmlns:a14="http://schemas.microsoft.com/office/drawing/2010/main">
+                  <a:solidFill>
+                    <a:schemeClr val="accent1"/>
+                  </a:solidFill>
+                </a14:hiddenFill>
+              </a:ext>
+            </a:extLst>
+          </p:spPr>
+          <p:style>
+            <a:lnRef idx="2">
+              <a:schemeClr val="accent1">
+                <a:shade val="50000"/>
+              </a:schemeClr>
+            </a:lnRef>
+            <a:fillRef idx="1">
+              <a:schemeClr val="accent1"/>
+            </a:fillRef>
+            <a:effectRef idx="0">
+              <a:schemeClr val="accent1"/>
+            </a:effectRef>
+            <a:fontRef idx="minor">
+              <a:schemeClr val="lt1"/>
+            </a:fontRef>
+          </p:style>
+          <p:txBody>
+            <a:bodyPr rtlCol="0" anchor="ctr"/>
+            <a:p>
+              <a:pPr algn="l"/>
+              <a:r>
+                <a:rPr lang="en-US" sz="3600">
+                  <a:solidFill>
+                    <a:schemeClr val="bg1">
+                      <a:lumMod val="85000"/>
+                    </a:schemeClr>
+                  </a:solidFill>
+                  <a:latin typeface="Segoe UI" panose="020B0502040204020203" charset="0"/>
+                </a:rPr>
+                <a:t>∞</a:t>
+              </a:r>
+              <a:endParaRPr lang="en-US" sz="3600">
+                <a:solidFill>
+                  <a:schemeClr val="bg1">
+                    <a:lumMod val="85000"/>
+                  </a:schemeClr>
+                </a:solidFill>
+                <a:latin typeface="Segoe UI" panose="020B0502040204020203" charset="0"/>
+              </a:endParaRPr>
+            </a:p>
+          </p:txBody>
+        </p:sp>
+      </p:grpSp>
+    </p:spTree>
+  </p:cSld>
+  <p:clrMapOvr>
+    <a:masterClrMapping/>
+  </p:clrMapOvr>
+</p:sld>
+</file>
+
+<file path=ppt/slides/slide21.xml><?xml version="1.0" encoding="utf-8"?>
+<p:sld xmlns:a="http://schemas.openxmlformats.org/drawingml/2006/main" xmlns:r="http://schemas.openxmlformats.org/officeDocument/2006/relationships" xmlns:p="http://schemas.openxmlformats.org/presentationml/2006/main">
+  <p:cSld>
+    <p:bg>
+      <p:bgPr>
+        <a:solidFill>
+          <a:srgbClr val="333333"/>
+        </a:solidFill>
+        <a:effectLst/>
+      </p:bgPr>
+    </p:bg>
+    <p:spTree>
+      <p:nvGrpSpPr>
+        <p:cNvPr id="1" name=""/>
+        <p:cNvGrpSpPr/>
+        <p:nvPr/>
+      </p:nvGrpSpPr>
+      <p:grpSpPr/>
+      <p:grpSp>
+        <p:nvGrpSpPr>
+          <p:cNvPr id="8" name="组合 7"/>
+          <p:cNvGrpSpPr/>
+          <p:nvPr/>
+        </p:nvGrpSpPr>
+        <p:grpSpPr>
+          <a:xfrm>
+            <a:off x="4011930" y="2955925"/>
+            <a:ext cx="4168775" cy="946785"/>
+            <a:chOff x="6223" y="4199"/>
+            <a:chExt cx="6565" cy="1491"/>
+          </a:xfrm>
+        </p:grpSpPr>
+        <p:grpSp>
+          <p:nvGrpSpPr>
+            <p:cNvPr id="25" name="组合 24"/>
+            <p:cNvGrpSpPr/>
+            <p:nvPr/>
+          </p:nvGrpSpPr>
+          <p:grpSpPr>
+            <a:xfrm rot="0">
+              <a:off x="9333" y="4349"/>
+              <a:ext cx="533" cy="459"/>
+              <a:chOff x="5110" y="6100"/>
+              <a:chExt cx="1672" cy="1567"/>
+            </a:xfrm>
+          </p:grpSpPr>
+          <p:sp>
+            <p:nvSpPr>
+              <p:cNvPr id="26" name="等腰三角形 25"/>
+              <p:cNvSpPr/>
+              <p:nvPr/>
+            </p:nvSpPr>
+            <p:spPr>
+              <a:xfrm>
+                <a:off x="5110" y="6100"/>
+                <a:ext cx="1672" cy="1440"/>
+              </a:xfrm>
+              <a:prstGeom prst="triangle">
+                <a:avLst/>
+              </a:prstGeom>
+              <a:solidFill>
+                <a:schemeClr val="bg1">
+                  <a:lumMod val="95000"/>
+                </a:schemeClr>
+              </a:solidFill>
+              <a:ln>
+                <a:noFill/>
+              </a:ln>
+            </p:spPr>
+            <p:style>
+              <a:lnRef idx="2">
+                <a:schemeClr val="accent1">
+                  <a:shade val="50000"/>
+                </a:schemeClr>
+              </a:lnRef>
+              <a:fillRef idx="1">
+                <a:schemeClr val="accent1"/>
+              </a:fillRef>
+              <a:effectRef idx="0">
+                <a:schemeClr val="accent1"/>
+              </a:effectRef>
+              <a:fontRef idx="minor">
+                <a:schemeClr val="lt1"/>
+              </a:fontRef>
+            </p:style>
+            <p:txBody>
+              <a:bodyPr rtlCol="0" anchor="ctr"/>
+              <a:p>
+                <a:pPr algn="ctr"/>
+                <a:endParaRPr lang="zh-CN" altLang="en-US"/>
+              </a:p>
+            </p:txBody>
+          </p:sp>
+          <p:grpSp>
+            <p:nvGrpSpPr>
+              <p:cNvPr id="27" name="组合 26"/>
+              <p:cNvGrpSpPr/>
+              <p:nvPr/>
+            </p:nvGrpSpPr>
+            <p:grpSpPr>
+              <a:xfrm rot="19800000">
+                <a:off x="5723" y="6461"/>
+                <a:ext cx="460" cy="1206"/>
+                <a:chOff x="8903" y="2424"/>
+                <a:chExt cx="460" cy="1206"/>
+              </a:xfrm>
+            </p:grpSpPr>
+            <p:sp>
+              <p:nvSpPr>
+                <p:cNvPr id="28" name="椭圆 27"/>
+                <p:cNvSpPr/>
+                <p:nvPr/>
+              </p:nvSpPr>
+              <p:spPr>
+                <a:xfrm>
+                  <a:off x="8903" y="2783"/>
+                  <a:ext cx="460" cy="460"/>
+                </a:xfrm>
+                <a:prstGeom prst="ellipse">
+                  <a:avLst/>
+                </a:prstGeom>
+                <a:solidFill>
+                  <a:srgbClr val="333333"/>
+                </a:solidFill>
+                <a:ln>
+                  <a:solidFill>
+                    <a:srgbClr val="333333"/>
+                  </a:solidFill>
+                </a:ln>
+              </p:spPr>
+              <p:style>
+                <a:lnRef idx="2">
+                  <a:schemeClr val="accent1">
+                    <a:shade val="50000"/>
+                  </a:schemeClr>
+                </a:lnRef>
+                <a:fillRef idx="1">
+                  <a:schemeClr val="accent1"/>
+                </a:fillRef>
+                <a:effectRef idx="0">
+                  <a:schemeClr val="accent1"/>
+                </a:effectRef>
+                <a:fontRef idx="minor">
+                  <a:schemeClr val="lt1"/>
+                </a:fontRef>
+              </p:style>
+              <p:txBody>
+                <a:bodyPr rtlCol="0" anchor="ctr"/>
+                <a:p>
+                  <a:pPr algn="ctr"/>
+                  <a:endParaRPr lang="zh-CN" altLang="en-US"/>
+                </a:p>
+              </p:txBody>
+            </p:sp>
+            <p:sp>
+              <p:nvSpPr>
+                <p:cNvPr id="29" name="矩形 28"/>
+                <p:cNvSpPr/>
+                <p:nvPr/>
+              </p:nvSpPr>
+              <p:spPr>
+                <a:xfrm>
+                  <a:off x="9074" y="2424"/>
+                  <a:ext cx="120" cy="1206"/>
+                </a:xfrm>
+                <a:prstGeom prst="rect">
+                  <a:avLst/>
+                </a:prstGeom>
+                <a:solidFill>
+                  <a:srgbClr val="333333"/>
+                </a:solidFill>
+                <a:ln>
+                  <a:noFill/>
+                </a:ln>
+              </p:spPr>
+              <p:style>
+                <a:lnRef idx="2">
+                  <a:schemeClr val="accent1">
+                    <a:shade val="50000"/>
+                  </a:schemeClr>
+                </a:lnRef>
+                <a:fillRef idx="1">
+                  <a:schemeClr val="accent1"/>
+                </a:fillRef>
+                <a:effectRef idx="0">
+                  <a:schemeClr val="accent1"/>
+                </a:effectRef>
+                <a:fontRef idx="minor">
+                  <a:schemeClr val="lt1"/>
+                </a:fontRef>
+              </p:style>
+              <p:txBody>
+                <a:bodyPr rtlCol="0" anchor="ctr"/>
+                <a:p>
+                  <a:pPr algn="ctr"/>
+                  <a:endParaRPr lang="zh-CN" altLang="en-US"/>
+                </a:p>
+              </p:txBody>
+            </p:sp>
+          </p:grpSp>
+        </p:grpSp>
+        <p:cxnSp>
+          <p:nvCxnSpPr>
+            <p:cNvPr id="3" name="直接连接符 2"/>
+            <p:cNvCxnSpPr/>
+            <p:nvPr/>
+          </p:nvCxnSpPr>
+          <p:spPr>
+            <a:xfrm>
+              <a:off x="9076" y="4919"/>
+              <a:ext cx="1045" cy="0"/>
+            </a:xfrm>
+            <a:prstGeom prst="line">
+              <a:avLst/>
+            </a:prstGeom>
+            <a:ln>
+              <a:solidFill>
+                <a:schemeClr val="bg1">
+                  <a:lumMod val="95000"/>
+                </a:schemeClr>
+              </a:solidFill>
+            </a:ln>
+          </p:spPr>
+          <p:style>
+            <a:lnRef idx="1">
+              <a:schemeClr val="accent1"/>
+            </a:lnRef>
+            <a:fillRef idx="0">
+              <a:schemeClr val="accent1"/>
+            </a:fillRef>
+            <a:effectRef idx="0">
+              <a:schemeClr val="accent1"/>
+            </a:effectRef>
+            <a:fontRef idx="minor">
+              <a:schemeClr val="tx1"/>
+            </a:fontRef>
+          </p:style>
+        </p:cxnSp>
+        <p:cxnSp>
+          <p:nvCxnSpPr>
+            <p:cNvPr id="4" name="直接连接符 3"/>
+            <p:cNvCxnSpPr/>
+            <p:nvPr/>
+          </p:nvCxnSpPr>
+          <p:spPr>
+            <a:xfrm>
+              <a:off x="9076" y="5073"/>
+              <a:ext cx="1045" cy="0"/>
+            </a:xfrm>
+            <a:prstGeom prst="line">
+              <a:avLst/>
+            </a:prstGeom>
+            <a:ln>
+              <a:solidFill>
+                <a:schemeClr val="bg1">
+                  <a:lumMod val="95000"/>
+                </a:schemeClr>
+              </a:solidFill>
+            </a:ln>
+          </p:spPr>
+          <p:style>
+            <a:lnRef idx="1">
+              <a:schemeClr val="accent1"/>
+            </a:lnRef>
+            <a:fillRef idx="0">
+              <a:schemeClr val="accent1"/>
+            </a:fillRef>
+            <a:effectRef idx="0">
+              <a:schemeClr val="accent1"/>
+            </a:effectRef>
+            <a:fontRef idx="minor">
+              <a:schemeClr val="tx1"/>
+            </a:fontRef>
+          </p:style>
+        </p:cxnSp>
+        <p:sp>
+          <p:nvSpPr>
+            <p:cNvPr id="5" name="矩形 4"/>
+            <p:cNvSpPr/>
+            <p:nvPr/>
+          </p:nvSpPr>
+          <p:spPr>
+            <a:xfrm>
+              <a:off x="6223" y="4250"/>
+              <a:ext cx="6306" cy="1440"/>
+            </a:xfrm>
+            <a:prstGeom prst="rect">
+              <a:avLst/>
+            </a:prstGeom>
+            <a:noFill/>
+            <a:ln>
+              <a:noFill/>
+            </a:ln>
+            <a:extLst>
+              <a:ext uri="{909E8E84-426E-40DD-AFC4-6F175D3DCCD1}">
+                <a14:hiddenFill xmlns:a14="http://schemas.microsoft.com/office/drawing/2010/main">
+                  <a:solidFill>
+                    <a:schemeClr val="accent1"/>
+                  </a:solidFill>
+                </a14:hiddenFill>
+              </a:ext>
+            </a:extLst>
+          </p:spPr>
+          <p:style>
+            <a:lnRef idx="2">
+              <a:schemeClr val="accent1">
+                <a:shade val="50000"/>
+              </a:schemeClr>
+            </a:lnRef>
+            <a:fillRef idx="1">
+              <a:schemeClr val="accent1"/>
+            </a:fillRef>
+            <a:effectRef idx="0">
+              <a:schemeClr val="accent1"/>
+            </a:effectRef>
+            <a:fontRef idx="minor">
+              <a:schemeClr val="lt1"/>
+            </a:fontRef>
+          </p:style>
+          <p:txBody>
+            <a:bodyPr rtlCol="0" anchor="ctr"/>
+            <a:p>
+              <a:pPr algn="l"/>
+              <a:r>
+                <a:rPr lang="en-US" altLang="zh-CN" sz="2400">
+                  <a:solidFill>
+                    <a:schemeClr val="bg1">
+                      <a:lumMod val="95000"/>
+                    </a:schemeClr>
+                  </a:solidFill>
+                  <a:latin typeface="Arial" panose="020B0604020202020204" pitchFamily="34" charset="0"/>
+                </a:rPr>
+                <a:t>Y</a:t>
+              </a:r>
+              <a:r>
+                <a:rPr lang="en-US" altLang="zh-CN" sz="1400">
+                  <a:solidFill>
+                    <a:schemeClr val="bg1">
+                      <a:lumMod val="95000"/>
+                    </a:schemeClr>
+                  </a:solidFill>
+                  <a:latin typeface="Arial" panose="020B0604020202020204" pitchFamily="34" charset="0"/>
+                </a:rPr>
+                <a:t>0</a:t>
+              </a:r>
+              <a:r>
+                <a:rPr lang="en-US" altLang="zh-CN" sz="2400">
+                  <a:solidFill>
+                    <a:schemeClr val="bg1">
+                      <a:lumMod val="95000"/>
+                    </a:schemeClr>
+                  </a:solidFill>
+                  <a:latin typeface="Arial" panose="020B0604020202020204" pitchFamily="34" charset="0"/>
+                </a:rPr>
+                <a:t> + C</a:t>
+              </a:r>
+              <a:r>
+                <a:rPr lang="en-US" altLang="zh-CN" sz="1400">
+                  <a:solidFill>
+                    <a:schemeClr val="bg1">
+                      <a:lumMod val="95000"/>
+                    </a:schemeClr>
+                  </a:solidFill>
+                  <a:latin typeface="Arial" panose="020B0604020202020204" pitchFamily="34" charset="0"/>
+                </a:rPr>
+                <a:t>0</a:t>
+              </a:r>
+              <a:r>
+                <a:rPr lang="en-US" altLang="zh-CN" sz="2400">
+                  <a:solidFill>
+                    <a:schemeClr val="bg1">
+                      <a:lumMod val="95000"/>
+                    </a:schemeClr>
+                  </a:solidFill>
+                  <a:latin typeface="Arial" panose="020B0604020202020204" pitchFamily="34" charset="0"/>
+                </a:rPr>
+                <a:t> + F</a:t>
+              </a:r>
+              <a:r>
+                <a:rPr lang="en-US" altLang="zh-CN" sz="1400">
+                  <a:solidFill>
+                    <a:schemeClr val="bg1">
+                      <a:lumMod val="95000"/>
+                    </a:schemeClr>
+                  </a:solidFill>
+                  <a:latin typeface="Arial" panose="020B0604020202020204" pitchFamily="34" charset="0"/>
+                </a:rPr>
+                <a:t>0                             </a:t>
+              </a:r>
+              <a:r>
+                <a:rPr lang="en-US" altLang="zh-CN" sz="2400">
+                  <a:solidFill>
+                    <a:schemeClr val="bg1">
+                      <a:lumMod val="95000"/>
+                    </a:schemeClr>
+                  </a:solidFill>
+                  <a:latin typeface="Arial" panose="020B0604020202020204" pitchFamily="34" charset="0"/>
+                </a:rPr>
+                <a:t>+ ycf </a:t>
+              </a:r>
+              <a:endParaRPr lang="en-US" altLang="zh-CN" sz="2400">
+                <a:solidFill>
+                  <a:schemeClr val="bg1">
+                    <a:lumMod val="95000"/>
+                  </a:schemeClr>
+                </a:solidFill>
+                <a:latin typeface="Arial" panose="020B0604020202020204" pitchFamily="34" charset="0"/>
+              </a:endParaRPr>
+            </a:p>
+          </p:txBody>
+        </p:sp>
+        <p:sp>
+          <p:nvSpPr>
+            <p:cNvPr id="6" name="矩形 5"/>
+            <p:cNvSpPr/>
+            <p:nvPr/>
+          </p:nvSpPr>
+          <p:spPr>
+            <a:xfrm>
+              <a:off x="10285" y="4250"/>
+              <a:ext cx="962" cy="1440"/>
+            </a:xfrm>
+            <a:prstGeom prst="rect">
+              <a:avLst/>
+            </a:prstGeom>
+            <a:noFill/>
+            <a:ln>
+              <a:noFill/>
+            </a:ln>
+            <a:extLst>
+              <a:ext uri="{909E8E84-426E-40DD-AFC4-6F175D3DCCD1}">
+                <a14:hiddenFill xmlns:a14="http://schemas.microsoft.com/office/drawing/2010/main">
+                  <a:solidFill>
+                    <a:schemeClr val="accent1"/>
+                  </a:solidFill>
+                </a14:hiddenFill>
+              </a:ext>
+            </a:extLst>
+          </p:spPr>
+          <p:style>
+            <a:lnRef idx="2">
+              <a:schemeClr val="accent1">
+                <a:shade val="50000"/>
+              </a:schemeClr>
+            </a:lnRef>
+            <a:fillRef idx="1">
+              <a:schemeClr val="accent1"/>
+            </a:fillRef>
+            <a:effectRef idx="0">
+              <a:schemeClr val="accent1"/>
+            </a:effectRef>
+            <a:fontRef idx="minor">
+              <a:schemeClr val="lt1"/>
+            </a:fontRef>
+          </p:style>
+          <p:txBody>
+            <a:bodyPr rtlCol="0" anchor="ctr"/>
+            <a:p>
+              <a:pPr algn="l"/>
+              <a:r>
+                <a:rPr lang="en-US" altLang="zh-CN" sz="4400">
+                  <a:solidFill>
+                    <a:srgbClr val="2ECC71"/>
+                  </a:solidFill>
+                  <a:latin typeface="Arial" panose="020B0604020202020204" pitchFamily="34" charset="0"/>
+                  <a:sym typeface="+mn-ea"/>
+                </a:rPr>
+                <a:t>♣</a:t>
+              </a:r>
+              <a:endParaRPr lang="en-US" altLang="zh-CN" sz="4400">
+                <a:solidFill>
+                  <a:srgbClr val="2ECC71"/>
+                </a:solidFill>
+                <a:latin typeface="Arial" panose="020B0604020202020204" pitchFamily="34" charset="0"/>
+                <a:sym typeface="+mn-ea"/>
+              </a:endParaRPr>
+            </a:p>
+          </p:txBody>
+        </p:sp>
+        <p:sp>
+          <p:nvSpPr>
+            <p:cNvPr id="7" name="矩形 6"/>
+            <p:cNvSpPr/>
+            <p:nvPr/>
+          </p:nvSpPr>
+          <p:spPr>
+            <a:xfrm>
+              <a:off x="12118" y="4199"/>
+              <a:ext cx="671" cy="1440"/>
+            </a:xfrm>
+            <a:prstGeom prst="rect">
+              <a:avLst/>
+            </a:prstGeom>
+            <a:noFill/>
+            <a:ln>
+              <a:noFill/>
+            </a:ln>
+            <a:extLst>
+              <a:ext uri="{909E8E84-426E-40DD-AFC4-6F175D3DCCD1}">
+                <a14:hiddenFill xmlns:a14="http://schemas.microsoft.com/office/drawing/2010/main">
+                  <a:solidFill>
+                    <a:schemeClr val="accent1"/>
+                  </a:solidFill>
+                </a14:hiddenFill>
+              </a:ext>
+            </a:extLst>
+          </p:spPr>
+          <p:style>
+            <a:lnRef idx="2">
+              <a:schemeClr val="accent1">
+                <a:shade val="50000"/>
+              </a:schemeClr>
+            </a:lnRef>
+            <a:fillRef idx="1">
+              <a:schemeClr val="accent1"/>
+            </a:fillRef>
+            <a:effectRef idx="0">
+              <a:schemeClr val="accent1"/>
+            </a:effectRef>
+            <a:fontRef idx="minor">
+              <a:schemeClr val="lt1"/>
+            </a:fontRef>
+          </p:style>
+          <p:txBody>
+            <a:bodyPr rtlCol="0" anchor="ctr"/>
+            <a:p>
+              <a:pPr algn="l"/>
+              <a:r>
+                <a:rPr lang="en-US" altLang="zh-CN" sz="3200">
+                  <a:solidFill>
+                    <a:srgbClr val="2ECC71"/>
+                  </a:solidFill>
+                  <a:latin typeface="Arial" panose="020B0604020202020204" pitchFamily="34" charset="0"/>
+                  <a:sym typeface="+mn-ea"/>
+                </a:rPr>
+                <a:t>↑</a:t>
+              </a:r>
+              <a:endParaRPr lang="en-US" altLang="zh-CN" sz="3200">
+                <a:solidFill>
+                  <a:srgbClr val="2ECC71"/>
+                </a:solidFill>
+                <a:latin typeface="Arial" panose="020B0604020202020204" pitchFamily="34" charset="0"/>
+                <a:sym typeface="+mn-ea"/>
+              </a:endParaRPr>
+            </a:p>
+          </p:txBody>
+        </p:sp>
+      </p:grpSp>
+    </p:spTree>
+  </p:cSld>
+  <p:clrMapOvr>
+    <a:masterClrMapping/>
+  </p:clrMapOvr>
+</p:sld>
+</file>
+
+<file path=ppt/slides/slide22.xml><?xml version="1.0" encoding="utf-8"?>
+<p:sld xmlns:a="http://schemas.openxmlformats.org/drawingml/2006/main" xmlns:r="http://schemas.openxmlformats.org/officeDocument/2006/relationships" xmlns:p="http://schemas.openxmlformats.org/presentationml/2006/main">
+  <p:cSld>
+    <p:bg>
+      <p:bgPr>
+        <a:solidFill>
+          <a:srgbClr val="333333"/>
+        </a:solidFill>
+        <a:effectLst/>
+      </p:bgPr>
+    </p:bg>
+    <p:spTree>
+      <p:nvGrpSpPr>
+        <p:cNvPr id="1" name=""/>
+        <p:cNvGrpSpPr/>
+        <p:nvPr/>
+      </p:nvGrpSpPr>
+      <p:grpSpPr/>
+      <p:grpSp>
+        <p:nvGrpSpPr>
+          <p:cNvPr id="88" name="组合 87"/>
+          <p:cNvGrpSpPr/>
+          <p:nvPr/>
+        </p:nvGrpSpPr>
+        <p:grpSpPr>
+          <a:xfrm>
+            <a:off x="4782820" y="2199005"/>
+            <a:ext cx="2626360" cy="2461260"/>
+            <a:chOff x="5110" y="6100"/>
+            <a:chExt cx="1672" cy="1567"/>
+          </a:xfrm>
+        </p:grpSpPr>
+        <p:sp>
+          <p:nvSpPr>
+            <p:cNvPr id="85" name="等腰三角形 84"/>
+            <p:cNvSpPr/>
+            <p:nvPr/>
+          </p:nvSpPr>
+          <p:spPr>
+            <a:xfrm>
+              <a:off x="5110" y="6100"/>
+              <a:ext cx="1672" cy="1440"/>
+            </a:xfrm>
+            <a:prstGeom prst="triangle">
+              <a:avLst/>
+            </a:prstGeom>
+            <a:solidFill>
+              <a:schemeClr val="bg1">
+                <a:lumMod val="95000"/>
+              </a:schemeClr>
+            </a:solidFill>
+            <a:ln>
+              <a:noFill/>
+            </a:ln>
+          </p:spPr>
+          <p:style>
+            <a:lnRef idx="2">
+              <a:schemeClr val="accent1">
+                <a:shade val="50000"/>
+              </a:schemeClr>
+            </a:lnRef>
+            <a:fillRef idx="1">
+              <a:schemeClr val="accent1"/>
+            </a:fillRef>
+            <a:effectRef idx="0">
+              <a:schemeClr val="accent1"/>
+            </a:effectRef>
+            <a:fontRef idx="minor">
+              <a:schemeClr val="lt1"/>
+            </a:fontRef>
+          </p:style>
+          <p:txBody>
+            <a:bodyPr rtlCol="0" anchor="ctr"/>
+            <a:p>
+              <a:pPr algn="ctr"/>
+              <a:endParaRPr lang="zh-CN" altLang="en-US"/>
+            </a:p>
+          </p:txBody>
+        </p:sp>
+        <p:grpSp>
+          <p:nvGrpSpPr>
+            <p:cNvPr id="87" name="组合 86"/>
+            <p:cNvGrpSpPr/>
+            <p:nvPr/>
+          </p:nvGrpSpPr>
+          <p:grpSpPr>
+            <a:xfrm rot="19800000">
+              <a:off x="5723" y="6461"/>
+              <a:ext cx="460" cy="1206"/>
+              <a:chOff x="8903" y="2424"/>
+              <a:chExt cx="460" cy="1206"/>
+            </a:xfrm>
+          </p:grpSpPr>
+          <p:sp>
+            <p:nvSpPr>
+              <p:cNvPr id="86" name="矩形 85"/>
+              <p:cNvSpPr/>
+              <p:nvPr/>
+            </p:nvSpPr>
+            <p:spPr>
+              <a:xfrm>
+                <a:off x="9074" y="2424"/>
+                <a:ext cx="120" cy="1206"/>
+              </a:xfrm>
+              <a:prstGeom prst="rect">
+                <a:avLst/>
+              </a:prstGeom>
+              <a:solidFill>
+                <a:srgbClr val="333333"/>
+              </a:solidFill>
+              <a:ln>
+                <a:noFill/>
+              </a:ln>
+            </p:spPr>
+            <p:style>
+              <a:lnRef idx="2">
+                <a:schemeClr val="accent1">
+                  <a:shade val="50000"/>
+                </a:schemeClr>
+              </a:lnRef>
+              <a:fillRef idx="1">
+                <a:schemeClr val="accent1"/>
+              </a:fillRef>
+              <a:effectRef idx="0">
+                <a:schemeClr val="accent1"/>
+              </a:effectRef>
+              <a:fontRef idx="minor">
+                <a:schemeClr val="lt1"/>
+              </a:fontRef>
+            </p:style>
+            <p:txBody>
+              <a:bodyPr rtlCol="0" anchor="ctr"/>
+              <a:p>
+                <a:pPr algn="ctr"/>
+                <a:endParaRPr lang="zh-CN" altLang="en-US"/>
+              </a:p>
+            </p:txBody>
+          </p:sp>
+          <p:sp>
+            <p:nvSpPr>
+              <p:cNvPr id="44" name="椭圆 43"/>
+              <p:cNvSpPr/>
+              <p:nvPr/>
+            </p:nvSpPr>
+            <p:spPr>
+              <a:xfrm>
+                <a:off x="8903" y="2783"/>
+                <a:ext cx="460" cy="460"/>
+              </a:xfrm>
+              <a:prstGeom prst="ellipse">
+                <a:avLst/>
+              </a:prstGeom>
+              <a:solidFill>
+                <a:srgbClr val="333333"/>
+              </a:solidFill>
+              <a:ln>
+                <a:solidFill>
+                  <a:srgbClr val="333333"/>
+                </a:solidFill>
+              </a:ln>
+            </p:spPr>
+            <p:style>
+              <a:lnRef idx="2">
+                <a:schemeClr val="accent1">
+                  <a:shade val="50000"/>
+                </a:schemeClr>
+              </a:lnRef>
+              <a:fillRef idx="1">
+                <a:schemeClr val="accent1"/>
+              </a:fillRef>
+              <a:effectRef idx="0">
+                <a:schemeClr val="accent1"/>
+              </a:effectRef>
+              <a:fontRef idx="minor">
+                <a:schemeClr val="lt1"/>
+              </a:fontRef>
+            </p:style>
+            <p:txBody>
+              <a:bodyPr rtlCol="0" anchor="ctr"/>
+              <a:p>
+                <a:pPr algn="ctr"/>
+                <a:endParaRPr lang="zh-CN" altLang="en-US"/>
+              </a:p>
+            </p:txBody>
+          </p:sp>
+        </p:grpSp>
+      </p:grpSp>
+    </p:spTree>
+  </p:cSld>
+  <p:clrMapOvr>
+    <a:masterClrMapping/>
+  </p:clrMapOvr>
+</p:sld>
+</file>
+
+<file path=ppt/slides/slide23.xml><?xml version="1.0" encoding="utf-8"?>
+<p:sld xmlns:a="http://schemas.openxmlformats.org/drawingml/2006/main" xmlns:r="http://schemas.openxmlformats.org/officeDocument/2006/relationships" xmlns:p="http://schemas.openxmlformats.org/presentationml/2006/main">
+  <p:cSld>
+    <p:bg>
+      <p:bgPr>
+        <a:solidFill>
+          <a:srgbClr val="333333"/>
+        </a:solidFill>
+        <a:effectLst/>
+      </p:bgPr>
+    </p:bg>
+    <p:spTree>
+      <p:nvGrpSpPr>
+        <p:cNvPr id="1" name=""/>
+        <p:cNvGrpSpPr/>
+        <p:nvPr/>
+      </p:nvGrpSpPr>
+      <p:grpSpPr/>
+      <p:grpSp>
+        <p:nvGrpSpPr>
+          <p:cNvPr id="34" name="组合 33"/>
+          <p:cNvGrpSpPr/>
+          <p:nvPr/>
+        </p:nvGrpSpPr>
+        <p:grpSpPr>
+          <a:xfrm>
+            <a:off x="4961255" y="2620010"/>
+            <a:ext cx="2268855" cy="1618615"/>
+            <a:chOff x="11378" y="4680"/>
+            <a:chExt cx="3573" cy="2549"/>
+          </a:xfrm>
+        </p:grpSpPr>
+        <p:sp>
+          <p:nvSpPr>
+            <p:cNvPr id="21" name="矩形 20"/>
+            <p:cNvSpPr/>
+            <p:nvPr/>
+          </p:nvSpPr>
+          <p:spPr>
+            <a:xfrm rot="10800000">
+              <a:off x="11378" y="4680"/>
+              <a:ext cx="1440" cy="1440"/>
+            </a:xfrm>
+            <a:prstGeom prst="rect">
+              <a:avLst/>
+            </a:prstGeom>
+            <a:noFill/>
+            <a:ln>
+              <a:noFill/>
+            </a:ln>
+            <a:extLst>
+              <a:ext uri="{909E8E84-426E-40DD-AFC4-6F175D3DCCD1}">
+                <a14:hiddenFill xmlns:a14="http://schemas.microsoft.com/office/drawing/2010/main">
+                  <a:solidFill>
+                    <a:schemeClr val="accent1"/>
+                  </a:solidFill>
+                </a14:hiddenFill>
+              </a:ext>
+            </a:extLst>
+          </p:spPr>
+          <p:style>
+            <a:lnRef idx="2">
+              <a:schemeClr val="accent1">
+                <a:shade val="50000"/>
+              </a:schemeClr>
+            </a:lnRef>
+            <a:fillRef idx="1">
+              <a:schemeClr val="accent1"/>
+            </a:fillRef>
+            <a:effectRef idx="0">
+              <a:schemeClr val="accent1"/>
+            </a:effectRef>
+            <a:fontRef idx="minor">
+              <a:schemeClr val="lt1"/>
+            </a:fontRef>
+          </p:style>
+          <p:txBody>
+            <a:bodyPr rtlCol="0" anchor="ctr"/>
+            <a:p>
+              <a:pPr algn="ctr"/>
+              <a:r>
+                <a:rPr lang="en-US" altLang="zh-CN" sz="19900">
+                  <a:solidFill>
+                    <a:schemeClr val="bg1">
+                      <a:lumMod val="95000"/>
+                    </a:schemeClr>
+                  </a:solidFill>
+                  <a:latin typeface="Times New Roman" panose="02020603050405020304" charset="0"/>
+                </a:rPr>
+                <a:t>’</a:t>
+              </a:r>
+              <a:endParaRPr lang="en-US" altLang="zh-CN" sz="19900">
+                <a:solidFill>
+                  <a:schemeClr val="bg1">
+                    <a:lumMod val="95000"/>
+                  </a:schemeClr>
+                </a:solidFill>
+                <a:latin typeface="Times New Roman" panose="02020603050405020304" charset="0"/>
+              </a:endParaRPr>
+            </a:p>
+          </p:txBody>
+        </p:sp>
+        <p:sp>
+          <p:nvSpPr>
+            <p:cNvPr id="32" name="矩形 31"/>
+            <p:cNvSpPr/>
+            <p:nvPr/>
+          </p:nvSpPr>
+          <p:spPr>
+            <a:xfrm>
+              <a:off x="12432" y="5789"/>
+              <a:ext cx="2519" cy="1440"/>
+            </a:xfrm>
+            <a:prstGeom prst="rect">
+              <a:avLst/>
+            </a:prstGeom>
+            <a:noFill/>
+            <a:ln>
+              <a:noFill/>
+            </a:ln>
+            <a:extLst>
+              <a:ext uri="{909E8E84-426E-40DD-AFC4-6F175D3DCCD1}">
+                <a14:hiddenFill xmlns:a14="http://schemas.microsoft.com/office/drawing/2010/main">
+                  <a:solidFill>
+                    <a:schemeClr val="accent1"/>
+                  </a:solidFill>
+                </a14:hiddenFill>
+              </a:ext>
+            </a:extLst>
+          </p:spPr>
+          <p:style>
+            <a:lnRef idx="2">
+              <a:schemeClr val="accent1">
+                <a:shade val="50000"/>
+              </a:schemeClr>
+            </a:lnRef>
+            <a:fillRef idx="1">
+              <a:schemeClr val="accent1"/>
+            </a:fillRef>
+            <a:effectRef idx="0">
+              <a:schemeClr val="accent1"/>
+            </a:effectRef>
+            <a:fontRef idx="minor">
+              <a:schemeClr val="lt1"/>
+            </a:fontRef>
+          </p:style>
+          <p:txBody>
+            <a:bodyPr rtlCol="0" anchor="ctr"/>
+            <a:p>
+              <a:pPr algn="dist"/>
+              <a:r>
+                <a:rPr lang="en-US" altLang="zh-CN" sz="2000">
+                  <a:solidFill>
+                    <a:schemeClr val="bg1">
+                      <a:lumMod val="95000"/>
+                    </a:schemeClr>
+                  </a:solidFill>
+                </a:rPr>
+                <a:t>ack 0ff</a:t>
+              </a:r>
+              <a:endParaRPr lang="en-US" altLang="zh-CN" sz="2000">
+                <a:solidFill>
+                  <a:schemeClr val="bg1">
+                    <a:lumMod val="95000"/>
+                  </a:schemeClr>
+                </a:solidFill>
+              </a:endParaRPr>
+            </a:p>
+          </p:txBody>
+        </p:sp>
+        <p:sp>
+          <p:nvSpPr>
+            <p:cNvPr id="33" name="矩形 32"/>
+            <p:cNvSpPr/>
+            <p:nvPr/>
+          </p:nvSpPr>
+          <p:spPr>
+            <a:xfrm>
+              <a:off x="14036" y="6345"/>
+              <a:ext cx="514" cy="514"/>
+            </a:xfrm>
+            <a:prstGeom prst="rect">
+              <a:avLst/>
+            </a:prstGeom>
+            <a:noFill/>
+            <a:ln>
+              <a:noFill/>
+            </a:ln>
+            <a:extLst>
+              <a:ext uri="{909E8E84-426E-40DD-AFC4-6F175D3DCCD1}">
+                <a14:hiddenFill xmlns:a14="http://schemas.microsoft.com/office/drawing/2010/main">
+                  <a:solidFill>
+                    <a:schemeClr val="accent1"/>
+                  </a:solidFill>
+                </a14:hiddenFill>
+              </a:ext>
+            </a:extLst>
+          </p:spPr>
+          <p:style>
+            <a:lnRef idx="2">
+              <a:schemeClr val="accent1">
+                <a:shade val="50000"/>
+              </a:schemeClr>
+            </a:lnRef>
+            <a:fillRef idx="1">
+              <a:schemeClr val="accent1"/>
+            </a:fillRef>
+            <a:effectRef idx="0">
+              <a:schemeClr val="accent1"/>
+            </a:effectRef>
+            <a:fontRef idx="minor">
+              <a:schemeClr val="lt1"/>
+            </a:fontRef>
+          </p:style>
+          <p:txBody>
+            <a:bodyPr rtlCol="0" anchor="ctr"/>
+            <a:p>
+              <a:pPr algn="ctr"/>
+              <a:r>
+                <a:rPr lang="en-US" altLang="zh-CN" sz="1200">
+                  <a:solidFill>
+                    <a:schemeClr val="bg1">
+                      <a:lumMod val="95000"/>
+                    </a:schemeClr>
+                  </a:solidFill>
+                  <a:latin typeface="Orator Std" panose="020D0509020203030204" charset="0"/>
+                </a:rPr>
+                <a:t>x</a:t>
+              </a:r>
+              <a:endParaRPr lang="en-US" altLang="zh-CN" sz="1200">
+                <a:solidFill>
+                  <a:schemeClr val="bg1">
+                    <a:lumMod val="95000"/>
+                  </a:schemeClr>
+                </a:solidFill>
+                <a:latin typeface="Orator Std" panose="020D0509020203030204" charset="0"/>
+              </a:endParaRPr>
+            </a:p>
+          </p:txBody>
+        </p:sp>
+      </p:grpSp>
     </p:spTree>
   </p:cSld>
   <p:clrMapOvr>
